--- a/Sequence charts/Sequence Charts.pptx
+++ b/Sequence charts/Sequence Charts.pptx
@@ -9,7 +9,7 @@
     <p:sldId id="257" r:id="rId3"/>
     <p:sldId id="258" r:id="rId4"/>
     <p:sldId id="259" r:id="rId5"/>
-    <p:sldId id="260" r:id="rId6"/>
+    <p:sldId id="270" r:id="rId6"/>
     <p:sldId id="261" r:id="rId7"/>
     <p:sldId id="262" r:id="rId8"/>
     <p:sldId id="263" r:id="rId9"/>
@@ -3634,97 +3634,6 @@
           </a:fontRef>
         </p:style>
       </p:cxnSp>
-      <p:sp>
-        <p:nvSpPr>
-          <p:cNvPr id="16" name="Rectangle 15">
-            <a:extLst>
-              <a:ext uri="{FF2B5EF4-FFF2-40B4-BE49-F238E27FC236}">
-                <a16:creationId xmlns:a16="http://schemas.microsoft.com/office/drawing/2014/main" id="{0285C4BD-12F1-4D93-81B0-4B81C5DE0ACF}"/>
-              </a:ext>
-            </a:extLst>
-          </p:cNvPr>
-          <p:cNvSpPr/>
-          <p:nvPr/>
-        </p:nvSpPr>
-        <p:spPr>
-          <a:xfrm>
-            <a:off x="3851150" y="1114021"/>
-            <a:ext cx="169057" cy="4391855"/>
-          </a:xfrm>
-          <a:prstGeom prst="rect">
-            <a:avLst/>
-          </a:prstGeom>
-          <a:solidFill>
-            <a:schemeClr val="bg2"/>
-          </a:solidFill>
-          <a:ln>
-            <a:solidFill>
-              <a:schemeClr val="tx1"/>
-            </a:solidFill>
-          </a:ln>
-        </p:spPr>
-        <p:style>
-          <a:lnRef idx="2">
-            <a:schemeClr val="accent1">
-              <a:shade val="50000"/>
-            </a:schemeClr>
-          </a:lnRef>
-          <a:fillRef idx="1">
-            <a:schemeClr val="accent1"/>
-          </a:fillRef>
-          <a:effectRef idx="0">
-            <a:schemeClr val="accent1"/>
-          </a:effectRef>
-          <a:fontRef idx="minor">
-            <a:schemeClr val="lt1"/>
-          </a:fontRef>
-        </p:style>
-        <p:txBody>
-          <a:bodyPr rtlCol="0" anchor="ctr"/>
-          <a:lstStyle/>
-          <a:p>
-            <a:pPr algn="ctr"/>
-            <a:endParaRPr lang="en-US"/>
-          </a:p>
-        </p:txBody>
-      </p:sp>
-      <p:sp>
-        <p:nvSpPr>
-          <p:cNvPr id="17" name="TextBox 16">
-            <a:extLst>
-              <a:ext uri="{FF2B5EF4-FFF2-40B4-BE49-F238E27FC236}">
-                <a16:creationId xmlns:a16="http://schemas.microsoft.com/office/drawing/2014/main" id="{5F14A1DD-3841-44CD-81BB-FC50BB190866}"/>
-              </a:ext>
-            </a:extLst>
-          </p:cNvPr>
-          <p:cNvSpPr txBox="1"/>
-          <p:nvPr/>
-        </p:nvSpPr>
-        <p:spPr>
-          <a:xfrm>
-            <a:off x="3536369" y="780958"/>
-            <a:ext cx="798617" cy="307777"/>
-          </a:xfrm>
-          <a:prstGeom prst="rect">
-            <a:avLst/>
-          </a:prstGeom>
-          <a:noFill/>
-        </p:spPr>
-        <p:txBody>
-          <a:bodyPr wrap="none" rtlCol="0">
-            <a:spAutoFit/>
-          </a:bodyPr>
-          <a:lstStyle/>
-          <a:p>
-            <a:r>
-              <a:rPr lang="en-US" sz="1400" u="sng" dirty="0">
-                <a:latin typeface="Georgia" panose="02040502050405020303" pitchFamily="18" charset="0"/>
-              </a:rPr>
-              <a:t>Theater</a:t>
-            </a:r>
-          </a:p>
-        </p:txBody>
-      </p:sp>
       <p:cxnSp>
         <p:nvCxnSpPr>
           <p:cNvPr id="19" name="Straight Connector 18">
@@ -3741,53 +3650,6 @@
           <a:xfrm>
             <a:off x="2065283" y="6027677"/>
             <a:ext cx="0" cy="294295"/>
-          </a:xfrm>
-          <a:prstGeom prst="line">
-            <a:avLst/>
-          </a:prstGeom>
-          <a:ln w="9525" cap="flat" cmpd="sng" algn="ctr">
-            <a:solidFill>
-              <a:schemeClr val="dk1"/>
-            </a:solidFill>
-            <a:prstDash val="dash"/>
-            <a:round/>
-            <a:headEnd type="none" w="med" len="med"/>
-            <a:tailEnd type="none" w="med" len="med"/>
-          </a:ln>
-        </p:spPr>
-        <p:style>
-          <a:lnRef idx="0">
-            <a:scrgbClr r="0" g="0" b="0"/>
-          </a:lnRef>
-          <a:fillRef idx="0">
-            <a:scrgbClr r="0" g="0" b="0"/>
-          </a:fillRef>
-          <a:effectRef idx="0">
-            <a:scrgbClr r="0" g="0" b="0"/>
-          </a:effectRef>
-          <a:fontRef idx="minor">
-            <a:schemeClr val="tx1"/>
-          </a:fontRef>
-        </p:style>
-      </p:cxnSp>
-      <p:cxnSp>
-        <p:nvCxnSpPr>
-          <p:cNvPr id="20" name="Straight Connector 19">
-            <a:extLst>
-              <a:ext uri="{FF2B5EF4-FFF2-40B4-BE49-F238E27FC236}">
-                <a16:creationId xmlns:a16="http://schemas.microsoft.com/office/drawing/2014/main" id="{093D5B23-CD8E-4B7F-9953-8B4E721B9BC0}"/>
-              </a:ext>
-            </a:extLst>
-          </p:cNvPr>
-          <p:cNvCxnSpPr>
-            <a:cxnSpLocks/>
-          </p:cNvCxnSpPr>
-          <p:nvPr/>
-        </p:nvCxnSpPr>
-        <p:spPr>
-          <a:xfrm>
-            <a:off x="3925614" y="5505876"/>
-            <a:ext cx="0" cy="816096"/>
           </a:xfrm>
           <a:prstGeom prst="line">
             <a:avLst/>
@@ -7996,7 +7858,10 @@
           <a:lstStyle/>
           <a:p>
             <a:pPr algn="ctr"/>
-            <a:endParaRPr lang="en-US" dirty="0"/>
+            <a:r>
+              <a:rPr lang="en-US" dirty="0"/>
+              <a:t>Data request</a:t>
+            </a:r>
           </a:p>
         </p:txBody>
       </p:sp>
@@ -8014,7 +7879,7 @@
         </p:nvSpPr>
         <p:spPr>
           <a:xfrm>
-            <a:off x="4698124" y="216196"/>
+            <a:off x="3539884" y="184593"/>
             <a:ext cx="4172937" cy="369332"/>
           </a:xfrm>
           <a:prstGeom prst="rect">
@@ -8226,25 +8091,20 @@
           <a:prstGeom prst="straightConnector1">
             <a:avLst/>
           </a:prstGeom>
-          <a:ln w="9525" cap="flat" cmpd="sng" algn="ctr">
-            <a:solidFill>
-              <a:schemeClr val="dk1"/>
-            </a:solidFill>
-            <a:prstDash val="solid"/>
-            <a:round/>
+          <a:ln>
             <a:headEnd type="none" w="med" len="med"/>
             <a:tailEnd type="arrow" w="med" len="med"/>
           </a:ln>
         </p:spPr>
         <p:style>
-          <a:lnRef idx="0">
-            <a:scrgbClr r="0" g="0" b="0"/>
+          <a:lnRef idx="3">
+            <a:schemeClr val="dk1"/>
           </a:lnRef>
           <a:fillRef idx="0">
-            <a:scrgbClr r="0" g="0" b="0"/>
+            <a:schemeClr val="dk1"/>
           </a:fillRef>
-          <a:effectRef idx="0">
-            <a:scrgbClr r="0" g="0" b="0"/>
+          <a:effectRef idx="2">
+            <a:schemeClr val="dk1"/>
           </a:effectRef>
           <a:fontRef idx="minor">
             <a:schemeClr val="tx1"/>
@@ -8265,7 +8125,7 @@
         </p:nvSpPr>
         <p:spPr>
           <a:xfrm>
-            <a:off x="3851150" y="1114021"/>
+            <a:off x="4544870" y="1283680"/>
             <a:ext cx="169057" cy="4391855"/>
           </a:xfrm>
           <a:prstGeom prst="rect">
@@ -8319,7 +8179,7 @@
         </p:nvSpPr>
         <p:spPr>
           <a:xfrm>
-            <a:off x="3536369" y="780958"/>
+            <a:off x="4230088" y="780958"/>
             <a:ext cx="798617" cy="307777"/>
           </a:xfrm>
           <a:prstGeom prst="rect">
@@ -8403,8 +8263,8 @@
         </p:nvCxnSpPr>
         <p:spPr>
           <a:xfrm>
-            <a:off x="3925614" y="5505876"/>
-            <a:ext cx="0" cy="816096"/>
+            <a:off x="4619333" y="5675535"/>
+            <a:ext cx="0" cy="646437"/>
           </a:xfrm>
           <a:prstGeom prst="line">
             <a:avLst/>
@@ -8434,10 +8294,592 @@
           </a:fontRef>
         </p:style>
       </p:cxnSp>
+      <p:sp>
+        <p:nvSpPr>
+          <p:cNvPr id="2" name="TextBox 1">
+            <a:extLst>
+              <a:ext uri="{FF2B5EF4-FFF2-40B4-BE49-F238E27FC236}">
+                <a16:creationId xmlns:a16="http://schemas.microsoft.com/office/drawing/2014/main" id="{83ADB76A-5987-4181-B4F4-D057D6E6076C}"/>
+              </a:ext>
+            </a:extLst>
+          </p:cNvPr>
+          <p:cNvSpPr txBox="1"/>
+          <p:nvPr/>
+        </p:nvSpPr>
+        <p:spPr>
+          <a:xfrm>
+            <a:off x="619666" y="1021485"/>
+            <a:ext cx="1386918" cy="307777"/>
+          </a:xfrm>
+          <a:prstGeom prst="rect">
+            <a:avLst/>
+          </a:prstGeom>
+          <a:noFill/>
+        </p:spPr>
+        <p:txBody>
+          <a:bodyPr wrap="none" rtlCol="0">
+            <a:spAutoFit/>
+          </a:bodyPr>
+          <a:lstStyle/>
+          <a:p>
+            <a:r>
+              <a:rPr lang="en-US" sz="1400" dirty="0" err="1">
+                <a:latin typeface="Georgia" panose="02040502050405020303" pitchFamily="18" charset="0"/>
+              </a:rPr>
+              <a:t>addCustomer</a:t>
+            </a:r>
+            <a:r>
+              <a:rPr lang="en-US" sz="1400" dirty="0">
+                <a:latin typeface="Georgia" panose="02040502050405020303" pitchFamily="18" charset="0"/>
+              </a:rPr>
+              <a:t>()</a:t>
+            </a:r>
+          </a:p>
+        </p:txBody>
+      </p:sp>
+      <p:cxnSp>
+        <p:nvCxnSpPr>
+          <p:cNvPr id="8" name="Straight Arrow Connector 7">
+            <a:extLst>
+              <a:ext uri="{FF2B5EF4-FFF2-40B4-BE49-F238E27FC236}">
+                <a16:creationId xmlns:a16="http://schemas.microsoft.com/office/drawing/2014/main" id="{654816B3-ADA2-45CA-AA92-3CEADAC81496}"/>
+              </a:ext>
+            </a:extLst>
+          </p:cNvPr>
+          <p:cNvCxnSpPr/>
+          <p:nvPr/>
+        </p:nvCxnSpPr>
+        <p:spPr>
+          <a:xfrm flipH="1">
+            <a:off x="1192696" y="1762318"/>
+            <a:ext cx="808633" cy="0"/>
+          </a:xfrm>
+          <a:prstGeom prst="straightConnector1">
+            <a:avLst/>
+          </a:prstGeom>
+          <a:ln>
+            <a:tailEnd type="triangle"/>
+          </a:ln>
+        </p:spPr>
+        <p:style>
+          <a:lnRef idx="3">
+            <a:schemeClr val="dk1"/>
+          </a:lnRef>
+          <a:fillRef idx="0">
+            <a:schemeClr val="dk1"/>
+          </a:fillRef>
+          <a:effectRef idx="2">
+            <a:schemeClr val="dk1"/>
+          </a:effectRef>
+          <a:fontRef idx="minor">
+            <a:schemeClr val="tx1"/>
+          </a:fontRef>
+        </p:style>
+      </p:cxnSp>
+      <p:sp>
+        <p:nvSpPr>
+          <p:cNvPr id="11" name="TextBox 10">
+            <a:extLst>
+              <a:ext uri="{FF2B5EF4-FFF2-40B4-BE49-F238E27FC236}">
+                <a16:creationId xmlns:a16="http://schemas.microsoft.com/office/drawing/2014/main" id="{86A5E434-3B58-4D8B-959C-D4A1C0D86BD9}"/>
+              </a:ext>
+            </a:extLst>
+          </p:cNvPr>
+          <p:cNvSpPr txBox="1"/>
+          <p:nvPr/>
+        </p:nvSpPr>
+        <p:spPr>
+          <a:xfrm>
+            <a:off x="772935" y="1458236"/>
+            <a:ext cx="1194558" cy="307777"/>
+          </a:xfrm>
+          <a:prstGeom prst="rect">
+            <a:avLst/>
+          </a:prstGeom>
+          <a:noFill/>
+        </p:spPr>
+        <p:txBody>
+          <a:bodyPr wrap="none" rtlCol="0">
+            <a:spAutoFit/>
+          </a:bodyPr>
+          <a:lstStyle/>
+          <a:p>
+            <a:r>
+              <a:rPr lang="en-US" sz="1400" dirty="0">
+                <a:latin typeface="Georgia" panose="02040502050405020303" pitchFamily="18" charset="0"/>
+              </a:rPr>
+              <a:t>Data request</a:t>
+            </a:r>
+          </a:p>
+        </p:txBody>
+      </p:sp>
+      <p:cxnSp>
+        <p:nvCxnSpPr>
+          <p:cNvPr id="18" name="Straight Arrow Connector 17">
+            <a:extLst>
+              <a:ext uri="{FF2B5EF4-FFF2-40B4-BE49-F238E27FC236}">
+                <a16:creationId xmlns:a16="http://schemas.microsoft.com/office/drawing/2014/main" id="{EAFACEE2-E314-4550-BBFD-230E356FE298}"/>
+              </a:ext>
+            </a:extLst>
+          </p:cNvPr>
+          <p:cNvCxnSpPr>
+            <a:cxnSpLocks/>
+          </p:cNvCxnSpPr>
+          <p:nvPr/>
+        </p:nvCxnSpPr>
+        <p:spPr>
+          <a:xfrm>
+            <a:off x="1323259" y="2704106"/>
+            <a:ext cx="661152" cy="5012"/>
+          </a:xfrm>
+          <a:prstGeom prst="straightConnector1">
+            <a:avLst/>
+          </a:prstGeom>
+          <a:ln>
+            <a:tailEnd type="triangle"/>
+          </a:ln>
+        </p:spPr>
+        <p:style>
+          <a:lnRef idx="3">
+            <a:schemeClr val="dk1"/>
+          </a:lnRef>
+          <a:fillRef idx="0">
+            <a:schemeClr val="dk1"/>
+          </a:fillRef>
+          <a:effectRef idx="2">
+            <a:schemeClr val="dk1"/>
+          </a:effectRef>
+          <a:fontRef idx="minor">
+            <a:schemeClr val="tx1"/>
+          </a:fontRef>
+        </p:style>
+      </p:cxnSp>
+      <p:sp>
+        <p:nvSpPr>
+          <p:cNvPr id="22" name="Rectangle 21">
+            <a:extLst>
+              <a:ext uri="{FF2B5EF4-FFF2-40B4-BE49-F238E27FC236}">
+                <a16:creationId xmlns:a16="http://schemas.microsoft.com/office/drawing/2014/main" id="{769DC167-AA6B-409A-9AAF-269A530FDA02}"/>
+              </a:ext>
+            </a:extLst>
+          </p:cNvPr>
+          <p:cNvSpPr/>
+          <p:nvPr/>
+        </p:nvSpPr>
+        <p:spPr>
+          <a:xfrm>
+            <a:off x="7393545" y="2030837"/>
+            <a:ext cx="169057" cy="2470208"/>
+          </a:xfrm>
+          <a:prstGeom prst="rect">
+            <a:avLst/>
+          </a:prstGeom>
+          <a:solidFill>
+            <a:schemeClr val="bg2"/>
+          </a:solidFill>
+          <a:ln>
+            <a:solidFill>
+              <a:schemeClr val="tx1"/>
+            </a:solidFill>
+          </a:ln>
+        </p:spPr>
+        <p:style>
+          <a:lnRef idx="2">
+            <a:schemeClr val="accent1">
+              <a:shade val="50000"/>
+            </a:schemeClr>
+          </a:lnRef>
+          <a:fillRef idx="1">
+            <a:schemeClr val="accent1"/>
+          </a:fillRef>
+          <a:effectRef idx="0">
+            <a:schemeClr val="accent1"/>
+          </a:effectRef>
+          <a:fontRef idx="minor">
+            <a:schemeClr val="lt1"/>
+          </a:fontRef>
+        </p:style>
+        <p:txBody>
+          <a:bodyPr rtlCol="0" anchor="ctr"/>
+          <a:lstStyle/>
+          <a:p>
+            <a:pPr algn="ctr"/>
+            <a:endParaRPr lang="en-US"/>
+          </a:p>
+        </p:txBody>
+      </p:sp>
+      <p:sp>
+        <p:nvSpPr>
+          <p:cNvPr id="23" name="TextBox 22">
+            <a:extLst>
+              <a:ext uri="{FF2B5EF4-FFF2-40B4-BE49-F238E27FC236}">
+                <a16:creationId xmlns:a16="http://schemas.microsoft.com/office/drawing/2014/main" id="{A6A25776-FBD0-435F-BA0D-F7BEEC3A4013}"/>
+              </a:ext>
+            </a:extLst>
+          </p:cNvPr>
+          <p:cNvSpPr txBox="1"/>
+          <p:nvPr/>
+        </p:nvSpPr>
+        <p:spPr>
+          <a:xfrm>
+            <a:off x="9612137" y="762789"/>
+            <a:ext cx="1258678" cy="307777"/>
+          </a:xfrm>
+          <a:prstGeom prst="rect">
+            <a:avLst/>
+          </a:prstGeom>
+          <a:noFill/>
+        </p:spPr>
+        <p:txBody>
+          <a:bodyPr wrap="none" rtlCol="0">
+            <a:spAutoFit/>
+          </a:bodyPr>
+          <a:lstStyle/>
+          <a:p>
+            <a:r>
+              <a:rPr lang="en-US" sz="1400" u="sng" dirty="0" err="1">
+                <a:latin typeface="Georgia" panose="02040502050405020303" pitchFamily="18" charset="0"/>
+              </a:rPr>
+              <a:t>CustomerList</a:t>
+            </a:r>
+            <a:endParaRPr lang="en-US" sz="1400" u="sng" dirty="0">
+              <a:latin typeface="Georgia" panose="02040502050405020303" pitchFamily="18" charset="0"/>
+            </a:endParaRPr>
+          </a:p>
+        </p:txBody>
+      </p:sp>
+      <p:sp>
+        <p:nvSpPr>
+          <p:cNvPr id="24" name="Rectangle 23">
+            <a:extLst>
+              <a:ext uri="{FF2B5EF4-FFF2-40B4-BE49-F238E27FC236}">
+                <a16:creationId xmlns:a16="http://schemas.microsoft.com/office/drawing/2014/main" id="{5090F218-6A7D-41BE-9401-6E5F23793C90}"/>
+              </a:ext>
+            </a:extLst>
+          </p:cNvPr>
+          <p:cNvSpPr/>
+          <p:nvPr/>
+        </p:nvSpPr>
+        <p:spPr>
+          <a:xfrm>
+            <a:off x="10190671" y="2869039"/>
+            <a:ext cx="169058" cy="2160059"/>
+          </a:xfrm>
+          <a:prstGeom prst="rect">
+            <a:avLst/>
+          </a:prstGeom>
+          <a:solidFill>
+            <a:schemeClr val="bg2"/>
+          </a:solidFill>
+          <a:ln>
+            <a:solidFill>
+              <a:schemeClr val="tx1"/>
+            </a:solidFill>
+          </a:ln>
+        </p:spPr>
+        <p:style>
+          <a:lnRef idx="2">
+            <a:schemeClr val="accent1">
+              <a:shade val="50000"/>
+            </a:schemeClr>
+          </a:lnRef>
+          <a:fillRef idx="1">
+            <a:schemeClr val="accent1"/>
+          </a:fillRef>
+          <a:effectRef idx="0">
+            <a:schemeClr val="accent1"/>
+          </a:effectRef>
+          <a:fontRef idx="minor">
+            <a:schemeClr val="lt1"/>
+          </a:fontRef>
+        </p:style>
+        <p:txBody>
+          <a:bodyPr rtlCol="0" anchor="ctr"/>
+          <a:lstStyle/>
+          <a:p>
+            <a:pPr algn="ctr"/>
+            <a:endParaRPr lang="en-US"/>
+          </a:p>
+        </p:txBody>
+      </p:sp>
+      <p:cxnSp>
+        <p:nvCxnSpPr>
+          <p:cNvPr id="25" name="Straight Connector 24">
+            <a:extLst>
+              <a:ext uri="{FF2B5EF4-FFF2-40B4-BE49-F238E27FC236}">
+                <a16:creationId xmlns:a16="http://schemas.microsoft.com/office/drawing/2014/main" id="{FAE76E5D-6C63-4C1C-9724-2570B479D5CE}"/>
+              </a:ext>
+            </a:extLst>
+          </p:cNvPr>
+          <p:cNvCxnSpPr>
+            <a:cxnSpLocks/>
+          </p:cNvCxnSpPr>
+          <p:nvPr/>
+        </p:nvCxnSpPr>
+        <p:spPr>
+          <a:xfrm>
+            <a:off x="7462652" y="1214741"/>
+            <a:ext cx="0" cy="816096"/>
+          </a:xfrm>
+          <a:prstGeom prst="line">
+            <a:avLst/>
+          </a:prstGeom>
+          <a:ln w="9525" cap="flat" cmpd="sng" algn="ctr">
+            <a:solidFill>
+              <a:schemeClr val="dk1"/>
+            </a:solidFill>
+            <a:prstDash val="dash"/>
+            <a:round/>
+            <a:headEnd type="none" w="med" len="med"/>
+            <a:tailEnd type="none" w="med" len="med"/>
+          </a:ln>
+        </p:spPr>
+        <p:style>
+          <a:lnRef idx="0">
+            <a:scrgbClr r="0" g="0" b="0"/>
+          </a:lnRef>
+          <a:fillRef idx="0">
+            <a:scrgbClr r="0" g="0" b="0"/>
+          </a:fillRef>
+          <a:effectRef idx="0">
+            <a:scrgbClr r="0" g="0" b="0"/>
+          </a:effectRef>
+          <a:fontRef idx="minor">
+            <a:schemeClr val="tx1"/>
+          </a:fontRef>
+        </p:style>
+      </p:cxnSp>
+      <p:cxnSp>
+        <p:nvCxnSpPr>
+          <p:cNvPr id="26" name="Straight Connector 25">
+            <a:extLst>
+              <a:ext uri="{FF2B5EF4-FFF2-40B4-BE49-F238E27FC236}">
+                <a16:creationId xmlns:a16="http://schemas.microsoft.com/office/drawing/2014/main" id="{B81124A9-4D58-4417-BF4F-1D1A2A2E44FF}"/>
+              </a:ext>
+            </a:extLst>
+          </p:cNvPr>
+          <p:cNvCxnSpPr>
+            <a:cxnSpLocks/>
+          </p:cNvCxnSpPr>
+          <p:nvPr/>
+        </p:nvCxnSpPr>
+        <p:spPr>
+          <a:xfrm>
+            <a:off x="7495451" y="4542501"/>
+            <a:ext cx="45175" cy="1827308"/>
+          </a:xfrm>
+          <a:prstGeom prst="line">
+            <a:avLst/>
+          </a:prstGeom>
+          <a:ln w="9525" cap="flat" cmpd="sng" algn="ctr">
+            <a:solidFill>
+              <a:schemeClr val="dk1"/>
+            </a:solidFill>
+            <a:prstDash val="dash"/>
+            <a:round/>
+            <a:headEnd type="none" w="med" len="med"/>
+            <a:tailEnd type="none" w="med" len="med"/>
+          </a:ln>
+        </p:spPr>
+        <p:style>
+          <a:lnRef idx="0">
+            <a:scrgbClr r="0" g="0" b="0"/>
+          </a:lnRef>
+          <a:fillRef idx="0">
+            <a:scrgbClr r="0" g="0" b="0"/>
+          </a:fillRef>
+          <a:effectRef idx="0">
+            <a:scrgbClr r="0" g="0" b="0"/>
+          </a:effectRef>
+          <a:fontRef idx="minor">
+            <a:schemeClr val="tx1"/>
+          </a:fontRef>
+        </p:style>
+      </p:cxnSp>
+      <p:cxnSp>
+        <p:nvCxnSpPr>
+          <p:cNvPr id="27" name="Straight Connector 26">
+            <a:extLst>
+              <a:ext uri="{FF2B5EF4-FFF2-40B4-BE49-F238E27FC236}">
+                <a16:creationId xmlns:a16="http://schemas.microsoft.com/office/drawing/2014/main" id="{969FB2FF-FA42-4C20-8466-B2BA1E996FFF}"/>
+              </a:ext>
+            </a:extLst>
+          </p:cNvPr>
+          <p:cNvCxnSpPr>
+            <a:cxnSpLocks/>
+            <a:endCxn id="24" idx="0"/>
+          </p:cNvCxnSpPr>
+          <p:nvPr/>
+        </p:nvCxnSpPr>
+        <p:spPr>
+          <a:xfrm flipH="1">
+            <a:off x="10275200" y="1114021"/>
+            <a:ext cx="2" cy="1755018"/>
+          </a:xfrm>
+          <a:prstGeom prst="line">
+            <a:avLst/>
+          </a:prstGeom>
+          <a:ln w="9525" cap="flat" cmpd="sng" algn="ctr">
+            <a:solidFill>
+              <a:schemeClr val="dk1"/>
+            </a:solidFill>
+            <a:prstDash val="dash"/>
+            <a:round/>
+            <a:headEnd type="none" w="med" len="med"/>
+            <a:tailEnd type="none" w="med" len="med"/>
+          </a:ln>
+        </p:spPr>
+        <p:style>
+          <a:lnRef idx="0">
+            <a:scrgbClr r="0" g="0" b="0"/>
+          </a:lnRef>
+          <a:fillRef idx="0">
+            <a:scrgbClr r="0" g="0" b="0"/>
+          </a:fillRef>
+          <a:effectRef idx="0">
+            <a:scrgbClr r="0" g="0" b="0"/>
+          </a:effectRef>
+          <a:fontRef idx="minor">
+            <a:schemeClr val="tx1"/>
+          </a:fontRef>
+        </p:style>
+      </p:cxnSp>
+      <p:cxnSp>
+        <p:nvCxnSpPr>
+          <p:cNvPr id="28" name="Straight Connector 27">
+            <a:extLst>
+              <a:ext uri="{FF2B5EF4-FFF2-40B4-BE49-F238E27FC236}">
+                <a16:creationId xmlns:a16="http://schemas.microsoft.com/office/drawing/2014/main" id="{8F7B3924-8ADE-4E24-8F52-EF9F171CA264}"/>
+              </a:ext>
+            </a:extLst>
+          </p:cNvPr>
+          <p:cNvCxnSpPr>
+            <a:cxnSpLocks/>
+            <a:stCxn id="24" idx="2"/>
+          </p:cNvCxnSpPr>
+          <p:nvPr/>
+        </p:nvCxnSpPr>
+        <p:spPr>
+          <a:xfrm>
+            <a:off x="10275200" y="5029098"/>
+            <a:ext cx="0" cy="1292874"/>
+          </a:xfrm>
+          <a:prstGeom prst="line">
+            <a:avLst/>
+          </a:prstGeom>
+          <a:ln w="9525" cap="flat" cmpd="sng" algn="ctr">
+            <a:solidFill>
+              <a:schemeClr val="dk1"/>
+            </a:solidFill>
+            <a:prstDash val="dash"/>
+            <a:round/>
+            <a:headEnd type="none" w="med" len="med"/>
+            <a:tailEnd type="none" w="med" len="med"/>
+          </a:ln>
+        </p:spPr>
+        <p:style>
+          <a:lnRef idx="0">
+            <a:scrgbClr r="0" g="0" b="0"/>
+          </a:lnRef>
+          <a:fillRef idx="0">
+            <a:scrgbClr r="0" g="0" b="0"/>
+          </a:fillRef>
+          <a:effectRef idx="0">
+            <a:scrgbClr r="0" g="0" b="0"/>
+          </a:effectRef>
+          <a:fontRef idx="minor">
+            <a:schemeClr val="tx1"/>
+          </a:fontRef>
+        </p:style>
+      </p:cxnSp>
+      <p:sp>
+        <p:nvSpPr>
+          <p:cNvPr id="40" name="TextBox 39">
+            <a:extLst>
+              <a:ext uri="{FF2B5EF4-FFF2-40B4-BE49-F238E27FC236}">
+                <a16:creationId xmlns:a16="http://schemas.microsoft.com/office/drawing/2014/main" id="{E756C5C5-2CCA-4C2F-ADF1-5F88000B3F91}"/>
+              </a:ext>
+            </a:extLst>
+          </p:cNvPr>
+          <p:cNvSpPr txBox="1"/>
+          <p:nvPr/>
+        </p:nvSpPr>
+        <p:spPr>
+          <a:xfrm>
+            <a:off x="6983995" y="845660"/>
+            <a:ext cx="957313" cy="307777"/>
+          </a:xfrm>
+          <a:prstGeom prst="rect">
+            <a:avLst/>
+          </a:prstGeom>
+          <a:noFill/>
+        </p:spPr>
+        <p:txBody>
+          <a:bodyPr wrap="none" rtlCol="0">
+            <a:spAutoFit/>
+          </a:bodyPr>
+          <a:lstStyle/>
+          <a:p>
+            <a:r>
+              <a:rPr lang="en-US" sz="1400" u="sng" dirty="0">
+                <a:latin typeface="Georgia" panose="02040502050405020303" pitchFamily="18" charset="0"/>
+              </a:rPr>
+              <a:t>Customer</a:t>
+            </a:r>
+          </a:p>
+        </p:txBody>
+      </p:sp>
+      <p:cxnSp>
+        <p:nvCxnSpPr>
+          <p:cNvPr id="43" name="Straight Connector 42">
+            <a:extLst>
+              <a:ext uri="{FF2B5EF4-FFF2-40B4-BE49-F238E27FC236}">
+                <a16:creationId xmlns:a16="http://schemas.microsoft.com/office/drawing/2014/main" id="{045ACB1A-D336-4433-8197-36942DDA8816}"/>
+              </a:ext>
+            </a:extLst>
+          </p:cNvPr>
+          <p:cNvCxnSpPr>
+            <a:cxnSpLocks/>
+          </p:cNvCxnSpPr>
+          <p:nvPr/>
+        </p:nvCxnSpPr>
+        <p:spPr>
+          <a:xfrm>
+            <a:off x="4629396" y="1043153"/>
+            <a:ext cx="0" cy="240527"/>
+          </a:xfrm>
+          <a:prstGeom prst="line">
+            <a:avLst/>
+          </a:prstGeom>
+          <a:ln w="9525" cap="flat" cmpd="sng" algn="ctr">
+            <a:solidFill>
+              <a:schemeClr val="dk1"/>
+            </a:solidFill>
+            <a:prstDash val="dash"/>
+            <a:round/>
+            <a:headEnd type="none" w="med" len="med"/>
+            <a:tailEnd type="none" w="med" len="med"/>
+          </a:ln>
+        </p:spPr>
+        <p:style>
+          <a:lnRef idx="0">
+            <a:scrgbClr r="0" g="0" b="0"/>
+          </a:lnRef>
+          <a:fillRef idx="0">
+            <a:scrgbClr r="0" g="0" b="0"/>
+          </a:fillRef>
+          <a:effectRef idx="0">
+            <a:scrgbClr r="0" g="0" b="0"/>
+          </a:effectRef>
+          <a:fontRef idx="minor">
+            <a:schemeClr val="tx1"/>
+          </a:fontRef>
+        </p:style>
+      </p:cxnSp>
     </p:spTree>
     <p:extLst>
       <p:ext uri="{BB962C8B-B14F-4D97-AF65-F5344CB8AC3E}">
-        <p14:creationId xmlns:p14="http://schemas.microsoft.com/office/powerpoint/2010/main" val="2936930233"/>
+        <p14:creationId xmlns:p14="http://schemas.microsoft.com/office/powerpoint/2010/main" val="3215886209"/>
       </p:ext>
     </p:extLst>
   </p:cSld>
@@ -8509,7 +8951,10 @@
           <a:lstStyle/>
           <a:p>
             <a:pPr algn="ctr"/>
-            <a:endParaRPr lang="en-US" dirty="0"/>
+            <a:r>
+              <a:rPr lang="en-US" dirty="0"/>
+              <a:t>Data request</a:t>
+            </a:r>
           </a:p>
         </p:txBody>
       </p:sp>
@@ -8527,7 +8972,7 @@
         </p:nvSpPr>
         <p:spPr>
           <a:xfrm>
-            <a:off x="4698124" y="216196"/>
+            <a:off x="3539884" y="176447"/>
             <a:ext cx="4653838" cy="369332"/>
           </a:xfrm>
           <a:prstGeom prst="rect">
@@ -8739,25 +9184,20 @@
           <a:prstGeom prst="straightConnector1">
             <a:avLst/>
           </a:prstGeom>
-          <a:ln w="9525" cap="flat" cmpd="sng" algn="ctr">
-            <a:solidFill>
-              <a:schemeClr val="dk1"/>
-            </a:solidFill>
-            <a:prstDash val="solid"/>
-            <a:round/>
+          <a:ln>
             <a:headEnd type="none" w="med" len="med"/>
             <a:tailEnd type="arrow" w="med" len="med"/>
           </a:ln>
         </p:spPr>
         <p:style>
-          <a:lnRef idx="0">
-            <a:scrgbClr r="0" g="0" b="0"/>
+          <a:lnRef idx="3">
+            <a:schemeClr val="dk1"/>
           </a:lnRef>
           <a:fillRef idx="0">
-            <a:scrgbClr r="0" g="0" b="0"/>
+            <a:schemeClr val="dk1"/>
           </a:fillRef>
-          <a:effectRef idx="0">
-            <a:scrgbClr r="0" g="0" b="0"/>
+          <a:effectRef idx="2">
+            <a:schemeClr val="dk1"/>
           </a:effectRef>
           <a:fontRef idx="minor">
             <a:schemeClr val="tx1"/>
@@ -8778,7 +9218,7 @@
         </p:nvSpPr>
         <p:spPr>
           <a:xfrm>
-            <a:off x="3851150" y="1114021"/>
+            <a:off x="4544870" y="1283680"/>
             <a:ext cx="169057" cy="4391855"/>
           </a:xfrm>
           <a:prstGeom prst="rect">
@@ -8832,7 +9272,7 @@
         </p:nvSpPr>
         <p:spPr>
           <a:xfrm>
-            <a:off x="3536369" y="780958"/>
+            <a:off x="4230088" y="780958"/>
             <a:ext cx="798617" cy="307777"/>
           </a:xfrm>
           <a:prstGeom prst="rect">
@@ -8916,8 +9356,8 @@
         </p:nvCxnSpPr>
         <p:spPr>
           <a:xfrm>
-            <a:off x="3925614" y="5505876"/>
-            <a:ext cx="0" cy="816096"/>
+            <a:off x="4619333" y="5675535"/>
+            <a:ext cx="0" cy="646437"/>
           </a:xfrm>
           <a:prstGeom prst="line">
             <a:avLst/>
@@ -8941,6 +9381,725 @@
           </a:fillRef>
           <a:effectRef idx="0">
             <a:scrgbClr r="0" g="0" b="0"/>
+          </a:effectRef>
+          <a:fontRef idx="minor">
+            <a:schemeClr val="tx1"/>
+          </a:fontRef>
+        </p:style>
+      </p:cxnSp>
+      <p:sp>
+        <p:nvSpPr>
+          <p:cNvPr id="2" name="TextBox 1">
+            <a:extLst>
+              <a:ext uri="{FF2B5EF4-FFF2-40B4-BE49-F238E27FC236}">
+                <a16:creationId xmlns:a16="http://schemas.microsoft.com/office/drawing/2014/main" id="{83ADB76A-5987-4181-B4F4-D057D6E6076C}"/>
+              </a:ext>
+            </a:extLst>
+          </p:cNvPr>
+          <p:cNvSpPr txBox="1"/>
+          <p:nvPr/>
+        </p:nvSpPr>
+        <p:spPr>
+          <a:xfrm>
+            <a:off x="330515" y="1040100"/>
+            <a:ext cx="1683474" cy="307777"/>
+          </a:xfrm>
+          <a:prstGeom prst="rect">
+            <a:avLst/>
+          </a:prstGeom>
+          <a:noFill/>
+        </p:spPr>
+        <p:txBody>
+          <a:bodyPr wrap="none" rtlCol="0">
+            <a:spAutoFit/>
+          </a:bodyPr>
+          <a:lstStyle/>
+          <a:p>
+            <a:r>
+              <a:rPr lang="en-US" sz="1400" dirty="0" err="1">
+                <a:latin typeface="Georgia" panose="02040502050405020303" pitchFamily="18" charset="0"/>
+              </a:rPr>
+              <a:t>removeCustomer</a:t>
+            </a:r>
+            <a:r>
+              <a:rPr lang="en-US" sz="1400" dirty="0">
+                <a:latin typeface="Georgia" panose="02040502050405020303" pitchFamily="18" charset="0"/>
+              </a:rPr>
+              <a:t>()</a:t>
+            </a:r>
+          </a:p>
+        </p:txBody>
+      </p:sp>
+      <p:cxnSp>
+        <p:nvCxnSpPr>
+          <p:cNvPr id="8" name="Straight Arrow Connector 7">
+            <a:extLst>
+              <a:ext uri="{FF2B5EF4-FFF2-40B4-BE49-F238E27FC236}">
+                <a16:creationId xmlns:a16="http://schemas.microsoft.com/office/drawing/2014/main" id="{654816B3-ADA2-45CA-AA92-3CEADAC81496}"/>
+              </a:ext>
+            </a:extLst>
+          </p:cNvPr>
+          <p:cNvCxnSpPr/>
+          <p:nvPr/>
+        </p:nvCxnSpPr>
+        <p:spPr>
+          <a:xfrm flipH="1">
+            <a:off x="1192696" y="1762318"/>
+            <a:ext cx="808633" cy="0"/>
+          </a:xfrm>
+          <a:prstGeom prst="straightConnector1">
+            <a:avLst/>
+          </a:prstGeom>
+          <a:ln>
+            <a:tailEnd type="triangle"/>
+          </a:ln>
+        </p:spPr>
+        <p:style>
+          <a:lnRef idx="3">
+            <a:schemeClr val="dk1"/>
+          </a:lnRef>
+          <a:fillRef idx="0">
+            <a:schemeClr val="dk1"/>
+          </a:fillRef>
+          <a:effectRef idx="2">
+            <a:schemeClr val="dk1"/>
+          </a:effectRef>
+          <a:fontRef idx="minor">
+            <a:schemeClr val="tx1"/>
+          </a:fontRef>
+        </p:style>
+      </p:cxnSp>
+      <p:sp>
+        <p:nvSpPr>
+          <p:cNvPr id="11" name="TextBox 10">
+            <a:extLst>
+              <a:ext uri="{FF2B5EF4-FFF2-40B4-BE49-F238E27FC236}">
+                <a16:creationId xmlns:a16="http://schemas.microsoft.com/office/drawing/2014/main" id="{86A5E434-3B58-4D8B-959C-D4A1C0D86BD9}"/>
+              </a:ext>
+            </a:extLst>
+          </p:cNvPr>
+          <p:cNvSpPr txBox="1"/>
+          <p:nvPr/>
+        </p:nvSpPr>
+        <p:spPr>
+          <a:xfrm>
+            <a:off x="772935" y="1458236"/>
+            <a:ext cx="1194558" cy="307777"/>
+          </a:xfrm>
+          <a:prstGeom prst="rect">
+            <a:avLst/>
+          </a:prstGeom>
+          <a:noFill/>
+        </p:spPr>
+        <p:txBody>
+          <a:bodyPr wrap="none" rtlCol="0">
+            <a:spAutoFit/>
+          </a:bodyPr>
+          <a:lstStyle/>
+          <a:p>
+            <a:r>
+              <a:rPr lang="en-US" sz="1400" dirty="0">
+                <a:latin typeface="Georgia" panose="02040502050405020303" pitchFamily="18" charset="0"/>
+              </a:rPr>
+              <a:t>Data request</a:t>
+            </a:r>
+          </a:p>
+        </p:txBody>
+      </p:sp>
+      <p:cxnSp>
+        <p:nvCxnSpPr>
+          <p:cNvPr id="18" name="Straight Arrow Connector 17">
+            <a:extLst>
+              <a:ext uri="{FF2B5EF4-FFF2-40B4-BE49-F238E27FC236}">
+                <a16:creationId xmlns:a16="http://schemas.microsoft.com/office/drawing/2014/main" id="{EAFACEE2-E314-4550-BBFD-230E356FE298}"/>
+              </a:ext>
+            </a:extLst>
+          </p:cNvPr>
+          <p:cNvCxnSpPr>
+            <a:cxnSpLocks/>
+          </p:cNvCxnSpPr>
+          <p:nvPr/>
+        </p:nvCxnSpPr>
+        <p:spPr>
+          <a:xfrm>
+            <a:off x="1340177" y="2232592"/>
+            <a:ext cx="661152" cy="5012"/>
+          </a:xfrm>
+          <a:prstGeom prst="straightConnector1">
+            <a:avLst/>
+          </a:prstGeom>
+          <a:ln>
+            <a:tailEnd type="triangle"/>
+          </a:ln>
+        </p:spPr>
+        <p:style>
+          <a:lnRef idx="3">
+            <a:schemeClr val="dk1"/>
+          </a:lnRef>
+          <a:fillRef idx="0">
+            <a:schemeClr val="dk1"/>
+          </a:fillRef>
+          <a:effectRef idx="2">
+            <a:schemeClr val="dk1"/>
+          </a:effectRef>
+          <a:fontRef idx="minor">
+            <a:schemeClr val="tx1"/>
+          </a:fontRef>
+        </p:style>
+      </p:cxnSp>
+      <p:sp>
+        <p:nvSpPr>
+          <p:cNvPr id="21" name="TextBox 20">
+            <a:extLst>
+              <a:ext uri="{FF2B5EF4-FFF2-40B4-BE49-F238E27FC236}">
+                <a16:creationId xmlns:a16="http://schemas.microsoft.com/office/drawing/2014/main" id="{0C46E3DB-9E01-4AA1-A621-D15237CED1DF}"/>
+              </a:ext>
+            </a:extLst>
+          </p:cNvPr>
+          <p:cNvSpPr txBox="1"/>
+          <p:nvPr/>
+        </p:nvSpPr>
+        <p:spPr>
+          <a:xfrm>
+            <a:off x="832406" y="1920671"/>
+            <a:ext cx="1096775" cy="307777"/>
+          </a:xfrm>
+          <a:prstGeom prst="rect">
+            <a:avLst/>
+          </a:prstGeom>
+          <a:noFill/>
+        </p:spPr>
+        <p:txBody>
+          <a:bodyPr wrap="none" rtlCol="0">
+            <a:spAutoFit/>
+          </a:bodyPr>
+          <a:lstStyle/>
+          <a:p>
+            <a:r>
+              <a:rPr lang="en-US" sz="1400" dirty="0" err="1">
+                <a:latin typeface="Georgia" panose="02040502050405020303" pitchFamily="18" charset="0"/>
+              </a:rPr>
+              <a:t>customerId</a:t>
+            </a:r>
+            <a:endParaRPr lang="en-US" sz="1400" dirty="0">
+              <a:latin typeface="Georgia" panose="02040502050405020303" pitchFamily="18" charset="0"/>
+            </a:endParaRPr>
+          </a:p>
+        </p:txBody>
+      </p:sp>
+      <p:sp>
+        <p:nvSpPr>
+          <p:cNvPr id="22" name="Rectangle 21">
+            <a:extLst>
+              <a:ext uri="{FF2B5EF4-FFF2-40B4-BE49-F238E27FC236}">
+                <a16:creationId xmlns:a16="http://schemas.microsoft.com/office/drawing/2014/main" id="{769DC167-AA6B-409A-9AAF-269A530FDA02}"/>
+              </a:ext>
+            </a:extLst>
+          </p:cNvPr>
+          <p:cNvSpPr/>
+          <p:nvPr/>
+        </p:nvSpPr>
+        <p:spPr>
+          <a:xfrm>
+            <a:off x="7393545" y="2030837"/>
+            <a:ext cx="169057" cy="2470208"/>
+          </a:xfrm>
+          <a:prstGeom prst="rect">
+            <a:avLst/>
+          </a:prstGeom>
+          <a:solidFill>
+            <a:schemeClr val="bg2"/>
+          </a:solidFill>
+          <a:ln>
+            <a:solidFill>
+              <a:schemeClr val="tx1"/>
+            </a:solidFill>
+          </a:ln>
+        </p:spPr>
+        <p:style>
+          <a:lnRef idx="2">
+            <a:schemeClr val="accent1">
+              <a:shade val="50000"/>
+            </a:schemeClr>
+          </a:lnRef>
+          <a:fillRef idx="1">
+            <a:schemeClr val="accent1"/>
+          </a:fillRef>
+          <a:effectRef idx="0">
+            <a:schemeClr val="accent1"/>
+          </a:effectRef>
+          <a:fontRef idx="minor">
+            <a:schemeClr val="lt1"/>
+          </a:fontRef>
+        </p:style>
+        <p:txBody>
+          <a:bodyPr rtlCol="0" anchor="ctr"/>
+          <a:lstStyle/>
+          <a:p>
+            <a:pPr algn="ctr"/>
+            <a:endParaRPr lang="en-US"/>
+          </a:p>
+        </p:txBody>
+      </p:sp>
+      <p:sp>
+        <p:nvSpPr>
+          <p:cNvPr id="23" name="TextBox 22">
+            <a:extLst>
+              <a:ext uri="{FF2B5EF4-FFF2-40B4-BE49-F238E27FC236}">
+                <a16:creationId xmlns:a16="http://schemas.microsoft.com/office/drawing/2014/main" id="{A6A25776-FBD0-435F-BA0D-F7BEEC3A4013}"/>
+              </a:ext>
+            </a:extLst>
+          </p:cNvPr>
+          <p:cNvSpPr txBox="1"/>
+          <p:nvPr/>
+        </p:nvSpPr>
+        <p:spPr>
+          <a:xfrm>
+            <a:off x="9612137" y="762789"/>
+            <a:ext cx="1258678" cy="307777"/>
+          </a:xfrm>
+          <a:prstGeom prst="rect">
+            <a:avLst/>
+          </a:prstGeom>
+          <a:noFill/>
+        </p:spPr>
+        <p:txBody>
+          <a:bodyPr wrap="none" rtlCol="0">
+            <a:spAutoFit/>
+          </a:bodyPr>
+          <a:lstStyle/>
+          <a:p>
+            <a:r>
+              <a:rPr lang="en-US" sz="1400" u="sng" dirty="0" err="1">
+                <a:latin typeface="Georgia" panose="02040502050405020303" pitchFamily="18" charset="0"/>
+              </a:rPr>
+              <a:t>CustomerList</a:t>
+            </a:r>
+            <a:endParaRPr lang="en-US" sz="1400" u="sng" dirty="0">
+              <a:latin typeface="Georgia" panose="02040502050405020303" pitchFamily="18" charset="0"/>
+            </a:endParaRPr>
+          </a:p>
+        </p:txBody>
+      </p:sp>
+      <p:sp>
+        <p:nvSpPr>
+          <p:cNvPr id="24" name="Rectangle 23">
+            <a:extLst>
+              <a:ext uri="{FF2B5EF4-FFF2-40B4-BE49-F238E27FC236}">
+                <a16:creationId xmlns:a16="http://schemas.microsoft.com/office/drawing/2014/main" id="{5090F218-6A7D-41BE-9401-6E5F23793C90}"/>
+              </a:ext>
+            </a:extLst>
+          </p:cNvPr>
+          <p:cNvSpPr/>
+          <p:nvPr/>
+        </p:nvSpPr>
+        <p:spPr>
+          <a:xfrm>
+            <a:off x="10190671" y="2869039"/>
+            <a:ext cx="169058" cy="2160059"/>
+          </a:xfrm>
+          <a:prstGeom prst="rect">
+            <a:avLst/>
+          </a:prstGeom>
+          <a:solidFill>
+            <a:schemeClr val="bg2"/>
+          </a:solidFill>
+          <a:ln>
+            <a:solidFill>
+              <a:schemeClr val="tx1"/>
+            </a:solidFill>
+          </a:ln>
+        </p:spPr>
+        <p:style>
+          <a:lnRef idx="2">
+            <a:schemeClr val="accent1">
+              <a:shade val="50000"/>
+            </a:schemeClr>
+          </a:lnRef>
+          <a:fillRef idx="1">
+            <a:schemeClr val="accent1"/>
+          </a:fillRef>
+          <a:effectRef idx="0">
+            <a:schemeClr val="accent1"/>
+          </a:effectRef>
+          <a:fontRef idx="minor">
+            <a:schemeClr val="lt1"/>
+          </a:fontRef>
+        </p:style>
+        <p:txBody>
+          <a:bodyPr rtlCol="0" anchor="ctr"/>
+          <a:lstStyle/>
+          <a:p>
+            <a:pPr algn="ctr"/>
+            <a:endParaRPr lang="en-US"/>
+          </a:p>
+        </p:txBody>
+      </p:sp>
+      <p:cxnSp>
+        <p:nvCxnSpPr>
+          <p:cNvPr id="25" name="Straight Connector 24">
+            <a:extLst>
+              <a:ext uri="{FF2B5EF4-FFF2-40B4-BE49-F238E27FC236}">
+                <a16:creationId xmlns:a16="http://schemas.microsoft.com/office/drawing/2014/main" id="{FAE76E5D-6C63-4C1C-9724-2570B479D5CE}"/>
+              </a:ext>
+            </a:extLst>
+          </p:cNvPr>
+          <p:cNvCxnSpPr>
+            <a:cxnSpLocks/>
+          </p:cNvCxnSpPr>
+          <p:nvPr/>
+        </p:nvCxnSpPr>
+        <p:spPr>
+          <a:xfrm>
+            <a:off x="7462652" y="1214741"/>
+            <a:ext cx="0" cy="816096"/>
+          </a:xfrm>
+          <a:prstGeom prst="line">
+            <a:avLst/>
+          </a:prstGeom>
+          <a:ln w="9525" cap="flat" cmpd="sng" algn="ctr">
+            <a:solidFill>
+              <a:schemeClr val="dk1"/>
+            </a:solidFill>
+            <a:prstDash val="dash"/>
+            <a:round/>
+            <a:headEnd type="none" w="med" len="med"/>
+            <a:tailEnd type="none" w="med" len="med"/>
+          </a:ln>
+        </p:spPr>
+        <p:style>
+          <a:lnRef idx="0">
+            <a:scrgbClr r="0" g="0" b="0"/>
+          </a:lnRef>
+          <a:fillRef idx="0">
+            <a:scrgbClr r="0" g="0" b="0"/>
+          </a:fillRef>
+          <a:effectRef idx="0">
+            <a:scrgbClr r="0" g="0" b="0"/>
+          </a:effectRef>
+          <a:fontRef idx="minor">
+            <a:schemeClr val="tx1"/>
+          </a:fontRef>
+        </p:style>
+      </p:cxnSp>
+      <p:cxnSp>
+        <p:nvCxnSpPr>
+          <p:cNvPr id="26" name="Straight Connector 25">
+            <a:extLst>
+              <a:ext uri="{FF2B5EF4-FFF2-40B4-BE49-F238E27FC236}">
+                <a16:creationId xmlns:a16="http://schemas.microsoft.com/office/drawing/2014/main" id="{B81124A9-4D58-4417-BF4F-1D1A2A2E44FF}"/>
+              </a:ext>
+            </a:extLst>
+          </p:cNvPr>
+          <p:cNvCxnSpPr>
+            <a:cxnSpLocks/>
+          </p:cNvCxnSpPr>
+          <p:nvPr/>
+        </p:nvCxnSpPr>
+        <p:spPr>
+          <a:xfrm>
+            <a:off x="7495451" y="4542501"/>
+            <a:ext cx="45175" cy="1827308"/>
+          </a:xfrm>
+          <a:prstGeom prst="line">
+            <a:avLst/>
+          </a:prstGeom>
+          <a:ln w="9525" cap="flat" cmpd="sng" algn="ctr">
+            <a:solidFill>
+              <a:schemeClr val="dk1"/>
+            </a:solidFill>
+            <a:prstDash val="dash"/>
+            <a:round/>
+            <a:headEnd type="none" w="med" len="med"/>
+            <a:tailEnd type="none" w="med" len="med"/>
+          </a:ln>
+        </p:spPr>
+        <p:style>
+          <a:lnRef idx="0">
+            <a:scrgbClr r="0" g="0" b="0"/>
+          </a:lnRef>
+          <a:fillRef idx="0">
+            <a:scrgbClr r="0" g="0" b="0"/>
+          </a:fillRef>
+          <a:effectRef idx="0">
+            <a:scrgbClr r="0" g="0" b="0"/>
+          </a:effectRef>
+          <a:fontRef idx="minor">
+            <a:schemeClr val="tx1"/>
+          </a:fontRef>
+        </p:style>
+      </p:cxnSp>
+      <p:cxnSp>
+        <p:nvCxnSpPr>
+          <p:cNvPr id="27" name="Straight Connector 26">
+            <a:extLst>
+              <a:ext uri="{FF2B5EF4-FFF2-40B4-BE49-F238E27FC236}">
+                <a16:creationId xmlns:a16="http://schemas.microsoft.com/office/drawing/2014/main" id="{969FB2FF-FA42-4C20-8466-B2BA1E996FFF}"/>
+              </a:ext>
+            </a:extLst>
+          </p:cNvPr>
+          <p:cNvCxnSpPr>
+            <a:cxnSpLocks/>
+            <a:endCxn id="24" idx="0"/>
+          </p:cNvCxnSpPr>
+          <p:nvPr/>
+        </p:nvCxnSpPr>
+        <p:spPr>
+          <a:xfrm flipH="1">
+            <a:off x="10275200" y="1114021"/>
+            <a:ext cx="2" cy="1755018"/>
+          </a:xfrm>
+          <a:prstGeom prst="line">
+            <a:avLst/>
+          </a:prstGeom>
+          <a:ln w="9525" cap="flat" cmpd="sng" algn="ctr">
+            <a:solidFill>
+              <a:schemeClr val="dk1"/>
+            </a:solidFill>
+            <a:prstDash val="dash"/>
+            <a:round/>
+            <a:headEnd type="none" w="med" len="med"/>
+            <a:tailEnd type="none" w="med" len="med"/>
+          </a:ln>
+        </p:spPr>
+        <p:style>
+          <a:lnRef idx="0">
+            <a:scrgbClr r="0" g="0" b="0"/>
+          </a:lnRef>
+          <a:fillRef idx="0">
+            <a:scrgbClr r="0" g="0" b="0"/>
+          </a:fillRef>
+          <a:effectRef idx="0">
+            <a:scrgbClr r="0" g="0" b="0"/>
+          </a:effectRef>
+          <a:fontRef idx="minor">
+            <a:schemeClr val="tx1"/>
+          </a:fontRef>
+        </p:style>
+      </p:cxnSp>
+      <p:cxnSp>
+        <p:nvCxnSpPr>
+          <p:cNvPr id="28" name="Straight Connector 27">
+            <a:extLst>
+              <a:ext uri="{FF2B5EF4-FFF2-40B4-BE49-F238E27FC236}">
+                <a16:creationId xmlns:a16="http://schemas.microsoft.com/office/drawing/2014/main" id="{8F7B3924-8ADE-4E24-8F52-EF9F171CA264}"/>
+              </a:ext>
+            </a:extLst>
+          </p:cNvPr>
+          <p:cNvCxnSpPr>
+            <a:cxnSpLocks/>
+            <a:stCxn id="24" idx="2"/>
+          </p:cNvCxnSpPr>
+          <p:nvPr/>
+        </p:nvCxnSpPr>
+        <p:spPr>
+          <a:xfrm>
+            <a:off x="10275200" y="5029098"/>
+            <a:ext cx="0" cy="1292874"/>
+          </a:xfrm>
+          <a:prstGeom prst="line">
+            <a:avLst/>
+          </a:prstGeom>
+          <a:ln w="9525" cap="flat" cmpd="sng" algn="ctr">
+            <a:solidFill>
+              <a:schemeClr val="dk1"/>
+            </a:solidFill>
+            <a:prstDash val="dash"/>
+            <a:round/>
+            <a:headEnd type="none" w="med" len="med"/>
+            <a:tailEnd type="none" w="med" len="med"/>
+          </a:ln>
+        </p:spPr>
+        <p:style>
+          <a:lnRef idx="0">
+            <a:scrgbClr r="0" g="0" b="0"/>
+          </a:lnRef>
+          <a:fillRef idx="0">
+            <a:scrgbClr r="0" g="0" b="0"/>
+          </a:fillRef>
+          <a:effectRef idx="0">
+            <a:scrgbClr r="0" g="0" b="0"/>
+          </a:effectRef>
+          <a:fontRef idx="minor">
+            <a:schemeClr val="tx1"/>
+          </a:fontRef>
+        </p:style>
+      </p:cxnSp>
+      <p:sp>
+        <p:nvSpPr>
+          <p:cNvPr id="40" name="TextBox 39">
+            <a:extLst>
+              <a:ext uri="{FF2B5EF4-FFF2-40B4-BE49-F238E27FC236}">
+                <a16:creationId xmlns:a16="http://schemas.microsoft.com/office/drawing/2014/main" id="{E756C5C5-2CCA-4C2F-ADF1-5F88000B3F91}"/>
+              </a:ext>
+            </a:extLst>
+          </p:cNvPr>
+          <p:cNvSpPr txBox="1"/>
+          <p:nvPr/>
+        </p:nvSpPr>
+        <p:spPr>
+          <a:xfrm>
+            <a:off x="6983995" y="845660"/>
+            <a:ext cx="957313" cy="307777"/>
+          </a:xfrm>
+          <a:prstGeom prst="rect">
+            <a:avLst/>
+          </a:prstGeom>
+          <a:noFill/>
+        </p:spPr>
+        <p:txBody>
+          <a:bodyPr wrap="none" rtlCol="0">
+            <a:spAutoFit/>
+          </a:bodyPr>
+          <a:lstStyle/>
+          <a:p>
+            <a:r>
+              <a:rPr lang="en-US" sz="1400" u="sng" dirty="0">
+                <a:latin typeface="Georgia" panose="02040502050405020303" pitchFamily="18" charset="0"/>
+              </a:rPr>
+              <a:t>Customer</a:t>
+            </a:r>
+          </a:p>
+        </p:txBody>
+      </p:sp>
+      <p:cxnSp>
+        <p:nvCxnSpPr>
+          <p:cNvPr id="43" name="Straight Connector 42">
+            <a:extLst>
+              <a:ext uri="{FF2B5EF4-FFF2-40B4-BE49-F238E27FC236}">
+                <a16:creationId xmlns:a16="http://schemas.microsoft.com/office/drawing/2014/main" id="{045ACB1A-D336-4433-8197-36942DDA8816}"/>
+              </a:ext>
+            </a:extLst>
+          </p:cNvPr>
+          <p:cNvCxnSpPr>
+            <a:cxnSpLocks/>
+          </p:cNvCxnSpPr>
+          <p:nvPr/>
+        </p:nvCxnSpPr>
+        <p:spPr>
+          <a:xfrm>
+            <a:off x="4629396" y="1043153"/>
+            <a:ext cx="0" cy="240527"/>
+          </a:xfrm>
+          <a:prstGeom prst="line">
+            <a:avLst/>
+          </a:prstGeom>
+          <a:ln w="9525" cap="flat" cmpd="sng" algn="ctr">
+            <a:solidFill>
+              <a:schemeClr val="dk1"/>
+            </a:solidFill>
+            <a:prstDash val="dash"/>
+            <a:round/>
+            <a:headEnd type="none" w="med" len="med"/>
+            <a:tailEnd type="none" w="med" len="med"/>
+          </a:ln>
+        </p:spPr>
+        <p:style>
+          <a:lnRef idx="0">
+            <a:scrgbClr r="0" g="0" b="0"/>
+          </a:lnRef>
+          <a:fillRef idx="0">
+            <a:scrgbClr r="0" g="0" b="0"/>
+          </a:fillRef>
+          <a:effectRef idx="0">
+            <a:scrgbClr r="0" g="0" b="0"/>
+          </a:effectRef>
+          <a:fontRef idx="minor">
+            <a:schemeClr val="tx1"/>
+          </a:fontRef>
+        </p:style>
+      </p:cxnSp>
+      <p:sp>
+        <p:nvSpPr>
+          <p:cNvPr id="46" name="TextBox 45">
+            <a:extLst>
+              <a:ext uri="{FF2B5EF4-FFF2-40B4-BE49-F238E27FC236}">
+                <a16:creationId xmlns:a16="http://schemas.microsoft.com/office/drawing/2014/main" id="{C8E3622D-B120-462A-A74E-93D1A1FF6AAC}"/>
+              </a:ext>
+            </a:extLst>
+          </p:cNvPr>
+          <p:cNvSpPr txBox="1"/>
+          <p:nvPr/>
+        </p:nvSpPr>
+        <p:spPr>
+          <a:xfrm>
+            <a:off x="2137282" y="2344073"/>
+            <a:ext cx="2249334" cy="276999"/>
+          </a:xfrm>
+          <a:prstGeom prst="rect">
+            <a:avLst/>
+          </a:prstGeom>
+          <a:noFill/>
+        </p:spPr>
+        <p:txBody>
+          <a:bodyPr wrap="none" rtlCol="0">
+            <a:spAutoFit/>
+          </a:bodyPr>
+          <a:lstStyle/>
+          <a:p>
+            <a:r>
+              <a:rPr lang="en-US" sz="1200" dirty="0" err="1">
+                <a:latin typeface="Georgia" panose="02040502050405020303" pitchFamily="18" charset="0"/>
+              </a:rPr>
+              <a:t>removeCustomer</a:t>
+            </a:r>
+            <a:r>
+              <a:rPr lang="en-US" sz="1200" dirty="0">
+                <a:latin typeface="Georgia" panose="02040502050405020303" pitchFamily="18" charset="0"/>
+              </a:rPr>
+              <a:t>(</a:t>
+            </a:r>
+            <a:r>
+              <a:rPr lang="en-US" sz="1200" dirty="0" err="1">
+                <a:latin typeface="Georgia" panose="02040502050405020303" pitchFamily="18" charset="0"/>
+              </a:rPr>
+              <a:t>customerId</a:t>
+            </a:r>
+            <a:r>
+              <a:rPr lang="en-US" sz="1200" dirty="0">
+                <a:latin typeface="Georgia" panose="02040502050405020303" pitchFamily="18" charset="0"/>
+              </a:rPr>
+              <a:t>)</a:t>
+            </a:r>
+          </a:p>
+        </p:txBody>
+      </p:sp>
+      <p:cxnSp>
+        <p:nvCxnSpPr>
+          <p:cNvPr id="47" name="Straight Arrow Connector 46">
+            <a:extLst>
+              <a:ext uri="{FF2B5EF4-FFF2-40B4-BE49-F238E27FC236}">
+                <a16:creationId xmlns:a16="http://schemas.microsoft.com/office/drawing/2014/main" id="{11EB37F8-D52F-4BBF-941A-3BE8A4825B06}"/>
+              </a:ext>
+            </a:extLst>
+          </p:cNvPr>
+          <p:cNvCxnSpPr>
+            <a:cxnSpLocks/>
+          </p:cNvCxnSpPr>
+          <p:nvPr/>
+        </p:nvCxnSpPr>
+        <p:spPr>
+          <a:xfrm>
+            <a:off x="2170386" y="2649439"/>
+            <a:ext cx="2324029" cy="0"/>
+          </a:xfrm>
+          <a:prstGeom prst="straightConnector1">
+            <a:avLst/>
+          </a:prstGeom>
+          <a:ln>
+            <a:headEnd type="none" w="med" len="med"/>
+            <a:tailEnd type="arrow" w="med" len="med"/>
+          </a:ln>
+        </p:spPr>
+        <p:style>
+          <a:lnRef idx="3">
+            <a:schemeClr val="dk1"/>
+          </a:lnRef>
+          <a:fillRef idx="0">
+            <a:schemeClr val="dk1"/>
+          </a:fillRef>
+          <a:effectRef idx="2">
+            <a:schemeClr val="dk1"/>
           </a:effectRef>
           <a:fontRef idx="minor">
             <a:schemeClr val="tx1"/>

--- a/Sequence charts/Sequence Charts.pptx
+++ b/Sequence charts/Sequence Charts.pptx
@@ -117,6 +117,11 @@
       </a:defRPr>
     </a:lvl9pPr>
   </p:defaultTextStyle>
+  <p:extLst>
+    <p:ext uri="{EFAFB233-063F-42B5-8137-9DF3F51BA10A}">
+      <p15:sldGuideLst xmlns:p15="http://schemas.microsoft.com/office/powerpoint/2012/main"/>
+    </p:ext>
+  </p:extLst>
 </p:presentation>
 </file>
 
@@ -267,7 +272,7 @@
           <a:p>
             <a:fld id="{1C1F3817-498B-459A-928B-153134D14AF2}" type="datetimeFigureOut">
               <a:rPr lang="en-US" smtClean="0"/>
-              <a:t>2/20/2018</a:t>
+              <a:t>2/25/2018</a:t>
             </a:fld>
             <a:endParaRPr lang="en-US"/>
           </a:p>
@@ -465,7 +470,7 @@
           <a:p>
             <a:fld id="{1C1F3817-498B-459A-928B-153134D14AF2}" type="datetimeFigureOut">
               <a:rPr lang="en-US" smtClean="0"/>
-              <a:t>2/20/2018</a:t>
+              <a:t>2/25/2018</a:t>
             </a:fld>
             <a:endParaRPr lang="en-US"/>
           </a:p>
@@ -673,7 +678,7 @@
           <a:p>
             <a:fld id="{1C1F3817-498B-459A-928B-153134D14AF2}" type="datetimeFigureOut">
               <a:rPr lang="en-US" smtClean="0"/>
-              <a:t>2/20/2018</a:t>
+              <a:t>2/25/2018</a:t>
             </a:fld>
             <a:endParaRPr lang="en-US"/>
           </a:p>
@@ -871,7 +876,7 @@
           <a:p>
             <a:fld id="{1C1F3817-498B-459A-928B-153134D14AF2}" type="datetimeFigureOut">
               <a:rPr lang="en-US" smtClean="0"/>
-              <a:t>2/20/2018</a:t>
+              <a:t>2/25/2018</a:t>
             </a:fld>
             <a:endParaRPr lang="en-US"/>
           </a:p>
@@ -1146,7 +1151,7 @@
           <a:p>
             <a:fld id="{1C1F3817-498B-459A-928B-153134D14AF2}" type="datetimeFigureOut">
               <a:rPr lang="en-US" smtClean="0"/>
-              <a:t>2/20/2018</a:t>
+              <a:t>2/25/2018</a:t>
             </a:fld>
             <a:endParaRPr lang="en-US"/>
           </a:p>
@@ -1411,7 +1416,7 @@
           <a:p>
             <a:fld id="{1C1F3817-498B-459A-928B-153134D14AF2}" type="datetimeFigureOut">
               <a:rPr lang="en-US" smtClean="0"/>
-              <a:t>2/20/2018</a:t>
+              <a:t>2/25/2018</a:t>
             </a:fld>
             <a:endParaRPr lang="en-US"/>
           </a:p>
@@ -1823,7 +1828,7 @@
           <a:p>
             <a:fld id="{1C1F3817-498B-459A-928B-153134D14AF2}" type="datetimeFigureOut">
               <a:rPr lang="en-US" smtClean="0"/>
-              <a:t>2/20/2018</a:t>
+              <a:t>2/25/2018</a:t>
             </a:fld>
             <a:endParaRPr lang="en-US"/>
           </a:p>
@@ -1964,7 +1969,7 @@
           <a:p>
             <a:fld id="{1C1F3817-498B-459A-928B-153134D14AF2}" type="datetimeFigureOut">
               <a:rPr lang="en-US" smtClean="0"/>
-              <a:t>2/20/2018</a:t>
+              <a:t>2/25/2018</a:t>
             </a:fld>
             <a:endParaRPr lang="en-US"/>
           </a:p>
@@ -2077,7 +2082,7 @@
           <a:p>
             <a:fld id="{1C1F3817-498B-459A-928B-153134D14AF2}" type="datetimeFigureOut">
               <a:rPr lang="en-US" smtClean="0"/>
-              <a:t>2/20/2018</a:t>
+              <a:t>2/25/2018</a:t>
             </a:fld>
             <a:endParaRPr lang="en-US"/>
           </a:p>
@@ -2388,7 +2393,7 @@
           <a:p>
             <a:fld id="{1C1F3817-498B-459A-928B-153134D14AF2}" type="datetimeFigureOut">
               <a:rPr lang="en-US" smtClean="0"/>
-              <a:t>2/20/2018</a:t>
+              <a:t>2/25/2018</a:t>
             </a:fld>
             <a:endParaRPr lang="en-US"/>
           </a:p>
@@ -2676,7 +2681,7 @@
           <a:p>
             <a:fld id="{1C1F3817-498B-459A-928B-153134D14AF2}" type="datetimeFigureOut">
               <a:rPr lang="en-US" smtClean="0"/>
-              <a:t>2/20/2018</a:t>
+              <a:t>2/25/2018</a:t>
             </a:fld>
             <a:endParaRPr lang="en-US"/>
           </a:p>
@@ -2917,7 +2922,7 @@
           <a:p>
             <a:fld id="{1C1F3817-498B-459A-928B-153134D14AF2}" type="datetimeFigureOut">
               <a:rPr lang="en-US" smtClean="0"/>
-              <a:t>2/20/2018</a:t>
+              <a:t>2/25/2018</a:t>
             </a:fld>
             <a:endParaRPr lang="en-US"/>
           </a:p>
@@ -6288,8 +6293,8 @@
         </p:nvSpPr>
         <p:spPr>
           <a:xfrm>
-            <a:off x="646386" y="1445172"/>
-            <a:ext cx="10899228" cy="4876800"/>
+            <a:off x="619666" y="1377525"/>
+            <a:ext cx="10899228" cy="4934153"/>
           </a:xfrm>
           <a:prstGeom prst="rect">
             <a:avLst/>
@@ -6352,10 +6357,16 @@
           <a:lstStyle/>
           <a:p>
             <a:r>
+              <a:rPr lang="en-US" b="1">
+                <a:latin typeface="Georgia" panose="02040502050405020303" pitchFamily="18" charset="0"/>
+              </a:rPr>
+              <a:t>Add Client </a:t>
+            </a:r>
+            <a:r>
               <a:rPr lang="en-US" b="1" dirty="0">
                 <a:latin typeface="Georgia" panose="02040502050405020303" pitchFamily="18" charset="0"/>
               </a:rPr>
-              <a:t>Add Client Sequence Diagram</a:t>
+              <a:t>Sequence Diagram</a:t>
             </a:r>
           </a:p>
         </p:txBody>
@@ -6374,8 +6385,8 @@
         </p:nvSpPr>
         <p:spPr>
           <a:xfrm>
-            <a:off x="2001329" y="1114021"/>
-            <a:ext cx="169057" cy="4913656"/>
+            <a:off x="3354785" y="1445172"/>
+            <a:ext cx="169056" cy="4876800"/>
           </a:xfrm>
           <a:prstGeom prst="rect">
             <a:avLst/>
@@ -6428,7 +6439,7 @@
         </p:nvSpPr>
         <p:spPr>
           <a:xfrm>
-            <a:off x="1389993" y="783735"/>
+            <a:off x="2690625" y="991112"/>
             <a:ext cx="1391728" cy="307777"/>
           </a:xfrm>
           <a:prstGeom prst="rect">
@@ -6543,8 +6554,8 @@
         </p:nvCxnSpPr>
         <p:spPr>
           <a:xfrm>
-            <a:off x="940676" y="1334813"/>
-            <a:ext cx="1060653" cy="0"/>
+            <a:off x="1581915" y="2041466"/>
+            <a:ext cx="1772869" cy="0"/>
           </a:xfrm>
           <a:prstGeom prst="straightConnector1">
             <a:avLst/>
@@ -6574,6 +6585,53 @@
           </a:fontRef>
         </p:style>
       </p:cxnSp>
+      <p:cxnSp>
+        <p:nvCxnSpPr>
+          <p:cNvPr id="20" name="Straight Connector 19">
+            <a:extLst>
+              <a:ext uri="{FF2B5EF4-FFF2-40B4-BE49-F238E27FC236}">
+                <a16:creationId xmlns:a16="http://schemas.microsoft.com/office/drawing/2014/main" id="{093D5B23-CD8E-4B7F-9953-8B4E721B9BC0}"/>
+              </a:ext>
+            </a:extLst>
+          </p:cNvPr>
+          <p:cNvCxnSpPr>
+            <a:cxnSpLocks/>
+          </p:cNvCxnSpPr>
+          <p:nvPr/>
+        </p:nvCxnSpPr>
+        <p:spPr>
+          <a:xfrm flipH="1">
+            <a:off x="6295266" y="1445171"/>
+            <a:ext cx="1" cy="4827579"/>
+          </a:xfrm>
+          <a:prstGeom prst="line">
+            <a:avLst/>
+          </a:prstGeom>
+          <a:ln w="9525" cap="flat" cmpd="sng" algn="ctr">
+            <a:solidFill>
+              <a:schemeClr val="dk1"/>
+            </a:solidFill>
+            <a:prstDash val="dash"/>
+            <a:round/>
+            <a:headEnd type="none" w="med" len="med"/>
+            <a:tailEnd type="none" w="med" len="med"/>
+          </a:ln>
+        </p:spPr>
+        <p:style>
+          <a:lnRef idx="0">
+            <a:scrgbClr r="0" g="0" b="0"/>
+          </a:lnRef>
+          <a:fillRef idx="0">
+            <a:scrgbClr r="0" g="0" b="0"/>
+          </a:fillRef>
+          <a:effectRef idx="0">
+            <a:scrgbClr r="0" g="0" b="0"/>
+          </a:effectRef>
+          <a:fontRef idx="minor">
+            <a:schemeClr val="tx1"/>
+          </a:fontRef>
+        </p:style>
+      </p:cxnSp>
       <p:sp>
         <p:nvSpPr>
           <p:cNvPr id="16" name="Rectangle 15">
@@ -6588,8 +6646,8 @@
         </p:nvSpPr>
         <p:spPr>
           <a:xfrm>
-            <a:off x="3851150" y="1114021"/>
-            <a:ext cx="169057" cy="4391855"/>
+            <a:off x="6178528" y="2967188"/>
+            <a:ext cx="196566" cy="2297033"/>
           </a:xfrm>
           <a:prstGeom prst="rect">
             <a:avLst/>
@@ -6642,7 +6700,7 @@
         </p:nvSpPr>
         <p:spPr>
           <a:xfrm>
-            <a:off x="3536369" y="780958"/>
+            <a:off x="5877502" y="986563"/>
             <a:ext cx="798617" cy="307777"/>
           </a:xfrm>
           <a:prstGeom prst="rect">
@@ -6667,20 +6725,116 @@
       </p:sp>
       <p:cxnSp>
         <p:nvCxnSpPr>
-          <p:cNvPr id="19" name="Straight Connector 18">
-            <a:extLst>
-              <a:ext uri="{FF2B5EF4-FFF2-40B4-BE49-F238E27FC236}">
-                <a16:creationId xmlns:a16="http://schemas.microsoft.com/office/drawing/2014/main" id="{3145678D-8CB4-4933-BC4C-B105C5495678}"/>
-              </a:ext>
-            </a:extLst>
-          </p:cNvPr>
-          <p:cNvCxnSpPr/>
+          <p:cNvPr id="23" name="Straight Arrow Connector 22">
+            <a:extLst>
+              <a:ext uri="{FF2B5EF4-FFF2-40B4-BE49-F238E27FC236}">
+                <a16:creationId xmlns:a16="http://schemas.microsoft.com/office/drawing/2014/main" id="{594B409D-D83C-4B31-8CF7-2E5AB0A86C76}"/>
+              </a:ext>
+            </a:extLst>
+          </p:cNvPr>
+          <p:cNvCxnSpPr>
+            <a:cxnSpLocks/>
+          </p:cNvCxnSpPr>
           <p:nvPr/>
         </p:nvCxnSpPr>
         <p:spPr>
           <a:xfrm>
-            <a:off x="2065283" y="6027677"/>
-            <a:ext cx="0" cy="294295"/>
+            <a:off x="3540221" y="3559478"/>
+            <a:ext cx="2647186" cy="0"/>
+          </a:xfrm>
+          <a:prstGeom prst="straightConnector1">
+            <a:avLst/>
+          </a:prstGeom>
+          <a:ln w="9525" cap="flat" cmpd="sng" algn="ctr">
+            <a:solidFill>
+              <a:schemeClr val="dk1"/>
+            </a:solidFill>
+            <a:prstDash val="solid"/>
+            <a:round/>
+            <a:headEnd type="none" w="med" len="med"/>
+            <a:tailEnd type="arrow" w="med" len="med"/>
+          </a:ln>
+        </p:spPr>
+        <p:style>
+          <a:lnRef idx="0">
+            <a:scrgbClr r="0" g="0" b="0"/>
+          </a:lnRef>
+          <a:fillRef idx="0">
+            <a:scrgbClr r="0" g="0" b="0"/>
+          </a:fillRef>
+          <a:effectRef idx="0">
+            <a:scrgbClr r="0" g="0" b="0"/>
+          </a:effectRef>
+          <a:fontRef idx="minor">
+            <a:schemeClr val="tx1"/>
+          </a:fontRef>
+        </p:style>
+      </p:cxnSp>
+      <p:cxnSp>
+        <p:nvCxnSpPr>
+          <p:cNvPr id="24" name="Straight Arrow Connector 23">
+            <a:extLst>
+              <a:ext uri="{FF2B5EF4-FFF2-40B4-BE49-F238E27FC236}">
+                <a16:creationId xmlns:a16="http://schemas.microsoft.com/office/drawing/2014/main" id="{3B5104E0-F735-4E22-880B-D67129B8827C}"/>
+              </a:ext>
+            </a:extLst>
+          </p:cNvPr>
+          <p:cNvCxnSpPr>
+            <a:cxnSpLocks/>
+          </p:cNvCxnSpPr>
+          <p:nvPr/>
+        </p:nvCxnSpPr>
+        <p:spPr>
+          <a:xfrm>
+            <a:off x="6383973" y="3844602"/>
+            <a:ext cx="2366091" cy="14358"/>
+          </a:xfrm>
+          <a:prstGeom prst="straightConnector1">
+            <a:avLst/>
+          </a:prstGeom>
+          <a:ln w="9525" cap="flat" cmpd="sng" algn="ctr">
+            <a:solidFill>
+              <a:schemeClr val="dk1"/>
+            </a:solidFill>
+            <a:prstDash val="solid"/>
+            <a:round/>
+            <a:headEnd type="none" w="med" len="med"/>
+            <a:tailEnd type="arrow" w="med" len="med"/>
+          </a:ln>
+        </p:spPr>
+        <p:style>
+          <a:lnRef idx="0">
+            <a:scrgbClr r="0" g="0" b="0"/>
+          </a:lnRef>
+          <a:fillRef idx="0">
+            <a:scrgbClr r="0" g="0" b="0"/>
+          </a:fillRef>
+          <a:effectRef idx="0">
+            <a:scrgbClr r="0" g="0" b="0"/>
+          </a:effectRef>
+          <a:fontRef idx="minor">
+            <a:schemeClr val="tx1"/>
+          </a:fontRef>
+        </p:style>
+      </p:cxnSp>
+      <p:cxnSp>
+        <p:nvCxnSpPr>
+          <p:cNvPr id="37" name="Straight Connector 36">
+            <a:extLst>
+              <a:ext uri="{FF2B5EF4-FFF2-40B4-BE49-F238E27FC236}">
+                <a16:creationId xmlns:a16="http://schemas.microsoft.com/office/drawing/2014/main" id="{6579CF67-CFBF-409A-8EB0-C102B8462E40}"/>
+              </a:ext>
+            </a:extLst>
+          </p:cNvPr>
+          <p:cNvCxnSpPr>
+            <a:cxnSpLocks/>
+          </p:cNvCxnSpPr>
+          <p:nvPr/>
+        </p:nvCxnSpPr>
+        <p:spPr>
+          <a:xfrm flipH="1">
+            <a:off x="8813099" y="1445171"/>
+            <a:ext cx="25210" cy="4876801"/>
           </a:xfrm>
           <a:prstGeom prst="line">
             <a:avLst/>
@@ -6710,12 +6864,84 @@
           </a:fontRef>
         </p:style>
       </p:cxnSp>
+      <p:sp>
+        <p:nvSpPr>
+          <p:cNvPr id="34" name="TextBox 33">
+            <a:extLst>
+              <a:ext uri="{FF2B5EF4-FFF2-40B4-BE49-F238E27FC236}">
+                <a16:creationId xmlns:a16="http://schemas.microsoft.com/office/drawing/2014/main" id="{0EACED2F-E302-4C1F-964E-8761B978D767}"/>
+              </a:ext>
+            </a:extLst>
+          </p:cNvPr>
+          <p:cNvSpPr txBox="1"/>
+          <p:nvPr/>
+        </p:nvSpPr>
+        <p:spPr>
+          <a:xfrm>
+            <a:off x="8530693" y="1001156"/>
+            <a:ext cx="607795" cy="307777"/>
+          </a:xfrm>
+          <a:prstGeom prst="rect">
+            <a:avLst/>
+          </a:prstGeom>
+          <a:noFill/>
+        </p:spPr>
+        <p:txBody>
+          <a:bodyPr wrap="none" rtlCol="0">
+            <a:spAutoFit/>
+          </a:bodyPr>
+          <a:lstStyle/>
+          <a:p>
+            <a:r>
+              <a:rPr lang="en-US" sz="1400" u="sng"/>
+              <a:t>Client</a:t>
+            </a:r>
+            <a:endParaRPr lang="en-US" sz="1400" u="sng" dirty="0"/>
+          </a:p>
+        </p:txBody>
+      </p:sp>
+      <p:sp>
+        <p:nvSpPr>
+          <p:cNvPr id="35" name="TextBox 34">
+            <a:extLst>
+              <a:ext uri="{FF2B5EF4-FFF2-40B4-BE49-F238E27FC236}">
+                <a16:creationId xmlns:a16="http://schemas.microsoft.com/office/drawing/2014/main" id="{42929EBD-3B74-4090-8B5A-FB6AEDCFAAD0}"/>
+              </a:ext>
+            </a:extLst>
+          </p:cNvPr>
+          <p:cNvSpPr txBox="1"/>
+          <p:nvPr/>
+        </p:nvSpPr>
+        <p:spPr>
+          <a:xfrm>
+            <a:off x="10375737" y="991111"/>
+            <a:ext cx="854273" cy="307777"/>
+          </a:xfrm>
+          <a:prstGeom prst="rect">
+            <a:avLst/>
+          </a:prstGeom>
+          <a:noFill/>
+        </p:spPr>
+        <p:txBody>
+          <a:bodyPr wrap="none" rtlCol="0">
+            <a:spAutoFit/>
+          </a:bodyPr>
+          <a:lstStyle/>
+          <a:p>
+            <a:r>
+              <a:rPr lang="en-US" sz="1400" u="sng"/>
+              <a:t>ClientList</a:t>
+            </a:r>
+            <a:endParaRPr lang="en-US" sz="1400" u="sng" dirty="0"/>
+          </a:p>
+        </p:txBody>
+      </p:sp>
       <p:cxnSp>
         <p:nvCxnSpPr>
-          <p:cNvPr id="20" name="Straight Connector 19">
-            <a:extLst>
-              <a:ext uri="{FF2B5EF4-FFF2-40B4-BE49-F238E27FC236}">
-                <a16:creationId xmlns:a16="http://schemas.microsoft.com/office/drawing/2014/main" id="{093D5B23-CD8E-4B7F-9953-8B4E721B9BC0}"/>
+          <p:cNvPr id="38" name="Straight Connector 37">
+            <a:extLst>
+              <a:ext uri="{FF2B5EF4-FFF2-40B4-BE49-F238E27FC236}">
+                <a16:creationId xmlns:a16="http://schemas.microsoft.com/office/drawing/2014/main" id="{157DF4B6-84F4-4E6D-B15E-941F87C92698}"/>
               </a:ext>
             </a:extLst>
           </p:cNvPr>
@@ -6725,9 +6951,9 @@
           <p:nvPr/>
         </p:nvCxnSpPr>
         <p:spPr>
-          <a:xfrm>
-            <a:off x="3925614" y="5505876"/>
-            <a:ext cx="0" cy="816096"/>
+          <a:xfrm flipH="1">
+            <a:off x="10802874" y="1445561"/>
+            <a:ext cx="1" cy="4827579"/>
           </a:xfrm>
           <a:prstGeom prst="line">
             <a:avLst/>
@@ -6757,6 +6983,953 @@
           </a:fontRef>
         </p:style>
       </p:cxnSp>
+      <p:sp>
+        <p:nvSpPr>
+          <p:cNvPr id="18" name="Rectangle 17">
+            <a:extLst>
+              <a:ext uri="{FF2B5EF4-FFF2-40B4-BE49-F238E27FC236}">
+                <a16:creationId xmlns:a16="http://schemas.microsoft.com/office/drawing/2014/main" id="{3A6CC129-5DAD-4E2D-B63B-D33FD73E3B95}"/>
+              </a:ext>
+            </a:extLst>
+          </p:cNvPr>
+          <p:cNvSpPr/>
+          <p:nvPr/>
+        </p:nvSpPr>
+        <p:spPr>
+          <a:xfrm>
+            <a:off x="8750064" y="3265941"/>
+            <a:ext cx="169058" cy="1290320"/>
+          </a:xfrm>
+          <a:prstGeom prst="rect">
+            <a:avLst/>
+          </a:prstGeom>
+          <a:solidFill>
+            <a:schemeClr val="bg2"/>
+          </a:solidFill>
+          <a:ln>
+            <a:solidFill>
+              <a:schemeClr val="tx1"/>
+            </a:solidFill>
+          </a:ln>
+        </p:spPr>
+        <p:style>
+          <a:lnRef idx="2">
+            <a:schemeClr val="accent1">
+              <a:shade val="50000"/>
+            </a:schemeClr>
+          </a:lnRef>
+          <a:fillRef idx="1">
+            <a:schemeClr val="accent1"/>
+          </a:fillRef>
+          <a:effectRef idx="0">
+            <a:schemeClr val="accent1"/>
+          </a:effectRef>
+          <a:fontRef idx="minor">
+            <a:schemeClr val="lt1"/>
+          </a:fontRef>
+        </p:style>
+        <p:txBody>
+          <a:bodyPr rtlCol="0" anchor="ctr"/>
+          <a:lstStyle/>
+          <a:p>
+            <a:pPr algn="ctr"/>
+            <a:endParaRPr lang="en-US"/>
+          </a:p>
+        </p:txBody>
+      </p:sp>
+      <p:sp>
+        <p:nvSpPr>
+          <p:cNvPr id="21" name="Rectangle 20">
+            <a:extLst>
+              <a:ext uri="{FF2B5EF4-FFF2-40B4-BE49-F238E27FC236}">
+                <a16:creationId xmlns:a16="http://schemas.microsoft.com/office/drawing/2014/main" id="{3918C2FF-5DAC-49D2-B1B9-1982608044EC}"/>
+              </a:ext>
+            </a:extLst>
+          </p:cNvPr>
+          <p:cNvSpPr/>
+          <p:nvPr/>
+        </p:nvSpPr>
+        <p:spPr>
+          <a:xfrm>
+            <a:off x="10718344" y="4357607"/>
+            <a:ext cx="169058" cy="1290320"/>
+          </a:xfrm>
+          <a:prstGeom prst="rect">
+            <a:avLst/>
+          </a:prstGeom>
+          <a:solidFill>
+            <a:schemeClr val="bg2"/>
+          </a:solidFill>
+          <a:ln>
+            <a:solidFill>
+              <a:schemeClr val="tx1"/>
+            </a:solidFill>
+          </a:ln>
+        </p:spPr>
+        <p:style>
+          <a:lnRef idx="2">
+            <a:schemeClr val="accent1">
+              <a:shade val="50000"/>
+            </a:schemeClr>
+          </a:lnRef>
+          <a:fillRef idx="1">
+            <a:schemeClr val="accent1"/>
+          </a:fillRef>
+          <a:effectRef idx="0">
+            <a:schemeClr val="accent1"/>
+          </a:effectRef>
+          <a:fontRef idx="minor">
+            <a:schemeClr val="lt1"/>
+          </a:fontRef>
+        </p:style>
+        <p:txBody>
+          <a:bodyPr rtlCol="0" anchor="ctr"/>
+          <a:lstStyle/>
+          <a:p>
+            <a:pPr algn="ctr"/>
+            <a:endParaRPr lang="en-US"/>
+          </a:p>
+        </p:txBody>
+      </p:sp>
+      <p:sp>
+        <p:nvSpPr>
+          <p:cNvPr id="39" name="TextBox 38">
+            <a:extLst>
+              <a:ext uri="{FF2B5EF4-FFF2-40B4-BE49-F238E27FC236}">
+                <a16:creationId xmlns:a16="http://schemas.microsoft.com/office/drawing/2014/main" id="{02BBE9FD-B8DF-41B0-9CD6-03E9B67257AD}"/>
+              </a:ext>
+            </a:extLst>
+          </p:cNvPr>
+          <p:cNvSpPr txBox="1"/>
+          <p:nvPr/>
+        </p:nvSpPr>
+        <p:spPr>
+          <a:xfrm>
+            <a:off x="1251752" y="1494393"/>
+            <a:ext cx="2272090" cy="1754326"/>
+          </a:xfrm>
+          <a:prstGeom prst="rect">
+            <a:avLst/>
+          </a:prstGeom>
+          <a:noFill/>
+        </p:spPr>
+        <p:txBody>
+          <a:bodyPr wrap="square" rtlCol="0">
+            <a:spAutoFit/>
+          </a:bodyPr>
+          <a:lstStyle/>
+          <a:p>
+            <a:pPr>
+              <a:lnSpc>
+                <a:spcPct val="150000"/>
+              </a:lnSpc>
+            </a:pPr>
+            <a:r>
+              <a:rPr lang="en-US" sz="1200" dirty="0"/>
+              <a:t>Asks </a:t>
+            </a:r>
+            <a:r>
+              <a:rPr lang="en-US" sz="1200"/>
+              <a:t>for client’s </a:t>
+            </a:r>
+            <a:r>
+              <a:rPr lang="en-US" sz="1200" dirty="0"/>
+              <a:t>name</a:t>
+            </a:r>
+          </a:p>
+          <a:p>
+            <a:pPr>
+              <a:lnSpc>
+                <a:spcPct val="150000"/>
+              </a:lnSpc>
+            </a:pPr>
+            <a:r>
+              <a:rPr lang="en-US" sz="1200" dirty="0"/>
+              <a:t>       </a:t>
+            </a:r>
+            <a:r>
+              <a:rPr lang="en-US" sz="1200"/>
+              <a:t>Enters client’s </a:t>
+            </a:r>
+            <a:r>
+              <a:rPr lang="en-US" sz="1200" dirty="0"/>
+              <a:t>name</a:t>
+            </a:r>
+          </a:p>
+          <a:p>
+            <a:pPr>
+              <a:lnSpc>
+                <a:spcPct val="150000"/>
+              </a:lnSpc>
+            </a:pPr>
+            <a:r>
+              <a:rPr lang="en-US" sz="1200" dirty="0"/>
+              <a:t>Asks </a:t>
+            </a:r>
+            <a:r>
+              <a:rPr lang="en-US" sz="1200"/>
+              <a:t>for client’s </a:t>
+            </a:r>
+            <a:r>
+              <a:rPr lang="en-US" sz="1200" dirty="0"/>
+              <a:t>address</a:t>
+            </a:r>
+          </a:p>
+          <a:p>
+            <a:pPr>
+              <a:lnSpc>
+                <a:spcPct val="150000"/>
+              </a:lnSpc>
+            </a:pPr>
+            <a:r>
+              <a:rPr lang="en-US" sz="1200" dirty="0"/>
+              <a:t>      </a:t>
+            </a:r>
+            <a:r>
+              <a:rPr lang="en-US" sz="1200"/>
+              <a:t>Enters client’s </a:t>
+            </a:r>
+            <a:r>
+              <a:rPr lang="en-US" sz="1200" dirty="0"/>
+              <a:t>address</a:t>
+            </a:r>
+          </a:p>
+          <a:p>
+            <a:pPr>
+              <a:lnSpc>
+                <a:spcPct val="150000"/>
+              </a:lnSpc>
+            </a:pPr>
+            <a:r>
+              <a:rPr lang="en-US" sz="1200" dirty="0"/>
+              <a:t>Asks </a:t>
+            </a:r>
+            <a:r>
+              <a:rPr lang="en-US" sz="1200"/>
+              <a:t>for client’s </a:t>
+            </a:r>
+            <a:r>
+              <a:rPr lang="en-US" sz="1200" dirty="0"/>
+              <a:t>phone number</a:t>
+            </a:r>
+          </a:p>
+          <a:p>
+            <a:pPr>
+              <a:lnSpc>
+                <a:spcPct val="150000"/>
+              </a:lnSpc>
+            </a:pPr>
+            <a:r>
+              <a:rPr lang="en-US" sz="1200" dirty="0"/>
+              <a:t>     </a:t>
+            </a:r>
+            <a:r>
+              <a:rPr lang="en-US" sz="1200"/>
+              <a:t>Enters clients </a:t>
+            </a:r>
+            <a:r>
+              <a:rPr lang="en-US" sz="1200" dirty="0"/>
+              <a:t>phone number</a:t>
+            </a:r>
+          </a:p>
+        </p:txBody>
+      </p:sp>
+      <p:cxnSp>
+        <p:nvCxnSpPr>
+          <p:cNvPr id="41" name="Straight Arrow Connector 40">
+            <a:extLst>
+              <a:ext uri="{FF2B5EF4-FFF2-40B4-BE49-F238E27FC236}">
+                <a16:creationId xmlns:a16="http://schemas.microsoft.com/office/drawing/2014/main" id="{59C583B0-5A81-4972-B38D-C395DD06C793}"/>
+              </a:ext>
+            </a:extLst>
+          </p:cNvPr>
+          <p:cNvCxnSpPr>
+            <a:cxnSpLocks/>
+          </p:cNvCxnSpPr>
+          <p:nvPr/>
+        </p:nvCxnSpPr>
+        <p:spPr>
+          <a:xfrm>
+            <a:off x="1581915" y="2617420"/>
+            <a:ext cx="1772869" cy="0"/>
+          </a:xfrm>
+          <a:prstGeom prst="straightConnector1">
+            <a:avLst/>
+          </a:prstGeom>
+          <a:ln w="9525" cap="flat" cmpd="sng" algn="ctr">
+            <a:solidFill>
+              <a:schemeClr val="dk1"/>
+            </a:solidFill>
+            <a:prstDash val="solid"/>
+            <a:round/>
+            <a:headEnd type="none" w="med" len="med"/>
+            <a:tailEnd type="arrow" w="med" len="med"/>
+          </a:ln>
+        </p:spPr>
+        <p:style>
+          <a:lnRef idx="0">
+            <a:scrgbClr r="0" g="0" b="0"/>
+          </a:lnRef>
+          <a:fillRef idx="0">
+            <a:scrgbClr r="0" g="0" b="0"/>
+          </a:fillRef>
+          <a:effectRef idx="0">
+            <a:scrgbClr r="0" g="0" b="0"/>
+          </a:effectRef>
+          <a:fontRef idx="minor">
+            <a:schemeClr val="tx1"/>
+          </a:fontRef>
+        </p:style>
+      </p:cxnSp>
+      <p:cxnSp>
+        <p:nvCxnSpPr>
+          <p:cNvPr id="42" name="Straight Arrow Connector 41">
+            <a:extLst>
+              <a:ext uri="{FF2B5EF4-FFF2-40B4-BE49-F238E27FC236}">
+                <a16:creationId xmlns:a16="http://schemas.microsoft.com/office/drawing/2014/main" id="{F289BAED-540E-47E1-AB22-7D012910D1CB}"/>
+              </a:ext>
+            </a:extLst>
+          </p:cNvPr>
+          <p:cNvCxnSpPr>
+            <a:cxnSpLocks/>
+          </p:cNvCxnSpPr>
+          <p:nvPr/>
+        </p:nvCxnSpPr>
+        <p:spPr>
+          <a:xfrm>
+            <a:off x="1534066" y="3187286"/>
+            <a:ext cx="1820718" cy="0"/>
+          </a:xfrm>
+          <a:prstGeom prst="straightConnector1">
+            <a:avLst/>
+          </a:prstGeom>
+          <a:ln w="9525" cap="flat" cmpd="sng" algn="ctr">
+            <a:solidFill>
+              <a:schemeClr val="dk1"/>
+            </a:solidFill>
+            <a:prstDash val="solid"/>
+            <a:round/>
+            <a:headEnd type="none" w="med" len="med"/>
+            <a:tailEnd type="arrow" w="med" len="med"/>
+          </a:ln>
+        </p:spPr>
+        <p:style>
+          <a:lnRef idx="0">
+            <a:scrgbClr r="0" g="0" b="0"/>
+          </a:lnRef>
+          <a:fillRef idx="0">
+            <a:scrgbClr r="0" g="0" b="0"/>
+          </a:fillRef>
+          <a:effectRef idx="0">
+            <a:scrgbClr r="0" g="0" b="0"/>
+          </a:effectRef>
+          <a:fontRef idx="minor">
+            <a:schemeClr val="tx1"/>
+          </a:fontRef>
+        </p:style>
+      </p:cxnSp>
+      <p:cxnSp>
+        <p:nvCxnSpPr>
+          <p:cNvPr id="44" name="Straight Arrow Connector 43">
+            <a:extLst>
+              <a:ext uri="{FF2B5EF4-FFF2-40B4-BE49-F238E27FC236}">
+                <a16:creationId xmlns:a16="http://schemas.microsoft.com/office/drawing/2014/main" id="{3BDB3079-9C32-4171-969A-24F1D6D54776}"/>
+              </a:ext>
+            </a:extLst>
+          </p:cNvPr>
+          <p:cNvCxnSpPr>
+            <a:cxnSpLocks/>
+          </p:cNvCxnSpPr>
+          <p:nvPr/>
+        </p:nvCxnSpPr>
+        <p:spPr>
+          <a:xfrm flipH="1">
+            <a:off x="1227724" y="1757779"/>
+            <a:ext cx="2127061" cy="0"/>
+          </a:xfrm>
+          <a:prstGeom prst="straightConnector1">
+            <a:avLst/>
+          </a:prstGeom>
+          <a:ln>
+            <a:tailEnd type="triangle"/>
+          </a:ln>
+        </p:spPr>
+        <p:style>
+          <a:lnRef idx="1">
+            <a:schemeClr val="dk1"/>
+          </a:lnRef>
+          <a:fillRef idx="0">
+            <a:schemeClr val="dk1"/>
+          </a:fillRef>
+          <a:effectRef idx="0">
+            <a:schemeClr val="dk1"/>
+          </a:effectRef>
+          <a:fontRef idx="minor">
+            <a:schemeClr val="tx1"/>
+          </a:fontRef>
+        </p:style>
+      </p:cxnSp>
+      <p:cxnSp>
+        <p:nvCxnSpPr>
+          <p:cNvPr id="46" name="Straight Arrow Connector 45">
+            <a:extLst>
+              <a:ext uri="{FF2B5EF4-FFF2-40B4-BE49-F238E27FC236}">
+                <a16:creationId xmlns:a16="http://schemas.microsoft.com/office/drawing/2014/main" id="{332E293A-7950-4A44-A970-EA00F23F31FB}"/>
+              </a:ext>
+            </a:extLst>
+          </p:cNvPr>
+          <p:cNvCxnSpPr>
+            <a:cxnSpLocks/>
+          </p:cNvCxnSpPr>
+          <p:nvPr/>
+        </p:nvCxnSpPr>
+        <p:spPr>
+          <a:xfrm flipH="1" flipV="1">
+            <a:off x="1227724" y="2312248"/>
+            <a:ext cx="2103034" cy="1"/>
+          </a:xfrm>
+          <a:prstGeom prst="straightConnector1">
+            <a:avLst/>
+          </a:prstGeom>
+          <a:ln>
+            <a:tailEnd type="triangle"/>
+          </a:ln>
+        </p:spPr>
+        <p:style>
+          <a:lnRef idx="1">
+            <a:schemeClr val="dk1"/>
+          </a:lnRef>
+          <a:fillRef idx="0">
+            <a:schemeClr val="dk1"/>
+          </a:fillRef>
+          <a:effectRef idx="0">
+            <a:schemeClr val="dk1"/>
+          </a:effectRef>
+          <a:fontRef idx="minor">
+            <a:schemeClr val="tx1"/>
+          </a:fontRef>
+        </p:style>
+      </p:cxnSp>
+      <p:cxnSp>
+        <p:nvCxnSpPr>
+          <p:cNvPr id="47" name="Straight Arrow Connector 46">
+            <a:extLst>
+              <a:ext uri="{FF2B5EF4-FFF2-40B4-BE49-F238E27FC236}">
+                <a16:creationId xmlns:a16="http://schemas.microsoft.com/office/drawing/2014/main" id="{C00ED66F-2EE8-4607-8705-BB363C778E1C}"/>
+              </a:ext>
+            </a:extLst>
+          </p:cNvPr>
+          <p:cNvCxnSpPr>
+            <a:cxnSpLocks/>
+          </p:cNvCxnSpPr>
+          <p:nvPr/>
+        </p:nvCxnSpPr>
+        <p:spPr>
+          <a:xfrm flipH="1">
+            <a:off x="1227724" y="2877845"/>
+            <a:ext cx="2127061" cy="0"/>
+          </a:xfrm>
+          <a:prstGeom prst="straightConnector1">
+            <a:avLst/>
+          </a:prstGeom>
+          <a:ln>
+            <a:tailEnd type="triangle"/>
+          </a:ln>
+        </p:spPr>
+        <p:style>
+          <a:lnRef idx="1">
+            <a:schemeClr val="dk1"/>
+          </a:lnRef>
+          <a:fillRef idx="0">
+            <a:schemeClr val="dk1"/>
+          </a:fillRef>
+          <a:effectRef idx="0">
+            <a:schemeClr val="dk1"/>
+          </a:effectRef>
+          <a:fontRef idx="minor">
+            <a:schemeClr val="tx1"/>
+          </a:fontRef>
+        </p:style>
+      </p:cxnSp>
+      <p:sp>
+        <p:nvSpPr>
+          <p:cNvPr id="58" name="TextBox 57">
+            <a:extLst>
+              <a:ext uri="{FF2B5EF4-FFF2-40B4-BE49-F238E27FC236}">
+                <a16:creationId xmlns:a16="http://schemas.microsoft.com/office/drawing/2014/main" id="{CB42794A-B4C6-4909-9B73-2A4931AF574F}"/>
+              </a:ext>
+            </a:extLst>
+          </p:cNvPr>
+          <p:cNvSpPr txBox="1"/>
+          <p:nvPr/>
+        </p:nvSpPr>
+        <p:spPr>
+          <a:xfrm>
+            <a:off x="3488963" y="3196351"/>
+            <a:ext cx="2769996" cy="276999"/>
+          </a:xfrm>
+          <a:prstGeom prst="rect">
+            <a:avLst/>
+          </a:prstGeom>
+          <a:noFill/>
+        </p:spPr>
+        <p:txBody>
+          <a:bodyPr wrap="square" rtlCol="0">
+            <a:spAutoFit/>
+          </a:bodyPr>
+          <a:lstStyle/>
+          <a:p>
+            <a:r>
+              <a:rPr lang="en-US" sz="1200"/>
+              <a:t>addClient(</a:t>
+            </a:r>
+            <a:r>
+              <a:rPr lang="en-US" sz="1200" dirty="0"/>
+              <a:t>name, address, </a:t>
+            </a:r>
+            <a:r>
+              <a:rPr lang="en-US" sz="1200" dirty="0" err="1"/>
+              <a:t>phoneNumber</a:t>
+            </a:r>
+            <a:r>
+              <a:rPr lang="en-US" sz="1200" dirty="0"/>
+              <a:t>)</a:t>
+            </a:r>
+          </a:p>
+        </p:txBody>
+      </p:sp>
+      <p:sp>
+        <p:nvSpPr>
+          <p:cNvPr id="63" name="TextBox 62">
+            <a:extLst>
+              <a:ext uri="{FF2B5EF4-FFF2-40B4-BE49-F238E27FC236}">
+                <a16:creationId xmlns:a16="http://schemas.microsoft.com/office/drawing/2014/main" id="{45848C13-C6AD-4376-8784-5E35738303BB}"/>
+              </a:ext>
+            </a:extLst>
+          </p:cNvPr>
+          <p:cNvSpPr txBox="1"/>
+          <p:nvPr/>
+        </p:nvSpPr>
+        <p:spPr>
+          <a:xfrm>
+            <a:off x="6333201" y="3567603"/>
+            <a:ext cx="2769996" cy="276999"/>
+          </a:xfrm>
+          <a:prstGeom prst="rect">
+            <a:avLst/>
+          </a:prstGeom>
+          <a:noFill/>
+        </p:spPr>
+        <p:txBody>
+          <a:bodyPr wrap="square" rtlCol="0">
+            <a:spAutoFit/>
+          </a:bodyPr>
+          <a:lstStyle/>
+          <a:p>
+            <a:r>
+              <a:rPr lang="en-US" sz="1200"/>
+              <a:t>Client(</a:t>
+            </a:r>
+            <a:r>
+              <a:rPr lang="en-US" sz="1200" dirty="0"/>
+              <a:t>name, address, </a:t>
+            </a:r>
+            <a:r>
+              <a:rPr lang="en-US" sz="1200" dirty="0" err="1"/>
+              <a:t>phoneNumber</a:t>
+            </a:r>
+            <a:r>
+              <a:rPr lang="en-US" sz="1200" dirty="0"/>
+              <a:t>)</a:t>
+            </a:r>
+          </a:p>
+        </p:txBody>
+      </p:sp>
+      <p:sp>
+        <p:nvSpPr>
+          <p:cNvPr id="64" name="TextBox 63">
+            <a:extLst>
+              <a:ext uri="{FF2B5EF4-FFF2-40B4-BE49-F238E27FC236}">
+                <a16:creationId xmlns:a16="http://schemas.microsoft.com/office/drawing/2014/main" id="{04183924-C60B-4268-96B3-9698B17DA0A7}"/>
+              </a:ext>
+            </a:extLst>
+          </p:cNvPr>
+          <p:cNvSpPr txBox="1"/>
+          <p:nvPr/>
+        </p:nvSpPr>
+        <p:spPr>
+          <a:xfrm>
+            <a:off x="9066691" y="3723141"/>
+            <a:ext cx="1383051" cy="276999"/>
+          </a:xfrm>
+          <a:prstGeom prst="rect">
+            <a:avLst/>
+          </a:prstGeom>
+          <a:noFill/>
+        </p:spPr>
+        <p:txBody>
+          <a:bodyPr wrap="square" rtlCol="0">
+            <a:spAutoFit/>
+          </a:bodyPr>
+          <a:lstStyle/>
+          <a:p>
+            <a:r>
+              <a:rPr lang="en-US" sz="1200" dirty="0"/>
+              <a:t>Unique ID created</a:t>
+            </a:r>
+          </a:p>
+        </p:txBody>
+      </p:sp>
+      <p:cxnSp>
+        <p:nvCxnSpPr>
+          <p:cNvPr id="71" name="Straight Connector 70">
+            <a:extLst>
+              <a:ext uri="{FF2B5EF4-FFF2-40B4-BE49-F238E27FC236}">
+                <a16:creationId xmlns:a16="http://schemas.microsoft.com/office/drawing/2014/main" id="{11AA870A-85E7-41D1-BDF3-F5A022E8BEDA}"/>
+              </a:ext>
+            </a:extLst>
+          </p:cNvPr>
+          <p:cNvCxnSpPr>
+            <a:cxnSpLocks/>
+          </p:cNvCxnSpPr>
+          <p:nvPr/>
+        </p:nvCxnSpPr>
+        <p:spPr>
+          <a:xfrm flipV="1">
+            <a:off x="8919119" y="3996111"/>
+            <a:ext cx="439976" cy="4029"/>
+          </a:xfrm>
+          <a:prstGeom prst="line">
+            <a:avLst/>
+          </a:prstGeom>
+        </p:spPr>
+        <p:style>
+          <a:lnRef idx="1">
+            <a:schemeClr val="dk1"/>
+          </a:lnRef>
+          <a:fillRef idx="0">
+            <a:schemeClr val="dk1"/>
+          </a:fillRef>
+          <a:effectRef idx="0">
+            <a:schemeClr val="dk1"/>
+          </a:effectRef>
+          <a:fontRef idx="minor">
+            <a:schemeClr val="tx1"/>
+          </a:fontRef>
+        </p:style>
+      </p:cxnSp>
+      <p:cxnSp>
+        <p:nvCxnSpPr>
+          <p:cNvPr id="74" name="Straight Connector 73">
+            <a:extLst>
+              <a:ext uri="{FF2B5EF4-FFF2-40B4-BE49-F238E27FC236}">
+                <a16:creationId xmlns:a16="http://schemas.microsoft.com/office/drawing/2014/main" id="{7DE5865F-9997-43E0-9FD0-5FF7F967A863}"/>
+              </a:ext>
+            </a:extLst>
+          </p:cNvPr>
+          <p:cNvCxnSpPr>
+            <a:cxnSpLocks/>
+          </p:cNvCxnSpPr>
+          <p:nvPr/>
+        </p:nvCxnSpPr>
+        <p:spPr>
+          <a:xfrm flipH="1">
+            <a:off x="9347958" y="3999329"/>
+            <a:ext cx="4828" cy="232752"/>
+          </a:xfrm>
+          <a:prstGeom prst="line">
+            <a:avLst/>
+          </a:prstGeom>
+        </p:spPr>
+        <p:style>
+          <a:lnRef idx="1">
+            <a:schemeClr val="dk1"/>
+          </a:lnRef>
+          <a:fillRef idx="0">
+            <a:schemeClr val="dk1"/>
+          </a:fillRef>
+          <a:effectRef idx="0">
+            <a:schemeClr val="dk1"/>
+          </a:effectRef>
+          <a:fontRef idx="minor">
+            <a:schemeClr val="tx1"/>
+          </a:fontRef>
+        </p:style>
+      </p:cxnSp>
+      <p:cxnSp>
+        <p:nvCxnSpPr>
+          <p:cNvPr id="78" name="Straight Arrow Connector 77">
+            <a:extLst>
+              <a:ext uri="{FF2B5EF4-FFF2-40B4-BE49-F238E27FC236}">
+                <a16:creationId xmlns:a16="http://schemas.microsoft.com/office/drawing/2014/main" id="{6C9AD953-E49D-4BDD-A070-4E06884C4216}"/>
+              </a:ext>
+            </a:extLst>
+          </p:cNvPr>
+          <p:cNvCxnSpPr>
+            <a:cxnSpLocks/>
+          </p:cNvCxnSpPr>
+          <p:nvPr/>
+        </p:nvCxnSpPr>
+        <p:spPr>
+          <a:xfrm flipH="1" flipV="1">
+            <a:off x="8919120" y="4231404"/>
+            <a:ext cx="428838" cy="2236"/>
+          </a:xfrm>
+          <a:prstGeom prst="straightConnector1">
+            <a:avLst/>
+          </a:prstGeom>
+          <a:ln>
+            <a:tailEnd type="triangle"/>
+          </a:ln>
+        </p:spPr>
+        <p:style>
+          <a:lnRef idx="1">
+            <a:schemeClr val="dk1"/>
+          </a:lnRef>
+          <a:fillRef idx="0">
+            <a:schemeClr val="dk1"/>
+          </a:fillRef>
+          <a:effectRef idx="0">
+            <a:schemeClr val="dk1"/>
+          </a:effectRef>
+          <a:fontRef idx="minor">
+            <a:schemeClr val="tx1"/>
+          </a:fontRef>
+        </p:style>
+      </p:cxnSp>
+      <p:cxnSp>
+        <p:nvCxnSpPr>
+          <p:cNvPr id="86" name="Straight Arrow Connector 85">
+            <a:extLst>
+              <a:ext uri="{FF2B5EF4-FFF2-40B4-BE49-F238E27FC236}">
+                <a16:creationId xmlns:a16="http://schemas.microsoft.com/office/drawing/2014/main" id="{E7F74BA3-3B09-4701-AED8-0A00887A5AC9}"/>
+              </a:ext>
+            </a:extLst>
+          </p:cNvPr>
+          <p:cNvCxnSpPr/>
+          <p:nvPr/>
+        </p:nvCxnSpPr>
+        <p:spPr>
+          <a:xfrm flipH="1" flipV="1">
+            <a:off x="6379797" y="4445017"/>
+            <a:ext cx="2370267" cy="18328"/>
+          </a:xfrm>
+          <a:prstGeom prst="straightConnector1">
+            <a:avLst/>
+          </a:prstGeom>
+          <a:ln>
+            <a:prstDash val="lgDash"/>
+            <a:tailEnd type="triangle"/>
+          </a:ln>
+        </p:spPr>
+        <p:style>
+          <a:lnRef idx="1">
+            <a:schemeClr val="dk1"/>
+          </a:lnRef>
+          <a:fillRef idx="0">
+            <a:schemeClr val="dk1"/>
+          </a:fillRef>
+          <a:effectRef idx="0">
+            <a:schemeClr val="dk1"/>
+          </a:effectRef>
+          <a:fontRef idx="minor">
+            <a:schemeClr val="tx1"/>
+          </a:fontRef>
+        </p:style>
+      </p:cxnSp>
+      <p:cxnSp>
+        <p:nvCxnSpPr>
+          <p:cNvPr id="89" name="Straight Arrow Connector 88">
+            <a:extLst>
+              <a:ext uri="{FF2B5EF4-FFF2-40B4-BE49-F238E27FC236}">
+                <a16:creationId xmlns:a16="http://schemas.microsoft.com/office/drawing/2014/main" id="{1F964B75-7459-4F7B-A46D-5CF54E1FEB70}"/>
+              </a:ext>
+            </a:extLst>
+          </p:cNvPr>
+          <p:cNvCxnSpPr>
+            <a:cxnSpLocks/>
+          </p:cNvCxnSpPr>
+          <p:nvPr/>
+        </p:nvCxnSpPr>
+        <p:spPr>
+          <a:xfrm flipH="1">
+            <a:off x="1581915" y="5508794"/>
+            <a:ext cx="1772872" cy="0"/>
+          </a:xfrm>
+          <a:prstGeom prst="straightConnector1">
+            <a:avLst/>
+          </a:prstGeom>
+          <a:ln>
+            <a:tailEnd type="triangle"/>
+          </a:ln>
+        </p:spPr>
+        <p:style>
+          <a:lnRef idx="1">
+            <a:schemeClr val="dk1"/>
+          </a:lnRef>
+          <a:fillRef idx="0">
+            <a:schemeClr val="dk1"/>
+          </a:fillRef>
+          <a:effectRef idx="0">
+            <a:schemeClr val="dk1"/>
+          </a:effectRef>
+          <a:fontRef idx="minor">
+            <a:schemeClr val="tx1"/>
+          </a:fontRef>
+        </p:style>
+      </p:cxnSp>
+      <p:cxnSp>
+        <p:nvCxnSpPr>
+          <p:cNvPr id="92" name="Straight Arrow Connector 91">
+            <a:extLst>
+              <a:ext uri="{FF2B5EF4-FFF2-40B4-BE49-F238E27FC236}">
+                <a16:creationId xmlns:a16="http://schemas.microsoft.com/office/drawing/2014/main" id="{46A9A175-E4F0-4936-ADDB-32BE0594E45E}"/>
+              </a:ext>
+            </a:extLst>
+          </p:cNvPr>
+          <p:cNvCxnSpPr>
+            <a:cxnSpLocks/>
+          </p:cNvCxnSpPr>
+          <p:nvPr/>
+        </p:nvCxnSpPr>
+        <p:spPr>
+          <a:xfrm>
+            <a:off x="6383973" y="5155167"/>
+            <a:ext cx="4334371" cy="0"/>
+          </a:xfrm>
+          <a:prstGeom prst="straightConnector1">
+            <a:avLst/>
+          </a:prstGeom>
+          <a:ln>
+            <a:tailEnd type="triangle"/>
+          </a:ln>
+        </p:spPr>
+        <p:style>
+          <a:lnRef idx="1">
+            <a:schemeClr val="dk1"/>
+          </a:lnRef>
+          <a:fillRef idx="0">
+            <a:schemeClr val="dk1"/>
+          </a:fillRef>
+          <a:effectRef idx="0">
+            <a:schemeClr val="dk1"/>
+          </a:effectRef>
+          <a:fontRef idx="minor">
+            <a:schemeClr val="tx1"/>
+          </a:fontRef>
+        </p:style>
+      </p:cxnSp>
+      <p:sp>
+        <p:nvSpPr>
+          <p:cNvPr id="96" name="TextBox 95">
+            <a:extLst>
+              <a:ext uri="{FF2B5EF4-FFF2-40B4-BE49-F238E27FC236}">
+                <a16:creationId xmlns:a16="http://schemas.microsoft.com/office/drawing/2014/main" id="{D783A046-250D-4934-93B0-47540DBEC2F9}"/>
+              </a:ext>
+            </a:extLst>
+          </p:cNvPr>
+          <p:cNvSpPr txBox="1"/>
+          <p:nvPr/>
+        </p:nvSpPr>
+        <p:spPr>
+          <a:xfrm>
+            <a:off x="6991545" y="4910902"/>
+            <a:ext cx="1517659" cy="276999"/>
+          </a:xfrm>
+          <a:prstGeom prst="rect">
+            <a:avLst/>
+          </a:prstGeom>
+          <a:noFill/>
+        </p:spPr>
+        <p:txBody>
+          <a:bodyPr wrap="square" rtlCol="0">
+            <a:spAutoFit/>
+          </a:bodyPr>
+          <a:lstStyle/>
+          <a:p>
+            <a:r>
+              <a:rPr lang="en-US" sz="1200"/>
+              <a:t>add(client)</a:t>
+            </a:r>
+            <a:endParaRPr lang="en-US" sz="1200" dirty="0"/>
+          </a:p>
+        </p:txBody>
+      </p:sp>
+      <p:sp>
+        <p:nvSpPr>
+          <p:cNvPr id="97" name="TextBox 96">
+            <a:extLst>
+              <a:ext uri="{FF2B5EF4-FFF2-40B4-BE49-F238E27FC236}">
+                <a16:creationId xmlns:a16="http://schemas.microsoft.com/office/drawing/2014/main" id="{2CA33E89-6B2B-431F-98CB-29F8F446091C}"/>
+              </a:ext>
+            </a:extLst>
+          </p:cNvPr>
+          <p:cNvSpPr txBox="1"/>
+          <p:nvPr/>
+        </p:nvSpPr>
+        <p:spPr>
+          <a:xfrm>
+            <a:off x="7142115" y="4231404"/>
+            <a:ext cx="928245" cy="276999"/>
+          </a:xfrm>
+          <a:prstGeom prst="rect">
+            <a:avLst/>
+          </a:prstGeom>
+          <a:noFill/>
+        </p:spPr>
+        <p:txBody>
+          <a:bodyPr wrap="square" rtlCol="0">
+            <a:spAutoFit/>
+          </a:bodyPr>
+          <a:lstStyle/>
+          <a:p>
+            <a:r>
+              <a:rPr lang="en-US" sz="1200"/>
+              <a:t>client</a:t>
+            </a:r>
+            <a:endParaRPr lang="en-US" sz="1200" dirty="0"/>
+          </a:p>
+        </p:txBody>
+      </p:sp>
+      <p:sp>
+        <p:nvSpPr>
+          <p:cNvPr id="100" name="TextBox 99">
+            <a:extLst>
+              <a:ext uri="{FF2B5EF4-FFF2-40B4-BE49-F238E27FC236}">
+                <a16:creationId xmlns:a16="http://schemas.microsoft.com/office/drawing/2014/main" id="{584CB714-A4EA-4F04-B893-2C777510331B}"/>
+              </a:ext>
+            </a:extLst>
+          </p:cNvPr>
+          <p:cNvSpPr txBox="1"/>
+          <p:nvPr/>
+        </p:nvSpPr>
+        <p:spPr>
+          <a:xfrm>
+            <a:off x="1677766" y="5306120"/>
+            <a:ext cx="1772869" cy="276999"/>
+          </a:xfrm>
+          <a:prstGeom prst="rect">
+            <a:avLst/>
+          </a:prstGeom>
+          <a:noFill/>
+        </p:spPr>
+        <p:txBody>
+          <a:bodyPr wrap="square" rtlCol="0">
+            <a:spAutoFit/>
+          </a:bodyPr>
+          <a:lstStyle/>
+          <a:p>
+            <a:r>
+              <a:rPr lang="en-US" sz="1200"/>
+              <a:t>Client </a:t>
+            </a:r>
+            <a:r>
+              <a:rPr lang="en-US" sz="1200" dirty="0"/>
+              <a:t>added successfully</a:t>
+            </a:r>
+          </a:p>
+        </p:txBody>
+      </p:sp>
     </p:spTree>
     <p:extLst>
       <p:ext uri="{BB962C8B-B14F-4D97-AF65-F5344CB8AC3E}">
@@ -6789,10 +7962,10 @@
       </p:grpSpPr>
       <p:sp>
         <p:nvSpPr>
-          <p:cNvPr id="4" name="Rectangle 3">
-            <a:extLst>
-              <a:ext uri="{FF2B5EF4-FFF2-40B4-BE49-F238E27FC236}">
-                <a16:creationId xmlns:a16="http://schemas.microsoft.com/office/drawing/2014/main" id="{5E4728A9-43B4-4413-8980-CA41E40E12A2}"/>
+          <p:cNvPr id="14" name="Rectangle 13">
+            <a:extLst>
+              <a:ext uri="{FF2B5EF4-FFF2-40B4-BE49-F238E27FC236}">
+                <a16:creationId xmlns:a16="http://schemas.microsoft.com/office/drawing/2014/main" id="{4D91B9A9-17B2-4F21-9311-B4B3D58B9C57}"/>
               </a:ext>
             </a:extLst>
           </p:cNvPr>
@@ -6801,8 +7974,8 @@
         </p:nvSpPr>
         <p:spPr>
           <a:xfrm>
-            <a:off x="646386" y="1445172"/>
-            <a:ext cx="10899228" cy="4876800"/>
+            <a:off x="646386" y="1391883"/>
+            <a:ext cx="10899228" cy="4934153"/>
           </a:xfrm>
           <a:prstGeom prst="rect">
             <a:avLst/>
@@ -6832,16 +8005,19 @@
           <a:lstStyle/>
           <a:p>
             <a:pPr algn="ctr"/>
-            <a:endParaRPr lang="en-US" dirty="0"/>
-          </a:p>
-        </p:txBody>
-      </p:sp>
-      <p:sp>
-        <p:nvSpPr>
-          <p:cNvPr id="5" name="TextBox 4">
-            <a:extLst>
-              <a:ext uri="{FF2B5EF4-FFF2-40B4-BE49-F238E27FC236}">
-                <a16:creationId xmlns:a16="http://schemas.microsoft.com/office/drawing/2014/main" id="{EED46A86-C106-4596-9342-011EAB247CB0}"/>
+            <a:r>
+              <a:rPr lang="en-US" dirty="0"/>
+              <a:t>g</a:t>
+            </a:r>
+          </a:p>
+        </p:txBody>
+      </p:sp>
+      <p:sp>
+        <p:nvSpPr>
+          <p:cNvPr id="15" name="TextBox 14">
+            <a:extLst>
+              <a:ext uri="{FF2B5EF4-FFF2-40B4-BE49-F238E27FC236}">
+                <a16:creationId xmlns:a16="http://schemas.microsoft.com/office/drawing/2014/main" id="{2B13680C-C984-4471-BD3B-838AA6FA3EAE}"/>
               </a:ext>
             </a:extLst>
           </p:cNvPr>
@@ -6865,20 +8041,186 @@
           <a:lstStyle/>
           <a:p>
             <a:r>
+              <a:rPr lang="en-US" b="1">
+                <a:latin typeface="Georgia" panose="02040502050405020303" pitchFamily="18" charset="0"/>
+              </a:rPr>
+              <a:t>Remove Client </a:t>
+            </a:r>
+            <a:r>
               <a:rPr lang="en-US" b="1" dirty="0">
                 <a:latin typeface="Georgia" panose="02040502050405020303" pitchFamily="18" charset="0"/>
               </a:rPr>
-              <a:t>Remove Client Sequence Diagram</a:t>
-            </a:r>
-          </a:p>
-        </p:txBody>
-      </p:sp>
-      <p:sp>
-        <p:nvSpPr>
-          <p:cNvPr id="6" name="Rectangle 5">
-            <a:extLst>
-              <a:ext uri="{FF2B5EF4-FFF2-40B4-BE49-F238E27FC236}">
-                <a16:creationId xmlns:a16="http://schemas.microsoft.com/office/drawing/2014/main" id="{5993E7F0-A172-4838-883D-6CEFEA31C010}"/>
+              <a:t>Sequence Diagram</a:t>
+            </a:r>
+          </a:p>
+        </p:txBody>
+      </p:sp>
+      <p:sp>
+        <p:nvSpPr>
+          <p:cNvPr id="21" name="TextBox 20">
+            <a:extLst>
+              <a:ext uri="{FF2B5EF4-FFF2-40B4-BE49-F238E27FC236}">
+                <a16:creationId xmlns:a16="http://schemas.microsoft.com/office/drawing/2014/main" id="{CF5C526F-1125-4443-9115-AF0EF254B6F2}"/>
+              </a:ext>
+            </a:extLst>
+          </p:cNvPr>
+          <p:cNvSpPr txBox="1"/>
+          <p:nvPr/>
+        </p:nvSpPr>
+        <p:spPr>
+          <a:xfrm>
+            <a:off x="2690625" y="991112"/>
+            <a:ext cx="1391728" cy="307777"/>
+          </a:xfrm>
+          <a:prstGeom prst="rect">
+            <a:avLst/>
+          </a:prstGeom>
+          <a:noFill/>
+        </p:spPr>
+        <p:txBody>
+          <a:bodyPr wrap="none" rtlCol="0">
+            <a:spAutoFit/>
+          </a:bodyPr>
+          <a:lstStyle/>
+          <a:p>
+            <a:r>
+              <a:rPr lang="en-US" sz="1400" u="sng" dirty="0">
+                <a:latin typeface="Georgia" panose="02040502050405020303" pitchFamily="18" charset="0"/>
+              </a:rPr>
+              <a:t>Command GUI</a:t>
+            </a:r>
+          </a:p>
+        </p:txBody>
+      </p:sp>
+      <p:pic>
+        <p:nvPicPr>
+          <p:cNvPr id="22" name="Graphic 21" descr="User">
+            <a:extLst>
+              <a:ext uri="{FF2B5EF4-FFF2-40B4-BE49-F238E27FC236}">
+                <a16:creationId xmlns:a16="http://schemas.microsoft.com/office/drawing/2014/main" id="{4F8B177B-7EA4-4061-877C-D347A586CC73}"/>
+              </a:ext>
+            </a:extLst>
+          </p:cNvPr>
+          <p:cNvPicPr>
+            <a:picLocks noChangeAspect="1"/>
+          </p:cNvPicPr>
+          <p:nvPr/>
+        </p:nvPicPr>
+        <p:blipFill>
+          <a:blip r:embed="rId2">
+            <a:extLst>
+              <a:ext uri="{28A0092B-C50C-407E-A947-70E740481C1C}">
+                <a14:useLocalDpi xmlns:a14="http://schemas.microsoft.com/office/drawing/2010/main" val="0"/>
+              </a:ext>
+              <a:ext uri="{96DAC541-7B7A-43D3-8B79-37D633B846F1}">
+                <asvg:svgBlip xmlns:asvg="http://schemas.microsoft.com/office/drawing/2016/SVG/main" r:embed="rId3"/>
+              </a:ext>
+            </a:extLst>
+          </a:blip>
+          <a:stretch>
+            <a:fillRect/>
+          </a:stretch>
+        </p:blipFill>
+        <p:spPr>
+          <a:xfrm>
+            <a:off x="619666" y="3265941"/>
+            <a:ext cx="914400" cy="914400"/>
+          </a:xfrm>
+          <a:prstGeom prst="rect">
+            <a:avLst/>
+          </a:prstGeom>
+        </p:spPr>
+      </p:pic>
+      <p:sp>
+        <p:nvSpPr>
+          <p:cNvPr id="23" name="TextBox 22">
+            <a:extLst>
+              <a:ext uri="{FF2B5EF4-FFF2-40B4-BE49-F238E27FC236}">
+                <a16:creationId xmlns:a16="http://schemas.microsoft.com/office/drawing/2014/main" id="{277D16F7-F05C-4671-B6B4-62FB303B1F1C}"/>
+              </a:ext>
+            </a:extLst>
+          </p:cNvPr>
+          <p:cNvSpPr txBox="1"/>
+          <p:nvPr/>
+        </p:nvSpPr>
+        <p:spPr>
+          <a:xfrm>
+            <a:off x="772935" y="4077516"/>
+            <a:ext cx="607859" cy="307777"/>
+          </a:xfrm>
+          <a:prstGeom prst="rect">
+            <a:avLst/>
+          </a:prstGeom>
+          <a:noFill/>
+        </p:spPr>
+        <p:txBody>
+          <a:bodyPr wrap="none" rtlCol="0">
+            <a:spAutoFit/>
+          </a:bodyPr>
+          <a:lstStyle/>
+          <a:p>
+            <a:r>
+              <a:rPr lang="en-US" sz="1400" dirty="0">
+                <a:latin typeface="Georgia" panose="02040502050405020303" pitchFamily="18" charset="0"/>
+              </a:rPr>
+              <a:t>Clerk</a:t>
+            </a:r>
+          </a:p>
+        </p:txBody>
+      </p:sp>
+      <p:cxnSp>
+        <p:nvCxnSpPr>
+          <p:cNvPr id="25" name="Straight Connector 24">
+            <a:extLst>
+              <a:ext uri="{FF2B5EF4-FFF2-40B4-BE49-F238E27FC236}">
+                <a16:creationId xmlns:a16="http://schemas.microsoft.com/office/drawing/2014/main" id="{B97EC599-C567-4D38-9E15-ADA4A5DE1CAB}"/>
+              </a:ext>
+            </a:extLst>
+          </p:cNvPr>
+          <p:cNvCxnSpPr>
+            <a:cxnSpLocks/>
+          </p:cNvCxnSpPr>
+          <p:nvPr/>
+        </p:nvCxnSpPr>
+        <p:spPr>
+          <a:xfrm flipH="1">
+            <a:off x="6295266" y="1445171"/>
+            <a:ext cx="1" cy="4827579"/>
+          </a:xfrm>
+          <a:prstGeom prst="line">
+            <a:avLst/>
+          </a:prstGeom>
+          <a:ln w="9525" cap="flat" cmpd="sng" algn="ctr">
+            <a:solidFill>
+              <a:schemeClr val="dk1"/>
+            </a:solidFill>
+            <a:prstDash val="dash"/>
+            <a:round/>
+            <a:headEnd type="none" w="med" len="med"/>
+            <a:tailEnd type="none" w="med" len="med"/>
+          </a:ln>
+        </p:spPr>
+        <p:style>
+          <a:lnRef idx="0">
+            <a:scrgbClr r="0" g="0" b="0"/>
+          </a:lnRef>
+          <a:fillRef idx="0">
+            <a:scrgbClr r="0" g="0" b="0"/>
+          </a:fillRef>
+          <a:effectRef idx="0">
+            <a:scrgbClr r="0" g="0" b="0"/>
+          </a:effectRef>
+          <a:fontRef idx="minor">
+            <a:schemeClr val="tx1"/>
+          </a:fontRef>
+        </p:style>
+      </p:cxnSp>
+      <p:sp>
+        <p:nvSpPr>
+          <p:cNvPr id="26" name="Rectangle 25">
+            <a:extLst>
+              <a:ext uri="{FF2B5EF4-FFF2-40B4-BE49-F238E27FC236}">
+                <a16:creationId xmlns:a16="http://schemas.microsoft.com/office/drawing/2014/main" id="{444178D0-B776-4A85-8215-7CDF4BA013A3}"/>
               </a:ext>
             </a:extLst>
           </p:cNvPr>
@@ -6887,8 +8229,8 @@
         </p:nvSpPr>
         <p:spPr>
           <a:xfrm>
-            <a:off x="2001329" y="1114021"/>
-            <a:ext cx="169057" cy="4913656"/>
+            <a:off x="6178528" y="2967188"/>
+            <a:ext cx="196566" cy="2297033"/>
           </a:xfrm>
           <a:prstGeom prst="rect">
             <a:avLst/>
@@ -6929,10 +8271,10 @@
       </p:sp>
       <p:sp>
         <p:nvSpPr>
-          <p:cNvPr id="7" name="TextBox 6">
-            <a:extLst>
-              <a:ext uri="{FF2B5EF4-FFF2-40B4-BE49-F238E27FC236}">
-                <a16:creationId xmlns:a16="http://schemas.microsoft.com/office/drawing/2014/main" id="{8D400405-8429-45D0-A6D6-38BE802C9D65}"/>
+          <p:cNvPr id="27" name="TextBox 26">
+            <a:extLst>
+              <a:ext uri="{FF2B5EF4-FFF2-40B4-BE49-F238E27FC236}">
+                <a16:creationId xmlns:a16="http://schemas.microsoft.com/office/drawing/2014/main" id="{938B6608-7A36-457D-8201-6F21E0F3FF86}"/>
               </a:ext>
             </a:extLst>
           </p:cNvPr>
@@ -6941,8 +8283,8 @@
         </p:nvSpPr>
         <p:spPr>
           <a:xfrm>
-            <a:off x="1389993" y="783735"/>
-            <a:ext cx="1391728" cy="307777"/>
+            <a:off x="5877502" y="986563"/>
+            <a:ext cx="798617" cy="307777"/>
           </a:xfrm>
           <a:prstGeom prst="rect">
             <a:avLst/>
@@ -6959,93 +8301,17 @@
               <a:rPr lang="en-US" sz="1400" u="sng" dirty="0">
                 <a:latin typeface="Georgia" panose="02040502050405020303" pitchFamily="18" charset="0"/>
               </a:rPr>
-              <a:t>Command GUI</a:t>
-            </a:r>
-          </a:p>
-        </p:txBody>
-      </p:sp>
-      <p:pic>
-        <p:nvPicPr>
-          <p:cNvPr id="9" name="Graphic 8" descr="User">
-            <a:extLst>
-              <a:ext uri="{FF2B5EF4-FFF2-40B4-BE49-F238E27FC236}">
-                <a16:creationId xmlns:a16="http://schemas.microsoft.com/office/drawing/2014/main" id="{8CBF6EE1-F802-4256-A0A6-A52931E0F7B8}"/>
-              </a:ext>
-            </a:extLst>
-          </p:cNvPr>
-          <p:cNvPicPr>
-            <a:picLocks noChangeAspect="1"/>
-          </p:cNvPicPr>
-          <p:nvPr/>
-        </p:nvPicPr>
-        <p:blipFill>
-          <a:blip r:embed="rId2">
-            <a:extLst>
-              <a:ext uri="{28A0092B-C50C-407E-A947-70E740481C1C}">
-                <a14:useLocalDpi xmlns:a14="http://schemas.microsoft.com/office/drawing/2010/main" val="0"/>
-              </a:ext>
-              <a:ext uri="{96DAC541-7B7A-43D3-8B79-37D633B846F1}">
-                <asvg:svgBlip xmlns:asvg="http://schemas.microsoft.com/office/drawing/2016/SVG/main" r:embed="rId3"/>
-              </a:ext>
-            </a:extLst>
-          </a:blip>
-          <a:stretch>
-            <a:fillRect/>
-          </a:stretch>
-        </p:blipFill>
-        <p:spPr>
-          <a:xfrm>
-            <a:off x="619666" y="3265941"/>
-            <a:ext cx="914400" cy="914400"/>
-          </a:xfrm>
-          <a:prstGeom prst="rect">
-            <a:avLst/>
-          </a:prstGeom>
-        </p:spPr>
-      </p:pic>
-      <p:sp>
-        <p:nvSpPr>
-          <p:cNvPr id="10" name="TextBox 9">
-            <a:extLst>
-              <a:ext uri="{FF2B5EF4-FFF2-40B4-BE49-F238E27FC236}">
-                <a16:creationId xmlns:a16="http://schemas.microsoft.com/office/drawing/2014/main" id="{04D04300-9382-4C83-999F-A86D9A562CD2}"/>
-              </a:ext>
-            </a:extLst>
-          </p:cNvPr>
-          <p:cNvSpPr txBox="1"/>
-          <p:nvPr/>
-        </p:nvSpPr>
-        <p:spPr>
-          <a:xfrm>
-            <a:off x="772935" y="4077516"/>
-            <a:ext cx="607859" cy="307777"/>
-          </a:xfrm>
-          <a:prstGeom prst="rect">
-            <a:avLst/>
-          </a:prstGeom>
-          <a:noFill/>
-        </p:spPr>
-        <p:txBody>
-          <a:bodyPr wrap="none" rtlCol="0">
-            <a:spAutoFit/>
-          </a:bodyPr>
-          <a:lstStyle/>
-          <a:p>
-            <a:r>
-              <a:rPr lang="en-US" sz="1400" dirty="0">
-                <a:latin typeface="Georgia" panose="02040502050405020303" pitchFamily="18" charset="0"/>
-              </a:rPr>
-              <a:t>Clerk</a:t>
+              <a:t>Theater</a:t>
             </a:r>
           </a:p>
         </p:txBody>
       </p:sp>
       <p:cxnSp>
         <p:nvCxnSpPr>
-          <p:cNvPr id="13" name="Straight Arrow Connector 12">
-            <a:extLst>
-              <a:ext uri="{FF2B5EF4-FFF2-40B4-BE49-F238E27FC236}">
-                <a16:creationId xmlns:a16="http://schemas.microsoft.com/office/drawing/2014/main" id="{C92A00A1-D5F3-47EB-A5AB-07025FE787B1}"/>
+          <p:cNvPr id="28" name="Straight Arrow Connector 27">
+            <a:extLst>
+              <a:ext uri="{FF2B5EF4-FFF2-40B4-BE49-F238E27FC236}">
+                <a16:creationId xmlns:a16="http://schemas.microsoft.com/office/drawing/2014/main" id="{58C7510B-88CB-4F39-A331-DC9B636ED427}"/>
               </a:ext>
             </a:extLst>
           </p:cNvPr>
@@ -7056,8 +8322,8 @@
         </p:nvCxnSpPr>
         <p:spPr>
           <a:xfrm>
-            <a:off x="940676" y="1334813"/>
-            <a:ext cx="1060653" cy="0"/>
+            <a:off x="3540221" y="3559478"/>
+            <a:ext cx="2647186" cy="0"/>
           </a:xfrm>
           <a:prstGeom prst="straightConnector1">
             <a:avLst/>
@@ -7087,12 +8353,224 @@
           </a:fontRef>
         </p:style>
       </p:cxnSp>
-      <p:sp>
-        <p:nvSpPr>
-          <p:cNvPr id="16" name="Rectangle 15">
-            <a:extLst>
-              <a:ext uri="{FF2B5EF4-FFF2-40B4-BE49-F238E27FC236}">
-                <a16:creationId xmlns:a16="http://schemas.microsoft.com/office/drawing/2014/main" id="{0285C4BD-12F1-4D93-81B0-4B81C5DE0ACF}"/>
+      <p:cxnSp>
+        <p:nvCxnSpPr>
+          <p:cNvPr id="29" name="Straight Arrow Connector 28">
+            <a:extLst>
+              <a:ext uri="{FF2B5EF4-FFF2-40B4-BE49-F238E27FC236}">
+                <a16:creationId xmlns:a16="http://schemas.microsoft.com/office/drawing/2014/main" id="{315D297C-32E4-461C-AAE1-F370E4E4E01D}"/>
+              </a:ext>
+            </a:extLst>
+          </p:cNvPr>
+          <p:cNvCxnSpPr>
+            <a:cxnSpLocks/>
+          </p:cNvCxnSpPr>
+          <p:nvPr/>
+        </p:nvCxnSpPr>
+        <p:spPr>
+          <a:xfrm>
+            <a:off x="6383973" y="3844602"/>
+            <a:ext cx="2366091" cy="14358"/>
+          </a:xfrm>
+          <a:prstGeom prst="straightConnector1">
+            <a:avLst/>
+          </a:prstGeom>
+          <a:ln w="9525" cap="flat" cmpd="sng" algn="ctr">
+            <a:solidFill>
+              <a:schemeClr val="dk1"/>
+            </a:solidFill>
+            <a:prstDash val="solid"/>
+            <a:round/>
+            <a:headEnd type="none" w="med" len="med"/>
+            <a:tailEnd type="arrow" w="med" len="med"/>
+          </a:ln>
+        </p:spPr>
+        <p:style>
+          <a:lnRef idx="0">
+            <a:scrgbClr r="0" g="0" b="0"/>
+          </a:lnRef>
+          <a:fillRef idx="0">
+            <a:scrgbClr r="0" g="0" b="0"/>
+          </a:fillRef>
+          <a:effectRef idx="0">
+            <a:scrgbClr r="0" g="0" b="0"/>
+          </a:effectRef>
+          <a:fontRef idx="minor">
+            <a:schemeClr val="tx1"/>
+          </a:fontRef>
+        </p:style>
+      </p:cxnSp>
+      <p:cxnSp>
+        <p:nvCxnSpPr>
+          <p:cNvPr id="30" name="Straight Connector 29">
+            <a:extLst>
+              <a:ext uri="{FF2B5EF4-FFF2-40B4-BE49-F238E27FC236}">
+                <a16:creationId xmlns:a16="http://schemas.microsoft.com/office/drawing/2014/main" id="{CDD777EA-B6E6-44DB-9510-D05F1A95E9FA}"/>
+              </a:ext>
+            </a:extLst>
+          </p:cNvPr>
+          <p:cNvCxnSpPr>
+            <a:cxnSpLocks/>
+          </p:cNvCxnSpPr>
+          <p:nvPr/>
+        </p:nvCxnSpPr>
+        <p:spPr>
+          <a:xfrm flipH="1">
+            <a:off x="8813099" y="1445171"/>
+            <a:ext cx="25210" cy="4876801"/>
+          </a:xfrm>
+          <a:prstGeom prst="line">
+            <a:avLst/>
+          </a:prstGeom>
+          <a:ln w="9525" cap="flat" cmpd="sng" algn="ctr">
+            <a:solidFill>
+              <a:schemeClr val="dk1"/>
+            </a:solidFill>
+            <a:prstDash val="dash"/>
+            <a:round/>
+            <a:headEnd type="none" w="med" len="med"/>
+            <a:tailEnd type="none" w="med" len="med"/>
+          </a:ln>
+        </p:spPr>
+        <p:style>
+          <a:lnRef idx="0">
+            <a:scrgbClr r="0" g="0" b="0"/>
+          </a:lnRef>
+          <a:fillRef idx="0">
+            <a:scrgbClr r="0" g="0" b="0"/>
+          </a:fillRef>
+          <a:effectRef idx="0">
+            <a:scrgbClr r="0" g="0" b="0"/>
+          </a:effectRef>
+          <a:fontRef idx="minor">
+            <a:schemeClr val="tx1"/>
+          </a:fontRef>
+        </p:style>
+      </p:cxnSp>
+      <p:sp>
+        <p:nvSpPr>
+          <p:cNvPr id="31" name="TextBox 30">
+            <a:extLst>
+              <a:ext uri="{FF2B5EF4-FFF2-40B4-BE49-F238E27FC236}">
+                <a16:creationId xmlns:a16="http://schemas.microsoft.com/office/drawing/2014/main" id="{3DFE87A7-FE29-4AD4-A7B7-0F72539E6D53}"/>
+              </a:ext>
+            </a:extLst>
+          </p:cNvPr>
+          <p:cNvSpPr txBox="1"/>
+          <p:nvPr/>
+        </p:nvSpPr>
+        <p:spPr>
+          <a:xfrm>
+            <a:off x="8530693" y="1001156"/>
+            <a:ext cx="652038" cy="307777"/>
+          </a:xfrm>
+          <a:prstGeom prst="rect">
+            <a:avLst/>
+          </a:prstGeom>
+          <a:noFill/>
+        </p:spPr>
+        <p:txBody>
+          <a:bodyPr wrap="none" rtlCol="0">
+            <a:spAutoFit/>
+          </a:bodyPr>
+          <a:lstStyle/>
+          <a:p>
+            <a:r>
+              <a:rPr lang="en-US" sz="1400" u="sng" dirty="0"/>
+              <a:t>Shows</a:t>
+            </a:r>
+          </a:p>
+        </p:txBody>
+      </p:sp>
+      <p:sp>
+        <p:nvSpPr>
+          <p:cNvPr id="32" name="TextBox 31">
+            <a:extLst>
+              <a:ext uri="{FF2B5EF4-FFF2-40B4-BE49-F238E27FC236}">
+                <a16:creationId xmlns:a16="http://schemas.microsoft.com/office/drawing/2014/main" id="{D3A2F41B-5843-4562-AAC9-129EA5C85D4F}"/>
+              </a:ext>
+            </a:extLst>
+          </p:cNvPr>
+          <p:cNvSpPr txBox="1"/>
+          <p:nvPr/>
+        </p:nvSpPr>
+        <p:spPr>
+          <a:xfrm>
+            <a:off x="10375737" y="991111"/>
+            <a:ext cx="854273" cy="307777"/>
+          </a:xfrm>
+          <a:prstGeom prst="rect">
+            <a:avLst/>
+          </a:prstGeom>
+          <a:noFill/>
+        </p:spPr>
+        <p:txBody>
+          <a:bodyPr wrap="none" rtlCol="0">
+            <a:spAutoFit/>
+          </a:bodyPr>
+          <a:lstStyle/>
+          <a:p>
+            <a:r>
+              <a:rPr lang="en-US" sz="1400" u="sng"/>
+              <a:t>ClientList</a:t>
+            </a:r>
+            <a:endParaRPr lang="en-US" sz="1400" u="sng" dirty="0"/>
+          </a:p>
+        </p:txBody>
+      </p:sp>
+      <p:cxnSp>
+        <p:nvCxnSpPr>
+          <p:cNvPr id="33" name="Straight Connector 32">
+            <a:extLst>
+              <a:ext uri="{FF2B5EF4-FFF2-40B4-BE49-F238E27FC236}">
+                <a16:creationId xmlns:a16="http://schemas.microsoft.com/office/drawing/2014/main" id="{33BA90D8-DD32-4E96-B4FA-5E8A2A00D461}"/>
+              </a:ext>
+            </a:extLst>
+          </p:cNvPr>
+          <p:cNvCxnSpPr>
+            <a:cxnSpLocks/>
+          </p:cNvCxnSpPr>
+          <p:nvPr/>
+        </p:nvCxnSpPr>
+        <p:spPr>
+          <a:xfrm flipH="1">
+            <a:off x="10802874" y="1445561"/>
+            <a:ext cx="1" cy="4827579"/>
+          </a:xfrm>
+          <a:prstGeom prst="line">
+            <a:avLst/>
+          </a:prstGeom>
+          <a:ln w="9525" cap="flat" cmpd="sng" algn="ctr">
+            <a:solidFill>
+              <a:schemeClr val="dk1"/>
+            </a:solidFill>
+            <a:prstDash val="dash"/>
+            <a:round/>
+            <a:headEnd type="none" w="med" len="med"/>
+            <a:tailEnd type="none" w="med" len="med"/>
+          </a:ln>
+        </p:spPr>
+        <p:style>
+          <a:lnRef idx="0">
+            <a:scrgbClr r="0" g="0" b="0"/>
+          </a:lnRef>
+          <a:fillRef idx="0">
+            <a:scrgbClr r="0" g="0" b="0"/>
+          </a:fillRef>
+          <a:effectRef idx="0">
+            <a:scrgbClr r="0" g="0" b="0"/>
+          </a:effectRef>
+          <a:fontRef idx="minor">
+            <a:schemeClr val="tx1"/>
+          </a:fontRef>
+        </p:style>
+      </p:cxnSp>
+      <p:sp>
+        <p:nvSpPr>
+          <p:cNvPr id="34" name="Rectangle 33">
+            <a:extLst>
+              <a:ext uri="{FF2B5EF4-FFF2-40B4-BE49-F238E27FC236}">
+                <a16:creationId xmlns:a16="http://schemas.microsoft.com/office/drawing/2014/main" id="{8C026A64-93D7-41CD-8696-3F7C7C1706E0}"/>
               </a:ext>
             </a:extLst>
           </p:cNvPr>
@@ -7101,8 +8579,8 @@
         </p:nvSpPr>
         <p:spPr>
           <a:xfrm>
-            <a:off x="3851150" y="1114021"/>
-            <a:ext cx="169057" cy="4391855"/>
+            <a:off x="8750064" y="3265941"/>
+            <a:ext cx="169058" cy="1290320"/>
           </a:xfrm>
           <a:prstGeom prst="rect">
             <a:avLst/>
@@ -7143,10 +8621,64 @@
       </p:sp>
       <p:sp>
         <p:nvSpPr>
-          <p:cNvPr id="17" name="TextBox 16">
-            <a:extLst>
-              <a:ext uri="{FF2B5EF4-FFF2-40B4-BE49-F238E27FC236}">
-                <a16:creationId xmlns:a16="http://schemas.microsoft.com/office/drawing/2014/main" id="{5F14A1DD-3841-44CD-81BB-FC50BB190866}"/>
+          <p:cNvPr id="35" name="Rectangle 34">
+            <a:extLst>
+              <a:ext uri="{FF2B5EF4-FFF2-40B4-BE49-F238E27FC236}">
+                <a16:creationId xmlns:a16="http://schemas.microsoft.com/office/drawing/2014/main" id="{BAC3AB42-FCF1-409D-BA16-98EA1EAB71C4}"/>
+              </a:ext>
+            </a:extLst>
+          </p:cNvPr>
+          <p:cNvSpPr/>
+          <p:nvPr/>
+        </p:nvSpPr>
+        <p:spPr>
+          <a:xfrm>
+            <a:off x="10718344" y="4357607"/>
+            <a:ext cx="169058" cy="1290320"/>
+          </a:xfrm>
+          <a:prstGeom prst="rect">
+            <a:avLst/>
+          </a:prstGeom>
+          <a:solidFill>
+            <a:schemeClr val="bg2"/>
+          </a:solidFill>
+          <a:ln>
+            <a:solidFill>
+              <a:schemeClr val="tx1"/>
+            </a:solidFill>
+          </a:ln>
+        </p:spPr>
+        <p:style>
+          <a:lnRef idx="2">
+            <a:schemeClr val="accent1">
+              <a:shade val="50000"/>
+            </a:schemeClr>
+          </a:lnRef>
+          <a:fillRef idx="1">
+            <a:schemeClr val="accent1"/>
+          </a:fillRef>
+          <a:effectRef idx="0">
+            <a:schemeClr val="accent1"/>
+          </a:effectRef>
+          <a:fontRef idx="minor">
+            <a:schemeClr val="lt1"/>
+          </a:fontRef>
+        </p:style>
+        <p:txBody>
+          <a:bodyPr rtlCol="0" anchor="ctr"/>
+          <a:lstStyle/>
+          <a:p>
+            <a:pPr algn="ctr"/>
+            <a:endParaRPr lang="en-US"/>
+          </a:p>
+        </p:txBody>
+      </p:sp>
+      <p:sp>
+        <p:nvSpPr>
+          <p:cNvPr id="42" name="TextBox 41">
+            <a:extLst>
+              <a:ext uri="{FF2B5EF4-FFF2-40B4-BE49-F238E27FC236}">
+                <a16:creationId xmlns:a16="http://schemas.microsoft.com/office/drawing/2014/main" id="{9960F0EB-22CB-4BBD-BCF5-1C76D2A79AE9}"/>
               </a:ext>
             </a:extLst>
           </p:cNvPr>
@@ -7155,8 +8687,8 @@
         </p:nvSpPr>
         <p:spPr>
           <a:xfrm>
-            <a:off x="3536369" y="780958"/>
-            <a:ext cx="798617" cy="307777"/>
+            <a:off x="3488963" y="3196351"/>
+            <a:ext cx="2769996" cy="276999"/>
           </a:xfrm>
           <a:prstGeom prst="rect">
             <a:avLst/>
@@ -7164,26 +8696,67 @@
           <a:noFill/>
         </p:spPr>
         <p:txBody>
-          <a:bodyPr wrap="none" rtlCol="0">
+          <a:bodyPr wrap="square" rtlCol="0">
             <a:spAutoFit/>
           </a:bodyPr>
           <a:lstStyle/>
           <a:p>
             <a:r>
-              <a:rPr lang="en-US" sz="1400" u="sng" dirty="0">
-                <a:latin typeface="Georgia" panose="02040502050405020303" pitchFamily="18" charset="0"/>
-              </a:rPr>
-              <a:t>Theater</a:t>
+              <a:rPr lang="en-US" sz="1200"/>
+              <a:t>removeClient(clientID</a:t>
+            </a:r>
+            <a:r>
+              <a:rPr lang="en-US" sz="1200" dirty="0"/>
+              <a:t>)</a:t>
+            </a:r>
+          </a:p>
+        </p:txBody>
+      </p:sp>
+      <p:sp>
+        <p:nvSpPr>
+          <p:cNvPr id="43" name="TextBox 42">
+            <a:extLst>
+              <a:ext uri="{FF2B5EF4-FFF2-40B4-BE49-F238E27FC236}">
+                <a16:creationId xmlns:a16="http://schemas.microsoft.com/office/drawing/2014/main" id="{509AD76F-78AC-4AA2-9742-CE0DF17B5488}"/>
+              </a:ext>
+            </a:extLst>
+          </p:cNvPr>
+          <p:cNvSpPr txBox="1"/>
+          <p:nvPr/>
+        </p:nvSpPr>
+        <p:spPr>
+          <a:xfrm>
+            <a:off x="6333201" y="3567603"/>
+            <a:ext cx="2769996" cy="276999"/>
+          </a:xfrm>
+          <a:prstGeom prst="rect">
+            <a:avLst/>
+          </a:prstGeom>
+          <a:noFill/>
+        </p:spPr>
+        <p:txBody>
+          <a:bodyPr wrap="square" rtlCol="0">
+            <a:spAutoFit/>
+          </a:bodyPr>
+          <a:lstStyle/>
+          <a:p>
+            <a:r>
+              <a:rPr lang="en-US" sz="1200"/>
+              <a:t>getClientID</a:t>
+            </a:r>
+            <a:r>
+              <a:rPr lang="en-US" sz="1200" dirty="0"/>
+              <a:t>()</a:t>
             </a:r>
           </a:p>
         </p:txBody>
       </p:sp>
       <p:cxnSp>
         <p:nvCxnSpPr>
-          <p:cNvPr id="19" name="Straight Connector 18">
-            <a:extLst>
-              <a:ext uri="{FF2B5EF4-FFF2-40B4-BE49-F238E27FC236}">
-                <a16:creationId xmlns:a16="http://schemas.microsoft.com/office/drawing/2014/main" id="{3145678D-8CB4-4933-BC4C-B105C5495678}"/>
+          <p:cNvPr id="48" name="Straight Arrow Connector 47">
+            <a:extLst>
+              <a:ext uri="{FF2B5EF4-FFF2-40B4-BE49-F238E27FC236}">
+                <a16:creationId xmlns:a16="http://schemas.microsoft.com/office/drawing/2014/main" id="{87AA7BB9-528E-4C6B-8B8A-9406D2ED9D50}"/>
               </a:ext>
             </a:extLst>
           </p:cNvPr>
@@ -7191,9 +8764,402 @@
           <p:nvPr/>
         </p:nvCxnSpPr>
         <p:spPr>
-          <a:xfrm>
-            <a:off x="2065283" y="6027677"/>
-            <a:ext cx="0" cy="294295"/>
+          <a:xfrm flipH="1" flipV="1">
+            <a:off x="6379797" y="4445017"/>
+            <a:ext cx="2370267" cy="18328"/>
+          </a:xfrm>
+          <a:prstGeom prst="straightConnector1">
+            <a:avLst/>
+          </a:prstGeom>
+          <a:ln>
+            <a:prstDash val="lgDash"/>
+            <a:tailEnd type="triangle"/>
+          </a:ln>
+        </p:spPr>
+        <p:style>
+          <a:lnRef idx="1">
+            <a:schemeClr val="dk1"/>
+          </a:lnRef>
+          <a:fillRef idx="0">
+            <a:schemeClr val="dk1"/>
+          </a:fillRef>
+          <a:effectRef idx="0">
+            <a:schemeClr val="dk1"/>
+          </a:effectRef>
+          <a:fontRef idx="minor">
+            <a:schemeClr val="tx1"/>
+          </a:fontRef>
+        </p:style>
+      </p:cxnSp>
+      <p:cxnSp>
+        <p:nvCxnSpPr>
+          <p:cNvPr id="49" name="Straight Arrow Connector 48">
+            <a:extLst>
+              <a:ext uri="{FF2B5EF4-FFF2-40B4-BE49-F238E27FC236}">
+                <a16:creationId xmlns:a16="http://schemas.microsoft.com/office/drawing/2014/main" id="{870C48CE-27AE-4B24-B034-3B7C0217F60A}"/>
+              </a:ext>
+            </a:extLst>
+          </p:cNvPr>
+          <p:cNvCxnSpPr>
+            <a:cxnSpLocks/>
+          </p:cNvCxnSpPr>
+          <p:nvPr/>
+        </p:nvCxnSpPr>
+        <p:spPr>
+          <a:xfrm flipH="1">
+            <a:off x="1380794" y="5508794"/>
+            <a:ext cx="1973993" cy="0"/>
+          </a:xfrm>
+          <a:prstGeom prst="straightConnector1">
+            <a:avLst/>
+          </a:prstGeom>
+          <a:ln>
+            <a:tailEnd type="triangle"/>
+          </a:ln>
+        </p:spPr>
+        <p:style>
+          <a:lnRef idx="1">
+            <a:schemeClr val="dk1"/>
+          </a:lnRef>
+          <a:fillRef idx="0">
+            <a:schemeClr val="dk1"/>
+          </a:fillRef>
+          <a:effectRef idx="0">
+            <a:schemeClr val="dk1"/>
+          </a:effectRef>
+          <a:fontRef idx="minor">
+            <a:schemeClr val="tx1"/>
+          </a:fontRef>
+        </p:style>
+      </p:cxnSp>
+      <p:cxnSp>
+        <p:nvCxnSpPr>
+          <p:cNvPr id="50" name="Straight Arrow Connector 49">
+            <a:extLst>
+              <a:ext uri="{FF2B5EF4-FFF2-40B4-BE49-F238E27FC236}">
+                <a16:creationId xmlns:a16="http://schemas.microsoft.com/office/drawing/2014/main" id="{7F3E9ADE-DFA6-4E66-9A17-C729AA44D338}"/>
+              </a:ext>
+            </a:extLst>
+          </p:cNvPr>
+          <p:cNvCxnSpPr>
+            <a:cxnSpLocks/>
+          </p:cNvCxnSpPr>
+          <p:nvPr/>
+        </p:nvCxnSpPr>
+        <p:spPr>
+          <a:xfrm>
+            <a:off x="6383973" y="5155167"/>
+            <a:ext cx="4334371" cy="0"/>
+          </a:xfrm>
+          <a:prstGeom prst="straightConnector1">
+            <a:avLst/>
+          </a:prstGeom>
+          <a:ln>
+            <a:tailEnd type="triangle"/>
+          </a:ln>
+        </p:spPr>
+        <p:style>
+          <a:lnRef idx="1">
+            <a:schemeClr val="dk1"/>
+          </a:lnRef>
+          <a:fillRef idx="0">
+            <a:schemeClr val="dk1"/>
+          </a:fillRef>
+          <a:effectRef idx="0">
+            <a:schemeClr val="dk1"/>
+          </a:effectRef>
+          <a:fontRef idx="minor">
+            <a:schemeClr val="tx1"/>
+          </a:fontRef>
+        </p:style>
+      </p:cxnSp>
+      <p:sp>
+        <p:nvSpPr>
+          <p:cNvPr id="51" name="TextBox 50">
+            <a:extLst>
+              <a:ext uri="{FF2B5EF4-FFF2-40B4-BE49-F238E27FC236}">
+                <a16:creationId xmlns:a16="http://schemas.microsoft.com/office/drawing/2014/main" id="{4D32AC9D-4450-44BD-8390-6C950220C91C}"/>
+              </a:ext>
+            </a:extLst>
+          </p:cNvPr>
+          <p:cNvSpPr txBox="1"/>
+          <p:nvPr/>
+        </p:nvSpPr>
+        <p:spPr>
+          <a:xfrm>
+            <a:off x="6991545" y="4910902"/>
+            <a:ext cx="1517659" cy="276999"/>
+          </a:xfrm>
+          <a:prstGeom prst="rect">
+            <a:avLst/>
+          </a:prstGeom>
+          <a:noFill/>
+        </p:spPr>
+        <p:txBody>
+          <a:bodyPr wrap="square" rtlCol="0">
+            <a:spAutoFit/>
+          </a:bodyPr>
+          <a:lstStyle/>
+          <a:p>
+            <a:r>
+              <a:rPr lang="en-US" sz="1200"/>
+              <a:t>remove(client)</a:t>
+            </a:r>
+            <a:endParaRPr lang="en-US" sz="1200" dirty="0"/>
+          </a:p>
+        </p:txBody>
+      </p:sp>
+      <p:sp>
+        <p:nvSpPr>
+          <p:cNvPr id="52" name="TextBox 51">
+            <a:extLst>
+              <a:ext uri="{FF2B5EF4-FFF2-40B4-BE49-F238E27FC236}">
+                <a16:creationId xmlns:a16="http://schemas.microsoft.com/office/drawing/2014/main" id="{C27373C3-16CE-4428-A027-3EBB29A11678}"/>
+              </a:ext>
+            </a:extLst>
+          </p:cNvPr>
+          <p:cNvSpPr txBox="1"/>
+          <p:nvPr/>
+        </p:nvSpPr>
+        <p:spPr>
+          <a:xfrm>
+            <a:off x="6823324" y="4186346"/>
+            <a:ext cx="1893142" cy="276999"/>
+          </a:xfrm>
+          <a:prstGeom prst="rect">
+            <a:avLst/>
+          </a:prstGeom>
+          <a:noFill/>
+        </p:spPr>
+        <p:txBody>
+          <a:bodyPr wrap="square" rtlCol="0">
+            <a:spAutoFit/>
+          </a:bodyPr>
+          <a:lstStyle/>
+          <a:p>
+            <a:r>
+              <a:rPr lang="en-US" sz="1200" err="1"/>
+              <a:t>shows</a:t>
+            </a:r>
+            <a:r>
+              <a:rPr lang="en-US" sz="1200"/>
+              <a:t>.ClientID = clientID</a:t>
+            </a:r>
+            <a:endParaRPr lang="en-US" sz="1200" dirty="0"/>
+          </a:p>
+        </p:txBody>
+      </p:sp>
+      <p:sp>
+        <p:nvSpPr>
+          <p:cNvPr id="53" name="TextBox 52">
+            <a:extLst>
+              <a:ext uri="{FF2B5EF4-FFF2-40B4-BE49-F238E27FC236}">
+                <a16:creationId xmlns:a16="http://schemas.microsoft.com/office/drawing/2014/main" id="{847004CE-99A1-468A-B9F8-934AFF924C57}"/>
+              </a:ext>
+            </a:extLst>
+          </p:cNvPr>
+          <p:cNvSpPr txBox="1"/>
+          <p:nvPr/>
+        </p:nvSpPr>
+        <p:spPr>
+          <a:xfrm>
+            <a:off x="1489329" y="5291411"/>
+            <a:ext cx="1910194" cy="276999"/>
+          </a:xfrm>
+          <a:prstGeom prst="rect">
+            <a:avLst/>
+          </a:prstGeom>
+          <a:noFill/>
+        </p:spPr>
+        <p:txBody>
+          <a:bodyPr wrap="square" rtlCol="0">
+            <a:spAutoFit/>
+          </a:bodyPr>
+          <a:lstStyle/>
+          <a:p>
+            <a:r>
+              <a:rPr lang="en-US" sz="1200"/>
+              <a:t>Client </a:t>
+            </a:r>
+            <a:r>
+              <a:rPr lang="en-US" sz="1200" dirty="0"/>
+              <a:t>removed successfully</a:t>
+            </a:r>
+          </a:p>
+        </p:txBody>
+      </p:sp>
+      <p:cxnSp>
+        <p:nvCxnSpPr>
+          <p:cNvPr id="8" name="Straight Arrow Connector 7">
+            <a:extLst>
+              <a:ext uri="{FF2B5EF4-FFF2-40B4-BE49-F238E27FC236}">
+                <a16:creationId xmlns:a16="http://schemas.microsoft.com/office/drawing/2014/main" id="{4CFEFB06-E7FC-461D-BA5E-7BCEF3152E06}"/>
+              </a:ext>
+            </a:extLst>
+          </p:cNvPr>
+          <p:cNvCxnSpPr/>
+          <p:nvPr/>
+        </p:nvCxnSpPr>
+        <p:spPr>
+          <a:xfrm flipH="1">
+            <a:off x="2468351" y="4722920"/>
+            <a:ext cx="3710177" cy="0"/>
+          </a:xfrm>
+          <a:prstGeom prst="straightConnector1">
+            <a:avLst/>
+          </a:prstGeom>
+          <a:ln>
+            <a:tailEnd type="triangle"/>
+          </a:ln>
+        </p:spPr>
+        <p:style>
+          <a:lnRef idx="1">
+            <a:schemeClr val="dk1"/>
+          </a:lnRef>
+          <a:fillRef idx="0">
+            <a:schemeClr val="dk1"/>
+          </a:fillRef>
+          <a:effectRef idx="0">
+            <a:schemeClr val="dk1"/>
+          </a:effectRef>
+          <a:fontRef idx="minor">
+            <a:schemeClr val="tx1"/>
+          </a:fontRef>
+        </p:style>
+      </p:cxnSp>
+      <p:sp>
+        <p:nvSpPr>
+          <p:cNvPr id="11" name="TextBox 10">
+            <a:extLst>
+              <a:ext uri="{FF2B5EF4-FFF2-40B4-BE49-F238E27FC236}">
+                <a16:creationId xmlns:a16="http://schemas.microsoft.com/office/drawing/2014/main" id="{A069E92F-54ED-4F44-9CD9-E53AD5DAD85D}"/>
+              </a:ext>
+            </a:extLst>
+          </p:cNvPr>
+          <p:cNvSpPr txBox="1"/>
+          <p:nvPr/>
+        </p:nvSpPr>
+        <p:spPr>
+          <a:xfrm>
+            <a:off x="3501184" y="4454181"/>
+            <a:ext cx="2723277" cy="276999"/>
+          </a:xfrm>
+          <a:prstGeom prst="rect">
+            <a:avLst/>
+          </a:prstGeom>
+          <a:noFill/>
+        </p:spPr>
+        <p:txBody>
+          <a:bodyPr wrap="square" rtlCol="0">
+            <a:spAutoFit/>
+          </a:bodyPr>
+          <a:lstStyle/>
+          <a:p>
+            <a:r>
+              <a:rPr lang="en-US" sz="1200" dirty="0"/>
+              <a:t>[If shows found] Has shows listed or not</a:t>
+            </a:r>
+          </a:p>
+        </p:txBody>
+      </p:sp>
+      <p:cxnSp>
+        <p:nvCxnSpPr>
+          <p:cNvPr id="55" name="Straight Arrow Connector 54">
+            <a:extLst>
+              <a:ext uri="{FF2B5EF4-FFF2-40B4-BE49-F238E27FC236}">
+                <a16:creationId xmlns:a16="http://schemas.microsoft.com/office/drawing/2014/main" id="{1D95B0B6-22EA-4975-8947-DAC5CCE83E56}"/>
+              </a:ext>
+            </a:extLst>
+          </p:cNvPr>
+          <p:cNvCxnSpPr>
+            <a:cxnSpLocks/>
+          </p:cNvCxnSpPr>
+          <p:nvPr/>
+        </p:nvCxnSpPr>
+        <p:spPr>
+          <a:xfrm>
+            <a:off x="1793289" y="2967188"/>
+            <a:ext cx="1561496" cy="0"/>
+          </a:xfrm>
+          <a:prstGeom prst="straightConnector1">
+            <a:avLst/>
+          </a:prstGeom>
+          <a:ln>
+            <a:tailEnd type="triangle"/>
+          </a:ln>
+        </p:spPr>
+        <p:style>
+          <a:lnRef idx="1">
+            <a:schemeClr val="dk1"/>
+          </a:lnRef>
+          <a:fillRef idx="0">
+            <a:schemeClr val="dk1"/>
+          </a:fillRef>
+          <a:effectRef idx="0">
+            <a:schemeClr val="dk1"/>
+          </a:effectRef>
+          <a:fontRef idx="minor">
+            <a:schemeClr val="tx1"/>
+          </a:fontRef>
+        </p:style>
+      </p:cxnSp>
+      <p:sp>
+        <p:nvSpPr>
+          <p:cNvPr id="58" name="TextBox 57">
+            <a:extLst>
+              <a:ext uri="{FF2B5EF4-FFF2-40B4-BE49-F238E27FC236}">
+                <a16:creationId xmlns:a16="http://schemas.microsoft.com/office/drawing/2014/main" id="{CD918B88-3807-41B1-93BB-6F71B0D2E6B3}"/>
+              </a:ext>
+            </a:extLst>
+          </p:cNvPr>
+          <p:cNvSpPr txBox="1"/>
+          <p:nvPr/>
+        </p:nvSpPr>
+        <p:spPr>
+          <a:xfrm>
+            <a:off x="1746439" y="2719096"/>
+            <a:ext cx="1653083" cy="276999"/>
+          </a:xfrm>
+          <a:prstGeom prst="rect">
+            <a:avLst/>
+          </a:prstGeom>
+          <a:noFill/>
+        </p:spPr>
+        <p:txBody>
+          <a:bodyPr wrap="square" rtlCol="0">
+            <a:spAutoFit/>
+          </a:bodyPr>
+          <a:lstStyle/>
+          <a:p>
+            <a:r>
+              <a:rPr lang="en-US" sz="1200"/>
+              <a:t>removeClient(clientID</a:t>
+            </a:r>
+            <a:r>
+              <a:rPr lang="en-US" sz="1200" dirty="0"/>
+              <a:t>)</a:t>
+            </a:r>
+          </a:p>
+        </p:txBody>
+      </p:sp>
+      <p:cxnSp>
+        <p:nvCxnSpPr>
+          <p:cNvPr id="60" name="Straight Connector 59">
+            <a:extLst>
+              <a:ext uri="{FF2B5EF4-FFF2-40B4-BE49-F238E27FC236}">
+                <a16:creationId xmlns:a16="http://schemas.microsoft.com/office/drawing/2014/main" id="{4E386579-2925-459E-B979-6FD740A66C4D}"/>
+              </a:ext>
+            </a:extLst>
+          </p:cNvPr>
+          <p:cNvCxnSpPr>
+            <a:cxnSpLocks/>
+          </p:cNvCxnSpPr>
+          <p:nvPr/>
+        </p:nvCxnSpPr>
+        <p:spPr>
+          <a:xfrm flipH="1">
+            <a:off x="3457444" y="1391883"/>
+            <a:ext cx="1" cy="4827579"/>
           </a:xfrm>
           <a:prstGeom prst="line">
             <a:avLst/>
@@ -7223,53 +9189,60 @@
           </a:fontRef>
         </p:style>
       </p:cxnSp>
-      <p:cxnSp>
-        <p:nvCxnSpPr>
-          <p:cNvPr id="20" name="Straight Connector 19">
-            <a:extLst>
-              <a:ext uri="{FF2B5EF4-FFF2-40B4-BE49-F238E27FC236}">
-                <a16:creationId xmlns:a16="http://schemas.microsoft.com/office/drawing/2014/main" id="{093D5B23-CD8E-4B7F-9953-8B4E721B9BC0}"/>
-              </a:ext>
-            </a:extLst>
-          </p:cNvPr>
-          <p:cNvCxnSpPr>
-            <a:cxnSpLocks/>
-          </p:cNvCxnSpPr>
-          <p:nvPr/>
-        </p:nvCxnSpPr>
-        <p:spPr>
-          <a:xfrm>
-            <a:off x="3925614" y="5505876"/>
-            <a:ext cx="0" cy="816096"/>
-          </a:xfrm>
-          <a:prstGeom prst="line">
-            <a:avLst/>
-          </a:prstGeom>
-          <a:ln w="9525" cap="flat" cmpd="sng" algn="ctr">
+      <p:sp>
+        <p:nvSpPr>
+          <p:cNvPr id="18" name="Rectangle 17">
+            <a:extLst>
+              <a:ext uri="{FF2B5EF4-FFF2-40B4-BE49-F238E27FC236}">
+                <a16:creationId xmlns:a16="http://schemas.microsoft.com/office/drawing/2014/main" id="{2635BB84-98BA-4882-B8F1-2799AE338C83}"/>
+              </a:ext>
+            </a:extLst>
+          </p:cNvPr>
+          <p:cNvSpPr/>
+          <p:nvPr/>
+        </p:nvSpPr>
+        <p:spPr>
+          <a:xfrm>
+            <a:off x="3354785" y="1445172"/>
+            <a:ext cx="169056" cy="4876800"/>
+          </a:xfrm>
+          <a:prstGeom prst="rect">
+            <a:avLst/>
+          </a:prstGeom>
+          <a:solidFill>
+            <a:schemeClr val="bg2"/>
+          </a:solidFill>
+          <a:ln>
             <a:solidFill>
-              <a:schemeClr val="dk1"/>
+              <a:schemeClr val="tx1"/>
             </a:solidFill>
-            <a:prstDash val="dash"/>
-            <a:round/>
-            <a:headEnd type="none" w="med" len="med"/>
-            <a:tailEnd type="none" w="med" len="med"/>
           </a:ln>
         </p:spPr>
         <p:style>
-          <a:lnRef idx="0">
-            <a:scrgbClr r="0" g="0" b="0"/>
+          <a:lnRef idx="2">
+            <a:schemeClr val="accent1">
+              <a:shade val="50000"/>
+            </a:schemeClr>
           </a:lnRef>
-          <a:fillRef idx="0">
-            <a:scrgbClr r="0" g="0" b="0"/>
+          <a:fillRef idx="1">
+            <a:schemeClr val="accent1"/>
           </a:fillRef>
           <a:effectRef idx="0">
-            <a:scrgbClr r="0" g="0" b="0"/>
+            <a:schemeClr val="accent1"/>
           </a:effectRef>
           <a:fontRef idx="minor">
-            <a:schemeClr val="tx1"/>
+            <a:schemeClr val="lt1"/>
           </a:fontRef>
         </p:style>
-      </p:cxnSp>
+        <p:txBody>
+          <a:bodyPr rtlCol="0" anchor="ctr"/>
+          <a:lstStyle/>
+          <a:p>
+            <a:pPr algn="ctr"/>
+            <a:endParaRPr lang="en-US"/>
+          </a:p>
+        </p:txBody>
+      </p:sp>
     </p:spTree>
     <p:extLst>
       <p:ext uri="{BB962C8B-B14F-4D97-AF65-F5344CB8AC3E}">
@@ -7314,7 +9287,7 @@
         </p:nvSpPr>
         <p:spPr>
           <a:xfrm>
-            <a:off x="646386" y="1445172"/>
+            <a:off x="450749" y="1512198"/>
             <a:ext cx="10899228" cy="4876800"/>
           </a:xfrm>
           <a:prstGeom prst="rect">
@@ -7378,20 +9351,667 @@
           <a:lstStyle/>
           <a:p>
             <a:r>
+              <a:rPr lang="en-US" b="1">
+                <a:latin typeface="Georgia" panose="02040502050405020303" pitchFamily="18" charset="0"/>
+              </a:rPr>
+              <a:t>List Clients </a:t>
+            </a:r>
+            <a:r>
               <a:rPr lang="en-US" b="1" dirty="0">
                 <a:latin typeface="Georgia" panose="02040502050405020303" pitchFamily="18" charset="0"/>
               </a:rPr>
-              <a:t>List Clients Sequence Diagram</a:t>
-            </a:r>
-          </a:p>
-        </p:txBody>
-      </p:sp>
-      <p:sp>
-        <p:nvSpPr>
-          <p:cNvPr id="6" name="Rectangle 5">
-            <a:extLst>
-              <a:ext uri="{FF2B5EF4-FFF2-40B4-BE49-F238E27FC236}">
-                <a16:creationId xmlns:a16="http://schemas.microsoft.com/office/drawing/2014/main" id="{5993E7F0-A172-4838-883D-6CEFEA31C010}"/>
+              <a:t>Sequence Diagram</a:t>
+            </a:r>
+          </a:p>
+        </p:txBody>
+      </p:sp>
+      <p:sp>
+        <p:nvSpPr>
+          <p:cNvPr id="7" name="TextBox 6">
+            <a:extLst>
+              <a:ext uri="{FF2B5EF4-FFF2-40B4-BE49-F238E27FC236}">
+                <a16:creationId xmlns:a16="http://schemas.microsoft.com/office/drawing/2014/main" id="{8D400405-8429-45D0-A6D6-38BE802C9D65}"/>
+              </a:ext>
+            </a:extLst>
+          </p:cNvPr>
+          <p:cNvSpPr txBox="1"/>
+          <p:nvPr/>
+        </p:nvSpPr>
+        <p:spPr>
+          <a:xfrm>
+            <a:off x="5617885" y="995859"/>
+            <a:ext cx="1250663" cy="307777"/>
+          </a:xfrm>
+          <a:prstGeom prst="rect">
+            <a:avLst/>
+          </a:prstGeom>
+          <a:noFill/>
+        </p:spPr>
+        <p:txBody>
+          <a:bodyPr wrap="none" rtlCol="0">
+            <a:spAutoFit/>
+          </a:bodyPr>
+          <a:lstStyle/>
+          <a:p>
+            <a:r>
+              <a:rPr lang="en-US" sz="1400" u="sng" dirty="0"/>
+              <a:t>Command GUI</a:t>
+            </a:r>
+          </a:p>
+        </p:txBody>
+      </p:sp>
+      <p:pic>
+        <p:nvPicPr>
+          <p:cNvPr id="9" name="Graphic 8" descr="User">
+            <a:extLst>
+              <a:ext uri="{FF2B5EF4-FFF2-40B4-BE49-F238E27FC236}">
+                <a16:creationId xmlns:a16="http://schemas.microsoft.com/office/drawing/2014/main" id="{8CBF6EE1-F802-4256-A0A6-A52931E0F7B8}"/>
+              </a:ext>
+            </a:extLst>
+          </p:cNvPr>
+          <p:cNvPicPr>
+            <a:picLocks noChangeAspect="1"/>
+          </p:cNvPicPr>
+          <p:nvPr/>
+        </p:nvPicPr>
+        <p:blipFill>
+          <a:blip r:embed="rId2">
+            <a:extLst>
+              <a:ext uri="{28A0092B-C50C-407E-A947-70E740481C1C}">
+                <a14:useLocalDpi xmlns:a14="http://schemas.microsoft.com/office/drawing/2010/main" val="0"/>
+              </a:ext>
+              <a:ext uri="{96DAC541-7B7A-43D3-8B79-37D633B846F1}">
+                <asvg:svgBlip xmlns:asvg="http://schemas.microsoft.com/office/drawing/2016/SVG/main" r:embed="rId3"/>
+              </a:ext>
+            </a:extLst>
+          </a:blip>
+          <a:stretch>
+            <a:fillRect/>
+          </a:stretch>
+        </p:blipFill>
+        <p:spPr>
+          <a:xfrm>
+            <a:off x="619666" y="3265941"/>
+            <a:ext cx="914400" cy="914400"/>
+          </a:xfrm>
+          <a:prstGeom prst="rect">
+            <a:avLst/>
+          </a:prstGeom>
+        </p:spPr>
+      </p:pic>
+      <p:sp>
+        <p:nvSpPr>
+          <p:cNvPr id="10" name="TextBox 9">
+            <a:extLst>
+              <a:ext uri="{FF2B5EF4-FFF2-40B4-BE49-F238E27FC236}">
+                <a16:creationId xmlns:a16="http://schemas.microsoft.com/office/drawing/2014/main" id="{04D04300-9382-4C83-999F-A86D9A562CD2}"/>
+              </a:ext>
+            </a:extLst>
+          </p:cNvPr>
+          <p:cNvSpPr txBox="1"/>
+          <p:nvPr/>
+        </p:nvSpPr>
+        <p:spPr>
+          <a:xfrm>
+            <a:off x="772935" y="4077516"/>
+            <a:ext cx="607859" cy="307777"/>
+          </a:xfrm>
+          <a:prstGeom prst="rect">
+            <a:avLst/>
+          </a:prstGeom>
+          <a:noFill/>
+        </p:spPr>
+        <p:txBody>
+          <a:bodyPr wrap="none" rtlCol="0">
+            <a:spAutoFit/>
+          </a:bodyPr>
+          <a:lstStyle/>
+          <a:p>
+            <a:r>
+              <a:rPr lang="en-US" sz="1400" dirty="0">
+                <a:latin typeface="Georgia" panose="02040502050405020303" pitchFamily="18" charset="0"/>
+              </a:rPr>
+              <a:t>Clerk</a:t>
+            </a:r>
+          </a:p>
+        </p:txBody>
+      </p:sp>
+      <p:sp>
+        <p:nvSpPr>
+          <p:cNvPr id="17" name="TextBox 16">
+            <a:extLst>
+              <a:ext uri="{FF2B5EF4-FFF2-40B4-BE49-F238E27FC236}">
+                <a16:creationId xmlns:a16="http://schemas.microsoft.com/office/drawing/2014/main" id="{5F14A1DD-3841-44CD-81BB-FC50BB190866}"/>
+              </a:ext>
+            </a:extLst>
+          </p:cNvPr>
+          <p:cNvSpPr txBox="1"/>
+          <p:nvPr/>
+        </p:nvSpPr>
+        <p:spPr>
+          <a:xfrm>
+            <a:off x="7603695" y="1053015"/>
+            <a:ext cx="753348" cy="307777"/>
+          </a:xfrm>
+          <a:prstGeom prst="rect">
+            <a:avLst/>
+          </a:prstGeom>
+          <a:noFill/>
+        </p:spPr>
+        <p:txBody>
+          <a:bodyPr wrap="none" rtlCol="0">
+            <a:spAutoFit/>
+          </a:bodyPr>
+          <a:lstStyle/>
+          <a:p>
+            <a:r>
+              <a:rPr lang="en-US" sz="1400" u="sng" dirty="0"/>
+              <a:t>Theater</a:t>
+            </a:r>
+          </a:p>
+        </p:txBody>
+      </p:sp>
+      <p:cxnSp>
+        <p:nvCxnSpPr>
+          <p:cNvPr id="3" name="Straight Arrow Connector 2">
+            <a:extLst>
+              <a:ext uri="{FF2B5EF4-FFF2-40B4-BE49-F238E27FC236}">
+                <a16:creationId xmlns:a16="http://schemas.microsoft.com/office/drawing/2014/main" id="{1A53643D-34E2-4FA7-8A87-954777F5F52B}"/>
+              </a:ext>
+            </a:extLst>
+          </p:cNvPr>
+          <p:cNvCxnSpPr/>
+          <p:nvPr/>
+        </p:nvCxnSpPr>
+        <p:spPr>
+          <a:xfrm>
+            <a:off x="1425180" y="2546546"/>
+            <a:ext cx="1490910" cy="0"/>
+          </a:xfrm>
+          <a:prstGeom prst="straightConnector1">
+            <a:avLst/>
+          </a:prstGeom>
+          <a:ln>
+            <a:tailEnd type="triangle"/>
+          </a:ln>
+        </p:spPr>
+        <p:style>
+          <a:lnRef idx="1">
+            <a:schemeClr val="dk1"/>
+          </a:lnRef>
+          <a:fillRef idx="0">
+            <a:schemeClr val="dk1"/>
+          </a:fillRef>
+          <a:effectRef idx="0">
+            <a:schemeClr val="dk1"/>
+          </a:effectRef>
+          <a:fontRef idx="minor">
+            <a:schemeClr val="tx1"/>
+          </a:fontRef>
+        </p:style>
+      </p:cxnSp>
+      <p:sp>
+        <p:nvSpPr>
+          <p:cNvPr id="8" name="TextBox 7">
+            <a:extLst>
+              <a:ext uri="{FF2B5EF4-FFF2-40B4-BE49-F238E27FC236}">
+                <a16:creationId xmlns:a16="http://schemas.microsoft.com/office/drawing/2014/main" id="{214F1137-676A-4667-8F38-8D289808EE4E}"/>
+              </a:ext>
+            </a:extLst>
+          </p:cNvPr>
+          <p:cNvSpPr txBox="1"/>
+          <p:nvPr/>
+        </p:nvSpPr>
+        <p:spPr>
+          <a:xfrm>
+            <a:off x="1380794" y="2084881"/>
+            <a:ext cx="1579682" cy="461665"/>
+          </a:xfrm>
+          <a:prstGeom prst="rect">
+            <a:avLst/>
+          </a:prstGeom>
+          <a:noFill/>
+        </p:spPr>
+        <p:txBody>
+          <a:bodyPr wrap="square" rtlCol="0">
+            <a:spAutoFit/>
+          </a:bodyPr>
+          <a:lstStyle/>
+          <a:p>
+            <a:r>
+              <a:rPr lang="en-US" sz="1200" dirty="0"/>
+              <a:t>Selects command to list </a:t>
+            </a:r>
+            <a:r>
+              <a:rPr lang="en-US" sz="1200"/>
+              <a:t>all Clients</a:t>
+            </a:r>
+            <a:endParaRPr lang="en-US" sz="1200" dirty="0"/>
+          </a:p>
+        </p:txBody>
+      </p:sp>
+      <p:sp>
+        <p:nvSpPr>
+          <p:cNvPr id="11" name="TextBox 10">
+            <a:extLst>
+              <a:ext uri="{FF2B5EF4-FFF2-40B4-BE49-F238E27FC236}">
+                <a16:creationId xmlns:a16="http://schemas.microsoft.com/office/drawing/2014/main" id="{F47166AB-DCFB-433C-BF19-B8F101D0DA9A}"/>
+              </a:ext>
+            </a:extLst>
+          </p:cNvPr>
+          <p:cNvSpPr txBox="1"/>
+          <p:nvPr/>
+        </p:nvSpPr>
+        <p:spPr>
+          <a:xfrm>
+            <a:off x="2592279" y="1088428"/>
+            <a:ext cx="1145219" cy="307777"/>
+          </a:xfrm>
+          <a:prstGeom prst="rect">
+            <a:avLst/>
+          </a:prstGeom>
+          <a:noFill/>
+        </p:spPr>
+        <p:txBody>
+          <a:bodyPr wrap="square" rtlCol="0">
+            <a:spAutoFit/>
+          </a:bodyPr>
+          <a:lstStyle/>
+          <a:p>
+            <a:r>
+              <a:rPr lang="en-US" sz="1400" u="sng" dirty="0"/>
+              <a:t>Controller</a:t>
+            </a:r>
+          </a:p>
+        </p:txBody>
+      </p:sp>
+      <p:sp>
+        <p:nvSpPr>
+          <p:cNvPr id="12" name="TextBox 11">
+            <a:extLst>
+              <a:ext uri="{FF2B5EF4-FFF2-40B4-BE49-F238E27FC236}">
+                <a16:creationId xmlns:a16="http://schemas.microsoft.com/office/drawing/2014/main" id="{63F74ECF-CF72-4772-8F69-C6A2B276EF2A}"/>
+              </a:ext>
+            </a:extLst>
+          </p:cNvPr>
+          <p:cNvSpPr txBox="1"/>
+          <p:nvPr/>
+        </p:nvSpPr>
+        <p:spPr>
+          <a:xfrm>
+            <a:off x="3181249" y="2515976"/>
+            <a:ext cx="2914137" cy="276999"/>
+          </a:xfrm>
+          <a:prstGeom prst="rect">
+            <a:avLst/>
+          </a:prstGeom>
+          <a:noFill/>
+        </p:spPr>
+        <p:txBody>
+          <a:bodyPr wrap="square" rtlCol="0">
+            <a:spAutoFit/>
+          </a:bodyPr>
+          <a:lstStyle/>
+          <a:p>
+            <a:r>
+              <a:rPr lang="en-US" sz="1200"/>
+              <a:t>displayAllClientsList</a:t>
+            </a:r>
+            <a:r>
+              <a:rPr lang="en-US" sz="1200" dirty="0"/>
+              <a:t>(</a:t>
+            </a:r>
+            <a:r>
+              <a:rPr lang="en-US" sz="1200" dirty="0" err="1"/>
+              <a:t>theater</a:t>
+            </a:r>
+            <a:r>
+              <a:rPr lang="en-US" sz="1200" err="1"/>
+              <a:t>.</a:t>
+            </a:r>
+            <a:r>
+              <a:rPr lang="en-US" sz="1200"/>
+              <a:t>getClientList</a:t>
+            </a:r>
+            <a:r>
+              <a:rPr lang="en-US" sz="1200" dirty="0"/>
+              <a:t>())</a:t>
+            </a:r>
+          </a:p>
+        </p:txBody>
+      </p:sp>
+      <p:cxnSp>
+        <p:nvCxnSpPr>
+          <p:cNvPr id="15" name="Straight Arrow Connector 14">
+            <a:extLst>
+              <a:ext uri="{FF2B5EF4-FFF2-40B4-BE49-F238E27FC236}">
+                <a16:creationId xmlns:a16="http://schemas.microsoft.com/office/drawing/2014/main" id="{26A96D67-A7A4-4BEF-9149-A0D508763D1B}"/>
+              </a:ext>
+            </a:extLst>
+          </p:cNvPr>
+          <p:cNvCxnSpPr>
+            <a:cxnSpLocks/>
+          </p:cNvCxnSpPr>
+          <p:nvPr/>
+        </p:nvCxnSpPr>
+        <p:spPr>
+          <a:xfrm flipV="1">
+            <a:off x="3102161" y="2878798"/>
+            <a:ext cx="3056528" cy="22231"/>
+          </a:xfrm>
+          <a:prstGeom prst="straightConnector1">
+            <a:avLst/>
+          </a:prstGeom>
+          <a:ln>
+            <a:tailEnd type="triangle"/>
+          </a:ln>
+        </p:spPr>
+        <p:style>
+          <a:lnRef idx="1">
+            <a:schemeClr val="dk1"/>
+          </a:lnRef>
+          <a:fillRef idx="0">
+            <a:schemeClr val="dk1"/>
+          </a:fillRef>
+          <a:effectRef idx="0">
+            <a:schemeClr val="dk1"/>
+          </a:effectRef>
+          <a:fontRef idx="minor">
+            <a:schemeClr val="tx1"/>
+          </a:fontRef>
+        </p:style>
+      </p:cxnSp>
+      <p:cxnSp>
+        <p:nvCxnSpPr>
+          <p:cNvPr id="23" name="Straight Arrow Connector 22">
+            <a:extLst>
+              <a:ext uri="{FF2B5EF4-FFF2-40B4-BE49-F238E27FC236}">
+                <a16:creationId xmlns:a16="http://schemas.microsoft.com/office/drawing/2014/main" id="{9628FBB6-5701-4426-8FDD-E4317EBB9E67}"/>
+              </a:ext>
+            </a:extLst>
+          </p:cNvPr>
+          <p:cNvCxnSpPr/>
+          <p:nvPr/>
+        </p:nvCxnSpPr>
+        <p:spPr>
+          <a:xfrm>
+            <a:off x="6327746" y="3168016"/>
+            <a:ext cx="1568095" cy="0"/>
+          </a:xfrm>
+          <a:prstGeom prst="straightConnector1">
+            <a:avLst/>
+          </a:prstGeom>
+          <a:ln>
+            <a:tailEnd type="triangle"/>
+          </a:ln>
+        </p:spPr>
+        <p:style>
+          <a:lnRef idx="1">
+            <a:schemeClr val="dk1"/>
+          </a:lnRef>
+          <a:fillRef idx="0">
+            <a:schemeClr val="dk1"/>
+          </a:fillRef>
+          <a:effectRef idx="0">
+            <a:schemeClr val="dk1"/>
+          </a:effectRef>
+          <a:fontRef idx="minor">
+            <a:schemeClr val="tx1"/>
+          </a:fontRef>
+        </p:style>
+      </p:cxnSp>
+      <p:sp>
+        <p:nvSpPr>
+          <p:cNvPr id="24" name="TextBox 23">
+            <a:extLst>
+              <a:ext uri="{FF2B5EF4-FFF2-40B4-BE49-F238E27FC236}">
+                <a16:creationId xmlns:a16="http://schemas.microsoft.com/office/drawing/2014/main" id="{EFE79D60-83F9-4CCE-B623-FFB503EB7B45}"/>
+              </a:ext>
+            </a:extLst>
+          </p:cNvPr>
+          <p:cNvSpPr txBox="1"/>
+          <p:nvPr/>
+        </p:nvSpPr>
+        <p:spPr>
+          <a:xfrm>
+            <a:off x="6587231" y="2907939"/>
+            <a:ext cx="1139553" cy="276999"/>
+          </a:xfrm>
+          <a:prstGeom prst="rect">
+            <a:avLst/>
+          </a:prstGeom>
+          <a:noFill/>
+        </p:spPr>
+        <p:txBody>
+          <a:bodyPr wrap="square" rtlCol="0">
+            <a:spAutoFit/>
+          </a:bodyPr>
+          <a:lstStyle/>
+          <a:p>
+            <a:r>
+              <a:rPr lang="en-US" sz="1200"/>
+              <a:t>getClientList</a:t>
+            </a:r>
+            <a:r>
+              <a:rPr lang="en-US" sz="1200" dirty="0"/>
+              <a:t>()</a:t>
+            </a:r>
+          </a:p>
+        </p:txBody>
+      </p:sp>
+      <p:cxnSp>
+        <p:nvCxnSpPr>
+          <p:cNvPr id="30" name="Straight Arrow Connector 29">
+            <a:extLst>
+              <a:ext uri="{FF2B5EF4-FFF2-40B4-BE49-F238E27FC236}">
+                <a16:creationId xmlns:a16="http://schemas.microsoft.com/office/drawing/2014/main" id="{CE16AC07-3306-48DA-974E-681D90A80C69}"/>
+              </a:ext>
+            </a:extLst>
+          </p:cNvPr>
+          <p:cNvCxnSpPr>
+            <a:cxnSpLocks/>
+          </p:cNvCxnSpPr>
+          <p:nvPr/>
+        </p:nvCxnSpPr>
+        <p:spPr>
+          <a:xfrm flipH="1">
+            <a:off x="6327746" y="3553761"/>
+            <a:ext cx="1568096" cy="0"/>
+          </a:xfrm>
+          <a:prstGeom prst="straightConnector1">
+            <a:avLst/>
+          </a:prstGeom>
+          <a:ln>
+            <a:prstDash val="lgDash"/>
+            <a:tailEnd type="triangle"/>
+          </a:ln>
+        </p:spPr>
+        <p:style>
+          <a:lnRef idx="1">
+            <a:schemeClr val="dk1"/>
+          </a:lnRef>
+          <a:fillRef idx="0">
+            <a:schemeClr val="dk1"/>
+          </a:fillRef>
+          <a:effectRef idx="0">
+            <a:schemeClr val="dk1"/>
+          </a:effectRef>
+          <a:fontRef idx="minor">
+            <a:schemeClr val="tx1"/>
+          </a:fontRef>
+        </p:style>
+      </p:cxnSp>
+      <p:sp>
+        <p:nvSpPr>
+          <p:cNvPr id="32" name="TextBox 31">
+            <a:extLst>
+              <a:ext uri="{FF2B5EF4-FFF2-40B4-BE49-F238E27FC236}">
+                <a16:creationId xmlns:a16="http://schemas.microsoft.com/office/drawing/2014/main" id="{84F99FFD-6D5F-49E3-875D-8159FCB63DDF}"/>
+              </a:ext>
+            </a:extLst>
+          </p:cNvPr>
+          <p:cNvSpPr txBox="1"/>
+          <p:nvPr/>
+        </p:nvSpPr>
+        <p:spPr>
+          <a:xfrm>
+            <a:off x="6740503" y="3306515"/>
+            <a:ext cx="1139553" cy="276999"/>
+          </a:xfrm>
+          <a:prstGeom prst="rect">
+            <a:avLst/>
+          </a:prstGeom>
+          <a:noFill/>
+        </p:spPr>
+        <p:txBody>
+          <a:bodyPr wrap="square" rtlCol="0">
+            <a:spAutoFit/>
+          </a:bodyPr>
+          <a:lstStyle/>
+          <a:p>
+            <a:r>
+              <a:rPr lang="en-US" sz="1200"/>
+              <a:t>clientList</a:t>
+            </a:r>
+            <a:endParaRPr lang="en-US" sz="1200" dirty="0"/>
+          </a:p>
+        </p:txBody>
+      </p:sp>
+      <p:cxnSp>
+        <p:nvCxnSpPr>
+          <p:cNvPr id="34" name="Straight Arrow Connector 33">
+            <a:extLst>
+              <a:ext uri="{FF2B5EF4-FFF2-40B4-BE49-F238E27FC236}">
+                <a16:creationId xmlns:a16="http://schemas.microsoft.com/office/drawing/2014/main" id="{20D9BEA1-D8DC-49B7-BFF0-FFD9AB2B4CB0}"/>
+              </a:ext>
+            </a:extLst>
+          </p:cNvPr>
+          <p:cNvCxnSpPr>
+            <a:cxnSpLocks/>
+          </p:cNvCxnSpPr>
+          <p:nvPr/>
+        </p:nvCxnSpPr>
+        <p:spPr>
+          <a:xfrm flipH="1">
+            <a:off x="1660124" y="4077516"/>
+            <a:ext cx="4498565" cy="0"/>
+          </a:xfrm>
+          <a:prstGeom prst="straightConnector1">
+            <a:avLst/>
+          </a:prstGeom>
+          <a:ln>
+            <a:prstDash val="solid"/>
+            <a:tailEnd type="triangle"/>
+          </a:ln>
+        </p:spPr>
+        <p:style>
+          <a:lnRef idx="1">
+            <a:schemeClr val="dk1"/>
+          </a:lnRef>
+          <a:fillRef idx="0">
+            <a:schemeClr val="dk1"/>
+          </a:fillRef>
+          <a:effectRef idx="0">
+            <a:schemeClr val="dk1"/>
+          </a:effectRef>
+          <a:fontRef idx="minor">
+            <a:schemeClr val="tx1"/>
+          </a:fontRef>
+        </p:style>
+      </p:cxnSp>
+      <p:sp>
+        <p:nvSpPr>
+          <p:cNvPr id="36" name="TextBox 35">
+            <a:extLst>
+              <a:ext uri="{FF2B5EF4-FFF2-40B4-BE49-F238E27FC236}">
+                <a16:creationId xmlns:a16="http://schemas.microsoft.com/office/drawing/2014/main" id="{4BC2E59A-2B28-468C-983D-7872C20739FF}"/>
+              </a:ext>
+            </a:extLst>
+          </p:cNvPr>
+          <p:cNvSpPr txBox="1"/>
+          <p:nvPr/>
+        </p:nvSpPr>
+        <p:spPr>
+          <a:xfrm>
+            <a:off x="3172369" y="3812098"/>
+            <a:ext cx="2077375" cy="276999"/>
+          </a:xfrm>
+          <a:prstGeom prst="rect">
+            <a:avLst/>
+          </a:prstGeom>
+          <a:noFill/>
+        </p:spPr>
+        <p:txBody>
+          <a:bodyPr wrap="square" rtlCol="0">
+            <a:spAutoFit/>
+          </a:bodyPr>
+          <a:lstStyle/>
+          <a:p>
+            <a:r>
+              <a:rPr lang="en-US" sz="1200" dirty="0"/>
+              <a:t>Lists </a:t>
+            </a:r>
+            <a:r>
+              <a:rPr lang="en-US" sz="1200"/>
+              <a:t>every client</a:t>
+            </a:r>
+            <a:endParaRPr lang="en-US" sz="1200" dirty="0"/>
+          </a:p>
+        </p:txBody>
+      </p:sp>
+      <p:cxnSp>
+        <p:nvCxnSpPr>
+          <p:cNvPr id="37" name="Straight Connector 36">
+            <a:extLst>
+              <a:ext uri="{FF2B5EF4-FFF2-40B4-BE49-F238E27FC236}">
+                <a16:creationId xmlns:a16="http://schemas.microsoft.com/office/drawing/2014/main" id="{9B521216-D8DC-4C9F-9109-A4694D3FA6D3}"/>
+              </a:ext>
+            </a:extLst>
+          </p:cNvPr>
+          <p:cNvCxnSpPr>
+            <a:cxnSpLocks/>
+          </p:cNvCxnSpPr>
+          <p:nvPr/>
+        </p:nvCxnSpPr>
+        <p:spPr>
+          <a:xfrm flipH="1">
+            <a:off x="3000019" y="1512198"/>
+            <a:ext cx="1" cy="4827579"/>
+          </a:xfrm>
+          <a:prstGeom prst="line">
+            <a:avLst/>
+          </a:prstGeom>
+          <a:ln w="9525" cap="flat" cmpd="sng" algn="ctr">
+            <a:solidFill>
+              <a:schemeClr val="dk1"/>
+            </a:solidFill>
+            <a:prstDash val="dash"/>
+            <a:round/>
+            <a:headEnd type="none" w="med" len="med"/>
+            <a:tailEnd type="none" w="med" len="med"/>
+          </a:ln>
+        </p:spPr>
+        <p:style>
+          <a:lnRef idx="0">
+            <a:scrgbClr r="0" g="0" b="0"/>
+          </a:lnRef>
+          <a:fillRef idx="0">
+            <a:scrgbClr r="0" g="0" b="0"/>
+          </a:fillRef>
+          <a:effectRef idx="0">
+            <a:scrgbClr r="0" g="0" b="0"/>
+          </a:effectRef>
+          <a:fontRef idx="minor">
+            <a:schemeClr val="tx1"/>
+          </a:fontRef>
+        </p:style>
+      </p:cxnSp>
+      <p:sp>
+        <p:nvSpPr>
+          <p:cNvPr id="18" name="Rectangle 17">
+            <a:extLst>
+              <a:ext uri="{FF2B5EF4-FFF2-40B4-BE49-F238E27FC236}">
+                <a16:creationId xmlns:a16="http://schemas.microsoft.com/office/drawing/2014/main" id="{222E1BCE-9A10-4409-8239-DBA90FE33F9C}"/>
               </a:ext>
             </a:extLst>
           </p:cNvPr>
@@ -7400,8 +10020,8 @@
         </p:nvSpPr>
         <p:spPr>
           <a:xfrm>
-            <a:off x="2001329" y="1114021"/>
-            <a:ext cx="169057" cy="4913656"/>
+            <a:off x="2933104" y="1512198"/>
+            <a:ext cx="169057" cy="1918134"/>
           </a:xfrm>
           <a:prstGeom prst="rect">
             <a:avLst/>
@@ -7440,125 +10060,12 @@
           </a:p>
         </p:txBody>
       </p:sp>
-      <p:sp>
-        <p:nvSpPr>
-          <p:cNvPr id="7" name="TextBox 6">
-            <a:extLst>
-              <a:ext uri="{FF2B5EF4-FFF2-40B4-BE49-F238E27FC236}">
-                <a16:creationId xmlns:a16="http://schemas.microsoft.com/office/drawing/2014/main" id="{8D400405-8429-45D0-A6D6-38BE802C9D65}"/>
-              </a:ext>
-            </a:extLst>
-          </p:cNvPr>
-          <p:cNvSpPr txBox="1"/>
-          <p:nvPr/>
-        </p:nvSpPr>
-        <p:spPr>
-          <a:xfrm>
-            <a:off x="1389993" y="783735"/>
-            <a:ext cx="1391728" cy="307777"/>
-          </a:xfrm>
-          <a:prstGeom prst="rect">
-            <a:avLst/>
-          </a:prstGeom>
-          <a:noFill/>
-        </p:spPr>
-        <p:txBody>
-          <a:bodyPr wrap="none" rtlCol="0">
-            <a:spAutoFit/>
-          </a:bodyPr>
-          <a:lstStyle/>
-          <a:p>
-            <a:r>
-              <a:rPr lang="en-US" sz="1400" u="sng" dirty="0">
-                <a:latin typeface="Georgia" panose="02040502050405020303" pitchFamily="18" charset="0"/>
-              </a:rPr>
-              <a:t>Command GUI</a:t>
-            </a:r>
-          </a:p>
-        </p:txBody>
-      </p:sp>
-      <p:pic>
-        <p:nvPicPr>
-          <p:cNvPr id="9" name="Graphic 8" descr="User">
-            <a:extLst>
-              <a:ext uri="{FF2B5EF4-FFF2-40B4-BE49-F238E27FC236}">
-                <a16:creationId xmlns:a16="http://schemas.microsoft.com/office/drawing/2014/main" id="{8CBF6EE1-F802-4256-A0A6-A52931E0F7B8}"/>
-              </a:ext>
-            </a:extLst>
-          </p:cNvPr>
-          <p:cNvPicPr>
-            <a:picLocks noChangeAspect="1"/>
-          </p:cNvPicPr>
-          <p:nvPr/>
-        </p:nvPicPr>
-        <p:blipFill>
-          <a:blip r:embed="rId2">
-            <a:extLst>
-              <a:ext uri="{28A0092B-C50C-407E-A947-70E740481C1C}">
-                <a14:useLocalDpi xmlns:a14="http://schemas.microsoft.com/office/drawing/2010/main" val="0"/>
-              </a:ext>
-              <a:ext uri="{96DAC541-7B7A-43D3-8B79-37D633B846F1}">
-                <asvg:svgBlip xmlns:asvg="http://schemas.microsoft.com/office/drawing/2016/SVG/main" r:embed="rId3"/>
-              </a:ext>
-            </a:extLst>
-          </a:blip>
-          <a:stretch>
-            <a:fillRect/>
-          </a:stretch>
-        </p:blipFill>
-        <p:spPr>
-          <a:xfrm>
-            <a:off x="619666" y="3265941"/>
-            <a:ext cx="914400" cy="914400"/>
-          </a:xfrm>
-          <a:prstGeom prst="rect">
-            <a:avLst/>
-          </a:prstGeom>
-        </p:spPr>
-      </p:pic>
-      <p:sp>
-        <p:nvSpPr>
-          <p:cNvPr id="10" name="TextBox 9">
-            <a:extLst>
-              <a:ext uri="{FF2B5EF4-FFF2-40B4-BE49-F238E27FC236}">
-                <a16:creationId xmlns:a16="http://schemas.microsoft.com/office/drawing/2014/main" id="{04D04300-9382-4C83-999F-A86D9A562CD2}"/>
-              </a:ext>
-            </a:extLst>
-          </p:cNvPr>
-          <p:cNvSpPr txBox="1"/>
-          <p:nvPr/>
-        </p:nvSpPr>
-        <p:spPr>
-          <a:xfrm>
-            <a:off x="772935" y="4077516"/>
-            <a:ext cx="607859" cy="307777"/>
-          </a:xfrm>
-          <a:prstGeom prst="rect">
-            <a:avLst/>
-          </a:prstGeom>
-          <a:noFill/>
-        </p:spPr>
-        <p:txBody>
-          <a:bodyPr wrap="none" rtlCol="0">
-            <a:spAutoFit/>
-          </a:bodyPr>
-          <a:lstStyle/>
-          <a:p>
-            <a:r>
-              <a:rPr lang="en-US" sz="1400" dirty="0">
-                <a:latin typeface="Georgia" panose="02040502050405020303" pitchFamily="18" charset="0"/>
-              </a:rPr>
-              <a:t>Clerk</a:t>
-            </a:r>
-          </a:p>
-        </p:txBody>
-      </p:sp>
       <p:cxnSp>
         <p:nvCxnSpPr>
-          <p:cNvPr id="13" name="Straight Arrow Connector 12">
-            <a:extLst>
-              <a:ext uri="{FF2B5EF4-FFF2-40B4-BE49-F238E27FC236}">
-                <a16:creationId xmlns:a16="http://schemas.microsoft.com/office/drawing/2014/main" id="{C92A00A1-D5F3-47EB-A5AB-07025FE787B1}"/>
+          <p:cNvPr id="38" name="Straight Connector 37">
+            <a:extLst>
+              <a:ext uri="{FF2B5EF4-FFF2-40B4-BE49-F238E27FC236}">
+                <a16:creationId xmlns:a16="http://schemas.microsoft.com/office/drawing/2014/main" id="{727A2E6B-AD29-4C90-A16B-353F16349F35}"/>
               </a:ext>
             </a:extLst>
           </p:cNvPr>
@@ -7568,21 +10075,21 @@
           <p:nvPr/>
         </p:nvCxnSpPr>
         <p:spPr>
-          <a:xfrm>
-            <a:off x="940676" y="1334813"/>
-            <a:ext cx="1060653" cy="0"/>
-          </a:xfrm>
-          <a:prstGeom prst="straightConnector1">
+          <a:xfrm flipH="1">
+            <a:off x="6260829" y="1512197"/>
+            <a:ext cx="1" cy="4827579"/>
+          </a:xfrm>
+          <a:prstGeom prst="line">
             <a:avLst/>
           </a:prstGeom>
           <a:ln w="9525" cap="flat" cmpd="sng" algn="ctr">
             <a:solidFill>
               <a:schemeClr val="dk1"/>
             </a:solidFill>
-            <a:prstDash val="solid"/>
+            <a:prstDash val="dash"/>
             <a:round/>
             <a:headEnd type="none" w="med" len="med"/>
-            <a:tailEnd type="arrow" w="med" len="med"/>
+            <a:tailEnd type="none" w="med" len="med"/>
           </a:ln>
         </p:spPr>
         <p:style>
@@ -7602,10 +10109,10 @@
       </p:cxnSp>
       <p:sp>
         <p:nvSpPr>
-          <p:cNvPr id="16" name="Rectangle 15">
-            <a:extLst>
-              <a:ext uri="{FF2B5EF4-FFF2-40B4-BE49-F238E27FC236}">
-                <a16:creationId xmlns:a16="http://schemas.microsoft.com/office/drawing/2014/main" id="{0285C4BD-12F1-4D93-81B0-4B81C5DE0ACF}"/>
+          <p:cNvPr id="6" name="Rectangle 5">
+            <a:extLst>
+              <a:ext uri="{FF2B5EF4-FFF2-40B4-BE49-F238E27FC236}">
+                <a16:creationId xmlns:a16="http://schemas.microsoft.com/office/drawing/2014/main" id="{5993E7F0-A172-4838-883D-6CEFEA31C010}"/>
               </a:ext>
             </a:extLst>
           </p:cNvPr>
@@ -7614,8 +10121,8 @@
         </p:nvSpPr>
         <p:spPr>
           <a:xfrm>
-            <a:off x="3851150" y="1114021"/>
-            <a:ext cx="169057" cy="4391855"/>
+            <a:off x="6158689" y="2197725"/>
+            <a:ext cx="169057" cy="2116823"/>
           </a:xfrm>
           <a:prstGeom prst="rect">
             <a:avLst/>
@@ -7654,59 +10161,24 @@
           </a:p>
         </p:txBody>
       </p:sp>
-      <p:sp>
-        <p:nvSpPr>
-          <p:cNvPr id="17" name="TextBox 16">
-            <a:extLst>
-              <a:ext uri="{FF2B5EF4-FFF2-40B4-BE49-F238E27FC236}">
-                <a16:creationId xmlns:a16="http://schemas.microsoft.com/office/drawing/2014/main" id="{5F14A1DD-3841-44CD-81BB-FC50BB190866}"/>
-              </a:ext>
-            </a:extLst>
-          </p:cNvPr>
-          <p:cNvSpPr txBox="1"/>
-          <p:nvPr/>
-        </p:nvSpPr>
-        <p:spPr>
-          <a:xfrm>
-            <a:off x="3536369" y="780958"/>
-            <a:ext cx="798617" cy="307777"/>
-          </a:xfrm>
-          <a:prstGeom prst="rect">
-            <a:avLst/>
-          </a:prstGeom>
-          <a:noFill/>
-        </p:spPr>
-        <p:txBody>
-          <a:bodyPr wrap="none" rtlCol="0">
-            <a:spAutoFit/>
-          </a:bodyPr>
-          <a:lstStyle/>
-          <a:p>
-            <a:r>
-              <a:rPr lang="en-US" sz="1400" u="sng" dirty="0">
-                <a:latin typeface="Georgia" panose="02040502050405020303" pitchFamily="18" charset="0"/>
-              </a:rPr>
-              <a:t>Theater</a:t>
-            </a:r>
-          </a:p>
-        </p:txBody>
-      </p:sp>
       <p:cxnSp>
         <p:nvCxnSpPr>
-          <p:cNvPr id="19" name="Straight Connector 18">
-            <a:extLst>
-              <a:ext uri="{FF2B5EF4-FFF2-40B4-BE49-F238E27FC236}">
-                <a16:creationId xmlns:a16="http://schemas.microsoft.com/office/drawing/2014/main" id="{3145678D-8CB4-4933-BC4C-B105C5495678}"/>
-              </a:ext>
-            </a:extLst>
-          </p:cNvPr>
-          <p:cNvCxnSpPr/>
+          <p:cNvPr id="39" name="Straight Connector 38">
+            <a:extLst>
+              <a:ext uri="{FF2B5EF4-FFF2-40B4-BE49-F238E27FC236}">
+                <a16:creationId xmlns:a16="http://schemas.microsoft.com/office/drawing/2014/main" id="{890BDEC7-E3E0-4056-872E-FD87568F7979}"/>
+              </a:ext>
+            </a:extLst>
+          </p:cNvPr>
+          <p:cNvCxnSpPr>
+            <a:cxnSpLocks/>
+          </p:cNvCxnSpPr>
           <p:nvPr/>
         </p:nvCxnSpPr>
         <p:spPr>
-          <a:xfrm>
-            <a:off x="2065283" y="6027677"/>
-            <a:ext cx="0" cy="294295"/>
+          <a:xfrm flipH="1">
+            <a:off x="7986312" y="1512196"/>
+            <a:ext cx="1" cy="4827579"/>
           </a:xfrm>
           <a:prstGeom prst="line">
             <a:avLst/>
@@ -7736,53 +10208,60 @@
           </a:fontRef>
         </p:style>
       </p:cxnSp>
-      <p:cxnSp>
-        <p:nvCxnSpPr>
-          <p:cNvPr id="20" name="Straight Connector 19">
-            <a:extLst>
-              <a:ext uri="{FF2B5EF4-FFF2-40B4-BE49-F238E27FC236}">
-                <a16:creationId xmlns:a16="http://schemas.microsoft.com/office/drawing/2014/main" id="{093D5B23-CD8E-4B7F-9953-8B4E721B9BC0}"/>
-              </a:ext>
-            </a:extLst>
-          </p:cNvPr>
-          <p:cNvCxnSpPr>
-            <a:cxnSpLocks/>
-          </p:cNvCxnSpPr>
-          <p:nvPr/>
-        </p:nvCxnSpPr>
-        <p:spPr>
-          <a:xfrm>
-            <a:off x="3925614" y="5505876"/>
-            <a:ext cx="0" cy="816096"/>
-          </a:xfrm>
-          <a:prstGeom prst="line">
-            <a:avLst/>
-          </a:prstGeom>
-          <a:ln w="9525" cap="flat" cmpd="sng" algn="ctr">
+      <p:sp>
+        <p:nvSpPr>
+          <p:cNvPr id="16" name="Rectangle 15">
+            <a:extLst>
+              <a:ext uri="{FF2B5EF4-FFF2-40B4-BE49-F238E27FC236}">
+                <a16:creationId xmlns:a16="http://schemas.microsoft.com/office/drawing/2014/main" id="{0285C4BD-12F1-4D93-81B0-4B81C5DE0ACF}"/>
+              </a:ext>
+            </a:extLst>
+          </p:cNvPr>
+          <p:cNvSpPr/>
+          <p:nvPr/>
+        </p:nvSpPr>
+        <p:spPr>
+          <a:xfrm>
+            <a:off x="7895841" y="2792976"/>
+            <a:ext cx="169057" cy="1095444"/>
+          </a:xfrm>
+          <a:prstGeom prst="rect">
+            <a:avLst/>
+          </a:prstGeom>
+          <a:solidFill>
+            <a:schemeClr val="bg2"/>
+          </a:solidFill>
+          <a:ln>
             <a:solidFill>
-              <a:schemeClr val="dk1"/>
+              <a:schemeClr val="tx1"/>
             </a:solidFill>
-            <a:prstDash val="dash"/>
-            <a:round/>
-            <a:headEnd type="none" w="med" len="med"/>
-            <a:tailEnd type="none" w="med" len="med"/>
           </a:ln>
         </p:spPr>
         <p:style>
-          <a:lnRef idx="0">
-            <a:scrgbClr r="0" g="0" b="0"/>
+          <a:lnRef idx="2">
+            <a:schemeClr val="accent1">
+              <a:shade val="50000"/>
+            </a:schemeClr>
           </a:lnRef>
-          <a:fillRef idx="0">
-            <a:scrgbClr r="0" g="0" b="0"/>
+          <a:fillRef idx="1">
+            <a:schemeClr val="accent1"/>
           </a:fillRef>
           <a:effectRef idx="0">
-            <a:scrgbClr r="0" g="0" b="0"/>
+            <a:schemeClr val="accent1"/>
           </a:effectRef>
           <a:fontRef idx="minor">
-            <a:schemeClr val="tx1"/>
+            <a:schemeClr val="lt1"/>
           </a:fontRef>
         </p:style>
-      </p:cxnSp>
+        <p:txBody>
+          <a:bodyPr rtlCol="0" anchor="ctr"/>
+          <a:lstStyle/>
+          <a:p>
+            <a:pPr algn="ctr"/>
+            <a:endParaRPr lang="en-US"/>
+          </a:p>
+        </p:txBody>
+      </p:sp>
     </p:spTree>
     <p:extLst>
       <p:ext uri="{BB962C8B-B14F-4D97-AF65-F5344CB8AC3E}">
@@ -7815,10 +10294,47 @@
       </p:grpSpPr>
       <p:sp>
         <p:nvSpPr>
-          <p:cNvPr id="4" name="Rectangle 3">
-            <a:extLst>
-              <a:ext uri="{FF2B5EF4-FFF2-40B4-BE49-F238E27FC236}">
-                <a16:creationId xmlns:a16="http://schemas.microsoft.com/office/drawing/2014/main" id="{5E4728A9-43B4-4413-8980-CA41E40E12A2}"/>
+          <p:cNvPr id="30" name="TextBox 29">
+            <a:extLst>
+              <a:ext uri="{FF2B5EF4-FFF2-40B4-BE49-F238E27FC236}">
+                <a16:creationId xmlns:a16="http://schemas.microsoft.com/office/drawing/2014/main" id="{E140F51E-61CA-48F6-B4DC-3EE46E1F50BA}"/>
+              </a:ext>
+            </a:extLst>
+          </p:cNvPr>
+          <p:cNvSpPr txBox="1"/>
+          <p:nvPr/>
+        </p:nvSpPr>
+        <p:spPr>
+          <a:xfrm>
+            <a:off x="4208797" y="197763"/>
+            <a:ext cx="4172937" cy="369332"/>
+          </a:xfrm>
+          <a:prstGeom prst="rect">
+            <a:avLst/>
+          </a:prstGeom>
+          <a:noFill/>
+        </p:spPr>
+        <p:txBody>
+          <a:bodyPr wrap="none" rtlCol="0">
+            <a:spAutoFit/>
+          </a:bodyPr>
+          <a:lstStyle/>
+          <a:p>
+            <a:r>
+              <a:rPr lang="en-US" b="1" dirty="0">
+                <a:latin typeface="Georgia" panose="02040502050405020303" pitchFamily="18" charset="0"/>
+              </a:rPr>
+              <a:t>Add Customer Sequence Diagram</a:t>
+            </a:r>
+          </a:p>
+        </p:txBody>
+      </p:sp>
+      <p:sp>
+        <p:nvSpPr>
+          <p:cNvPr id="31" name="Rectangle 30">
+            <a:extLst>
+              <a:ext uri="{FF2B5EF4-FFF2-40B4-BE49-F238E27FC236}">
+                <a16:creationId xmlns:a16="http://schemas.microsoft.com/office/drawing/2014/main" id="{C3FC9B77-B5D9-4335-97CE-362F3322FA8E}"/>
               </a:ext>
             </a:extLst>
           </p:cNvPr>
@@ -7827,15 +10343,20 @@
         </p:nvSpPr>
         <p:spPr>
           <a:xfrm>
-            <a:off x="646386" y="1445172"/>
-            <a:ext cx="10899228" cy="4876800"/>
+            <a:off x="3354785" y="1109713"/>
+            <a:ext cx="180461" cy="5397613"/>
           </a:xfrm>
           <a:prstGeom prst="rect">
             <a:avLst/>
           </a:prstGeom>
           <a:solidFill>
-            <a:schemeClr val="bg1"/>
+            <a:schemeClr val="bg2"/>
           </a:solidFill>
+          <a:ln>
+            <a:solidFill>
+              <a:schemeClr val="tx1"/>
+            </a:solidFill>
+          </a:ln>
         </p:spPr>
         <p:style>
           <a:lnRef idx="2">
@@ -7858,19 +10379,16 @@
           <a:lstStyle/>
           <a:p>
             <a:pPr algn="ctr"/>
-            <a:r>
-              <a:rPr lang="en-US" dirty="0"/>
-              <a:t>Data request</a:t>
-            </a:r>
-          </a:p>
-        </p:txBody>
-      </p:sp>
-      <p:sp>
-        <p:nvSpPr>
-          <p:cNvPr id="5" name="TextBox 4">
-            <a:extLst>
-              <a:ext uri="{FF2B5EF4-FFF2-40B4-BE49-F238E27FC236}">
-                <a16:creationId xmlns:a16="http://schemas.microsoft.com/office/drawing/2014/main" id="{EED46A86-C106-4596-9342-011EAB247CB0}"/>
+            <a:endParaRPr lang="en-US"/>
+          </a:p>
+        </p:txBody>
+      </p:sp>
+      <p:sp>
+        <p:nvSpPr>
+          <p:cNvPr id="32" name="TextBox 31">
+            <a:extLst>
+              <a:ext uri="{FF2B5EF4-FFF2-40B4-BE49-F238E27FC236}">
+                <a16:creationId xmlns:a16="http://schemas.microsoft.com/office/drawing/2014/main" id="{7DFE8CDD-6A26-4EAB-908A-ADA9DFF89CB0}"/>
               </a:ext>
             </a:extLst>
           </p:cNvPr>
@@ -7879,8 +10397,8 @@
         </p:nvSpPr>
         <p:spPr>
           <a:xfrm>
-            <a:off x="3539884" y="184593"/>
-            <a:ext cx="4172937" cy="369332"/>
+            <a:off x="2640502" y="653406"/>
+            <a:ext cx="1391728" cy="307777"/>
           </a:xfrm>
           <a:prstGeom prst="rect">
             <a:avLst/>
@@ -7894,20 +10412,486 @@
           <a:lstStyle/>
           <a:p>
             <a:r>
-              <a:rPr lang="en-US" b="1" dirty="0">
+              <a:rPr lang="en-US" sz="1400" u="sng" dirty="0">
                 <a:latin typeface="Georgia" panose="02040502050405020303" pitchFamily="18" charset="0"/>
               </a:rPr>
-              <a:t>Add Customer Sequence Diagram</a:t>
-            </a:r>
-          </a:p>
-        </p:txBody>
-      </p:sp>
-      <p:sp>
-        <p:nvSpPr>
-          <p:cNvPr id="6" name="Rectangle 5">
-            <a:extLst>
-              <a:ext uri="{FF2B5EF4-FFF2-40B4-BE49-F238E27FC236}">
-                <a16:creationId xmlns:a16="http://schemas.microsoft.com/office/drawing/2014/main" id="{5993E7F0-A172-4838-883D-6CEFEA31C010}"/>
+              <a:t>Command GUI</a:t>
+            </a:r>
+          </a:p>
+        </p:txBody>
+      </p:sp>
+      <p:pic>
+        <p:nvPicPr>
+          <p:cNvPr id="33" name="Graphic 32" descr="User">
+            <a:extLst>
+              <a:ext uri="{FF2B5EF4-FFF2-40B4-BE49-F238E27FC236}">
+                <a16:creationId xmlns:a16="http://schemas.microsoft.com/office/drawing/2014/main" id="{A16155C8-474A-49BA-A877-1BB9C0BACD8F}"/>
+              </a:ext>
+            </a:extLst>
+          </p:cNvPr>
+          <p:cNvPicPr>
+            <a:picLocks noChangeAspect="1"/>
+          </p:cNvPicPr>
+          <p:nvPr/>
+        </p:nvPicPr>
+        <p:blipFill>
+          <a:blip r:embed="rId2">
+            <a:extLst>
+              <a:ext uri="{28A0092B-C50C-407E-A947-70E740481C1C}">
+                <a14:useLocalDpi xmlns:a14="http://schemas.microsoft.com/office/drawing/2010/main" val="0"/>
+              </a:ext>
+              <a:ext uri="{96DAC541-7B7A-43D3-8B79-37D633B846F1}">
+                <asvg:svgBlip xmlns:asvg="http://schemas.microsoft.com/office/drawing/2016/SVG/main" r:embed="rId3"/>
+              </a:ext>
+            </a:extLst>
+          </a:blip>
+          <a:stretch>
+            <a:fillRect/>
+          </a:stretch>
+        </p:blipFill>
+        <p:spPr>
+          <a:xfrm>
+            <a:off x="124809" y="3256720"/>
+            <a:ext cx="914400" cy="914400"/>
+          </a:xfrm>
+          <a:prstGeom prst="rect">
+            <a:avLst/>
+          </a:prstGeom>
+        </p:spPr>
+      </p:pic>
+      <p:sp>
+        <p:nvSpPr>
+          <p:cNvPr id="34" name="TextBox 33">
+            <a:extLst>
+              <a:ext uri="{FF2B5EF4-FFF2-40B4-BE49-F238E27FC236}">
+                <a16:creationId xmlns:a16="http://schemas.microsoft.com/office/drawing/2014/main" id="{D2F04358-9391-4453-86CC-1671785B9F3B}"/>
+              </a:ext>
+            </a:extLst>
+          </p:cNvPr>
+          <p:cNvSpPr txBox="1"/>
+          <p:nvPr/>
+        </p:nvSpPr>
+        <p:spPr>
+          <a:xfrm>
+            <a:off x="279430" y="4091741"/>
+            <a:ext cx="607859" cy="307777"/>
+          </a:xfrm>
+          <a:prstGeom prst="rect">
+            <a:avLst/>
+          </a:prstGeom>
+          <a:noFill/>
+        </p:spPr>
+        <p:txBody>
+          <a:bodyPr wrap="none" rtlCol="0">
+            <a:spAutoFit/>
+          </a:bodyPr>
+          <a:lstStyle/>
+          <a:p>
+            <a:r>
+              <a:rPr lang="en-US" sz="1400" dirty="0">
+                <a:latin typeface="Georgia" panose="02040502050405020303" pitchFamily="18" charset="0"/>
+              </a:rPr>
+              <a:t>Clerk</a:t>
+            </a:r>
+          </a:p>
+        </p:txBody>
+      </p:sp>
+      <p:cxnSp>
+        <p:nvCxnSpPr>
+          <p:cNvPr id="35" name="Straight Arrow Connector 34">
+            <a:extLst>
+              <a:ext uri="{FF2B5EF4-FFF2-40B4-BE49-F238E27FC236}">
+                <a16:creationId xmlns:a16="http://schemas.microsoft.com/office/drawing/2014/main" id="{8BBD5619-C942-4139-955C-A8130FED4E69}"/>
+              </a:ext>
+            </a:extLst>
+          </p:cNvPr>
+          <p:cNvCxnSpPr>
+            <a:cxnSpLocks/>
+          </p:cNvCxnSpPr>
+          <p:nvPr/>
+        </p:nvCxnSpPr>
+        <p:spPr>
+          <a:xfrm>
+            <a:off x="1571857" y="1435492"/>
+            <a:ext cx="1772869" cy="0"/>
+          </a:xfrm>
+          <a:prstGeom prst="straightConnector1">
+            <a:avLst/>
+          </a:prstGeom>
+          <a:ln w="9525" cap="flat" cmpd="sng" algn="ctr">
+            <a:solidFill>
+              <a:schemeClr val="dk1"/>
+            </a:solidFill>
+            <a:prstDash val="solid"/>
+            <a:round/>
+            <a:headEnd type="none" w="med" len="med"/>
+            <a:tailEnd type="arrow" w="med" len="med"/>
+          </a:ln>
+        </p:spPr>
+        <p:style>
+          <a:lnRef idx="0">
+            <a:scrgbClr r="0" g="0" b="0"/>
+          </a:lnRef>
+          <a:fillRef idx="0">
+            <a:scrgbClr r="0" g="0" b="0"/>
+          </a:fillRef>
+          <a:effectRef idx="0">
+            <a:scrgbClr r="0" g="0" b="0"/>
+          </a:effectRef>
+          <a:fontRef idx="minor">
+            <a:schemeClr val="tx1"/>
+          </a:fontRef>
+        </p:style>
+      </p:cxnSp>
+      <p:cxnSp>
+        <p:nvCxnSpPr>
+          <p:cNvPr id="36" name="Straight Connector 35">
+            <a:extLst>
+              <a:ext uri="{FF2B5EF4-FFF2-40B4-BE49-F238E27FC236}">
+                <a16:creationId xmlns:a16="http://schemas.microsoft.com/office/drawing/2014/main" id="{BE2EDE2C-5BBE-4022-B826-E55824453CDC}"/>
+              </a:ext>
+            </a:extLst>
+          </p:cNvPr>
+          <p:cNvCxnSpPr>
+            <a:cxnSpLocks/>
+          </p:cNvCxnSpPr>
+          <p:nvPr/>
+        </p:nvCxnSpPr>
+        <p:spPr>
+          <a:xfrm flipH="1">
+            <a:off x="5439766" y="1435102"/>
+            <a:ext cx="1" cy="4827579"/>
+          </a:xfrm>
+          <a:prstGeom prst="line">
+            <a:avLst/>
+          </a:prstGeom>
+          <a:ln w="9525" cap="flat" cmpd="sng" algn="ctr">
+            <a:solidFill>
+              <a:schemeClr val="dk1"/>
+            </a:solidFill>
+            <a:prstDash val="dash"/>
+            <a:round/>
+            <a:headEnd type="none" w="med" len="med"/>
+            <a:tailEnd type="none" w="med" len="med"/>
+          </a:ln>
+        </p:spPr>
+        <p:style>
+          <a:lnRef idx="0">
+            <a:scrgbClr r="0" g="0" b="0"/>
+          </a:lnRef>
+          <a:fillRef idx="0">
+            <a:scrgbClr r="0" g="0" b="0"/>
+          </a:fillRef>
+          <a:effectRef idx="0">
+            <a:scrgbClr r="0" g="0" b="0"/>
+          </a:effectRef>
+          <a:fontRef idx="minor">
+            <a:schemeClr val="tx1"/>
+          </a:fontRef>
+        </p:style>
+      </p:cxnSp>
+      <p:sp>
+        <p:nvSpPr>
+          <p:cNvPr id="38" name="TextBox 37">
+            <a:extLst>
+              <a:ext uri="{FF2B5EF4-FFF2-40B4-BE49-F238E27FC236}">
+                <a16:creationId xmlns:a16="http://schemas.microsoft.com/office/drawing/2014/main" id="{2F588C75-BB75-45C7-B921-510FF940961A}"/>
+              </a:ext>
+            </a:extLst>
+          </p:cNvPr>
+          <p:cNvSpPr txBox="1"/>
+          <p:nvPr/>
+        </p:nvSpPr>
+        <p:spPr>
+          <a:xfrm>
+            <a:off x="5040457" y="654488"/>
+            <a:ext cx="957313" cy="307777"/>
+          </a:xfrm>
+          <a:prstGeom prst="rect">
+            <a:avLst/>
+          </a:prstGeom>
+          <a:noFill/>
+        </p:spPr>
+        <p:txBody>
+          <a:bodyPr wrap="none" rtlCol="0">
+            <a:spAutoFit/>
+          </a:bodyPr>
+          <a:lstStyle/>
+          <a:p>
+            <a:r>
+              <a:rPr lang="en-US" sz="1400" u="sng" dirty="0">
+                <a:latin typeface="Georgia" panose="02040502050405020303" pitchFamily="18" charset="0"/>
+              </a:rPr>
+              <a:t>Customer</a:t>
+            </a:r>
+          </a:p>
+        </p:txBody>
+      </p:sp>
+      <p:cxnSp>
+        <p:nvCxnSpPr>
+          <p:cNvPr id="39" name="Straight Arrow Connector 38">
+            <a:extLst>
+              <a:ext uri="{FF2B5EF4-FFF2-40B4-BE49-F238E27FC236}">
+                <a16:creationId xmlns:a16="http://schemas.microsoft.com/office/drawing/2014/main" id="{3153DDB4-3FE6-4261-A46B-90467C16685C}"/>
+              </a:ext>
+            </a:extLst>
+          </p:cNvPr>
+          <p:cNvCxnSpPr>
+            <a:cxnSpLocks/>
+          </p:cNvCxnSpPr>
+          <p:nvPr/>
+        </p:nvCxnSpPr>
+        <p:spPr>
+          <a:xfrm flipV="1">
+            <a:off x="3522901" y="5317649"/>
+            <a:ext cx="4321057" cy="2336"/>
+          </a:xfrm>
+          <a:prstGeom prst="straightConnector1">
+            <a:avLst/>
+          </a:prstGeom>
+          <a:ln w="9525" cap="flat" cmpd="sng" algn="ctr">
+            <a:solidFill>
+              <a:schemeClr val="dk1"/>
+            </a:solidFill>
+            <a:prstDash val="solid"/>
+            <a:round/>
+            <a:headEnd type="none" w="med" len="med"/>
+            <a:tailEnd type="arrow" w="med" len="med"/>
+          </a:ln>
+        </p:spPr>
+        <p:style>
+          <a:lnRef idx="0">
+            <a:scrgbClr r="0" g="0" b="0"/>
+          </a:lnRef>
+          <a:fillRef idx="0">
+            <a:scrgbClr r="0" g="0" b="0"/>
+          </a:fillRef>
+          <a:effectRef idx="0">
+            <a:scrgbClr r="0" g="0" b="0"/>
+          </a:effectRef>
+          <a:fontRef idx="minor">
+            <a:schemeClr val="tx1"/>
+          </a:fontRef>
+        </p:style>
+      </p:cxnSp>
+      <p:cxnSp>
+        <p:nvCxnSpPr>
+          <p:cNvPr id="41" name="Straight Arrow Connector 40">
+            <a:extLst>
+              <a:ext uri="{FF2B5EF4-FFF2-40B4-BE49-F238E27FC236}">
+                <a16:creationId xmlns:a16="http://schemas.microsoft.com/office/drawing/2014/main" id="{6881FEFB-43C7-4557-9704-2EC97FAFDE04}"/>
+              </a:ext>
+            </a:extLst>
+          </p:cNvPr>
+          <p:cNvCxnSpPr>
+            <a:cxnSpLocks/>
+          </p:cNvCxnSpPr>
+          <p:nvPr/>
+        </p:nvCxnSpPr>
+        <p:spPr>
+          <a:xfrm flipV="1">
+            <a:off x="3506705" y="3471550"/>
+            <a:ext cx="1859426" cy="12343"/>
+          </a:xfrm>
+          <a:prstGeom prst="straightConnector1">
+            <a:avLst/>
+          </a:prstGeom>
+          <a:ln w="9525" cap="flat" cmpd="sng" algn="ctr">
+            <a:solidFill>
+              <a:schemeClr val="dk1"/>
+            </a:solidFill>
+            <a:prstDash val="solid"/>
+            <a:round/>
+            <a:headEnd type="none" w="med" len="med"/>
+            <a:tailEnd type="arrow" w="med" len="med"/>
+          </a:ln>
+        </p:spPr>
+        <p:style>
+          <a:lnRef idx="0">
+            <a:scrgbClr r="0" g="0" b="0"/>
+          </a:lnRef>
+          <a:fillRef idx="0">
+            <a:scrgbClr r="0" g="0" b="0"/>
+          </a:fillRef>
+          <a:effectRef idx="0">
+            <a:scrgbClr r="0" g="0" b="0"/>
+          </a:effectRef>
+          <a:fontRef idx="minor">
+            <a:schemeClr val="tx1"/>
+          </a:fontRef>
+        </p:style>
+      </p:cxnSp>
+      <p:cxnSp>
+        <p:nvCxnSpPr>
+          <p:cNvPr id="42" name="Straight Connector 41">
+            <a:extLst>
+              <a:ext uri="{FF2B5EF4-FFF2-40B4-BE49-F238E27FC236}">
+                <a16:creationId xmlns:a16="http://schemas.microsoft.com/office/drawing/2014/main" id="{73D18045-62C6-46C9-ACE5-FBF51D237589}"/>
+              </a:ext>
+            </a:extLst>
+          </p:cNvPr>
+          <p:cNvCxnSpPr>
+            <a:cxnSpLocks/>
+          </p:cNvCxnSpPr>
+          <p:nvPr/>
+        </p:nvCxnSpPr>
+        <p:spPr>
+          <a:xfrm flipH="1">
+            <a:off x="7957598" y="1425847"/>
+            <a:ext cx="25210" cy="4876801"/>
+          </a:xfrm>
+          <a:prstGeom prst="line">
+            <a:avLst/>
+          </a:prstGeom>
+          <a:ln w="9525" cap="flat" cmpd="sng" algn="ctr">
+            <a:solidFill>
+              <a:schemeClr val="dk1"/>
+            </a:solidFill>
+            <a:prstDash val="dash"/>
+            <a:round/>
+            <a:headEnd type="none" w="med" len="med"/>
+            <a:tailEnd type="none" w="med" len="med"/>
+          </a:ln>
+        </p:spPr>
+        <p:style>
+          <a:lnRef idx="0">
+            <a:scrgbClr r="0" g="0" b="0"/>
+          </a:lnRef>
+          <a:fillRef idx="0">
+            <a:scrgbClr r="0" g="0" b="0"/>
+          </a:fillRef>
+          <a:effectRef idx="0">
+            <a:scrgbClr r="0" g="0" b="0"/>
+          </a:effectRef>
+          <a:fontRef idx="minor">
+            <a:schemeClr val="tx1"/>
+          </a:fontRef>
+        </p:style>
+      </p:cxnSp>
+      <p:sp>
+        <p:nvSpPr>
+          <p:cNvPr id="44" name="TextBox 43">
+            <a:extLst>
+              <a:ext uri="{FF2B5EF4-FFF2-40B4-BE49-F238E27FC236}">
+                <a16:creationId xmlns:a16="http://schemas.microsoft.com/office/drawing/2014/main" id="{9D2809DF-9BAD-4B6C-BDC9-F928388417DB}"/>
+              </a:ext>
+            </a:extLst>
+          </p:cNvPr>
+          <p:cNvSpPr txBox="1"/>
+          <p:nvPr/>
+        </p:nvSpPr>
+        <p:spPr>
+          <a:xfrm>
+            <a:off x="7523862" y="671909"/>
+            <a:ext cx="753348" cy="307777"/>
+          </a:xfrm>
+          <a:prstGeom prst="rect">
+            <a:avLst/>
+          </a:prstGeom>
+          <a:noFill/>
+        </p:spPr>
+        <p:txBody>
+          <a:bodyPr wrap="none" rtlCol="0">
+            <a:spAutoFit/>
+          </a:bodyPr>
+          <a:lstStyle/>
+          <a:p>
+            <a:r>
+              <a:rPr lang="en-US" sz="1400" u="sng" dirty="0"/>
+              <a:t>Theater</a:t>
+            </a:r>
+          </a:p>
+        </p:txBody>
+      </p:sp>
+      <p:sp>
+        <p:nvSpPr>
+          <p:cNvPr id="45" name="TextBox 44">
+            <a:extLst>
+              <a:ext uri="{FF2B5EF4-FFF2-40B4-BE49-F238E27FC236}">
+                <a16:creationId xmlns:a16="http://schemas.microsoft.com/office/drawing/2014/main" id="{5D96F60D-1152-4E84-8A18-46F8E87E15F0}"/>
+              </a:ext>
+            </a:extLst>
+          </p:cNvPr>
+          <p:cNvSpPr txBox="1"/>
+          <p:nvPr/>
+        </p:nvSpPr>
+        <p:spPr>
+          <a:xfrm>
+            <a:off x="8788980" y="700616"/>
+            <a:ext cx="1139158" cy="307777"/>
+          </a:xfrm>
+          <a:prstGeom prst="rect">
+            <a:avLst/>
+          </a:prstGeom>
+          <a:noFill/>
+        </p:spPr>
+        <p:txBody>
+          <a:bodyPr wrap="none" rtlCol="0">
+            <a:spAutoFit/>
+          </a:bodyPr>
+          <a:lstStyle/>
+          <a:p>
+            <a:r>
+              <a:rPr lang="en-US" sz="1400" u="sng" dirty="0" err="1"/>
+              <a:t>CustomerList</a:t>
+            </a:r>
+            <a:endParaRPr lang="en-US" sz="1400" u="sng" dirty="0"/>
+          </a:p>
+        </p:txBody>
+      </p:sp>
+      <p:cxnSp>
+        <p:nvCxnSpPr>
+          <p:cNvPr id="46" name="Straight Connector 45">
+            <a:extLst>
+              <a:ext uri="{FF2B5EF4-FFF2-40B4-BE49-F238E27FC236}">
+                <a16:creationId xmlns:a16="http://schemas.microsoft.com/office/drawing/2014/main" id="{44807A96-F302-44B2-B7D9-300DDB0E1E45}"/>
+              </a:ext>
+            </a:extLst>
+          </p:cNvPr>
+          <p:cNvCxnSpPr>
+            <a:cxnSpLocks/>
+          </p:cNvCxnSpPr>
+          <p:nvPr/>
+        </p:nvCxnSpPr>
+        <p:spPr>
+          <a:xfrm flipH="1">
+            <a:off x="9358559" y="1407203"/>
+            <a:ext cx="1" cy="4827579"/>
+          </a:xfrm>
+          <a:prstGeom prst="line">
+            <a:avLst/>
+          </a:prstGeom>
+          <a:ln w="9525" cap="flat" cmpd="sng" algn="ctr">
+            <a:solidFill>
+              <a:schemeClr val="dk1"/>
+            </a:solidFill>
+            <a:prstDash val="dash"/>
+            <a:round/>
+            <a:headEnd type="none" w="med" len="med"/>
+            <a:tailEnd type="none" w="med" len="med"/>
+          </a:ln>
+        </p:spPr>
+        <p:style>
+          <a:lnRef idx="0">
+            <a:scrgbClr r="0" g="0" b="0"/>
+          </a:lnRef>
+          <a:fillRef idx="0">
+            <a:scrgbClr r="0" g="0" b="0"/>
+          </a:fillRef>
+          <a:effectRef idx="0">
+            <a:scrgbClr r="0" g="0" b="0"/>
+          </a:effectRef>
+          <a:fontRef idx="minor">
+            <a:schemeClr val="tx1"/>
+          </a:fontRef>
+        </p:style>
+      </p:cxnSp>
+      <p:sp>
+        <p:nvSpPr>
+          <p:cNvPr id="47" name="Rectangle 46">
+            <a:extLst>
+              <a:ext uri="{FF2B5EF4-FFF2-40B4-BE49-F238E27FC236}">
+                <a16:creationId xmlns:a16="http://schemas.microsoft.com/office/drawing/2014/main" id="{431B6006-E9EB-4B48-ADD9-3F8418830671}"/>
               </a:ext>
             </a:extLst>
           </p:cNvPr>
@@ -7916,8 +10900,8 @@
         </p:nvSpPr>
         <p:spPr>
           <a:xfrm>
-            <a:off x="2001329" y="1114021"/>
-            <a:ext cx="169057" cy="4913656"/>
+            <a:off x="5366130" y="2919185"/>
+            <a:ext cx="191273" cy="910038"/>
           </a:xfrm>
           <a:prstGeom prst="rect">
             <a:avLst/>
@@ -7958,165 +10942,10 @@
       </p:sp>
       <p:sp>
         <p:nvSpPr>
-          <p:cNvPr id="7" name="TextBox 6">
-            <a:extLst>
-              <a:ext uri="{FF2B5EF4-FFF2-40B4-BE49-F238E27FC236}">
-                <a16:creationId xmlns:a16="http://schemas.microsoft.com/office/drawing/2014/main" id="{8D400405-8429-45D0-A6D6-38BE802C9D65}"/>
-              </a:ext>
-            </a:extLst>
-          </p:cNvPr>
-          <p:cNvSpPr txBox="1"/>
-          <p:nvPr/>
-        </p:nvSpPr>
-        <p:spPr>
-          <a:xfrm>
-            <a:off x="1389993" y="783735"/>
-            <a:ext cx="1391728" cy="307777"/>
-          </a:xfrm>
-          <a:prstGeom prst="rect">
-            <a:avLst/>
-          </a:prstGeom>
-          <a:noFill/>
-        </p:spPr>
-        <p:txBody>
-          <a:bodyPr wrap="none" rtlCol="0">
-            <a:spAutoFit/>
-          </a:bodyPr>
-          <a:lstStyle/>
-          <a:p>
-            <a:r>
-              <a:rPr lang="en-US" sz="1400" u="sng" dirty="0">
-                <a:latin typeface="Georgia" panose="02040502050405020303" pitchFamily="18" charset="0"/>
-              </a:rPr>
-              <a:t>Command GUI</a:t>
-            </a:r>
-          </a:p>
-        </p:txBody>
-      </p:sp>
-      <p:pic>
-        <p:nvPicPr>
-          <p:cNvPr id="9" name="Graphic 8" descr="User">
-            <a:extLst>
-              <a:ext uri="{FF2B5EF4-FFF2-40B4-BE49-F238E27FC236}">
-                <a16:creationId xmlns:a16="http://schemas.microsoft.com/office/drawing/2014/main" id="{8CBF6EE1-F802-4256-A0A6-A52931E0F7B8}"/>
-              </a:ext>
-            </a:extLst>
-          </p:cNvPr>
-          <p:cNvPicPr>
-            <a:picLocks noChangeAspect="1"/>
-          </p:cNvPicPr>
-          <p:nvPr/>
-        </p:nvPicPr>
-        <p:blipFill>
-          <a:blip r:embed="rId2">
-            <a:extLst>
-              <a:ext uri="{28A0092B-C50C-407E-A947-70E740481C1C}">
-                <a14:useLocalDpi xmlns:a14="http://schemas.microsoft.com/office/drawing/2010/main" val="0"/>
-              </a:ext>
-              <a:ext uri="{96DAC541-7B7A-43D3-8B79-37D633B846F1}">
-                <asvg:svgBlip xmlns:asvg="http://schemas.microsoft.com/office/drawing/2016/SVG/main" r:embed="rId3"/>
-              </a:ext>
-            </a:extLst>
-          </a:blip>
-          <a:stretch>
-            <a:fillRect/>
-          </a:stretch>
-        </p:blipFill>
-        <p:spPr>
-          <a:xfrm>
-            <a:off x="619666" y="3265941"/>
-            <a:ext cx="914400" cy="914400"/>
-          </a:xfrm>
-          <a:prstGeom prst="rect">
-            <a:avLst/>
-          </a:prstGeom>
-        </p:spPr>
-      </p:pic>
-      <p:sp>
-        <p:nvSpPr>
-          <p:cNvPr id="10" name="TextBox 9">
-            <a:extLst>
-              <a:ext uri="{FF2B5EF4-FFF2-40B4-BE49-F238E27FC236}">
-                <a16:creationId xmlns:a16="http://schemas.microsoft.com/office/drawing/2014/main" id="{04D04300-9382-4C83-999F-A86D9A562CD2}"/>
-              </a:ext>
-            </a:extLst>
-          </p:cNvPr>
-          <p:cNvSpPr txBox="1"/>
-          <p:nvPr/>
-        </p:nvSpPr>
-        <p:spPr>
-          <a:xfrm>
-            <a:off x="772935" y="4077516"/>
-            <a:ext cx="607859" cy="307777"/>
-          </a:xfrm>
-          <a:prstGeom prst="rect">
-            <a:avLst/>
-          </a:prstGeom>
-          <a:noFill/>
-        </p:spPr>
-        <p:txBody>
-          <a:bodyPr wrap="none" rtlCol="0">
-            <a:spAutoFit/>
-          </a:bodyPr>
-          <a:lstStyle/>
-          <a:p>
-            <a:r>
-              <a:rPr lang="en-US" sz="1400" dirty="0">
-                <a:latin typeface="Georgia" panose="02040502050405020303" pitchFamily="18" charset="0"/>
-              </a:rPr>
-              <a:t>Clerk</a:t>
-            </a:r>
-          </a:p>
-        </p:txBody>
-      </p:sp>
-      <p:cxnSp>
-        <p:nvCxnSpPr>
-          <p:cNvPr id="13" name="Straight Arrow Connector 12">
-            <a:extLst>
-              <a:ext uri="{FF2B5EF4-FFF2-40B4-BE49-F238E27FC236}">
-                <a16:creationId xmlns:a16="http://schemas.microsoft.com/office/drawing/2014/main" id="{C92A00A1-D5F3-47EB-A5AB-07025FE787B1}"/>
-              </a:ext>
-            </a:extLst>
-          </p:cNvPr>
-          <p:cNvCxnSpPr>
-            <a:cxnSpLocks/>
-          </p:cNvCxnSpPr>
-          <p:nvPr/>
-        </p:nvCxnSpPr>
-        <p:spPr>
-          <a:xfrm>
-            <a:off x="940676" y="1334813"/>
-            <a:ext cx="1060653" cy="0"/>
-          </a:xfrm>
-          <a:prstGeom prst="straightConnector1">
-            <a:avLst/>
-          </a:prstGeom>
-          <a:ln>
-            <a:headEnd type="none" w="med" len="med"/>
-            <a:tailEnd type="arrow" w="med" len="med"/>
-          </a:ln>
-        </p:spPr>
-        <p:style>
-          <a:lnRef idx="3">
-            <a:schemeClr val="dk1"/>
-          </a:lnRef>
-          <a:fillRef idx="0">
-            <a:schemeClr val="dk1"/>
-          </a:fillRef>
-          <a:effectRef idx="2">
-            <a:schemeClr val="dk1"/>
-          </a:effectRef>
-          <a:fontRef idx="minor">
-            <a:schemeClr val="tx1"/>
-          </a:fontRef>
-        </p:style>
-      </p:cxnSp>
-      <p:sp>
-        <p:nvSpPr>
-          <p:cNvPr id="16" name="Rectangle 15">
-            <a:extLst>
-              <a:ext uri="{FF2B5EF4-FFF2-40B4-BE49-F238E27FC236}">
-                <a16:creationId xmlns:a16="http://schemas.microsoft.com/office/drawing/2014/main" id="{0285C4BD-12F1-4D93-81B0-4B81C5DE0ACF}"/>
+          <p:cNvPr id="48" name="Rectangle 47">
+            <a:extLst>
+              <a:ext uri="{FF2B5EF4-FFF2-40B4-BE49-F238E27FC236}">
+                <a16:creationId xmlns:a16="http://schemas.microsoft.com/office/drawing/2014/main" id="{46108DFB-62EF-44B7-B440-600BBD865A5E}"/>
               </a:ext>
             </a:extLst>
           </p:cNvPr>
@@ -8125,8 +10954,8 @@
         </p:nvSpPr>
         <p:spPr>
           <a:xfrm>
-            <a:off x="4544870" y="1283680"/>
-            <a:ext cx="169057" cy="4391855"/>
+            <a:off x="9298668" y="5156115"/>
+            <a:ext cx="180895" cy="599517"/>
           </a:xfrm>
           <a:prstGeom prst="rect">
             <a:avLst/>
@@ -8167,10 +10996,10 @@
       </p:sp>
       <p:sp>
         <p:nvSpPr>
-          <p:cNvPr id="17" name="TextBox 16">
-            <a:extLst>
-              <a:ext uri="{FF2B5EF4-FFF2-40B4-BE49-F238E27FC236}">
-                <a16:creationId xmlns:a16="http://schemas.microsoft.com/office/drawing/2014/main" id="{5F14A1DD-3841-44CD-81BB-FC50BB190866}"/>
+          <p:cNvPr id="49" name="TextBox 48">
+            <a:extLst>
+              <a:ext uri="{FF2B5EF4-FFF2-40B4-BE49-F238E27FC236}">
+                <a16:creationId xmlns:a16="http://schemas.microsoft.com/office/drawing/2014/main" id="{CF137F01-C4AC-4478-A9F9-D76386020CAB}"/>
               </a:ext>
             </a:extLst>
           </p:cNvPr>
@@ -8179,8 +11008,8 @@
         </p:nvSpPr>
         <p:spPr>
           <a:xfrm>
-            <a:off x="4230088" y="780958"/>
-            <a:ext cx="798617" cy="307777"/>
+            <a:off x="1022388" y="890474"/>
+            <a:ext cx="2501453" cy="2585323"/>
           </a:xfrm>
           <a:prstGeom prst="rect">
             <a:avLst/>
@@ -8188,36 +11017,968 @@
           <a:noFill/>
         </p:spPr>
         <p:txBody>
-          <a:bodyPr wrap="none" rtlCol="0">
+          <a:bodyPr wrap="square" rtlCol="0">
             <a:spAutoFit/>
           </a:bodyPr>
           <a:lstStyle/>
           <a:p>
-            <a:r>
-              <a:rPr lang="en-US" sz="1400" u="sng" dirty="0">
-                <a:latin typeface="Georgia" panose="02040502050405020303" pitchFamily="18" charset="0"/>
-              </a:rPr>
-              <a:t>Theater</a:t>
+            <a:pPr>
+              <a:lnSpc>
+                <a:spcPct val="150000"/>
+              </a:lnSpc>
+            </a:pPr>
+            <a:r>
+              <a:rPr lang="en-US" sz="1200" dirty="0"/>
+              <a:t>Asks for customer’s name</a:t>
+            </a:r>
+          </a:p>
+          <a:p>
+            <a:pPr>
+              <a:lnSpc>
+                <a:spcPct val="150000"/>
+              </a:lnSpc>
+            </a:pPr>
+            <a:r>
+              <a:rPr lang="en-US" sz="1200" dirty="0"/>
+              <a:t>       Enters customer’s name</a:t>
+            </a:r>
+          </a:p>
+          <a:p>
+            <a:pPr>
+              <a:lnSpc>
+                <a:spcPct val="150000"/>
+              </a:lnSpc>
+            </a:pPr>
+            <a:r>
+              <a:rPr lang="en-US" sz="1200" dirty="0"/>
+              <a:t>Asks for customer’s address</a:t>
+            </a:r>
+          </a:p>
+          <a:p>
+            <a:pPr>
+              <a:lnSpc>
+                <a:spcPct val="150000"/>
+              </a:lnSpc>
+            </a:pPr>
+            <a:r>
+              <a:rPr lang="en-US" sz="1200" dirty="0"/>
+              <a:t>      Enters customer’s address</a:t>
+            </a:r>
+          </a:p>
+          <a:p>
+            <a:pPr>
+              <a:lnSpc>
+                <a:spcPct val="150000"/>
+              </a:lnSpc>
+            </a:pPr>
+            <a:r>
+              <a:rPr lang="en-US" sz="1200" dirty="0"/>
+              <a:t>Asks for customer’s phone number</a:t>
+            </a:r>
+          </a:p>
+          <a:p>
+            <a:pPr>
+              <a:lnSpc>
+                <a:spcPct val="150000"/>
+              </a:lnSpc>
+            </a:pPr>
+            <a:r>
+              <a:rPr lang="en-US" sz="1200" dirty="0"/>
+              <a:t>     Enters customer’s phone number</a:t>
+            </a:r>
+          </a:p>
+          <a:p>
+            <a:pPr>
+              <a:lnSpc>
+                <a:spcPct val="150000"/>
+              </a:lnSpc>
+            </a:pPr>
+            <a:r>
+              <a:rPr lang="en-US" sz="1200" dirty="0"/>
+              <a:t>Asks for customer’s credit card number and expiration</a:t>
+            </a:r>
+          </a:p>
+          <a:p>
+            <a:pPr>
+              <a:lnSpc>
+                <a:spcPct val="150000"/>
+              </a:lnSpc>
+            </a:pPr>
+            <a:r>
+              <a:rPr lang="en-US" sz="1200" dirty="0"/>
+              <a:t>    Enters credit card and expiration</a:t>
             </a:r>
           </a:p>
         </p:txBody>
       </p:sp>
       <p:cxnSp>
         <p:nvCxnSpPr>
-          <p:cNvPr id="19" name="Straight Connector 18">
-            <a:extLst>
-              <a:ext uri="{FF2B5EF4-FFF2-40B4-BE49-F238E27FC236}">
-                <a16:creationId xmlns:a16="http://schemas.microsoft.com/office/drawing/2014/main" id="{3145678D-8CB4-4933-BC4C-B105C5495678}"/>
-              </a:ext>
-            </a:extLst>
-          </p:cNvPr>
-          <p:cNvCxnSpPr/>
+          <p:cNvPr id="50" name="Straight Arrow Connector 49">
+            <a:extLst>
+              <a:ext uri="{FF2B5EF4-FFF2-40B4-BE49-F238E27FC236}">
+                <a16:creationId xmlns:a16="http://schemas.microsoft.com/office/drawing/2014/main" id="{43617371-D68F-4854-AB1C-BBEF16331306}"/>
+              </a:ext>
+            </a:extLst>
+          </p:cNvPr>
+          <p:cNvCxnSpPr>
+            <a:cxnSpLocks/>
+          </p:cNvCxnSpPr>
           <p:nvPr/>
         </p:nvCxnSpPr>
         <p:spPr>
           <a:xfrm>
-            <a:off x="2065283" y="6027677"/>
-            <a:ext cx="0" cy="294295"/>
+            <a:off x="1296140" y="2038080"/>
+            <a:ext cx="2035738" cy="0"/>
+          </a:xfrm>
+          <a:prstGeom prst="straightConnector1">
+            <a:avLst/>
+          </a:prstGeom>
+          <a:ln w="9525" cap="flat" cmpd="sng" algn="ctr">
+            <a:solidFill>
+              <a:schemeClr val="dk1"/>
+            </a:solidFill>
+            <a:prstDash val="solid"/>
+            <a:round/>
+            <a:headEnd type="none" w="med" len="med"/>
+            <a:tailEnd type="arrow" w="med" len="med"/>
+          </a:ln>
+        </p:spPr>
+        <p:style>
+          <a:lnRef idx="0">
+            <a:scrgbClr r="0" g="0" b="0"/>
+          </a:lnRef>
+          <a:fillRef idx="0">
+            <a:scrgbClr r="0" g="0" b="0"/>
+          </a:fillRef>
+          <a:effectRef idx="0">
+            <a:scrgbClr r="0" g="0" b="0"/>
+          </a:effectRef>
+          <a:fontRef idx="minor">
+            <a:schemeClr val="tx1"/>
+          </a:fontRef>
+        </p:style>
+      </p:cxnSp>
+      <p:cxnSp>
+        <p:nvCxnSpPr>
+          <p:cNvPr id="51" name="Straight Arrow Connector 50">
+            <a:extLst>
+              <a:ext uri="{FF2B5EF4-FFF2-40B4-BE49-F238E27FC236}">
+                <a16:creationId xmlns:a16="http://schemas.microsoft.com/office/drawing/2014/main" id="{1A03EABC-7A3A-4C45-83C4-53D49DC5E412}"/>
+              </a:ext>
+            </a:extLst>
+          </p:cNvPr>
+          <p:cNvCxnSpPr>
+            <a:cxnSpLocks/>
+          </p:cNvCxnSpPr>
+          <p:nvPr/>
+        </p:nvCxnSpPr>
+        <p:spPr>
+          <a:xfrm>
+            <a:off x="1296140" y="2585405"/>
+            <a:ext cx="2059662" cy="0"/>
+          </a:xfrm>
+          <a:prstGeom prst="straightConnector1">
+            <a:avLst/>
+          </a:prstGeom>
+          <a:ln w="9525" cap="flat" cmpd="sng" algn="ctr">
+            <a:solidFill>
+              <a:schemeClr val="dk1"/>
+            </a:solidFill>
+            <a:prstDash val="solid"/>
+            <a:round/>
+            <a:headEnd type="none" w="med" len="med"/>
+            <a:tailEnd type="arrow" w="med" len="med"/>
+          </a:ln>
+        </p:spPr>
+        <p:style>
+          <a:lnRef idx="0">
+            <a:scrgbClr r="0" g="0" b="0"/>
+          </a:lnRef>
+          <a:fillRef idx="0">
+            <a:scrgbClr r="0" g="0" b="0"/>
+          </a:fillRef>
+          <a:effectRef idx="0">
+            <a:scrgbClr r="0" g="0" b="0"/>
+          </a:effectRef>
+          <a:fontRef idx="minor">
+            <a:schemeClr val="tx1"/>
+          </a:fontRef>
+        </p:style>
+      </p:cxnSp>
+      <p:cxnSp>
+        <p:nvCxnSpPr>
+          <p:cNvPr id="52" name="Straight Arrow Connector 51">
+            <a:extLst>
+              <a:ext uri="{FF2B5EF4-FFF2-40B4-BE49-F238E27FC236}">
+                <a16:creationId xmlns:a16="http://schemas.microsoft.com/office/drawing/2014/main" id="{3EE22B69-B40A-4724-96DC-81FF60984276}"/>
+              </a:ext>
+            </a:extLst>
+          </p:cNvPr>
+          <p:cNvCxnSpPr>
+            <a:cxnSpLocks/>
+          </p:cNvCxnSpPr>
+          <p:nvPr/>
+        </p:nvCxnSpPr>
+        <p:spPr>
+          <a:xfrm flipH="1">
+            <a:off x="962382" y="1178439"/>
+            <a:ext cx="2394360" cy="0"/>
+          </a:xfrm>
+          <a:prstGeom prst="straightConnector1">
+            <a:avLst/>
+          </a:prstGeom>
+          <a:ln>
+            <a:tailEnd type="triangle"/>
+          </a:ln>
+        </p:spPr>
+        <p:style>
+          <a:lnRef idx="1">
+            <a:schemeClr val="dk1"/>
+          </a:lnRef>
+          <a:fillRef idx="0">
+            <a:schemeClr val="dk1"/>
+          </a:fillRef>
+          <a:effectRef idx="0">
+            <a:schemeClr val="dk1"/>
+          </a:effectRef>
+          <a:fontRef idx="minor">
+            <a:schemeClr val="tx1"/>
+          </a:fontRef>
+        </p:style>
+      </p:cxnSp>
+      <p:cxnSp>
+        <p:nvCxnSpPr>
+          <p:cNvPr id="53" name="Straight Arrow Connector 52">
+            <a:extLst>
+              <a:ext uri="{FF2B5EF4-FFF2-40B4-BE49-F238E27FC236}">
+                <a16:creationId xmlns:a16="http://schemas.microsoft.com/office/drawing/2014/main" id="{BEB9013F-4594-4C5C-9D14-C326AB6C6CF9}"/>
+              </a:ext>
+            </a:extLst>
+          </p:cNvPr>
+          <p:cNvCxnSpPr>
+            <a:cxnSpLocks/>
+          </p:cNvCxnSpPr>
+          <p:nvPr/>
+        </p:nvCxnSpPr>
+        <p:spPr>
+          <a:xfrm flipH="1" flipV="1">
+            <a:off x="961546" y="1750530"/>
+            <a:ext cx="2370332" cy="1"/>
+          </a:xfrm>
+          <a:prstGeom prst="straightConnector1">
+            <a:avLst/>
+          </a:prstGeom>
+          <a:ln>
+            <a:tailEnd type="triangle"/>
+          </a:ln>
+        </p:spPr>
+        <p:style>
+          <a:lnRef idx="1">
+            <a:schemeClr val="dk1"/>
+          </a:lnRef>
+          <a:fillRef idx="0">
+            <a:schemeClr val="dk1"/>
+          </a:fillRef>
+          <a:effectRef idx="0">
+            <a:schemeClr val="dk1"/>
+          </a:effectRef>
+          <a:fontRef idx="minor">
+            <a:schemeClr val="tx1"/>
+          </a:fontRef>
+        </p:style>
+      </p:cxnSp>
+      <p:cxnSp>
+        <p:nvCxnSpPr>
+          <p:cNvPr id="54" name="Straight Arrow Connector 53">
+            <a:extLst>
+              <a:ext uri="{FF2B5EF4-FFF2-40B4-BE49-F238E27FC236}">
+                <a16:creationId xmlns:a16="http://schemas.microsoft.com/office/drawing/2014/main" id="{726EFD44-0397-45B5-B312-EBD85EEE3CE5}"/>
+              </a:ext>
+            </a:extLst>
+          </p:cNvPr>
+          <p:cNvCxnSpPr>
+            <a:cxnSpLocks/>
+          </p:cNvCxnSpPr>
+          <p:nvPr/>
+        </p:nvCxnSpPr>
+        <p:spPr>
+          <a:xfrm flipH="1">
+            <a:off x="974396" y="2306545"/>
+            <a:ext cx="2370331" cy="0"/>
+          </a:xfrm>
+          <a:prstGeom prst="straightConnector1">
+            <a:avLst/>
+          </a:prstGeom>
+          <a:ln>
+            <a:tailEnd type="triangle"/>
+          </a:ln>
+        </p:spPr>
+        <p:style>
+          <a:lnRef idx="1">
+            <a:schemeClr val="dk1"/>
+          </a:lnRef>
+          <a:fillRef idx="0">
+            <a:schemeClr val="dk1"/>
+          </a:fillRef>
+          <a:effectRef idx="0">
+            <a:schemeClr val="dk1"/>
+          </a:effectRef>
+          <a:fontRef idx="minor">
+            <a:schemeClr val="tx1"/>
+          </a:fontRef>
+        </p:style>
+      </p:cxnSp>
+      <p:sp>
+        <p:nvSpPr>
+          <p:cNvPr id="55" name="TextBox 54">
+            <a:extLst>
+              <a:ext uri="{FF2B5EF4-FFF2-40B4-BE49-F238E27FC236}">
+                <a16:creationId xmlns:a16="http://schemas.microsoft.com/office/drawing/2014/main" id="{2DB302AB-F616-4DB2-B89B-1AC140F2F723}"/>
+              </a:ext>
+            </a:extLst>
+          </p:cNvPr>
+          <p:cNvSpPr txBox="1"/>
+          <p:nvPr/>
+        </p:nvSpPr>
+        <p:spPr>
+          <a:xfrm>
+            <a:off x="3654451" y="5076885"/>
+            <a:ext cx="2844238" cy="276999"/>
+          </a:xfrm>
+          <a:prstGeom prst="rect">
+            <a:avLst/>
+          </a:prstGeom>
+          <a:noFill/>
+        </p:spPr>
+        <p:txBody>
+          <a:bodyPr wrap="square" rtlCol="0">
+            <a:spAutoFit/>
+          </a:bodyPr>
+          <a:lstStyle/>
+          <a:p>
+            <a:r>
+              <a:rPr lang="en-US" sz="1200" dirty="0" err="1"/>
+              <a:t>addCustomer</a:t>
+            </a:r>
+            <a:r>
+              <a:rPr lang="en-US" sz="1200" dirty="0"/>
+              <a:t>(customer)</a:t>
+            </a:r>
+          </a:p>
+        </p:txBody>
+      </p:sp>
+      <p:sp>
+        <p:nvSpPr>
+          <p:cNvPr id="56" name="TextBox 55">
+            <a:extLst>
+              <a:ext uri="{FF2B5EF4-FFF2-40B4-BE49-F238E27FC236}">
+                <a16:creationId xmlns:a16="http://schemas.microsoft.com/office/drawing/2014/main" id="{5AF76906-94B3-4CD4-9F8A-43A87A28B4EE}"/>
+              </a:ext>
+            </a:extLst>
+          </p:cNvPr>
+          <p:cNvSpPr txBox="1"/>
+          <p:nvPr/>
+        </p:nvSpPr>
+        <p:spPr>
+          <a:xfrm>
+            <a:off x="3657243" y="2981709"/>
+            <a:ext cx="2646830" cy="461665"/>
+          </a:xfrm>
+          <a:prstGeom prst="rect">
+            <a:avLst/>
+          </a:prstGeom>
+          <a:noFill/>
+        </p:spPr>
+        <p:txBody>
+          <a:bodyPr wrap="square" rtlCol="0">
+            <a:spAutoFit/>
+          </a:bodyPr>
+          <a:lstStyle/>
+          <a:p>
+            <a:r>
+              <a:rPr lang="en-US" sz="1200" dirty="0"/>
+              <a:t>Customer(name, address, </a:t>
+            </a:r>
+            <a:r>
+              <a:rPr lang="en-US" sz="1200" dirty="0" err="1"/>
+              <a:t>phoneNumber</a:t>
+            </a:r>
+            <a:r>
+              <a:rPr lang="en-US" sz="1200" dirty="0"/>
+              <a:t>)</a:t>
+            </a:r>
+          </a:p>
+        </p:txBody>
+      </p:sp>
+      <p:sp>
+        <p:nvSpPr>
+          <p:cNvPr id="57" name="TextBox 56">
+            <a:extLst>
+              <a:ext uri="{FF2B5EF4-FFF2-40B4-BE49-F238E27FC236}">
+                <a16:creationId xmlns:a16="http://schemas.microsoft.com/office/drawing/2014/main" id="{8EBD6957-CF3D-457A-880E-7861EE62895D}"/>
+              </a:ext>
+            </a:extLst>
+          </p:cNvPr>
+          <p:cNvSpPr txBox="1"/>
+          <p:nvPr/>
+        </p:nvSpPr>
+        <p:spPr>
+          <a:xfrm>
+            <a:off x="5527397" y="3264494"/>
+            <a:ext cx="1383051" cy="276999"/>
+          </a:xfrm>
+          <a:prstGeom prst="rect">
+            <a:avLst/>
+          </a:prstGeom>
+          <a:noFill/>
+        </p:spPr>
+        <p:txBody>
+          <a:bodyPr wrap="square" rtlCol="0">
+            <a:spAutoFit/>
+          </a:bodyPr>
+          <a:lstStyle/>
+          <a:p>
+            <a:r>
+              <a:rPr lang="en-US" sz="1200" dirty="0"/>
+              <a:t>Unique ID created</a:t>
+            </a:r>
+          </a:p>
+        </p:txBody>
+      </p:sp>
+      <p:cxnSp>
+        <p:nvCxnSpPr>
+          <p:cNvPr id="58" name="Straight Connector 57">
+            <a:extLst>
+              <a:ext uri="{FF2B5EF4-FFF2-40B4-BE49-F238E27FC236}">
+                <a16:creationId xmlns:a16="http://schemas.microsoft.com/office/drawing/2014/main" id="{EF4D9147-A21C-4FA0-858E-61B632A7EEDA}"/>
+              </a:ext>
+            </a:extLst>
+          </p:cNvPr>
+          <p:cNvCxnSpPr>
+            <a:cxnSpLocks/>
+          </p:cNvCxnSpPr>
+          <p:nvPr/>
+        </p:nvCxnSpPr>
+        <p:spPr>
+          <a:xfrm flipV="1">
+            <a:off x="5548272" y="3543569"/>
+            <a:ext cx="439976" cy="4029"/>
+          </a:xfrm>
+          <a:prstGeom prst="line">
+            <a:avLst/>
+          </a:prstGeom>
+        </p:spPr>
+        <p:style>
+          <a:lnRef idx="1">
+            <a:schemeClr val="dk1"/>
+          </a:lnRef>
+          <a:fillRef idx="0">
+            <a:schemeClr val="dk1"/>
+          </a:fillRef>
+          <a:effectRef idx="0">
+            <a:schemeClr val="dk1"/>
+          </a:effectRef>
+          <a:fontRef idx="minor">
+            <a:schemeClr val="tx1"/>
+          </a:fontRef>
+        </p:style>
+      </p:cxnSp>
+      <p:cxnSp>
+        <p:nvCxnSpPr>
+          <p:cNvPr id="59" name="Straight Connector 58">
+            <a:extLst>
+              <a:ext uri="{FF2B5EF4-FFF2-40B4-BE49-F238E27FC236}">
+                <a16:creationId xmlns:a16="http://schemas.microsoft.com/office/drawing/2014/main" id="{EA8CE86A-54F9-4B86-B54F-B2B2902F5BE3}"/>
+              </a:ext>
+            </a:extLst>
+          </p:cNvPr>
+          <p:cNvCxnSpPr>
+            <a:cxnSpLocks/>
+          </p:cNvCxnSpPr>
+          <p:nvPr/>
+        </p:nvCxnSpPr>
+        <p:spPr>
+          <a:xfrm flipV="1">
+            <a:off x="5988248" y="3543569"/>
+            <a:ext cx="0" cy="118252"/>
+          </a:xfrm>
+          <a:prstGeom prst="line">
+            <a:avLst/>
+          </a:prstGeom>
+        </p:spPr>
+        <p:style>
+          <a:lnRef idx="1">
+            <a:schemeClr val="dk1"/>
+          </a:lnRef>
+          <a:fillRef idx="0">
+            <a:schemeClr val="dk1"/>
+          </a:fillRef>
+          <a:effectRef idx="0">
+            <a:schemeClr val="dk1"/>
+          </a:effectRef>
+          <a:fontRef idx="minor">
+            <a:schemeClr val="tx1"/>
+          </a:fontRef>
+        </p:style>
+      </p:cxnSp>
+      <p:cxnSp>
+        <p:nvCxnSpPr>
+          <p:cNvPr id="60" name="Straight Arrow Connector 59">
+            <a:extLst>
+              <a:ext uri="{FF2B5EF4-FFF2-40B4-BE49-F238E27FC236}">
+                <a16:creationId xmlns:a16="http://schemas.microsoft.com/office/drawing/2014/main" id="{720FD75F-91F3-46FF-9186-40F21D918B57}"/>
+              </a:ext>
+            </a:extLst>
+          </p:cNvPr>
+          <p:cNvCxnSpPr>
+            <a:cxnSpLocks/>
+          </p:cNvCxnSpPr>
+          <p:nvPr/>
+        </p:nvCxnSpPr>
+        <p:spPr>
+          <a:xfrm flipH="1" flipV="1">
+            <a:off x="5559410" y="3645927"/>
+            <a:ext cx="428838" cy="2236"/>
+          </a:xfrm>
+          <a:prstGeom prst="straightConnector1">
+            <a:avLst/>
+          </a:prstGeom>
+          <a:ln>
+            <a:tailEnd type="triangle"/>
+          </a:ln>
+        </p:spPr>
+        <p:style>
+          <a:lnRef idx="1">
+            <a:schemeClr val="dk1"/>
+          </a:lnRef>
+          <a:fillRef idx="0">
+            <a:schemeClr val="dk1"/>
+          </a:fillRef>
+          <a:effectRef idx="0">
+            <a:schemeClr val="dk1"/>
+          </a:effectRef>
+          <a:fontRef idx="minor">
+            <a:schemeClr val="tx1"/>
+          </a:fontRef>
+        </p:style>
+      </p:cxnSp>
+      <p:cxnSp>
+        <p:nvCxnSpPr>
+          <p:cNvPr id="61" name="Straight Arrow Connector 60">
+            <a:extLst>
+              <a:ext uri="{FF2B5EF4-FFF2-40B4-BE49-F238E27FC236}">
+                <a16:creationId xmlns:a16="http://schemas.microsoft.com/office/drawing/2014/main" id="{B7CEEE50-A947-4299-B157-D6243B5595AF}"/>
+              </a:ext>
+            </a:extLst>
+          </p:cNvPr>
+          <p:cNvCxnSpPr>
+            <a:cxnSpLocks/>
+          </p:cNvCxnSpPr>
+          <p:nvPr/>
+        </p:nvCxnSpPr>
+        <p:spPr>
+          <a:xfrm flipH="1">
+            <a:off x="3594599" y="3698435"/>
+            <a:ext cx="1771533" cy="0"/>
+          </a:xfrm>
+          <a:prstGeom prst="straightConnector1">
+            <a:avLst/>
+          </a:prstGeom>
+          <a:ln>
+            <a:prstDash val="lgDash"/>
+            <a:tailEnd type="triangle"/>
+          </a:ln>
+        </p:spPr>
+        <p:style>
+          <a:lnRef idx="1">
+            <a:schemeClr val="dk1"/>
+          </a:lnRef>
+          <a:fillRef idx="0">
+            <a:schemeClr val="dk1"/>
+          </a:fillRef>
+          <a:effectRef idx="0">
+            <a:schemeClr val="dk1"/>
+          </a:effectRef>
+          <a:fontRef idx="minor">
+            <a:schemeClr val="tx1"/>
+          </a:fontRef>
+        </p:style>
+      </p:cxnSp>
+      <p:cxnSp>
+        <p:nvCxnSpPr>
+          <p:cNvPr id="62" name="Straight Arrow Connector 61">
+            <a:extLst>
+              <a:ext uri="{FF2B5EF4-FFF2-40B4-BE49-F238E27FC236}">
+                <a16:creationId xmlns:a16="http://schemas.microsoft.com/office/drawing/2014/main" id="{3CE091DA-3271-4D77-BF85-DBC27CB0621C}"/>
+              </a:ext>
+            </a:extLst>
+          </p:cNvPr>
+          <p:cNvCxnSpPr>
+            <a:cxnSpLocks/>
+          </p:cNvCxnSpPr>
+          <p:nvPr/>
+        </p:nvCxnSpPr>
+        <p:spPr>
+          <a:xfrm flipH="1">
+            <a:off x="1207838" y="6441316"/>
+            <a:ext cx="2129669" cy="0"/>
+          </a:xfrm>
+          <a:prstGeom prst="straightConnector1">
+            <a:avLst/>
+          </a:prstGeom>
+          <a:ln>
+            <a:tailEnd type="triangle"/>
+          </a:ln>
+        </p:spPr>
+        <p:style>
+          <a:lnRef idx="1">
+            <a:schemeClr val="dk1"/>
+          </a:lnRef>
+          <a:fillRef idx="0">
+            <a:schemeClr val="dk1"/>
+          </a:fillRef>
+          <a:effectRef idx="0">
+            <a:schemeClr val="dk1"/>
+          </a:effectRef>
+          <a:fontRef idx="minor">
+            <a:schemeClr val="tx1"/>
+          </a:fontRef>
+        </p:style>
+      </p:cxnSp>
+      <p:cxnSp>
+        <p:nvCxnSpPr>
+          <p:cNvPr id="63" name="Straight Arrow Connector 62">
+            <a:extLst>
+              <a:ext uri="{FF2B5EF4-FFF2-40B4-BE49-F238E27FC236}">
+                <a16:creationId xmlns:a16="http://schemas.microsoft.com/office/drawing/2014/main" id="{CFD01EC8-C223-4135-A3CF-CD31FD34E387}"/>
+              </a:ext>
+            </a:extLst>
+          </p:cNvPr>
+          <p:cNvCxnSpPr>
+            <a:cxnSpLocks/>
+          </p:cNvCxnSpPr>
+          <p:nvPr/>
+        </p:nvCxnSpPr>
+        <p:spPr>
+          <a:xfrm>
+            <a:off x="8062532" y="5526309"/>
+            <a:ext cx="1228031" cy="16430"/>
+          </a:xfrm>
+          <a:prstGeom prst="straightConnector1">
+            <a:avLst/>
+          </a:prstGeom>
+          <a:ln>
+            <a:tailEnd type="triangle"/>
+          </a:ln>
+        </p:spPr>
+        <p:style>
+          <a:lnRef idx="1">
+            <a:schemeClr val="dk1"/>
+          </a:lnRef>
+          <a:fillRef idx="0">
+            <a:schemeClr val="dk1"/>
+          </a:fillRef>
+          <a:effectRef idx="0">
+            <a:schemeClr val="dk1"/>
+          </a:effectRef>
+          <a:fontRef idx="minor">
+            <a:schemeClr val="tx1"/>
+          </a:fontRef>
+        </p:style>
+      </p:cxnSp>
+      <p:sp>
+        <p:nvSpPr>
+          <p:cNvPr id="64" name="TextBox 63">
+            <a:extLst>
+              <a:ext uri="{FF2B5EF4-FFF2-40B4-BE49-F238E27FC236}">
+                <a16:creationId xmlns:a16="http://schemas.microsoft.com/office/drawing/2014/main" id="{8940F292-D1D1-4B4F-A799-33728E5404EE}"/>
+              </a:ext>
+            </a:extLst>
+          </p:cNvPr>
+          <p:cNvSpPr txBox="1"/>
+          <p:nvPr/>
+        </p:nvSpPr>
+        <p:spPr>
+          <a:xfrm>
+            <a:off x="8079117" y="5286188"/>
+            <a:ext cx="1517659" cy="276999"/>
+          </a:xfrm>
+          <a:prstGeom prst="rect">
+            <a:avLst/>
+          </a:prstGeom>
+          <a:noFill/>
+        </p:spPr>
+        <p:txBody>
+          <a:bodyPr wrap="square" rtlCol="0">
+            <a:spAutoFit/>
+          </a:bodyPr>
+          <a:lstStyle/>
+          <a:p>
+            <a:r>
+              <a:rPr lang="en-US" sz="1200" dirty="0"/>
+              <a:t>add(customer)</a:t>
+            </a:r>
+          </a:p>
+        </p:txBody>
+      </p:sp>
+      <p:sp>
+        <p:nvSpPr>
+          <p:cNvPr id="65" name="TextBox 64">
+            <a:extLst>
+              <a:ext uri="{FF2B5EF4-FFF2-40B4-BE49-F238E27FC236}">
+                <a16:creationId xmlns:a16="http://schemas.microsoft.com/office/drawing/2014/main" id="{286DBB1D-2B45-4072-B0B3-34CDF7069241}"/>
+              </a:ext>
+            </a:extLst>
+          </p:cNvPr>
+          <p:cNvSpPr txBox="1"/>
+          <p:nvPr/>
+        </p:nvSpPr>
+        <p:spPr>
+          <a:xfrm>
+            <a:off x="4117240" y="3469282"/>
+            <a:ext cx="928245" cy="276999"/>
+          </a:xfrm>
+          <a:prstGeom prst="rect">
+            <a:avLst/>
+          </a:prstGeom>
+          <a:noFill/>
+        </p:spPr>
+        <p:txBody>
+          <a:bodyPr wrap="square" rtlCol="0">
+            <a:spAutoFit/>
+          </a:bodyPr>
+          <a:lstStyle/>
+          <a:p>
+            <a:r>
+              <a:rPr lang="en-US" sz="1200" dirty="0"/>
+              <a:t>customer</a:t>
+            </a:r>
+          </a:p>
+        </p:txBody>
+      </p:sp>
+      <p:sp>
+        <p:nvSpPr>
+          <p:cNvPr id="66" name="TextBox 65">
+            <a:extLst>
+              <a:ext uri="{FF2B5EF4-FFF2-40B4-BE49-F238E27FC236}">
+                <a16:creationId xmlns:a16="http://schemas.microsoft.com/office/drawing/2014/main" id="{78643489-369E-46B8-AC5B-D035C802C813}"/>
+              </a:ext>
+            </a:extLst>
+          </p:cNvPr>
+          <p:cNvSpPr txBox="1"/>
+          <p:nvPr/>
+        </p:nvSpPr>
+        <p:spPr>
+          <a:xfrm>
+            <a:off x="1388302" y="6220354"/>
+            <a:ext cx="1980910" cy="276999"/>
+          </a:xfrm>
+          <a:prstGeom prst="rect">
+            <a:avLst/>
+          </a:prstGeom>
+          <a:noFill/>
+        </p:spPr>
+        <p:txBody>
+          <a:bodyPr wrap="square" rtlCol="0">
+            <a:spAutoFit/>
+          </a:bodyPr>
+          <a:lstStyle/>
+          <a:p>
+            <a:r>
+              <a:rPr lang="en-US" sz="1200" dirty="0"/>
+              <a:t>Customer added successfully</a:t>
+            </a:r>
+          </a:p>
+        </p:txBody>
+      </p:sp>
+      <p:cxnSp>
+        <p:nvCxnSpPr>
+          <p:cNvPr id="43" name="Straight Arrow Connector 42">
+            <a:extLst>
+              <a:ext uri="{FF2B5EF4-FFF2-40B4-BE49-F238E27FC236}">
+                <a16:creationId xmlns:a16="http://schemas.microsoft.com/office/drawing/2014/main" id="{9C6B4C80-A465-4D1E-A8AF-6B954924564A}"/>
+              </a:ext>
+            </a:extLst>
+          </p:cNvPr>
+          <p:cNvCxnSpPr>
+            <a:cxnSpLocks/>
+          </p:cNvCxnSpPr>
+          <p:nvPr/>
+        </p:nvCxnSpPr>
+        <p:spPr>
+          <a:xfrm flipH="1">
+            <a:off x="961547" y="3129185"/>
+            <a:ext cx="2370331" cy="0"/>
+          </a:xfrm>
+          <a:prstGeom prst="straightConnector1">
+            <a:avLst/>
+          </a:prstGeom>
+          <a:ln>
+            <a:tailEnd type="triangle"/>
+          </a:ln>
+        </p:spPr>
+        <p:style>
+          <a:lnRef idx="1">
+            <a:schemeClr val="dk1"/>
+          </a:lnRef>
+          <a:fillRef idx="0">
+            <a:schemeClr val="dk1"/>
+          </a:fillRef>
+          <a:effectRef idx="0">
+            <a:schemeClr val="dk1"/>
+          </a:effectRef>
+          <a:fontRef idx="minor">
+            <a:schemeClr val="tx1"/>
+          </a:fontRef>
+        </p:style>
+      </p:cxnSp>
+      <p:cxnSp>
+        <p:nvCxnSpPr>
+          <p:cNvPr id="67" name="Straight Arrow Connector 66">
+            <a:extLst>
+              <a:ext uri="{FF2B5EF4-FFF2-40B4-BE49-F238E27FC236}">
+                <a16:creationId xmlns:a16="http://schemas.microsoft.com/office/drawing/2014/main" id="{7B8CC22D-E25A-4B13-811C-A607FF248865}"/>
+              </a:ext>
+            </a:extLst>
+          </p:cNvPr>
+          <p:cNvCxnSpPr>
+            <a:cxnSpLocks/>
+          </p:cNvCxnSpPr>
+          <p:nvPr/>
+        </p:nvCxnSpPr>
+        <p:spPr>
+          <a:xfrm>
+            <a:off x="1225115" y="3429000"/>
+            <a:ext cx="2130687" cy="0"/>
+          </a:xfrm>
+          <a:prstGeom prst="straightConnector1">
+            <a:avLst/>
+          </a:prstGeom>
+          <a:ln w="9525" cap="flat" cmpd="sng" algn="ctr">
+            <a:solidFill>
+              <a:schemeClr val="dk1"/>
+            </a:solidFill>
+            <a:prstDash val="solid"/>
+            <a:round/>
+            <a:headEnd type="none" w="med" len="med"/>
+            <a:tailEnd type="arrow" w="med" len="med"/>
+          </a:ln>
+        </p:spPr>
+        <p:style>
+          <a:lnRef idx="0">
+            <a:scrgbClr r="0" g="0" b="0"/>
+          </a:lnRef>
+          <a:fillRef idx="0">
+            <a:scrgbClr r="0" g="0" b="0"/>
+          </a:fillRef>
+          <a:effectRef idx="0">
+            <a:scrgbClr r="0" g="0" b="0"/>
+          </a:effectRef>
+          <a:fontRef idx="minor">
+            <a:schemeClr val="tx1"/>
+          </a:fontRef>
+        </p:style>
+      </p:cxnSp>
+      <p:cxnSp>
+        <p:nvCxnSpPr>
+          <p:cNvPr id="10" name="Straight Arrow Connector 9">
+            <a:extLst>
+              <a:ext uri="{FF2B5EF4-FFF2-40B4-BE49-F238E27FC236}">
+                <a16:creationId xmlns:a16="http://schemas.microsoft.com/office/drawing/2014/main" id="{EEC104F3-2EA8-48B3-AA7F-4971033340A0}"/>
+              </a:ext>
+            </a:extLst>
+          </p:cNvPr>
+          <p:cNvCxnSpPr>
+            <a:cxnSpLocks/>
+          </p:cNvCxnSpPr>
+          <p:nvPr/>
+        </p:nvCxnSpPr>
+        <p:spPr>
+          <a:xfrm>
+            <a:off x="3529339" y="5725871"/>
+            <a:ext cx="4348614" cy="29761"/>
+          </a:xfrm>
+          <a:prstGeom prst="straightConnector1">
+            <a:avLst/>
+          </a:prstGeom>
+          <a:ln>
+            <a:tailEnd type="triangle"/>
+          </a:ln>
+        </p:spPr>
+        <p:style>
+          <a:lnRef idx="1">
+            <a:schemeClr val="dk1"/>
+          </a:lnRef>
+          <a:fillRef idx="0">
+            <a:schemeClr val="dk1"/>
+          </a:fillRef>
+          <a:effectRef idx="0">
+            <a:schemeClr val="dk1"/>
+          </a:effectRef>
+          <a:fontRef idx="minor">
+            <a:schemeClr val="tx1"/>
+          </a:fontRef>
+        </p:style>
+      </p:cxnSp>
+      <p:cxnSp>
+        <p:nvCxnSpPr>
+          <p:cNvPr id="12" name="Straight Arrow Connector 11">
+            <a:extLst>
+              <a:ext uri="{FF2B5EF4-FFF2-40B4-BE49-F238E27FC236}">
+                <a16:creationId xmlns:a16="http://schemas.microsoft.com/office/drawing/2014/main" id="{BA5AB5C3-4194-4D86-A4B4-C36AB8C081C5}"/>
+              </a:ext>
+            </a:extLst>
+          </p:cNvPr>
+          <p:cNvCxnSpPr>
+            <a:cxnSpLocks/>
+          </p:cNvCxnSpPr>
+          <p:nvPr/>
+        </p:nvCxnSpPr>
+        <p:spPr>
+          <a:xfrm>
+            <a:off x="8070637" y="4747322"/>
+            <a:ext cx="2867915" cy="0"/>
+          </a:xfrm>
+          <a:prstGeom prst="straightConnector1">
+            <a:avLst/>
+          </a:prstGeom>
+          <a:ln>
+            <a:tailEnd type="triangle"/>
+          </a:ln>
+        </p:spPr>
+        <p:style>
+          <a:lnRef idx="1">
+            <a:schemeClr val="dk1"/>
+          </a:lnRef>
+          <a:fillRef idx="0">
+            <a:schemeClr val="dk1"/>
+          </a:fillRef>
+          <a:effectRef idx="0">
+            <a:schemeClr val="dk1"/>
+          </a:effectRef>
+          <a:fontRef idx="minor">
+            <a:schemeClr val="tx1"/>
+          </a:fontRef>
+        </p:style>
+      </p:cxnSp>
+      <p:cxnSp>
+        <p:nvCxnSpPr>
+          <p:cNvPr id="68" name="Straight Connector 67">
+            <a:extLst>
+              <a:ext uri="{FF2B5EF4-FFF2-40B4-BE49-F238E27FC236}">
+                <a16:creationId xmlns:a16="http://schemas.microsoft.com/office/drawing/2014/main" id="{26181595-0040-4FA8-9BD0-E57D5EB4875F}"/>
+              </a:ext>
+            </a:extLst>
+          </p:cNvPr>
+          <p:cNvCxnSpPr>
+            <a:cxnSpLocks/>
+          </p:cNvCxnSpPr>
+          <p:nvPr/>
+        </p:nvCxnSpPr>
+        <p:spPr>
+          <a:xfrm flipH="1">
+            <a:off x="6823390" y="1398342"/>
+            <a:ext cx="25210" cy="4876801"/>
           </a:xfrm>
           <a:prstGeom prst="line">
             <a:avLst/>
@@ -8247,219 +12008,12 @@
           </a:fontRef>
         </p:style>
       </p:cxnSp>
-      <p:cxnSp>
-        <p:nvCxnSpPr>
-          <p:cNvPr id="20" name="Straight Connector 19">
-            <a:extLst>
-              <a:ext uri="{FF2B5EF4-FFF2-40B4-BE49-F238E27FC236}">
-                <a16:creationId xmlns:a16="http://schemas.microsoft.com/office/drawing/2014/main" id="{093D5B23-CD8E-4B7F-9953-8B4E721B9BC0}"/>
-              </a:ext>
-            </a:extLst>
-          </p:cNvPr>
-          <p:cNvCxnSpPr>
-            <a:cxnSpLocks/>
-          </p:cNvCxnSpPr>
-          <p:nvPr/>
-        </p:nvCxnSpPr>
-        <p:spPr>
-          <a:xfrm>
-            <a:off x="4619333" y="5675535"/>
-            <a:ext cx="0" cy="646437"/>
-          </a:xfrm>
-          <a:prstGeom prst="line">
-            <a:avLst/>
-          </a:prstGeom>
-          <a:ln w="9525" cap="flat" cmpd="sng" algn="ctr">
-            <a:solidFill>
-              <a:schemeClr val="dk1"/>
-            </a:solidFill>
-            <a:prstDash val="dash"/>
-            <a:round/>
-            <a:headEnd type="none" w="med" len="med"/>
-            <a:tailEnd type="none" w="med" len="med"/>
-          </a:ln>
-        </p:spPr>
-        <p:style>
-          <a:lnRef idx="0">
-            <a:scrgbClr r="0" g="0" b="0"/>
-          </a:lnRef>
-          <a:fillRef idx="0">
-            <a:scrgbClr r="0" g="0" b="0"/>
-          </a:fillRef>
-          <a:effectRef idx="0">
-            <a:scrgbClr r="0" g="0" b="0"/>
-          </a:effectRef>
-          <a:fontRef idx="minor">
-            <a:schemeClr val="tx1"/>
-          </a:fontRef>
-        </p:style>
-      </p:cxnSp>
-      <p:sp>
-        <p:nvSpPr>
-          <p:cNvPr id="2" name="TextBox 1">
-            <a:extLst>
-              <a:ext uri="{FF2B5EF4-FFF2-40B4-BE49-F238E27FC236}">
-                <a16:creationId xmlns:a16="http://schemas.microsoft.com/office/drawing/2014/main" id="{83ADB76A-5987-4181-B4F4-D057D6E6076C}"/>
-              </a:ext>
-            </a:extLst>
-          </p:cNvPr>
-          <p:cNvSpPr txBox="1"/>
-          <p:nvPr/>
-        </p:nvSpPr>
-        <p:spPr>
-          <a:xfrm>
-            <a:off x="619666" y="1021485"/>
-            <a:ext cx="1386918" cy="307777"/>
-          </a:xfrm>
-          <a:prstGeom prst="rect">
-            <a:avLst/>
-          </a:prstGeom>
-          <a:noFill/>
-        </p:spPr>
-        <p:txBody>
-          <a:bodyPr wrap="none" rtlCol="0">
-            <a:spAutoFit/>
-          </a:bodyPr>
-          <a:lstStyle/>
-          <a:p>
-            <a:r>
-              <a:rPr lang="en-US" sz="1400" dirty="0" err="1">
-                <a:latin typeface="Georgia" panose="02040502050405020303" pitchFamily="18" charset="0"/>
-              </a:rPr>
-              <a:t>addCustomer</a:t>
-            </a:r>
-            <a:r>
-              <a:rPr lang="en-US" sz="1400" dirty="0">
-                <a:latin typeface="Georgia" panose="02040502050405020303" pitchFamily="18" charset="0"/>
-              </a:rPr>
-              <a:t>()</a:t>
-            </a:r>
-          </a:p>
-        </p:txBody>
-      </p:sp>
-      <p:cxnSp>
-        <p:nvCxnSpPr>
-          <p:cNvPr id="8" name="Straight Arrow Connector 7">
-            <a:extLst>
-              <a:ext uri="{FF2B5EF4-FFF2-40B4-BE49-F238E27FC236}">
-                <a16:creationId xmlns:a16="http://schemas.microsoft.com/office/drawing/2014/main" id="{654816B3-ADA2-45CA-AA92-3CEADAC81496}"/>
-              </a:ext>
-            </a:extLst>
-          </p:cNvPr>
-          <p:cNvCxnSpPr/>
-          <p:nvPr/>
-        </p:nvCxnSpPr>
-        <p:spPr>
-          <a:xfrm flipH="1">
-            <a:off x="1192696" y="1762318"/>
-            <a:ext cx="808633" cy="0"/>
-          </a:xfrm>
-          <a:prstGeom prst="straightConnector1">
-            <a:avLst/>
-          </a:prstGeom>
-          <a:ln>
-            <a:tailEnd type="triangle"/>
-          </a:ln>
-        </p:spPr>
-        <p:style>
-          <a:lnRef idx="3">
-            <a:schemeClr val="dk1"/>
-          </a:lnRef>
-          <a:fillRef idx="0">
-            <a:schemeClr val="dk1"/>
-          </a:fillRef>
-          <a:effectRef idx="2">
-            <a:schemeClr val="dk1"/>
-          </a:effectRef>
-          <a:fontRef idx="minor">
-            <a:schemeClr val="tx1"/>
-          </a:fontRef>
-        </p:style>
-      </p:cxnSp>
-      <p:sp>
-        <p:nvSpPr>
-          <p:cNvPr id="11" name="TextBox 10">
-            <a:extLst>
-              <a:ext uri="{FF2B5EF4-FFF2-40B4-BE49-F238E27FC236}">
-                <a16:creationId xmlns:a16="http://schemas.microsoft.com/office/drawing/2014/main" id="{86A5E434-3B58-4D8B-959C-D4A1C0D86BD9}"/>
-              </a:ext>
-            </a:extLst>
-          </p:cNvPr>
-          <p:cNvSpPr txBox="1"/>
-          <p:nvPr/>
-        </p:nvSpPr>
-        <p:spPr>
-          <a:xfrm>
-            <a:off x="772935" y="1458236"/>
-            <a:ext cx="1194558" cy="307777"/>
-          </a:xfrm>
-          <a:prstGeom prst="rect">
-            <a:avLst/>
-          </a:prstGeom>
-          <a:noFill/>
-        </p:spPr>
-        <p:txBody>
-          <a:bodyPr wrap="none" rtlCol="0">
-            <a:spAutoFit/>
-          </a:bodyPr>
-          <a:lstStyle/>
-          <a:p>
-            <a:r>
-              <a:rPr lang="en-US" sz="1400" dirty="0">
-                <a:latin typeface="Georgia" panose="02040502050405020303" pitchFamily="18" charset="0"/>
-              </a:rPr>
-              <a:t>Data request</a:t>
-            </a:r>
-          </a:p>
-        </p:txBody>
-      </p:sp>
-      <p:cxnSp>
-        <p:nvCxnSpPr>
-          <p:cNvPr id="18" name="Straight Arrow Connector 17">
-            <a:extLst>
-              <a:ext uri="{FF2B5EF4-FFF2-40B4-BE49-F238E27FC236}">
-                <a16:creationId xmlns:a16="http://schemas.microsoft.com/office/drawing/2014/main" id="{EAFACEE2-E314-4550-BBFD-230E356FE298}"/>
-              </a:ext>
-            </a:extLst>
-          </p:cNvPr>
-          <p:cNvCxnSpPr>
-            <a:cxnSpLocks/>
-          </p:cNvCxnSpPr>
-          <p:nvPr/>
-        </p:nvCxnSpPr>
-        <p:spPr>
-          <a:xfrm>
-            <a:off x="1323259" y="2704106"/>
-            <a:ext cx="661152" cy="5012"/>
-          </a:xfrm>
-          <a:prstGeom prst="straightConnector1">
-            <a:avLst/>
-          </a:prstGeom>
-          <a:ln>
-            <a:tailEnd type="triangle"/>
-          </a:ln>
-        </p:spPr>
-        <p:style>
-          <a:lnRef idx="3">
-            <a:schemeClr val="dk1"/>
-          </a:lnRef>
-          <a:fillRef idx="0">
-            <a:schemeClr val="dk1"/>
-          </a:fillRef>
-          <a:effectRef idx="2">
-            <a:schemeClr val="dk1"/>
-          </a:effectRef>
-          <a:fontRef idx="minor">
-            <a:schemeClr val="tx1"/>
-          </a:fontRef>
-        </p:style>
-      </p:cxnSp>
-      <p:sp>
-        <p:nvSpPr>
-          <p:cNvPr id="22" name="Rectangle 21">
-            <a:extLst>
-              <a:ext uri="{FF2B5EF4-FFF2-40B4-BE49-F238E27FC236}">
-                <a16:creationId xmlns:a16="http://schemas.microsoft.com/office/drawing/2014/main" id="{769DC167-AA6B-409A-9AAF-269A530FDA02}"/>
+      <p:sp>
+        <p:nvSpPr>
+          <p:cNvPr id="37" name="Rectangle 36">
+            <a:extLst>
+              <a:ext uri="{FF2B5EF4-FFF2-40B4-BE49-F238E27FC236}">
+                <a16:creationId xmlns:a16="http://schemas.microsoft.com/office/drawing/2014/main" id="{34A5E970-8053-4390-AA03-2983C9EF4A50}"/>
               </a:ext>
             </a:extLst>
           </p:cNvPr>
@@ -8468,8 +12022,8 @@
         </p:nvSpPr>
         <p:spPr>
           <a:xfrm>
-            <a:off x="7393545" y="2030837"/>
-            <a:ext cx="169057" cy="2470208"/>
+            <a:off x="7877952" y="4523590"/>
+            <a:ext cx="200685" cy="1556322"/>
           </a:xfrm>
           <a:prstGeom prst="rect">
             <a:avLst/>
@@ -8510,10 +12064,10 @@
       </p:sp>
       <p:sp>
         <p:nvSpPr>
-          <p:cNvPr id="23" name="TextBox 22">
-            <a:extLst>
-              <a:ext uri="{FF2B5EF4-FFF2-40B4-BE49-F238E27FC236}">
-                <a16:creationId xmlns:a16="http://schemas.microsoft.com/office/drawing/2014/main" id="{A6A25776-FBD0-435F-BA0D-F7BEEC3A4013}"/>
+          <p:cNvPr id="24" name="TextBox 23">
+            <a:extLst>
+              <a:ext uri="{FF2B5EF4-FFF2-40B4-BE49-F238E27FC236}">
+                <a16:creationId xmlns:a16="http://schemas.microsoft.com/office/drawing/2014/main" id="{2EEA26E9-3771-4F28-919C-28314DD19B12}"/>
               </a:ext>
             </a:extLst>
           </p:cNvPr>
@@ -8522,8 +12076,8 @@
         </p:nvSpPr>
         <p:spPr>
           <a:xfrm>
-            <a:off x="9612137" y="762789"/>
-            <a:ext cx="1258678" cy="307777"/>
+            <a:off x="6393638" y="654768"/>
+            <a:ext cx="1038664" cy="307777"/>
           </a:xfrm>
           <a:prstGeom prst="rect">
             <a:avLst/>
@@ -8531,29 +12085,25 @@
           <a:noFill/>
         </p:spPr>
         <p:txBody>
-          <a:bodyPr wrap="none" rtlCol="0">
+          <a:bodyPr wrap="square" rtlCol="0">
             <a:spAutoFit/>
           </a:bodyPr>
           <a:lstStyle/>
           <a:p>
             <a:r>
-              <a:rPr lang="en-US" sz="1400" u="sng" dirty="0" err="1">
-                <a:latin typeface="Georgia" panose="02040502050405020303" pitchFamily="18" charset="0"/>
-              </a:rPr>
-              <a:t>CustomerList</a:t>
-            </a:r>
-            <a:endParaRPr lang="en-US" sz="1400" u="sng" dirty="0">
-              <a:latin typeface="Georgia" panose="02040502050405020303" pitchFamily="18" charset="0"/>
-            </a:endParaRPr>
-          </a:p>
-        </p:txBody>
-      </p:sp>
-      <p:sp>
-        <p:nvSpPr>
-          <p:cNvPr id="24" name="Rectangle 23">
-            <a:extLst>
-              <a:ext uri="{FF2B5EF4-FFF2-40B4-BE49-F238E27FC236}">
-                <a16:creationId xmlns:a16="http://schemas.microsoft.com/office/drawing/2014/main" id="{5090F218-6A7D-41BE-9401-6E5F23793C90}"/>
+              <a:rPr lang="en-US" sz="1400" u="sng" dirty="0" err="1"/>
+              <a:t>CreditCard</a:t>
+            </a:r>
+            <a:endParaRPr lang="en-US" sz="1400" u="sng" dirty="0"/>
+          </a:p>
+        </p:txBody>
+      </p:sp>
+      <p:sp>
+        <p:nvSpPr>
+          <p:cNvPr id="69" name="Rectangle 68">
+            <a:extLst>
+              <a:ext uri="{FF2B5EF4-FFF2-40B4-BE49-F238E27FC236}">
+                <a16:creationId xmlns:a16="http://schemas.microsoft.com/office/drawing/2014/main" id="{CE908157-D886-4C7C-B4AF-872D46F6857C}"/>
               </a:ext>
             </a:extLst>
           </p:cNvPr>
@@ -8562,8 +12112,8 @@
         </p:nvSpPr>
         <p:spPr>
           <a:xfrm>
-            <a:off x="10190671" y="2869039"/>
-            <a:ext cx="169058" cy="2160059"/>
+            <a:off x="6752235" y="3689462"/>
+            <a:ext cx="158205" cy="834127"/>
           </a:xfrm>
           <a:prstGeom prst="rect">
             <a:avLst/>
@@ -8604,10 +12154,10 @@
       </p:sp>
       <p:cxnSp>
         <p:nvCxnSpPr>
-          <p:cNvPr id="25" name="Straight Connector 24">
-            <a:extLst>
-              <a:ext uri="{FF2B5EF4-FFF2-40B4-BE49-F238E27FC236}">
-                <a16:creationId xmlns:a16="http://schemas.microsoft.com/office/drawing/2014/main" id="{FAE76E5D-6C63-4C1C-9724-2570B479D5CE}"/>
+          <p:cNvPr id="70" name="Straight Arrow Connector 69">
+            <a:extLst>
+              <a:ext uri="{FF2B5EF4-FFF2-40B4-BE49-F238E27FC236}">
+                <a16:creationId xmlns:a16="http://schemas.microsoft.com/office/drawing/2014/main" id="{5208BDDF-7117-4B97-BB59-41E02ECF8F17}"/>
               </a:ext>
             </a:extLst>
           </p:cNvPr>
@@ -8618,8 +12168,282 @@
         </p:nvCxnSpPr>
         <p:spPr>
           <a:xfrm>
-            <a:off x="7462652" y="1214741"/>
-            <a:ext cx="0" cy="816096"/>
+            <a:off x="3529339" y="4080481"/>
+            <a:ext cx="3161048" cy="0"/>
+          </a:xfrm>
+          <a:prstGeom prst="straightConnector1">
+            <a:avLst/>
+          </a:prstGeom>
+          <a:ln>
+            <a:tailEnd type="triangle"/>
+          </a:ln>
+        </p:spPr>
+        <p:style>
+          <a:lnRef idx="1">
+            <a:schemeClr val="dk1"/>
+          </a:lnRef>
+          <a:fillRef idx="0">
+            <a:schemeClr val="dk1"/>
+          </a:fillRef>
+          <a:effectRef idx="0">
+            <a:schemeClr val="dk1"/>
+          </a:effectRef>
+          <a:fontRef idx="minor">
+            <a:schemeClr val="tx1"/>
+          </a:fontRef>
+        </p:style>
+      </p:cxnSp>
+      <p:sp>
+        <p:nvSpPr>
+          <p:cNvPr id="28" name="TextBox 27">
+            <a:extLst>
+              <a:ext uri="{FF2B5EF4-FFF2-40B4-BE49-F238E27FC236}">
+                <a16:creationId xmlns:a16="http://schemas.microsoft.com/office/drawing/2014/main" id="{FF5808F4-CCAF-42B3-B920-2B4D19562BB7}"/>
+              </a:ext>
+            </a:extLst>
+          </p:cNvPr>
+          <p:cNvSpPr txBox="1"/>
+          <p:nvPr/>
+        </p:nvSpPr>
+        <p:spPr>
+          <a:xfrm>
+            <a:off x="3599866" y="3864840"/>
+            <a:ext cx="2139055" cy="276999"/>
+          </a:xfrm>
+          <a:prstGeom prst="rect">
+            <a:avLst/>
+          </a:prstGeom>
+          <a:noFill/>
+        </p:spPr>
+        <p:txBody>
+          <a:bodyPr wrap="square" rtlCol="0">
+            <a:spAutoFit/>
+          </a:bodyPr>
+          <a:lstStyle/>
+          <a:p>
+            <a:r>
+              <a:rPr lang="en-US" sz="1200" dirty="0" err="1"/>
+              <a:t>CreditCard</a:t>
+            </a:r>
+            <a:r>
+              <a:rPr lang="en-US" sz="1200" dirty="0"/>
+              <a:t>(number, expiration)</a:t>
+            </a:r>
+          </a:p>
+        </p:txBody>
+      </p:sp>
+      <p:cxnSp>
+        <p:nvCxnSpPr>
+          <p:cNvPr id="71" name="Straight Arrow Connector 70">
+            <a:extLst>
+              <a:ext uri="{FF2B5EF4-FFF2-40B4-BE49-F238E27FC236}">
+                <a16:creationId xmlns:a16="http://schemas.microsoft.com/office/drawing/2014/main" id="{99BCC95B-A895-4D1D-A5FF-FFB32837CA48}"/>
+              </a:ext>
+            </a:extLst>
+          </p:cNvPr>
+          <p:cNvCxnSpPr>
+            <a:cxnSpLocks/>
+          </p:cNvCxnSpPr>
+          <p:nvPr/>
+        </p:nvCxnSpPr>
+        <p:spPr>
+          <a:xfrm flipH="1">
+            <a:off x="3520247" y="4237826"/>
+            <a:ext cx="3231988" cy="8704"/>
+          </a:xfrm>
+          <a:prstGeom prst="straightConnector1">
+            <a:avLst/>
+          </a:prstGeom>
+          <a:ln>
+            <a:prstDash val="lgDash"/>
+            <a:tailEnd type="triangle"/>
+          </a:ln>
+        </p:spPr>
+        <p:style>
+          <a:lnRef idx="1">
+            <a:schemeClr val="dk1"/>
+          </a:lnRef>
+          <a:fillRef idx="0">
+            <a:schemeClr val="dk1"/>
+          </a:fillRef>
+          <a:effectRef idx="0">
+            <a:schemeClr val="dk1"/>
+          </a:effectRef>
+          <a:fontRef idx="minor">
+            <a:schemeClr val="tx1"/>
+          </a:fontRef>
+        </p:style>
+      </p:cxnSp>
+      <p:sp>
+        <p:nvSpPr>
+          <p:cNvPr id="72" name="TextBox 71">
+            <a:extLst>
+              <a:ext uri="{FF2B5EF4-FFF2-40B4-BE49-F238E27FC236}">
+                <a16:creationId xmlns:a16="http://schemas.microsoft.com/office/drawing/2014/main" id="{84F430F4-6500-40F0-8251-46EBD7763E19}"/>
+              </a:ext>
+            </a:extLst>
+          </p:cNvPr>
+          <p:cNvSpPr txBox="1"/>
+          <p:nvPr/>
+        </p:nvSpPr>
+        <p:spPr>
+          <a:xfrm>
+            <a:off x="5563892" y="4010705"/>
+            <a:ext cx="1819446" cy="276999"/>
+          </a:xfrm>
+          <a:prstGeom prst="rect">
+            <a:avLst/>
+          </a:prstGeom>
+          <a:noFill/>
+        </p:spPr>
+        <p:txBody>
+          <a:bodyPr wrap="square" rtlCol="0">
+            <a:spAutoFit/>
+          </a:bodyPr>
+          <a:lstStyle/>
+          <a:p>
+            <a:r>
+              <a:rPr lang="en-US" sz="1200" dirty="0" err="1"/>
+              <a:t>CreditCard</a:t>
+            </a:r>
+            <a:endParaRPr lang="en-US" sz="1200" dirty="0"/>
+          </a:p>
+        </p:txBody>
+      </p:sp>
+      <p:cxnSp>
+        <p:nvCxnSpPr>
+          <p:cNvPr id="73" name="Straight Arrow Connector 72">
+            <a:extLst>
+              <a:ext uri="{FF2B5EF4-FFF2-40B4-BE49-F238E27FC236}">
+                <a16:creationId xmlns:a16="http://schemas.microsoft.com/office/drawing/2014/main" id="{434BD9FF-3DCC-4B84-B74E-A47397EB7375}"/>
+              </a:ext>
+            </a:extLst>
+          </p:cNvPr>
+          <p:cNvCxnSpPr>
+            <a:cxnSpLocks/>
+          </p:cNvCxnSpPr>
+          <p:nvPr/>
+        </p:nvCxnSpPr>
+        <p:spPr>
+          <a:xfrm>
+            <a:off x="3548931" y="4601681"/>
+            <a:ext cx="4321057" cy="0"/>
+          </a:xfrm>
+          <a:prstGeom prst="straightConnector1">
+            <a:avLst/>
+          </a:prstGeom>
+          <a:ln>
+            <a:tailEnd type="triangle"/>
+          </a:ln>
+        </p:spPr>
+        <p:style>
+          <a:lnRef idx="1">
+            <a:schemeClr val="dk1"/>
+          </a:lnRef>
+          <a:fillRef idx="0">
+            <a:schemeClr val="dk1"/>
+          </a:fillRef>
+          <a:effectRef idx="0">
+            <a:schemeClr val="dk1"/>
+          </a:effectRef>
+          <a:fontRef idx="minor">
+            <a:schemeClr val="tx1"/>
+          </a:fontRef>
+        </p:style>
+      </p:cxnSp>
+      <p:sp>
+        <p:nvSpPr>
+          <p:cNvPr id="75" name="TextBox 74">
+            <a:extLst>
+              <a:ext uri="{FF2B5EF4-FFF2-40B4-BE49-F238E27FC236}">
+                <a16:creationId xmlns:a16="http://schemas.microsoft.com/office/drawing/2014/main" id="{3F13B683-6A1A-4F93-BE27-698F62CCED59}"/>
+              </a:ext>
+            </a:extLst>
+          </p:cNvPr>
+          <p:cNvSpPr txBox="1"/>
+          <p:nvPr/>
+        </p:nvSpPr>
+        <p:spPr>
+          <a:xfrm>
+            <a:off x="3708438" y="4327489"/>
+            <a:ext cx="2600276" cy="276999"/>
+          </a:xfrm>
+          <a:prstGeom prst="rect">
+            <a:avLst/>
+          </a:prstGeom>
+          <a:noFill/>
+        </p:spPr>
+        <p:txBody>
+          <a:bodyPr wrap="square" rtlCol="0">
+            <a:spAutoFit/>
+          </a:bodyPr>
+          <a:lstStyle/>
+          <a:p>
+            <a:r>
+              <a:rPr lang="en-US" sz="1200" dirty="0" err="1"/>
+              <a:t>getCustomerCreditCard</a:t>
+            </a:r>
+            <a:r>
+              <a:rPr lang="en-US" sz="1200" dirty="0"/>
+              <a:t>(number)</a:t>
+            </a:r>
+          </a:p>
+        </p:txBody>
+      </p:sp>
+      <p:sp>
+        <p:nvSpPr>
+          <p:cNvPr id="79" name="TextBox 78">
+            <a:extLst>
+              <a:ext uri="{FF2B5EF4-FFF2-40B4-BE49-F238E27FC236}">
+                <a16:creationId xmlns:a16="http://schemas.microsoft.com/office/drawing/2014/main" id="{AAACEDC0-CDBA-489A-AF88-F0BF8D1F722C}"/>
+              </a:ext>
+            </a:extLst>
+          </p:cNvPr>
+          <p:cNvSpPr txBox="1"/>
+          <p:nvPr/>
+        </p:nvSpPr>
+        <p:spPr>
+          <a:xfrm>
+            <a:off x="10447911" y="700616"/>
+            <a:ext cx="1211807" cy="307777"/>
+          </a:xfrm>
+          <a:prstGeom prst="rect">
+            <a:avLst/>
+          </a:prstGeom>
+          <a:noFill/>
+        </p:spPr>
+        <p:txBody>
+          <a:bodyPr wrap="none" rtlCol="0">
+            <a:spAutoFit/>
+          </a:bodyPr>
+          <a:lstStyle/>
+          <a:p>
+            <a:r>
+              <a:rPr lang="en-US" sz="1400" u="sng" dirty="0" err="1"/>
+              <a:t>CreditCardList</a:t>
+            </a:r>
+            <a:endParaRPr lang="en-US" sz="1400" u="sng" dirty="0"/>
+          </a:p>
+        </p:txBody>
+      </p:sp>
+      <p:cxnSp>
+        <p:nvCxnSpPr>
+          <p:cNvPr id="80" name="Straight Connector 79">
+            <a:extLst>
+              <a:ext uri="{FF2B5EF4-FFF2-40B4-BE49-F238E27FC236}">
+                <a16:creationId xmlns:a16="http://schemas.microsoft.com/office/drawing/2014/main" id="{3EA57F4B-B0FF-4C43-9703-ED639AE13859}"/>
+              </a:ext>
+            </a:extLst>
+          </p:cNvPr>
+          <p:cNvCxnSpPr>
+            <a:cxnSpLocks/>
+          </p:cNvCxnSpPr>
+          <p:nvPr/>
+        </p:nvCxnSpPr>
+        <p:spPr>
+          <a:xfrm flipH="1">
+            <a:off x="11017490" y="1407203"/>
+            <a:ext cx="1" cy="4827579"/>
           </a:xfrm>
           <a:prstGeom prst="line">
             <a:avLst/>
@@ -8649,12 +12473,104 @@
           </a:fontRef>
         </p:style>
       </p:cxnSp>
+      <p:sp>
+        <p:nvSpPr>
+          <p:cNvPr id="81" name="Rectangle 80">
+            <a:extLst>
+              <a:ext uri="{FF2B5EF4-FFF2-40B4-BE49-F238E27FC236}">
+                <a16:creationId xmlns:a16="http://schemas.microsoft.com/office/drawing/2014/main" id="{DD25CCBA-5A67-4E5A-8FBD-F7D316F508F3}"/>
+              </a:ext>
+            </a:extLst>
+          </p:cNvPr>
+          <p:cNvSpPr/>
+          <p:nvPr/>
+        </p:nvSpPr>
+        <p:spPr>
+          <a:xfrm>
+            <a:off x="10938553" y="4706671"/>
+            <a:ext cx="180894" cy="1437597"/>
+          </a:xfrm>
+          <a:prstGeom prst="rect">
+            <a:avLst/>
+          </a:prstGeom>
+          <a:solidFill>
+            <a:schemeClr val="bg2"/>
+          </a:solidFill>
+          <a:ln>
+            <a:solidFill>
+              <a:schemeClr val="tx1"/>
+            </a:solidFill>
+          </a:ln>
+        </p:spPr>
+        <p:style>
+          <a:lnRef idx="2">
+            <a:schemeClr val="accent1">
+              <a:shade val="50000"/>
+            </a:schemeClr>
+          </a:lnRef>
+          <a:fillRef idx="1">
+            <a:schemeClr val="accent1"/>
+          </a:fillRef>
+          <a:effectRef idx="0">
+            <a:schemeClr val="accent1"/>
+          </a:effectRef>
+          <a:fontRef idx="minor">
+            <a:schemeClr val="lt1"/>
+          </a:fontRef>
+        </p:style>
+        <p:txBody>
+          <a:bodyPr rtlCol="0" anchor="ctr"/>
+          <a:lstStyle/>
+          <a:p>
+            <a:pPr algn="ctr"/>
+            <a:endParaRPr lang="en-US"/>
+          </a:p>
+        </p:txBody>
+      </p:sp>
+      <p:sp>
+        <p:nvSpPr>
+          <p:cNvPr id="83" name="Rectangle 82">
+            <a:extLst>
+              <a:ext uri="{FF2B5EF4-FFF2-40B4-BE49-F238E27FC236}">
+                <a16:creationId xmlns:a16="http://schemas.microsoft.com/office/drawing/2014/main" id="{A8F5833E-3A5A-467C-9849-7BD5B08FB7BE}"/>
+              </a:ext>
+            </a:extLst>
+          </p:cNvPr>
+          <p:cNvSpPr/>
+          <p:nvPr/>
+        </p:nvSpPr>
+        <p:spPr>
+          <a:xfrm>
+            <a:off x="8313509" y="4489187"/>
+            <a:ext cx="2238241" cy="276999"/>
+          </a:xfrm>
+          <a:prstGeom prst="rect">
+            <a:avLst/>
+          </a:prstGeom>
+        </p:spPr>
+        <p:txBody>
+          <a:bodyPr wrap="none">
+            <a:spAutoFit/>
+          </a:bodyPr>
+          <a:lstStyle/>
+          <a:p>
+            <a:r>
+              <a:rPr lang="en-US" sz="1200" dirty="0" err="1"/>
+              <a:t>getCustomerCreditCard</a:t>
+            </a:r>
+            <a:r>
+              <a:rPr lang="en-US" sz="1200" dirty="0"/>
+              <a:t>(number)</a:t>
+            </a:r>
+          </a:p>
+        </p:txBody>
+      </p:sp>
       <p:cxnSp>
         <p:nvCxnSpPr>
-          <p:cNvPr id="26" name="Straight Connector 25">
-            <a:extLst>
-              <a:ext uri="{FF2B5EF4-FFF2-40B4-BE49-F238E27FC236}">
-                <a16:creationId xmlns:a16="http://schemas.microsoft.com/office/drawing/2014/main" id="{B81124A9-4D58-4417-BF4F-1D1A2A2E44FF}"/>
+          <p:cNvPr id="84" name="Straight Arrow Connector 83">
+            <a:extLst>
+              <a:ext uri="{FF2B5EF4-FFF2-40B4-BE49-F238E27FC236}">
+                <a16:creationId xmlns:a16="http://schemas.microsoft.com/office/drawing/2014/main" id="{4329EDAC-0D0F-422A-BAB9-A9660FE2F035}"/>
               </a:ext>
             </a:extLst>
           </p:cNvPr>
@@ -8664,128 +12580,188 @@
           <p:nvPr/>
         </p:nvCxnSpPr>
         <p:spPr>
-          <a:xfrm>
-            <a:off x="7495451" y="4542501"/>
-            <a:ext cx="45175" cy="1827308"/>
-          </a:xfrm>
-          <a:prstGeom prst="line">
-            <a:avLst/>
-          </a:prstGeom>
-          <a:ln w="9525" cap="flat" cmpd="sng" algn="ctr">
-            <a:solidFill>
-              <a:schemeClr val="dk1"/>
-            </a:solidFill>
-            <a:prstDash val="dash"/>
-            <a:round/>
-            <a:headEnd type="none" w="med" len="med"/>
-            <a:tailEnd type="none" w="med" len="med"/>
+          <a:xfrm flipH="1" flipV="1">
+            <a:off x="8051810" y="4943597"/>
+            <a:ext cx="2847276" cy="13114"/>
+          </a:xfrm>
+          <a:prstGeom prst="straightConnector1">
+            <a:avLst/>
+          </a:prstGeom>
+          <a:ln>
+            <a:prstDash val="lgDash"/>
+            <a:tailEnd type="triangle"/>
           </a:ln>
         </p:spPr>
         <p:style>
-          <a:lnRef idx="0">
-            <a:scrgbClr r="0" g="0" b="0"/>
+          <a:lnRef idx="1">
+            <a:schemeClr val="dk1"/>
           </a:lnRef>
           <a:fillRef idx="0">
-            <a:scrgbClr r="0" g="0" b="0"/>
+            <a:schemeClr val="dk1"/>
           </a:fillRef>
           <a:effectRef idx="0">
-            <a:scrgbClr r="0" g="0" b="0"/>
+            <a:schemeClr val="dk1"/>
           </a:effectRef>
           <a:fontRef idx="minor">
             <a:schemeClr val="tx1"/>
           </a:fontRef>
         </p:style>
       </p:cxnSp>
+      <p:sp>
+        <p:nvSpPr>
+          <p:cNvPr id="89" name="TextBox 88">
+            <a:extLst>
+              <a:ext uri="{FF2B5EF4-FFF2-40B4-BE49-F238E27FC236}">
+                <a16:creationId xmlns:a16="http://schemas.microsoft.com/office/drawing/2014/main" id="{A3BFD25E-A3DD-4221-8F2F-E8E46E8C4560}"/>
+              </a:ext>
+            </a:extLst>
+          </p:cNvPr>
+          <p:cNvSpPr txBox="1"/>
+          <p:nvPr/>
+        </p:nvSpPr>
+        <p:spPr>
+          <a:xfrm>
+            <a:off x="9475448" y="4705518"/>
+            <a:ext cx="2038175" cy="276999"/>
+          </a:xfrm>
+          <a:prstGeom prst="rect">
+            <a:avLst/>
+          </a:prstGeom>
+          <a:noFill/>
+        </p:spPr>
+        <p:txBody>
+          <a:bodyPr wrap="square" rtlCol="0">
+            <a:spAutoFit/>
+          </a:bodyPr>
+          <a:lstStyle/>
+          <a:p>
+            <a:r>
+              <a:rPr lang="en-US" sz="1200" dirty="0" err="1"/>
+              <a:t>creditCard</a:t>
+            </a:r>
+            <a:r>
+              <a:rPr lang="en-US" sz="1200" dirty="0"/>
+              <a:t> or null</a:t>
+            </a:r>
+          </a:p>
+        </p:txBody>
+      </p:sp>
       <p:cxnSp>
         <p:nvCxnSpPr>
-          <p:cNvPr id="27" name="Straight Connector 26">
-            <a:extLst>
-              <a:ext uri="{FF2B5EF4-FFF2-40B4-BE49-F238E27FC236}">
-                <a16:creationId xmlns:a16="http://schemas.microsoft.com/office/drawing/2014/main" id="{969FB2FF-FA42-4C20-8466-B2BA1E996FFF}"/>
+          <p:cNvPr id="90" name="Straight Arrow Connector 89">
+            <a:extLst>
+              <a:ext uri="{FF2B5EF4-FFF2-40B4-BE49-F238E27FC236}">
+                <a16:creationId xmlns:a16="http://schemas.microsoft.com/office/drawing/2014/main" id="{F262E25D-74EF-4B1A-9109-CF0D618E5DA3}"/>
               </a:ext>
             </a:extLst>
           </p:cNvPr>
           <p:cNvCxnSpPr>
             <a:cxnSpLocks/>
-            <a:endCxn id="24" idx="0"/>
           </p:cNvCxnSpPr>
           <p:nvPr/>
         </p:nvCxnSpPr>
         <p:spPr>
           <a:xfrm flipH="1">
-            <a:off x="10275200" y="1114021"/>
-            <a:ext cx="2" cy="1755018"/>
-          </a:xfrm>
-          <a:prstGeom prst="line">
-            <a:avLst/>
-          </a:prstGeom>
-          <a:ln w="9525" cap="flat" cmpd="sng" algn="ctr">
-            <a:solidFill>
-              <a:schemeClr val="dk1"/>
-            </a:solidFill>
-            <a:prstDash val="dash"/>
-            <a:round/>
-            <a:headEnd type="none" w="med" len="med"/>
-            <a:tailEnd type="none" w="med" len="med"/>
+            <a:off x="3559712" y="5052591"/>
+            <a:ext cx="4288296" cy="0"/>
+          </a:xfrm>
+          <a:prstGeom prst="straightConnector1">
+            <a:avLst/>
+          </a:prstGeom>
+          <a:ln>
+            <a:prstDash val="lgDash"/>
+            <a:tailEnd type="triangle"/>
           </a:ln>
         </p:spPr>
         <p:style>
-          <a:lnRef idx="0">
-            <a:scrgbClr r="0" g="0" b="0"/>
+          <a:lnRef idx="1">
+            <a:schemeClr val="dk1"/>
           </a:lnRef>
           <a:fillRef idx="0">
-            <a:scrgbClr r="0" g="0" b="0"/>
+            <a:schemeClr val="dk1"/>
           </a:fillRef>
           <a:effectRef idx="0">
-            <a:scrgbClr r="0" g="0" b="0"/>
+            <a:schemeClr val="dk1"/>
           </a:effectRef>
           <a:fontRef idx="minor">
             <a:schemeClr val="tx1"/>
           </a:fontRef>
         </p:style>
       </p:cxnSp>
+      <p:sp>
+        <p:nvSpPr>
+          <p:cNvPr id="93" name="TextBox 92">
+            <a:extLst>
+              <a:ext uri="{FF2B5EF4-FFF2-40B4-BE49-F238E27FC236}">
+                <a16:creationId xmlns:a16="http://schemas.microsoft.com/office/drawing/2014/main" id="{D2B438E0-8A51-4329-9477-BE410C6BC3F9}"/>
+              </a:ext>
+            </a:extLst>
+          </p:cNvPr>
+          <p:cNvSpPr txBox="1"/>
+          <p:nvPr/>
+        </p:nvSpPr>
+        <p:spPr>
+          <a:xfrm>
+            <a:off x="5508769" y="4796449"/>
+            <a:ext cx="2038175" cy="276999"/>
+          </a:xfrm>
+          <a:prstGeom prst="rect">
+            <a:avLst/>
+          </a:prstGeom>
+          <a:noFill/>
+        </p:spPr>
+        <p:txBody>
+          <a:bodyPr wrap="square" rtlCol="0">
+            <a:spAutoFit/>
+          </a:bodyPr>
+          <a:lstStyle/>
+          <a:p>
+            <a:r>
+              <a:rPr lang="en-US" sz="1200" dirty="0" err="1"/>
+              <a:t>creditCard</a:t>
+            </a:r>
+            <a:r>
+              <a:rPr lang="en-US" sz="1200" dirty="0"/>
+              <a:t> or null</a:t>
+            </a:r>
+          </a:p>
+        </p:txBody>
+      </p:sp>
       <p:cxnSp>
         <p:nvCxnSpPr>
-          <p:cNvPr id="28" name="Straight Connector 27">
-            <a:extLst>
-              <a:ext uri="{FF2B5EF4-FFF2-40B4-BE49-F238E27FC236}">
-                <a16:creationId xmlns:a16="http://schemas.microsoft.com/office/drawing/2014/main" id="{8F7B3924-8ADE-4E24-8F52-EF9F171CA264}"/>
+          <p:cNvPr id="94" name="Straight Arrow Connector 93">
+            <a:extLst>
+              <a:ext uri="{FF2B5EF4-FFF2-40B4-BE49-F238E27FC236}">
+                <a16:creationId xmlns:a16="http://schemas.microsoft.com/office/drawing/2014/main" id="{5C8B604A-D0D4-4748-87A0-66D1E33760F2}"/>
               </a:ext>
             </a:extLst>
           </p:cNvPr>
           <p:cNvCxnSpPr>
             <a:cxnSpLocks/>
-            <a:stCxn id="24" idx="2"/>
           </p:cNvCxnSpPr>
           <p:nvPr/>
         </p:nvCxnSpPr>
         <p:spPr>
-          <a:xfrm>
-            <a:off x="10275200" y="5029098"/>
-            <a:ext cx="0" cy="1292874"/>
-          </a:xfrm>
-          <a:prstGeom prst="line">
-            <a:avLst/>
-          </a:prstGeom>
-          <a:ln w="9525" cap="flat" cmpd="sng" algn="ctr">
-            <a:solidFill>
-              <a:schemeClr val="dk1"/>
-            </a:solidFill>
-            <a:prstDash val="dash"/>
-            <a:round/>
-            <a:headEnd type="none" w="med" len="med"/>
-            <a:tailEnd type="none" w="med" len="med"/>
+          <a:xfrm flipH="1">
+            <a:off x="1225115" y="5171111"/>
+            <a:ext cx="2129669" cy="0"/>
+          </a:xfrm>
+          <a:prstGeom prst="straightConnector1">
+            <a:avLst/>
+          </a:prstGeom>
+          <a:ln>
+            <a:tailEnd type="triangle"/>
           </a:ln>
         </p:spPr>
         <p:style>
-          <a:lnRef idx="0">
-            <a:scrgbClr r="0" g="0" b="0"/>
+          <a:lnRef idx="1">
+            <a:schemeClr val="dk1"/>
           </a:lnRef>
           <a:fillRef idx="0">
-            <a:scrgbClr r="0" g="0" b="0"/>
+            <a:schemeClr val="dk1"/>
           </a:fillRef>
           <a:effectRef idx="0">
-            <a:scrgbClr r="0" g="0" b="0"/>
+            <a:schemeClr val="dk1"/>
           </a:effectRef>
           <a:fontRef idx="minor">
             <a:schemeClr val="tx1"/>
@@ -8794,10 +12770,10 @@
       </p:cxnSp>
       <p:sp>
         <p:nvSpPr>
-          <p:cNvPr id="40" name="TextBox 39">
-            <a:extLst>
-              <a:ext uri="{FF2B5EF4-FFF2-40B4-BE49-F238E27FC236}">
-                <a16:creationId xmlns:a16="http://schemas.microsoft.com/office/drawing/2014/main" id="{E756C5C5-2CCA-4C2F-ADF1-5F88000B3F91}"/>
+          <p:cNvPr id="95" name="TextBox 94">
+            <a:extLst>
+              <a:ext uri="{FF2B5EF4-FFF2-40B4-BE49-F238E27FC236}">
+                <a16:creationId xmlns:a16="http://schemas.microsoft.com/office/drawing/2014/main" id="{79D24935-6C6D-490D-961E-876543088B65}"/>
               </a:ext>
             </a:extLst>
           </p:cNvPr>
@@ -8806,8 +12782,8 @@
         </p:nvSpPr>
         <p:spPr>
           <a:xfrm>
-            <a:off x="6983995" y="845660"/>
-            <a:ext cx="957313" cy="307777"/>
+            <a:off x="1473333" y="4914091"/>
+            <a:ext cx="1966659" cy="276999"/>
           </a:xfrm>
           <a:prstGeom prst="rect">
             <a:avLst/>
@@ -8815,26 +12791,71 @@
           <a:noFill/>
         </p:spPr>
         <p:txBody>
-          <a:bodyPr wrap="none" rtlCol="0">
+          <a:bodyPr wrap="square" rtlCol="0">
             <a:spAutoFit/>
           </a:bodyPr>
           <a:lstStyle/>
           <a:p>
             <a:r>
-              <a:rPr lang="en-US" sz="1400" u="sng" dirty="0">
-                <a:latin typeface="Georgia" panose="02040502050405020303" pitchFamily="18" charset="0"/>
-              </a:rPr>
-              <a:t>Customer</a:t>
+              <a:rPr lang="en-US" sz="1200" dirty="0"/>
+              <a:t>[if found]Card already exists</a:t>
+            </a:r>
+          </a:p>
+        </p:txBody>
+      </p:sp>
+      <p:sp>
+        <p:nvSpPr>
+          <p:cNvPr id="97" name="TextBox 96">
+            <a:extLst>
+              <a:ext uri="{FF2B5EF4-FFF2-40B4-BE49-F238E27FC236}">
+                <a16:creationId xmlns:a16="http://schemas.microsoft.com/office/drawing/2014/main" id="{BA9213AF-E3C1-4528-8225-61E56AFB860A}"/>
+              </a:ext>
+            </a:extLst>
+          </p:cNvPr>
+          <p:cNvSpPr txBox="1"/>
+          <p:nvPr/>
+        </p:nvSpPr>
+        <p:spPr>
+          <a:xfrm>
+            <a:off x="3594599" y="5459609"/>
+            <a:ext cx="2844238" cy="276999"/>
+          </a:xfrm>
+          <a:prstGeom prst="rect">
+            <a:avLst/>
+          </a:prstGeom>
+          <a:noFill/>
+        </p:spPr>
+        <p:txBody>
+          <a:bodyPr wrap="square" rtlCol="0">
+            <a:spAutoFit/>
+          </a:bodyPr>
+          <a:lstStyle/>
+          <a:p>
+            <a:r>
+              <a:rPr lang="en-US" sz="1200" dirty="0" err="1"/>
+              <a:t>addCustomerCreditCard</a:t>
+            </a:r>
+            <a:r>
+              <a:rPr lang="en-US" sz="1200" dirty="0"/>
+              <a:t>(</a:t>
+            </a:r>
+            <a:r>
+              <a:rPr lang="en-US" sz="1200" dirty="0" err="1"/>
+              <a:t>creditCard</a:t>
+            </a:r>
+            <a:r>
+              <a:rPr lang="en-US" sz="1200" dirty="0"/>
+              <a:t>)</a:t>
             </a:r>
           </a:p>
         </p:txBody>
       </p:sp>
       <p:cxnSp>
         <p:nvCxnSpPr>
-          <p:cNvPr id="43" name="Straight Connector 42">
-            <a:extLst>
-              <a:ext uri="{FF2B5EF4-FFF2-40B4-BE49-F238E27FC236}">
-                <a16:creationId xmlns:a16="http://schemas.microsoft.com/office/drawing/2014/main" id="{045ACB1A-D336-4433-8197-36942DDA8816}"/>
+          <p:cNvPr id="98" name="Straight Arrow Connector 97">
+            <a:extLst>
+              <a:ext uri="{FF2B5EF4-FFF2-40B4-BE49-F238E27FC236}">
+                <a16:creationId xmlns:a16="http://schemas.microsoft.com/office/drawing/2014/main" id="{79153ABF-CC54-4DF9-BBF8-EA42332C4390}"/>
               </a:ext>
             </a:extLst>
           </p:cNvPr>
@@ -8845,37 +12866,74 @@
         </p:nvCxnSpPr>
         <p:spPr>
           <a:xfrm>
-            <a:off x="4629396" y="1043153"/>
-            <a:ext cx="0" cy="240527"/>
-          </a:xfrm>
-          <a:prstGeom prst="line">
-            <a:avLst/>
-          </a:prstGeom>
-          <a:ln w="9525" cap="flat" cmpd="sng" algn="ctr">
-            <a:solidFill>
-              <a:schemeClr val="dk1"/>
-            </a:solidFill>
-            <a:prstDash val="dash"/>
-            <a:round/>
-            <a:headEnd type="none" w="med" len="med"/>
-            <a:tailEnd type="none" w="med" len="med"/>
+            <a:off x="8079117" y="6027186"/>
+            <a:ext cx="2867915" cy="0"/>
+          </a:xfrm>
+          <a:prstGeom prst="straightConnector1">
+            <a:avLst/>
+          </a:prstGeom>
+          <a:ln>
+            <a:tailEnd type="triangle"/>
           </a:ln>
         </p:spPr>
         <p:style>
-          <a:lnRef idx="0">
-            <a:scrgbClr r="0" g="0" b="0"/>
+          <a:lnRef idx="1">
+            <a:schemeClr val="dk1"/>
           </a:lnRef>
           <a:fillRef idx="0">
-            <a:scrgbClr r="0" g="0" b="0"/>
+            <a:schemeClr val="dk1"/>
           </a:fillRef>
           <a:effectRef idx="0">
-            <a:scrgbClr r="0" g="0" b="0"/>
+            <a:schemeClr val="dk1"/>
           </a:effectRef>
           <a:fontRef idx="minor">
             <a:schemeClr val="tx1"/>
           </a:fontRef>
         </p:style>
       </p:cxnSp>
+      <p:sp>
+        <p:nvSpPr>
+          <p:cNvPr id="99" name="TextBox 98">
+            <a:extLst>
+              <a:ext uri="{FF2B5EF4-FFF2-40B4-BE49-F238E27FC236}">
+                <a16:creationId xmlns:a16="http://schemas.microsoft.com/office/drawing/2014/main" id="{0A948E1F-0E0B-4EA4-9DC3-92D5E0598FF8}"/>
+              </a:ext>
+            </a:extLst>
+          </p:cNvPr>
+          <p:cNvSpPr txBox="1"/>
+          <p:nvPr/>
+        </p:nvSpPr>
+        <p:spPr>
+          <a:xfrm>
+            <a:off x="8098316" y="5744006"/>
+            <a:ext cx="1517659" cy="276999"/>
+          </a:xfrm>
+          <a:prstGeom prst="rect">
+            <a:avLst/>
+          </a:prstGeom>
+          <a:noFill/>
+        </p:spPr>
+        <p:txBody>
+          <a:bodyPr wrap="square" rtlCol="0">
+            <a:spAutoFit/>
+          </a:bodyPr>
+          <a:lstStyle/>
+          <a:p>
+            <a:r>
+              <a:rPr lang="en-US" sz="1200" dirty="0"/>
+              <a:t>add(</a:t>
+            </a:r>
+            <a:r>
+              <a:rPr lang="en-US" sz="1200" dirty="0" err="1"/>
+              <a:t>creditCard</a:t>
+            </a:r>
+            <a:r>
+              <a:rPr lang="en-US" sz="1200" dirty="0"/>
+              <a:t>)</a:t>
+            </a:r>
+          </a:p>
+        </p:txBody>
+      </p:sp>
     </p:spTree>
     <p:extLst>
       <p:ext uri="{BB962C8B-B14F-4D97-AF65-F5344CB8AC3E}">

--- a/Sequence charts/Sequence Charts.pptx
+++ b/Sequence charts/Sequence Charts.pptx
@@ -272,7 +272,7 @@
           <a:p>
             <a:fld id="{1C1F3817-498B-459A-928B-153134D14AF2}" type="datetimeFigureOut">
               <a:rPr lang="en-US" smtClean="0"/>
-              <a:t>2/25/2018</a:t>
+              <a:t>2/26/2018</a:t>
             </a:fld>
             <a:endParaRPr lang="en-US"/>
           </a:p>
@@ -470,7 +470,7 @@
           <a:p>
             <a:fld id="{1C1F3817-498B-459A-928B-153134D14AF2}" type="datetimeFigureOut">
               <a:rPr lang="en-US" smtClean="0"/>
-              <a:t>2/25/2018</a:t>
+              <a:t>2/26/2018</a:t>
             </a:fld>
             <a:endParaRPr lang="en-US"/>
           </a:p>
@@ -678,7 +678,7 @@
           <a:p>
             <a:fld id="{1C1F3817-498B-459A-928B-153134D14AF2}" type="datetimeFigureOut">
               <a:rPr lang="en-US" smtClean="0"/>
-              <a:t>2/25/2018</a:t>
+              <a:t>2/26/2018</a:t>
             </a:fld>
             <a:endParaRPr lang="en-US"/>
           </a:p>
@@ -876,7 +876,7 @@
           <a:p>
             <a:fld id="{1C1F3817-498B-459A-928B-153134D14AF2}" type="datetimeFigureOut">
               <a:rPr lang="en-US" smtClean="0"/>
-              <a:t>2/25/2018</a:t>
+              <a:t>2/26/2018</a:t>
             </a:fld>
             <a:endParaRPr lang="en-US"/>
           </a:p>
@@ -1151,7 +1151,7 @@
           <a:p>
             <a:fld id="{1C1F3817-498B-459A-928B-153134D14AF2}" type="datetimeFigureOut">
               <a:rPr lang="en-US" smtClean="0"/>
-              <a:t>2/25/2018</a:t>
+              <a:t>2/26/2018</a:t>
             </a:fld>
             <a:endParaRPr lang="en-US"/>
           </a:p>
@@ -1416,7 +1416,7 @@
           <a:p>
             <a:fld id="{1C1F3817-498B-459A-928B-153134D14AF2}" type="datetimeFigureOut">
               <a:rPr lang="en-US" smtClean="0"/>
-              <a:t>2/25/2018</a:t>
+              <a:t>2/26/2018</a:t>
             </a:fld>
             <a:endParaRPr lang="en-US"/>
           </a:p>
@@ -1828,7 +1828,7 @@
           <a:p>
             <a:fld id="{1C1F3817-498B-459A-928B-153134D14AF2}" type="datetimeFigureOut">
               <a:rPr lang="en-US" smtClean="0"/>
-              <a:t>2/25/2018</a:t>
+              <a:t>2/26/2018</a:t>
             </a:fld>
             <a:endParaRPr lang="en-US"/>
           </a:p>
@@ -1969,7 +1969,7 @@
           <a:p>
             <a:fld id="{1C1F3817-498B-459A-928B-153134D14AF2}" type="datetimeFigureOut">
               <a:rPr lang="en-US" smtClean="0"/>
-              <a:t>2/25/2018</a:t>
+              <a:t>2/26/2018</a:t>
             </a:fld>
             <a:endParaRPr lang="en-US"/>
           </a:p>
@@ -2082,7 +2082,7 @@
           <a:p>
             <a:fld id="{1C1F3817-498B-459A-928B-153134D14AF2}" type="datetimeFigureOut">
               <a:rPr lang="en-US" smtClean="0"/>
-              <a:t>2/25/2018</a:t>
+              <a:t>2/26/2018</a:t>
             </a:fld>
             <a:endParaRPr lang="en-US"/>
           </a:p>
@@ -2393,7 +2393,7 @@
           <a:p>
             <a:fld id="{1C1F3817-498B-459A-928B-153134D14AF2}" type="datetimeFigureOut">
               <a:rPr lang="en-US" smtClean="0"/>
-              <a:t>2/25/2018</a:t>
+              <a:t>2/26/2018</a:t>
             </a:fld>
             <a:endParaRPr lang="en-US"/>
           </a:p>
@@ -2681,7 +2681,7 @@
           <a:p>
             <a:fld id="{1C1F3817-498B-459A-928B-153134D14AF2}" type="datetimeFigureOut">
               <a:rPr lang="en-US" smtClean="0"/>
-              <a:t>2/25/2018</a:t>
+              <a:t>2/26/2018</a:t>
             </a:fld>
             <a:endParaRPr lang="en-US"/>
           </a:p>
@@ -2922,7 +2922,7 @@
           <a:p>
             <a:fld id="{1C1F3817-498B-459A-928B-153134D14AF2}" type="datetimeFigureOut">
               <a:rPr lang="en-US" smtClean="0"/>
-              <a:t>2/25/2018</a:t>
+              <a:t>2/26/2018</a:t>
             </a:fld>
             <a:endParaRPr lang="en-US"/>
           </a:p>
@@ -3341,55 +3341,6 @@
       </p:grpSpPr>
       <p:sp>
         <p:nvSpPr>
-          <p:cNvPr id="4" name="Rectangle 3">
-            <a:extLst>
-              <a:ext uri="{FF2B5EF4-FFF2-40B4-BE49-F238E27FC236}">
-                <a16:creationId xmlns:a16="http://schemas.microsoft.com/office/drawing/2014/main" id="{5E4728A9-43B4-4413-8980-CA41E40E12A2}"/>
-              </a:ext>
-            </a:extLst>
-          </p:cNvPr>
-          <p:cNvSpPr/>
-          <p:nvPr/>
-        </p:nvSpPr>
-        <p:spPr>
-          <a:xfrm>
-            <a:off x="646386" y="1445172"/>
-            <a:ext cx="10899228" cy="4876800"/>
-          </a:xfrm>
-          <a:prstGeom prst="rect">
-            <a:avLst/>
-          </a:prstGeom>
-          <a:solidFill>
-            <a:schemeClr val="bg1"/>
-          </a:solidFill>
-        </p:spPr>
-        <p:style>
-          <a:lnRef idx="2">
-            <a:schemeClr val="accent1">
-              <a:shade val="50000"/>
-            </a:schemeClr>
-          </a:lnRef>
-          <a:fillRef idx="1">
-            <a:schemeClr val="accent1"/>
-          </a:fillRef>
-          <a:effectRef idx="0">
-            <a:schemeClr val="accent1"/>
-          </a:effectRef>
-          <a:fontRef idx="minor">
-            <a:schemeClr val="lt1"/>
-          </a:fontRef>
-        </p:style>
-        <p:txBody>
-          <a:bodyPr rtlCol="0" anchor="ctr"/>
-          <a:lstStyle/>
-          <a:p>
-            <a:pPr algn="ctr"/>
-            <a:endParaRPr lang="en-US" dirty="0"/>
-          </a:p>
-        </p:txBody>
-      </p:sp>
-      <p:sp>
-        <p:nvSpPr>
           <p:cNvPr id="5" name="TextBox 4">
             <a:extLst>
               <a:ext uri="{FF2B5EF4-FFF2-40B4-BE49-F238E27FC236}">
@@ -6281,55 +6232,6 @@
       </p:grpSpPr>
       <p:sp>
         <p:nvSpPr>
-          <p:cNvPr id="4" name="Rectangle 3">
-            <a:extLst>
-              <a:ext uri="{FF2B5EF4-FFF2-40B4-BE49-F238E27FC236}">
-                <a16:creationId xmlns:a16="http://schemas.microsoft.com/office/drawing/2014/main" id="{5E4728A9-43B4-4413-8980-CA41E40E12A2}"/>
-              </a:ext>
-            </a:extLst>
-          </p:cNvPr>
-          <p:cNvSpPr/>
-          <p:nvPr/>
-        </p:nvSpPr>
-        <p:spPr>
-          <a:xfrm>
-            <a:off x="619666" y="1377525"/>
-            <a:ext cx="10899228" cy="4934153"/>
-          </a:xfrm>
-          <a:prstGeom prst="rect">
-            <a:avLst/>
-          </a:prstGeom>
-          <a:solidFill>
-            <a:schemeClr val="bg1"/>
-          </a:solidFill>
-        </p:spPr>
-        <p:style>
-          <a:lnRef idx="2">
-            <a:schemeClr val="accent1">
-              <a:shade val="50000"/>
-            </a:schemeClr>
-          </a:lnRef>
-          <a:fillRef idx="1">
-            <a:schemeClr val="accent1"/>
-          </a:fillRef>
-          <a:effectRef idx="0">
-            <a:schemeClr val="accent1"/>
-          </a:effectRef>
-          <a:fontRef idx="minor">
-            <a:schemeClr val="lt1"/>
-          </a:fontRef>
-        </p:style>
-        <p:txBody>
-          <a:bodyPr rtlCol="0" anchor="ctr"/>
-          <a:lstStyle/>
-          <a:p>
-            <a:pPr algn="ctr"/>
-            <a:endParaRPr lang="en-US" dirty="0"/>
-          </a:p>
-        </p:txBody>
-      </p:sp>
-      <p:sp>
-        <p:nvSpPr>
           <p:cNvPr id="5" name="TextBox 4">
             <a:extLst>
               <a:ext uri="{FF2B5EF4-FFF2-40B4-BE49-F238E27FC236}">
@@ -7962,58 +7864,6 @@
       </p:grpSpPr>
       <p:sp>
         <p:nvSpPr>
-          <p:cNvPr id="14" name="Rectangle 13">
-            <a:extLst>
-              <a:ext uri="{FF2B5EF4-FFF2-40B4-BE49-F238E27FC236}">
-                <a16:creationId xmlns:a16="http://schemas.microsoft.com/office/drawing/2014/main" id="{4D91B9A9-17B2-4F21-9311-B4B3D58B9C57}"/>
-              </a:ext>
-            </a:extLst>
-          </p:cNvPr>
-          <p:cNvSpPr/>
-          <p:nvPr/>
-        </p:nvSpPr>
-        <p:spPr>
-          <a:xfrm>
-            <a:off x="646386" y="1391883"/>
-            <a:ext cx="10899228" cy="4934153"/>
-          </a:xfrm>
-          <a:prstGeom prst="rect">
-            <a:avLst/>
-          </a:prstGeom>
-          <a:solidFill>
-            <a:schemeClr val="bg1"/>
-          </a:solidFill>
-        </p:spPr>
-        <p:style>
-          <a:lnRef idx="2">
-            <a:schemeClr val="accent1">
-              <a:shade val="50000"/>
-            </a:schemeClr>
-          </a:lnRef>
-          <a:fillRef idx="1">
-            <a:schemeClr val="accent1"/>
-          </a:fillRef>
-          <a:effectRef idx="0">
-            <a:schemeClr val="accent1"/>
-          </a:effectRef>
-          <a:fontRef idx="minor">
-            <a:schemeClr val="lt1"/>
-          </a:fontRef>
-        </p:style>
-        <p:txBody>
-          <a:bodyPr rtlCol="0" anchor="ctr"/>
-          <a:lstStyle/>
-          <a:p>
-            <a:pPr algn="ctr"/>
-            <a:r>
-              <a:rPr lang="en-US" dirty="0"/>
-              <a:t>g</a:t>
-            </a:r>
-          </a:p>
-        </p:txBody>
-      </p:sp>
-      <p:sp>
-        <p:nvSpPr>
           <p:cNvPr id="15" name="TextBox 14">
             <a:extLst>
               <a:ext uri="{FF2B5EF4-FFF2-40B4-BE49-F238E27FC236}">
@@ -9275,55 +9125,6 @@
       </p:grpSpPr>
       <p:sp>
         <p:nvSpPr>
-          <p:cNvPr id="4" name="Rectangle 3">
-            <a:extLst>
-              <a:ext uri="{FF2B5EF4-FFF2-40B4-BE49-F238E27FC236}">
-                <a16:creationId xmlns:a16="http://schemas.microsoft.com/office/drawing/2014/main" id="{5E4728A9-43B4-4413-8980-CA41E40E12A2}"/>
-              </a:ext>
-            </a:extLst>
-          </p:cNvPr>
-          <p:cNvSpPr/>
-          <p:nvPr/>
-        </p:nvSpPr>
-        <p:spPr>
-          <a:xfrm>
-            <a:off x="450749" y="1512198"/>
-            <a:ext cx="10899228" cy="4876800"/>
-          </a:xfrm>
-          <a:prstGeom prst="rect">
-            <a:avLst/>
-          </a:prstGeom>
-          <a:solidFill>
-            <a:schemeClr val="bg1"/>
-          </a:solidFill>
-        </p:spPr>
-        <p:style>
-          <a:lnRef idx="2">
-            <a:schemeClr val="accent1">
-              <a:shade val="50000"/>
-            </a:schemeClr>
-          </a:lnRef>
-          <a:fillRef idx="1">
-            <a:schemeClr val="accent1"/>
-          </a:fillRef>
-          <a:effectRef idx="0">
-            <a:schemeClr val="accent1"/>
-          </a:effectRef>
-          <a:fontRef idx="minor">
-            <a:schemeClr val="lt1"/>
-          </a:fontRef>
-        </p:style>
-        <p:txBody>
-          <a:bodyPr rtlCol="0" anchor="ctr"/>
-          <a:lstStyle/>
-          <a:p>
-            <a:pPr algn="ctr"/>
-            <a:endParaRPr lang="en-US" dirty="0"/>
-          </a:p>
-        </p:txBody>
-      </p:sp>
-      <p:sp>
-        <p:nvSpPr>
           <p:cNvPr id="5" name="TextBox 4">
             <a:extLst>
               <a:ext uri="{FF2B5EF4-FFF2-40B4-BE49-F238E27FC236}">
@@ -12966,10 +12767,10 @@
       </p:grpSpPr>
       <p:sp>
         <p:nvSpPr>
-          <p:cNvPr id="4" name="Rectangle 3">
-            <a:extLst>
-              <a:ext uri="{FF2B5EF4-FFF2-40B4-BE49-F238E27FC236}">
-                <a16:creationId xmlns:a16="http://schemas.microsoft.com/office/drawing/2014/main" id="{5E4728A9-43B4-4413-8980-CA41E40E12A2}"/>
+          <p:cNvPr id="69" name="Multiplication Sign 68">
+            <a:extLst>
+              <a:ext uri="{FF2B5EF4-FFF2-40B4-BE49-F238E27FC236}">
+                <a16:creationId xmlns:a16="http://schemas.microsoft.com/office/drawing/2014/main" id="{61B95F85-0CB0-4305-BF76-BCC2BA6001DA}"/>
               </a:ext>
             </a:extLst>
           </p:cNvPr>
@@ -12978,15 +12779,12 @@
         </p:nvSpPr>
         <p:spPr>
           <a:xfrm>
-            <a:off x="646386" y="1445172"/>
-            <a:ext cx="10899228" cy="4876800"/>
-          </a:xfrm>
-          <a:prstGeom prst="rect">
-            <a:avLst/>
-          </a:prstGeom>
-          <a:solidFill>
-            <a:schemeClr val="bg1"/>
-          </a:solidFill>
+            <a:off x="5993734" y="3906702"/>
+            <a:ext cx="394271" cy="472961"/>
+          </a:xfrm>
+          <a:prstGeom prst="mathMultiply">
+            <a:avLst/>
+          </a:prstGeom>
         </p:spPr>
         <p:style>
           <a:lnRef idx="2">
@@ -13009,10 +12807,84 @@
           <a:lstStyle/>
           <a:p>
             <a:pPr algn="ctr"/>
-            <a:r>
-              <a:rPr lang="en-US" dirty="0"/>
-              <a:t>Data request</a:t>
-            </a:r>
+            <a:endParaRPr lang="en-US"/>
+          </a:p>
+        </p:txBody>
+      </p:sp>
+      <p:sp>
+        <p:nvSpPr>
+          <p:cNvPr id="58" name="TextBox 57">
+            <a:extLst>
+              <a:ext uri="{FF2B5EF4-FFF2-40B4-BE49-F238E27FC236}">
+                <a16:creationId xmlns:a16="http://schemas.microsoft.com/office/drawing/2014/main" id="{3D86D529-33B1-44C0-BFC5-E42302D57D42}"/>
+              </a:ext>
+            </a:extLst>
+          </p:cNvPr>
+          <p:cNvSpPr txBox="1"/>
+          <p:nvPr/>
+        </p:nvSpPr>
+        <p:spPr>
+          <a:xfrm>
+            <a:off x="9092484" y="4626578"/>
+            <a:ext cx="1233030" cy="307777"/>
+          </a:xfrm>
+          <a:prstGeom prst="rect">
+            <a:avLst/>
+          </a:prstGeom>
+          <a:noFill/>
+        </p:spPr>
+        <p:txBody>
+          <a:bodyPr wrap="none" rtlCol="0">
+            <a:spAutoFit/>
+          </a:bodyPr>
+          <a:lstStyle/>
+          <a:p>
+            <a:r>
+              <a:rPr lang="en-US" sz="1400" dirty="0">
+                <a:latin typeface="Georgia" panose="02040502050405020303" pitchFamily="18" charset="0"/>
+              </a:rPr>
+              <a:t>&lt;&lt;destroy&gt;&gt;</a:t>
+            </a:r>
+          </a:p>
+        </p:txBody>
+      </p:sp>
+      <p:sp>
+        <p:nvSpPr>
+          <p:cNvPr id="21" name="TextBox 20">
+            <a:extLst>
+              <a:ext uri="{FF2B5EF4-FFF2-40B4-BE49-F238E27FC236}">
+                <a16:creationId xmlns:a16="http://schemas.microsoft.com/office/drawing/2014/main" id="{0C46E3DB-9E01-4AA1-A621-D15237CED1DF}"/>
+              </a:ext>
+            </a:extLst>
+          </p:cNvPr>
+          <p:cNvSpPr txBox="1"/>
+          <p:nvPr/>
+        </p:nvSpPr>
+        <p:spPr>
+          <a:xfrm>
+            <a:off x="832406" y="1920671"/>
+            <a:ext cx="1128835" cy="307777"/>
+          </a:xfrm>
+          <a:prstGeom prst="rect">
+            <a:avLst/>
+          </a:prstGeom>
+          <a:noFill/>
+        </p:spPr>
+        <p:txBody>
+          <a:bodyPr wrap="none" rtlCol="0">
+            <a:spAutoFit/>
+          </a:bodyPr>
+          <a:lstStyle/>
+          <a:p>
+            <a:r>
+              <a:rPr lang="en-US" sz="1400" dirty="0" err="1">
+                <a:latin typeface="Georgia" panose="02040502050405020303" pitchFamily="18" charset="0"/>
+              </a:rPr>
+              <a:t>customerID</a:t>
+            </a:r>
+            <a:endParaRPr lang="en-US" sz="1400" dirty="0">
+              <a:latin typeface="Georgia" panose="02040502050405020303" pitchFamily="18" charset="0"/>
+            </a:endParaRPr>
           </a:p>
         </p:txBody>
       </p:sp>
@@ -13541,8 +13413,8 @@
         </p:nvSpPr>
         <p:spPr>
           <a:xfrm>
-            <a:off x="772935" y="1458236"/>
-            <a:ext cx="1194558" cy="307777"/>
+            <a:off x="264956" y="1422663"/>
+            <a:ext cx="1736373" cy="307777"/>
           </a:xfrm>
           <a:prstGeom prst="rect">
             <a:avLst/>
@@ -13559,8 +13431,17 @@
               <a:rPr lang="en-US" sz="1400" dirty="0">
                 <a:latin typeface="Georgia" panose="02040502050405020303" pitchFamily="18" charset="0"/>
               </a:rPr>
-              <a:t>Data request</a:t>
-            </a:r>
+              <a:t>Ask for </a:t>
+            </a:r>
+            <a:r>
+              <a:rPr lang="en-US" sz="1400" dirty="0" err="1">
+                <a:latin typeface="Georgia" panose="02040502050405020303" pitchFamily="18" charset="0"/>
+              </a:rPr>
+              <a:t>customerID</a:t>
+            </a:r>
+            <a:endParaRPr lang="en-US" sz="1400" dirty="0">
+              <a:latin typeface="Georgia" panose="02040502050405020303" pitchFamily="18" charset="0"/>
+            </a:endParaRPr>
           </a:p>
         </p:txBody>
       </p:sp>
@@ -13607,10 +13488,10 @@
       </p:cxnSp>
       <p:sp>
         <p:nvSpPr>
-          <p:cNvPr id="21" name="TextBox 20">
-            <a:extLst>
-              <a:ext uri="{FF2B5EF4-FFF2-40B4-BE49-F238E27FC236}">
-                <a16:creationId xmlns:a16="http://schemas.microsoft.com/office/drawing/2014/main" id="{0C46E3DB-9E01-4AA1-A621-D15237CED1DF}"/>
+          <p:cNvPr id="23" name="TextBox 22">
+            <a:extLst>
+              <a:ext uri="{FF2B5EF4-FFF2-40B4-BE49-F238E27FC236}">
+                <a16:creationId xmlns:a16="http://schemas.microsoft.com/office/drawing/2014/main" id="{A6A25776-FBD0-435F-BA0D-F7BEEC3A4013}"/>
               </a:ext>
             </a:extLst>
           </p:cNvPr>
@@ -13619,8 +13500,8 @@
         </p:nvSpPr>
         <p:spPr>
           <a:xfrm>
-            <a:off x="832406" y="1920671"/>
-            <a:ext cx="1096775" cy="307777"/>
+            <a:off x="9612137" y="762789"/>
+            <a:ext cx="1258678" cy="307777"/>
           </a:xfrm>
           <a:prstGeom prst="rect">
             <a:avLst/>
@@ -13634,17 +13515,249 @@
           <a:lstStyle/>
           <a:p>
             <a:r>
-              <a:rPr lang="en-US" sz="1400" dirty="0" err="1">
+              <a:rPr lang="en-US" sz="1400" u="sng" dirty="0" err="1">
+                <a:latin typeface="Georgia" panose="02040502050405020303" pitchFamily="18" charset="0"/>
+              </a:rPr>
+              <a:t>CustomerList</a:t>
+            </a:r>
+            <a:endParaRPr lang="en-US" sz="1400" u="sng" dirty="0">
+              <a:latin typeface="Georgia" panose="02040502050405020303" pitchFamily="18" charset="0"/>
+            </a:endParaRPr>
+          </a:p>
+        </p:txBody>
+      </p:sp>
+      <p:cxnSp>
+        <p:nvCxnSpPr>
+          <p:cNvPr id="26" name="Straight Connector 25">
+            <a:extLst>
+              <a:ext uri="{FF2B5EF4-FFF2-40B4-BE49-F238E27FC236}">
+                <a16:creationId xmlns:a16="http://schemas.microsoft.com/office/drawing/2014/main" id="{B81124A9-4D58-4417-BF4F-1D1A2A2E44FF}"/>
+              </a:ext>
+            </a:extLst>
+          </p:cNvPr>
+          <p:cNvCxnSpPr>
+            <a:cxnSpLocks/>
+            <a:stCxn id="40" idx="2"/>
+          </p:cNvCxnSpPr>
+          <p:nvPr/>
+        </p:nvCxnSpPr>
+        <p:spPr>
+          <a:xfrm>
+            <a:off x="7488748" y="1151223"/>
+            <a:ext cx="51879" cy="5218586"/>
+          </a:xfrm>
+          <a:prstGeom prst="line">
+            <a:avLst/>
+          </a:prstGeom>
+          <a:ln w="9525" cap="flat" cmpd="sng" algn="ctr">
+            <a:solidFill>
+              <a:schemeClr val="dk1"/>
+            </a:solidFill>
+            <a:prstDash val="dash"/>
+            <a:round/>
+            <a:headEnd type="none" w="med" len="med"/>
+            <a:tailEnd type="none" w="med" len="med"/>
+          </a:ln>
+        </p:spPr>
+        <p:style>
+          <a:lnRef idx="0">
+            <a:scrgbClr r="0" g="0" b="0"/>
+          </a:lnRef>
+          <a:fillRef idx="0">
+            <a:scrgbClr r="0" g="0" b="0"/>
+          </a:fillRef>
+          <a:effectRef idx="0">
+            <a:scrgbClr r="0" g="0" b="0"/>
+          </a:effectRef>
+          <a:fontRef idx="minor">
+            <a:schemeClr val="tx1"/>
+          </a:fontRef>
+        </p:style>
+      </p:cxnSp>
+      <p:sp>
+        <p:nvSpPr>
+          <p:cNvPr id="40" name="TextBox 39">
+            <a:extLst>
+              <a:ext uri="{FF2B5EF4-FFF2-40B4-BE49-F238E27FC236}">
+                <a16:creationId xmlns:a16="http://schemas.microsoft.com/office/drawing/2014/main" id="{E756C5C5-2CCA-4C2F-ADF1-5F88000B3F91}"/>
+              </a:ext>
+            </a:extLst>
+          </p:cNvPr>
+          <p:cNvSpPr txBox="1"/>
+          <p:nvPr/>
+        </p:nvSpPr>
+        <p:spPr>
+          <a:xfrm>
+            <a:off x="6808113" y="843446"/>
+            <a:ext cx="1361270" cy="307777"/>
+          </a:xfrm>
+          <a:prstGeom prst="rect">
+            <a:avLst/>
+          </a:prstGeom>
+          <a:noFill/>
+        </p:spPr>
+        <p:txBody>
+          <a:bodyPr wrap="none" rtlCol="0">
+            <a:spAutoFit/>
+          </a:bodyPr>
+          <a:lstStyle/>
+          <a:p>
+            <a:r>
+              <a:rPr lang="en-US" sz="1400" u="sng" dirty="0" err="1">
+                <a:latin typeface="Georgia" panose="02040502050405020303" pitchFamily="18" charset="0"/>
+              </a:rPr>
+              <a:t>CreditCardList</a:t>
+            </a:r>
+            <a:endParaRPr lang="en-US" sz="1400" u="sng" dirty="0">
+              <a:latin typeface="Georgia" panose="02040502050405020303" pitchFamily="18" charset="0"/>
+            </a:endParaRPr>
+          </a:p>
+        </p:txBody>
+      </p:sp>
+      <p:cxnSp>
+        <p:nvCxnSpPr>
+          <p:cNvPr id="43" name="Straight Connector 42">
+            <a:extLst>
+              <a:ext uri="{FF2B5EF4-FFF2-40B4-BE49-F238E27FC236}">
+                <a16:creationId xmlns:a16="http://schemas.microsoft.com/office/drawing/2014/main" id="{045ACB1A-D336-4433-8197-36942DDA8816}"/>
+              </a:ext>
+            </a:extLst>
+          </p:cNvPr>
+          <p:cNvCxnSpPr>
+            <a:cxnSpLocks/>
+          </p:cNvCxnSpPr>
+          <p:nvPr/>
+        </p:nvCxnSpPr>
+        <p:spPr>
+          <a:xfrm>
+            <a:off x="4629396" y="1043153"/>
+            <a:ext cx="0" cy="240527"/>
+          </a:xfrm>
+          <a:prstGeom prst="line">
+            <a:avLst/>
+          </a:prstGeom>
+          <a:ln w="9525" cap="flat" cmpd="sng" algn="ctr">
+            <a:solidFill>
+              <a:schemeClr val="dk1"/>
+            </a:solidFill>
+            <a:prstDash val="dash"/>
+            <a:round/>
+            <a:headEnd type="none" w="med" len="med"/>
+            <a:tailEnd type="none" w="med" len="med"/>
+          </a:ln>
+        </p:spPr>
+        <p:style>
+          <a:lnRef idx="0">
+            <a:scrgbClr r="0" g="0" b="0"/>
+          </a:lnRef>
+          <a:fillRef idx="0">
+            <a:scrgbClr r="0" g="0" b="0"/>
+          </a:fillRef>
+          <a:effectRef idx="0">
+            <a:scrgbClr r="0" g="0" b="0"/>
+          </a:effectRef>
+          <a:fontRef idx="minor">
+            <a:schemeClr val="tx1"/>
+          </a:fontRef>
+        </p:style>
+      </p:cxnSp>
+      <p:sp>
+        <p:nvSpPr>
+          <p:cNvPr id="46" name="TextBox 45">
+            <a:extLst>
+              <a:ext uri="{FF2B5EF4-FFF2-40B4-BE49-F238E27FC236}">
+                <a16:creationId xmlns:a16="http://schemas.microsoft.com/office/drawing/2014/main" id="{C8E3622D-B120-462A-A74E-93D1A1FF6AAC}"/>
+              </a:ext>
+            </a:extLst>
+          </p:cNvPr>
+          <p:cNvSpPr txBox="1"/>
+          <p:nvPr/>
+        </p:nvSpPr>
+        <p:spPr>
+          <a:xfrm>
+            <a:off x="2137282" y="2344073"/>
+            <a:ext cx="2249334" cy="276999"/>
+          </a:xfrm>
+          <a:prstGeom prst="rect">
+            <a:avLst/>
+          </a:prstGeom>
+          <a:noFill/>
+        </p:spPr>
+        <p:txBody>
+          <a:bodyPr wrap="none" rtlCol="0">
+            <a:spAutoFit/>
+          </a:bodyPr>
+          <a:lstStyle/>
+          <a:p>
+            <a:r>
+              <a:rPr lang="en-US" sz="1200" dirty="0" err="1">
+                <a:latin typeface="Georgia" panose="02040502050405020303" pitchFamily="18" charset="0"/>
+              </a:rPr>
+              <a:t>removeCustomer</a:t>
+            </a:r>
+            <a:r>
+              <a:rPr lang="en-US" sz="1200" dirty="0">
+                <a:latin typeface="Georgia" panose="02040502050405020303" pitchFamily="18" charset="0"/>
+              </a:rPr>
+              <a:t>(</a:t>
+            </a:r>
+            <a:r>
+              <a:rPr lang="en-US" sz="1200" dirty="0" err="1">
                 <a:latin typeface="Georgia" panose="02040502050405020303" pitchFamily="18" charset="0"/>
               </a:rPr>
               <a:t>customerId</a:t>
             </a:r>
-            <a:endParaRPr lang="en-US" sz="1400" dirty="0">
-              <a:latin typeface="Georgia" panose="02040502050405020303" pitchFamily="18" charset="0"/>
-            </a:endParaRPr>
-          </a:p>
-        </p:txBody>
-      </p:sp>
+            <a:r>
+              <a:rPr lang="en-US" sz="1200" dirty="0">
+                <a:latin typeface="Georgia" panose="02040502050405020303" pitchFamily="18" charset="0"/>
+              </a:rPr>
+              <a:t>)</a:t>
+            </a:r>
+          </a:p>
+        </p:txBody>
+      </p:sp>
+      <p:cxnSp>
+        <p:nvCxnSpPr>
+          <p:cNvPr id="47" name="Straight Arrow Connector 46">
+            <a:extLst>
+              <a:ext uri="{FF2B5EF4-FFF2-40B4-BE49-F238E27FC236}">
+                <a16:creationId xmlns:a16="http://schemas.microsoft.com/office/drawing/2014/main" id="{11EB37F8-D52F-4BBF-941A-3BE8A4825B06}"/>
+              </a:ext>
+            </a:extLst>
+          </p:cNvPr>
+          <p:cNvCxnSpPr>
+            <a:cxnSpLocks/>
+          </p:cNvCxnSpPr>
+          <p:nvPr/>
+        </p:nvCxnSpPr>
+        <p:spPr>
+          <a:xfrm>
+            <a:off x="2170386" y="2649439"/>
+            <a:ext cx="2324029" cy="0"/>
+          </a:xfrm>
+          <a:prstGeom prst="straightConnector1">
+            <a:avLst/>
+          </a:prstGeom>
+          <a:ln>
+            <a:headEnd type="none" w="med" len="med"/>
+            <a:tailEnd type="arrow" w="med" len="med"/>
+          </a:ln>
+        </p:spPr>
+        <p:style>
+          <a:lnRef idx="3">
+            <a:schemeClr val="dk1"/>
+          </a:lnRef>
+          <a:fillRef idx="0">
+            <a:schemeClr val="dk1"/>
+          </a:fillRef>
+          <a:effectRef idx="2">
+            <a:schemeClr val="dk1"/>
+          </a:effectRef>
+          <a:fontRef idx="minor">
+            <a:schemeClr val="tx1"/>
+          </a:fontRef>
+        </p:style>
+      </p:cxnSp>
       <p:sp>
         <p:nvSpPr>
           <p:cNvPr id="22" name="Rectangle 21">
@@ -13659,8 +13772,8 @@
         </p:nvSpPr>
         <p:spPr>
           <a:xfrm>
-            <a:off x="7393545" y="2030837"/>
-            <a:ext cx="169057" cy="2470208"/>
+            <a:off x="7436870" y="3479607"/>
+            <a:ext cx="188285" cy="700732"/>
           </a:xfrm>
           <a:prstGeom prst="rect">
             <a:avLst/>
@@ -13699,46 +13812,53 @@
           </a:p>
         </p:txBody>
       </p:sp>
-      <p:sp>
-        <p:nvSpPr>
-          <p:cNvPr id="23" name="TextBox 22">
-            <a:extLst>
-              <a:ext uri="{FF2B5EF4-FFF2-40B4-BE49-F238E27FC236}">
-                <a16:creationId xmlns:a16="http://schemas.microsoft.com/office/drawing/2014/main" id="{A6A25776-FBD0-435F-BA0D-F7BEEC3A4013}"/>
-              </a:ext>
-            </a:extLst>
-          </p:cNvPr>
-          <p:cNvSpPr txBox="1"/>
-          <p:nvPr/>
-        </p:nvSpPr>
-        <p:spPr>
-          <a:xfrm>
-            <a:off x="9612137" y="762789"/>
-            <a:ext cx="1258678" cy="307777"/>
-          </a:xfrm>
-          <a:prstGeom prst="rect">
-            <a:avLst/>
-          </a:prstGeom>
-          <a:noFill/>
-        </p:spPr>
-        <p:txBody>
-          <a:bodyPr wrap="none" rtlCol="0">
-            <a:spAutoFit/>
-          </a:bodyPr>
-          <a:lstStyle/>
-          <a:p>
-            <a:r>
-              <a:rPr lang="en-US" sz="1400" u="sng" dirty="0" err="1">
-                <a:latin typeface="Georgia" panose="02040502050405020303" pitchFamily="18" charset="0"/>
-              </a:rPr>
-              <a:t>CustomerList</a:t>
-            </a:r>
-            <a:endParaRPr lang="en-US" sz="1400" u="sng" dirty="0">
-              <a:latin typeface="Georgia" panose="02040502050405020303" pitchFamily="18" charset="0"/>
-            </a:endParaRPr>
-          </a:p>
-        </p:txBody>
-      </p:sp>
+      <p:cxnSp>
+        <p:nvCxnSpPr>
+          <p:cNvPr id="31" name="Straight Connector 30">
+            <a:extLst>
+              <a:ext uri="{FF2B5EF4-FFF2-40B4-BE49-F238E27FC236}">
+                <a16:creationId xmlns:a16="http://schemas.microsoft.com/office/drawing/2014/main" id="{7771292E-B3CE-4034-BAAF-A3FFC583C66C}"/>
+              </a:ext>
+            </a:extLst>
+          </p:cNvPr>
+          <p:cNvCxnSpPr>
+            <a:cxnSpLocks/>
+          </p:cNvCxnSpPr>
+          <p:nvPr/>
+        </p:nvCxnSpPr>
+        <p:spPr>
+          <a:xfrm>
+            <a:off x="10348099" y="1088735"/>
+            <a:ext cx="77974" cy="5216372"/>
+          </a:xfrm>
+          <a:prstGeom prst="line">
+            <a:avLst/>
+          </a:prstGeom>
+          <a:ln w="9525" cap="flat" cmpd="sng" algn="ctr">
+            <a:solidFill>
+              <a:schemeClr val="dk1"/>
+            </a:solidFill>
+            <a:prstDash val="dash"/>
+            <a:round/>
+            <a:headEnd type="none" w="med" len="med"/>
+            <a:tailEnd type="none" w="med" len="med"/>
+          </a:ln>
+        </p:spPr>
+        <p:style>
+          <a:lnRef idx="0">
+            <a:scrgbClr r="0" g="0" b="0"/>
+          </a:lnRef>
+          <a:fillRef idx="0">
+            <a:scrgbClr r="0" g="0" b="0"/>
+          </a:fillRef>
+          <a:effectRef idx="0">
+            <a:scrgbClr r="0" g="0" b="0"/>
+          </a:effectRef>
+          <a:fontRef idx="minor">
+            <a:schemeClr val="tx1"/>
+          </a:fontRef>
+        </p:style>
+      </p:cxnSp>
       <p:sp>
         <p:nvSpPr>
           <p:cNvPr id="24" name="Rectangle 23">
@@ -13753,8 +13873,8 @@
         </p:nvSpPr>
         <p:spPr>
           <a:xfrm>
-            <a:off x="10190671" y="2869039"/>
-            <a:ext cx="169058" cy="2160059"/>
+            <a:off x="10328870" y="1867932"/>
+            <a:ext cx="176787" cy="3439790"/>
           </a:xfrm>
           <a:prstGeom prst="rect">
             <a:avLst/>
@@ -13795,10 +13915,10 @@
       </p:sp>
       <p:cxnSp>
         <p:nvCxnSpPr>
-          <p:cNvPr id="25" name="Straight Connector 24">
-            <a:extLst>
-              <a:ext uri="{FF2B5EF4-FFF2-40B4-BE49-F238E27FC236}">
-                <a16:creationId xmlns:a16="http://schemas.microsoft.com/office/drawing/2014/main" id="{FAE76E5D-6C63-4C1C-9724-2570B479D5CE}"/>
+          <p:cNvPr id="32" name="Straight Arrow Connector 31">
+            <a:extLst>
+              <a:ext uri="{FF2B5EF4-FFF2-40B4-BE49-F238E27FC236}">
+                <a16:creationId xmlns:a16="http://schemas.microsoft.com/office/drawing/2014/main" id="{BAAEDAB9-78D6-4D53-8FAB-D2E3F2D50299}"/>
               </a:ext>
             </a:extLst>
           </p:cNvPr>
@@ -13809,31 +13929,563 @@
         </p:nvCxnSpPr>
         <p:spPr>
           <a:xfrm>
-            <a:off x="7462652" y="1214741"/>
-            <a:ext cx="0" cy="816096"/>
-          </a:xfrm>
-          <a:prstGeom prst="line">
-            <a:avLst/>
-          </a:prstGeom>
-          <a:ln w="9525" cap="flat" cmpd="sng" algn="ctr">
-            <a:solidFill>
-              <a:schemeClr val="dk1"/>
-            </a:solidFill>
-            <a:prstDash val="dash"/>
-            <a:round/>
+            <a:off x="4761186" y="2801839"/>
+            <a:ext cx="5547394" cy="0"/>
+          </a:xfrm>
+          <a:prstGeom prst="straightConnector1">
+            <a:avLst/>
+          </a:prstGeom>
+          <a:ln>
             <a:headEnd type="none" w="med" len="med"/>
-            <a:tailEnd type="none" w="med" len="med"/>
+            <a:tailEnd type="arrow" w="med" len="med"/>
           </a:ln>
         </p:spPr>
         <p:style>
-          <a:lnRef idx="0">
-            <a:scrgbClr r="0" g="0" b="0"/>
+          <a:lnRef idx="3">
+            <a:schemeClr val="dk1"/>
           </a:lnRef>
           <a:fillRef idx="0">
-            <a:scrgbClr r="0" g="0" b="0"/>
+            <a:schemeClr val="dk1"/>
+          </a:fillRef>
+          <a:effectRef idx="2">
+            <a:schemeClr val="dk1"/>
+          </a:effectRef>
+          <a:fontRef idx="minor">
+            <a:schemeClr val="tx1"/>
+          </a:fontRef>
+        </p:style>
+      </p:cxnSp>
+      <p:sp>
+        <p:nvSpPr>
+          <p:cNvPr id="34" name="TextBox 33">
+            <a:extLst>
+              <a:ext uri="{FF2B5EF4-FFF2-40B4-BE49-F238E27FC236}">
+                <a16:creationId xmlns:a16="http://schemas.microsoft.com/office/drawing/2014/main" id="{49F019D6-8EF6-4216-ABB4-110DF9C9A864}"/>
+              </a:ext>
+            </a:extLst>
+          </p:cNvPr>
+          <p:cNvSpPr txBox="1"/>
+          <p:nvPr/>
+        </p:nvSpPr>
+        <p:spPr>
+          <a:xfrm>
+            <a:off x="7540626" y="2470330"/>
+            <a:ext cx="2781531" cy="276999"/>
+          </a:xfrm>
+          <a:prstGeom prst="rect">
+            <a:avLst/>
+          </a:prstGeom>
+          <a:noFill/>
+        </p:spPr>
+        <p:txBody>
+          <a:bodyPr wrap="none" rtlCol="0">
+            <a:spAutoFit/>
+          </a:bodyPr>
+          <a:lstStyle/>
+          <a:p>
+            <a:r>
+              <a:rPr lang="en-US" sz="1200" dirty="0">
+                <a:latin typeface="Georgia" panose="02040502050405020303" pitchFamily="18" charset="0"/>
+              </a:rPr>
+              <a:t>customer = </a:t>
+            </a:r>
+            <a:r>
+              <a:rPr lang="en-US" sz="1200" dirty="0" err="1">
+                <a:latin typeface="Georgia" panose="02040502050405020303" pitchFamily="18" charset="0"/>
+              </a:rPr>
+              <a:t>getCustomer</a:t>
+            </a:r>
+            <a:r>
+              <a:rPr lang="en-US" sz="1200" dirty="0">
+                <a:latin typeface="Georgia" panose="02040502050405020303" pitchFamily="18" charset="0"/>
+              </a:rPr>
+              <a:t>(</a:t>
+            </a:r>
+            <a:r>
+              <a:rPr lang="en-US" sz="1200" dirty="0" err="1">
+                <a:latin typeface="Georgia" panose="02040502050405020303" pitchFamily="18" charset="0"/>
+              </a:rPr>
+              <a:t>customerID</a:t>
+            </a:r>
+            <a:r>
+              <a:rPr lang="en-US" sz="1200" dirty="0">
+                <a:latin typeface="Georgia" panose="02040502050405020303" pitchFamily="18" charset="0"/>
+              </a:rPr>
+              <a:t>)</a:t>
+            </a:r>
+          </a:p>
+        </p:txBody>
+      </p:sp>
+      <p:cxnSp>
+        <p:nvCxnSpPr>
+          <p:cNvPr id="35" name="Straight Arrow Connector 34">
+            <a:extLst>
+              <a:ext uri="{FF2B5EF4-FFF2-40B4-BE49-F238E27FC236}">
+                <a16:creationId xmlns:a16="http://schemas.microsoft.com/office/drawing/2014/main" id="{4AC432BF-E6C7-478D-9500-8DE489C8B040}"/>
+              </a:ext>
+            </a:extLst>
+          </p:cNvPr>
+          <p:cNvCxnSpPr>
+            <a:cxnSpLocks/>
+          </p:cNvCxnSpPr>
+          <p:nvPr/>
+        </p:nvCxnSpPr>
+        <p:spPr>
+          <a:xfrm flipH="1" flipV="1">
+            <a:off x="4746577" y="3088773"/>
+            <a:ext cx="5562003" cy="20844"/>
+          </a:xfrm>
+          <a:prstGeom prst="straightConnector1">
+            <a:avLst/>
+          </a:prstGeom>
+          <a:ln>
+            <a:prstDash val="lgDash"/>
+            <a:tailEnd type="triangle"/>
+          </a:ln>
+        </p:spPr>
+        <p:style>
+          <a:lnRef idx="1">
+            <a:schemeClr val="dk1"/>
+          </a:lnRef>
+          <a:fillRef idx="0">
+            <a:schemeClr val="dk1"/>
           </a:fillRef>
           <a:effectRef idx="0">
-            <a:scrgbClr r="0" g="0" b="0"/>
+            <a:schemeClr val="dk1"/>
+          </a:effectRef>
+          <a:fontRef idx="minor">
+            <a:schemeClr val="tx1"/>
+          </a:fontRef>
+        </p:style>
+      </p:cxnSp>
+      <p:sp>
+        <p:nvSpPr>
+          <p:cNvPr id="37" name="TextBox 36">
+            <a:extLst>
+              <a:ext uri="{FF2B5EF4-FFF2-40B4-BE49-F238E27FC236}">
+                <a16:creationId xmlns:a16="http://schemas.microsoft.com/office/drawing/2014/main" id="{3A787CAD-8848-4F52-B975-D88577BFA689}"/>
+              </a:ext>
+            </a:extLst>
+          </p:cNvPr>
+          <p:cNvSpPr txBox="1"/>
+          <p:nvPr/>
+        </p:nvSpPr>
+        <p:spPr>
+          <a:xfrm>
+            <a:off x="5249918" y="2829061"/>
+            <a:ext cx="1119352" cy="276999"/>
+          </a:xfrm>
+          <a:prstGeom prst="rect">
+            <a:avLst/>
+          </a:prstGeom>
+          <a:noFill/>
+        </p:spPr>
+        <p:txBody>
+          <a:bodyPr wrap="square" rtlCol="0">
+            <a:spAutoFit/>
+          </a:bodyPr>
+          <a:lstStyle/>
+          <a:p>
+            <a:r>
+              <a:rPr lang="en-US" sz="1200" dirty="0">
+                <a:latin typeface="Georgia" panose="02040502050405020303" pitchFamily="18" charset="0"/>
+              </a:rPr>
+              <a:t>customer</a:t>
+            </a:r>
+          </a:p>
+        </p:txBody>
+      </p:sp>
+      <p:sp>
+        <p:nvSpPr>
+          <p:cNvPr id="44" name="TextBox 43">
+            <a:extLst>
+              <a:ext uri="{FF2B5EF4-FFF2-40B4-BE49-F238E27FC236}">
+                <a16:creationId xmlns:a16="http://schemas.microsoft.com/office/drawing/2014/main" id="{ADEF7C0C-F033-4F11-9602-CEFA4967DEC3}"/>
+              </a:ext>
+            </a:extLst>
+          </p:cNvPr>
+          <p:cNvSpPr txBox="1"/>
+          <p:nvPr/>
+        </p:nvSpPr>
+        <p:spPr>
+          <a:xfrm>
+            <a:off x="2228984" y="3104934"/>
+            <a:ext cx="1827744" cy="276999"/>
+          </a:xfrm>
+          <a:prstGeom prst="rect">
+            <a:avLst/>
+          </a:prstGeom>
+          <a:noFill/>
+        </p:spPr>
+        <p:txBody>
+          <a:bodyPr wrap="none" rtlCol="0">
+            <a:spAutoFit/>
+          </a:bodyPr>
+          <a:lstStyle/>
+          <a:p>
+            <a:r>
+              <a:rPr lang="en-US" sz="1200" dirty="0">
+                <a:latin typeface="Georgia" panose="02040502050405020303" pitchFamily="18" charset="0"/>
+              </a:rPr>
+              <a:t>[if customer is null] Exit</a:t>
+            </a:r>
+          </a:p>
+        </p:txBody>
+      </p:sp>
+      <p:cxnSp>
+        <p:nvCxnSpPr>
+          <p:cNvPr id="45" name="Straight Arrow Connector 44">
+            <a:extLst>
+              <a:ext uri="{FF2B5EF4-FFF2-40B4-BE49-F238E27FC236}">
+                <a16:creationId xmlns:a16="http://schemas.microsoft.com/office/drawing/2014/main" id="{1504929D-5B11-4438-A0DF-72797D2919C1}"/>
+              </a:ext>
+            </a:extLst>
+          </p:cNvPr>
+          <p:cNvCxnSpPr>
+            <a:cxnSpLocks/>
+          </p:cNvCxnSpPr>
+          <p:nvPr/>
+        </p:nvCxnSpPr>
+        <p:spPr>
+          <a:xfrm>
+            <a:off x="4713927" y="3805577"/>
+            <a:ext cx="2742171" cy="0"/>
+          </a:xfrm>
+          <a:prstGeom prst="straightConnector1">
+            <a:avLst/>
+          </a:prstGeom>
+          <a:ln>
+            <a:headEnd type="none" w="med" len="med"/>
+            <a:tailEnd type="arrow" w="med" len="med"/>
+          </a:ln>
+        </p:spPr>
+        <p:style>
+          <a:lnRef idx="3">
+            <a:schemeClr val="dk1"/>
+          </a:lnRef>
+          <a:fillRef idx="0">
+            <a:schemeClr val="dk1"/>
+          </a:fillRef>
+          <a:effectRef idx="2">
+            <a:schemeClr val="dk1"/>
+          </a:effectRef>
+          <a:fontRef idx="minor">
+            <a:schemeClr val="tx1"/>
+          </a:fontRef>
+        </p:style>
+      </p:cxnSp>
+      <p:sp>
+        <p:nvSpPr>
+          <p:cNvPr id="48" name="TextBox 47">
+            <a:extLst>
+              <a:ext uri="{FF2B5EF4-FFF2-40B4-BE49-F238E27FC236}">
+                <a16:creationId xmlns:a16="http://schemas.microsoft.com/office/drawing/2014/main" id="{C54D6F98-A152-456B-AD65-237C660848FF}"/>
+              </a:ext>
+            </a:extLst>
+          </p:cNvPr>
+          <p:cNvSpPr txBox="1"/>
+          <p:nvPr/>
+        </p:nvSpPr>
+        <p:spPr>
+          <a:xfrm>
+            <a:off x="4679230" y="3497579"/>
+            <a:ext cx="2858475" cy="276999"/>
+          </a:xfrm>
+          <a:prstGeom prst="rect">
+            <a:avLst/>
+          </a:prstGeom>
+          <a:noFill/>
+        </p:spPr>
+        <p:txBody>
+          <a:bodyPr wrap="none" rtlCol="0">
+            <a:spAutoFit/>
+          </a:bodyPr>
+          <a:lstStyle/>
+          <a:p>
+            <a:r>
+              <a:rPr lang="en-US" sz="1200" dirty="0" err="1">
+                <a:latin typeface="Georgia" panose="02040502050405020303" pitchFamily="18" charset="0"/>
+              </a:rPr>
+              <a:t>removeAllCustomerCards</a:t>
+            </a:r>
+            <a:r>
+              <a:rPr lang="en-US" sz="1200" dirty="0">
+                <a:latin typeface="Georgia" panose="02040502050405020303" pitchFamily="18" charset="0"/>
+              </a:rPr>
+              <a:t>(</a:t>
+            </a:r>
+            <a:r>
+              <a:rPr lang="en-US" sz="1200" dirty="0" err="1">
+                <a:latin typeface="Georgia" panose="02040502050405020303" pitchFamily="18" charset="0"/>
+              </a:rPr>
+              <a:t>customerID</a:t>
+            </a:r>
+            <a:r>
+              <a:rPr lang="en-US" sz="1200" dirty="0">
+                <a:latin typeface="Georgia" panose="02040502050405020303" pitchFamily="18" charset="0"/>
+              </a:rPr>
+              <a:t>)</a:t>
+            </a:r>
+          </a:p>
+        </p:txBody>
+      </p:sp>
+      <p:cxnSp>
+        <p:nvCxnSpPr>
+          <p:cNvPr id="49" name="Straight Arrow Connector 48">
+            <a:extLst>
+              <a:ext uri="{FF2B5EF4-FFF2-40B4-BE49-F238E27FC236}">
+                <a16:creationId xmlns:a16="http://schemas.microsoft.com/office/drawing/2014/main" id="{0C470854-543D-41BD-A194-C90BE203FF58}"/>
+              </a:ext>
+            </a:extLst>
+          </p:cNvPr>
+          <p:cNvCxnSpPr>
+            <a:cxnSpLocks/>
+          </p:cNvCxnSpPr>
+          <p:nvPr/>
+        </p:nvCxnSpPr>
+        <p:spPr>
+          <a:xfrm>
+            <a:off x="4724914" y="4488749"/>
+            <a:ext cx="5597243" cy="0"/>
+          </a:xfrm>
+          <a:prstGeom prst="straightConnector1">
+            <a:avLst/>
+          </a:prstGeom>
+          <a:ln>
+            <a:headEnd type="none" w="med" len="med"/>
+            <a:tailEnd type="arrow" w="med" len="med"/>
+          </a:ln>
+        </p:spPr>
+        <p:style>
+          <a:lnRef idx="3">
+            <a:schemeClr val="dk1"/>
+          </a:lnRef>
+          <a:fillRef idx="0">
+            <a:schemeClr val="dk1"/>
+          </a:fillRef>
+          <a:effectRef idx="2">
+            <a:schemeClr val="dk1"/>
+          </a:effectRef>
+          <a:fontRef idx="minor">
+            <a:schemeClr val="tx1"/>
+          </a:fontRef>
+        </p:style>
+      </p:cxnSp>
+      <p:sp>
+        <p:nvSpPr>
+          <p:cNvPr id="51" name="TextBox 50">
+            <a:extLst>
+              <a:ext uri="{FF2B5EF4-FFF2-40B4-BE49-F238E27FC236}">
+                <a16:creationId xmlns:a16="http://schemas.microsoft.com/office/drawing/2014/main" id="{932ED1CC-5D3A-458E-942F-820D48D6B625}"/>
+              </a:ext>
+            </a:extLst>
+          </p:cNvPr>
+          <p:cNvSpPr txBox="1"/>
+          <p:nvPr/>
+        </p:nvSpPr>
+        <p:spPr>
+          <a:xfrm>
+            <a:off x="7870839" y="4177934"/>
+            <a:ext cx="2276585" cy="276999"/>
+          </a:xfrm>
+          <a:prstGeom prst="rect">
+            <a:avLst/>
+          </a:prstGeom>
+          <a:noFill/>
+        </p:spPr>
+        <p:txBody>
+          <a:bodyPr wrap="none" rtlCol="0">
+            <a:spAutoFit/>
+          </a:bodyPr>
+          <a:lstStyle/>
+          <a:p>
+            <a:r>
+              <a:rPr lang="en-US" sz="1200" dirty="0" err="1">
+                <a:latin typeface="Georgia" panose="02040502050405020303" pitchFamily="18" charset="0"/>
+              </a:rPr>
+              <a:t>removeCustomer</a:t>
+            </a:r>
+            <a:r>
+              <a:rPr lang="en-US" sz="1200" dirty="0">
+                <a:latin typeface="Georgia" panose="02040502050405020303" pitchFamily="18" charset="0"/>
+              </a:rPr>
+              <a:t>(</a:t>
+            </a:r>
+            <a:r>
+              <a:rPr lang="en-US" sz="1200" dirty="0" err="1">
+                <a:latin typeface="Georgia" panose="02040502050405020303" pitchFamily="18" charset="0"/>
+              </a:rPr>
+              <a:t>customerID</a:t>
+            </a:r>
+            <a:r>
+              <a:rPr lang="en-US" sz="1200" dirty="0">
+                <a:latin typeface="Georgia" panose="02040502050405020303" pitchFamily="18" charset="0"/>
+              </a:rPr>
+              <a:t>)</a:t>
+            </a:r>
+          </a:p>
+        </p:txBody>
+      </p:sp>
+      <p:cxnSp>
+        <p:nvCxnSpPr>
+          <p:cNvPr id="53" name="Straight Arrow Connector 52">
+            <a:extLst>
+              <a:ext uri="{FF2B5EF4-FFF2-40B4-BE49-F238E27FC236}">
+                <a16:creationId xmlns:a16="http://schemas.microsoft.com/office/drawing/2014/main" id="{1CD321FF-4FEB-4D95-A30B-A0AAC7ED2821}"/>
+              </a:ext>
+            </a:extLst>
+          </p:cNvPr>
+          <p:cNvCxnSpPr>
+            <a:cxnSpLocks/>
+          </p:cNvCxnSpPr>
+          <p:nvPr/>
+        </p:nvCxnSpPr>
+        <p:spPr>
+          <a:xfrm flipH="1" flipV="1">
+            <a:off x="4740397" y="5247512"/>
+            <a:ext cx="5562003" cy="20844"/>
+          </a:xfrm>
+          <a:prstGeom prst="straightConnector1">
+            <a:avLst/>
+          </a:prstGeom>
+          <a:ln>
+            <a:prstDash val="lgDash"/>
+            <a:tailEnd type="triangle"/>
+          </a:ln>
+        </p:spPr>
+        <p:style>
+          <a:lnRef idx="1">
+            <a:schemeClr val="dk1"/>
+          </a:lnRef>
+          <a:fillRef idx="0">
+            <a:schemeClr val="dk1"/>
+          </a:fillRef>
+          <a:effectRef idx="0">
+            <a:schemeClr val="dk1"/>
+          </a:effectRef>
+          <a:fontRef idx="minor">
+            <a:schemeClr val="tx1"/>
+          </a:fontRef>
+        </p:style>
+      </p:cxnSp>
+      <p:sp>
+        <p:nvSpPr>
+          <p:cNvPr id="54" name="TextBox 53">
+            <a:extLst>
+              <a:ext uri="{FF2B5EF4-FFF2-40B4-BE49-F238E27FC236}">
+                <a16:creationId xmlns:a16="http://schemas.microsoft.com/office/drawing/2014/main" id="{ACB6A267-D33E-413E-A124-238DCB5CD001}"/>
+              </a:ext>
+            </a:extLst>
+          </p:cNvPr>
+          <p:cNvSpPr txBox="1"/>
+          <p:nvPr/>
+        </p:nvSpPr>
+        <p:spPr>
+          <a:xfrm>
+            <a:off x="5218136" y="4994771"/>
+            <a:ext cx="615874" cy="276999"/>
+          </a:xfrm>
+          <a:prstGeom prst="rect">
+            <a:avLst/>
+          </a:prstGeom>
+          <a:noFill/>
+        </p:spPr>
+        <p:txBody>
+          <a:bodyPr wrap="none" rtlCol="0">
+            <a:spAutoFit/>
+          </a:bodyPr>
+          <a:lstStyle/>
+          <a:p>
+            <a:r>
+              <a:rPr lang="en-US" sz="1200" dirty="0">
+                <a:latin typeface="Georgia" panose="02040502050405020303" pitchFamily="18" charset="0"/>
+              </a:rPr>
+              <a:t>Result</a:t>
+            </a:r>
+          </a:p>
+        </p:txBody>
+      </p:sp>
+      <p:sp>
+        <p:nvSpPr>
+          <p:cNvPr id="59" name="Multiplication Sign 58">
+            <a:extLst>
+              <a:ext uri="{FF2B5EF4-FFF2-40B4-BE49-F238E27FC236}">
+                <a16:creationId xmlns:a16="http://schemas.microsoft.com/office/drawing/2014/main" id="{60E6E58F-F539-4B69-8831-B633ACD68956}"/>
+              </a:ext>
+            </a:extLst>
+          </p:cNvPr>
+          <p:cNvSpPr/>
+          <p:nvPr/>
+        </p:nvSpPr>
+        <p:spPr>
+          <a:xfrm>
+            <a:off x="8915701" y="4686887"/>
+            <a:ext cx="394271" cy="472961"/>
+          </a:xfrm>
+          <a:prstGeom prst="mathMultiply">
+            <a:avLst/>
+          </a:prstGeom>
+        </p:spPr>
+        <p:style>
+          <a:lnRef idx="2">
+            <a:schemeClr val="accent1">
+              <a:shade val="50000"/>
+            </a:schemeClr>
+          </a:lnRef>
+          <a:fillRef idx="1">
+            <a:schemeClr val="accent1"/>
+          </a:fillRef>
+          <a:effectRef idx="0">
+            <a:schemeClr val="accent1"/>
+          </a:effectRef>
+          <a:fontRef idx="minor">
+            <a:schemeClr val="lt1"/>
+          </a:fontRef>
+        </p:style>
+        <p:txBody>
+          <a:bodyPr rtlCol="0" anchor="ctr"/>
+          <a:lstStyle/>
+          <a:p>
+            <a:pPr algn="ctr"/>
+            <a:endParaRPr lang="en-US"/>
+          </a:p>
+        </p:txBody>
+      </p:sp>
+      <p:cxnSp>
+        <p:nvCxnSpPr>
+          <p:cNvPr id="55" name="Straight Arrow Connector 54">
+            <a:extLst>
+              <a:ext uri="{FF2B5EF4-FFF2-40B4-BE49-F238E27FC236}">
+                <a16:creationId xmlns:a16="http://schemas.microsoft.com/office/drawing/2014/main" id="{EEB61AF7-36F4-459B-A44F-D36AE1947EC4}"/>
+              </a:ext>
+            </a:extLst>
+          </p:cNvPr>
+          <p:cNvCxnSpPr>
+            <a:cxnSpLocks/>
+          </p:cNvCxnSpPr>
+          <p:nvPr/>
+        </p:nvCxnSpPr>
+        <p:spPr>
+          <a:xfrm flipH="1" flipV="1">
+            <a:off x="9089128" y="4923367"/>
+            <a:ext cx="1213274" cy="15639"/>
+          </a:xfrm>
+          <a:prstGeom prst="straightConnector1">
+            <a:avLst/>
+          </a:prstGeom>
+          <a:ln>
+            <a:tailEnd type="triangle"/>
+          </a:ln>
+        </p:spPr>
+        <p:style>
+          <a:lnRef idx="3">
+            <a:schemeClr val="dk1"/>
+          </a:lnRef>
+          <a:fillRef idx="0">
+            <a:schemeClr val="dk1"/>
+          </a:fillRef>
+          <a:effectRef idx="2">
+            <a:schemeClr val="dk1"/>
           </a:effectRef>
           <a:fontRef idx="minor">
             <a:schemeClr val="tx1"/>
@@ -13842,10 +14494,10 @@
       </p:cxnSp>
       <p:cxnSp>
         <p:nvCxnSpPr>
-          <p:cNvPr id="26" name="Straight Connector 25">
-            <a:extLst>
-              <a:ext uri="{FF2B5EF4-FFF2-40B4-BE49-F238E27FC236}">
-                <a16:creationId xmlns:a16="http://schemas.microsoft.com/office/drawing/2014/main" id="{B81124A9-4D58-4417-BF4F-1D1A2A2E44FF}"/>
+          <p:cNvPr id="63" name="Straight Arrow Connector 62">
+            <a:extLst>
+              <a:ext uri="{FF2B5EF4-FFF2-40B4-BE49-F238E27FC236}">
+                <a16:creationId xmlns:a16="http://schemas.microsoft.com/office/drawing/2014/main" id="{234B27A5-FC54-4CE4-B8A1-833D464314BB}"/>
               </a:ext>
             </a:extLst>
           </p:cNvPr>
@@ -13855,140 +14507,118 @@
           <p:nvPr/>
         </p:nvCxnSpPr>
         <p:spPr>
-          <a:xfrm>
-            <a:off x="7495451" y="4542501"/>
-            <a:ext cx="45175" cy="1827308"/>
-          </a:xfrm>
-          <a:prstGeom prst="line">
-            <a:avLst/>
-          </a:prstGeom>
-          <a:ln w="9525" cap="flat" cmpd="sng" algn="ctr">
-            <a:solidFill>
-              <a:schemeClr val="dk1"/>
-            </a:solidFill>
-            <a:prstDash val="dash"/>
-            <a:round/>
-            <a:headEnd type="none" w="med" len="med"/>
-            <a:tailEnd type="none" w="med" len="med"/>
+          <a:xfrm flipH="1">
+            <a:off x="2177100" y="5492560"/>
+            <a:ext cx="2317315" cy="0"/>
+          </a:xfrm>
+          <a:prstGeom prst="straightConnector1">
+            <a:avLst/>
+          </a:prstGeom>
+          <a:ln>
+            <a:prstDash val="lgDash"/>
+            <a:tailEnd type="triangle"/>
           </a:ln>
         </p:spPr>
         <p:style>
-          <a:lnRef idx="0">
-            <a:scrgbClr r="0" g="0" b="0"/>
+          <a:lnRef idx="1">
+            <a:schemeClr val="dk1"/>
           </a:lnRef>
           <a:fillRef idx="0">
-            <a:scrgbClr r="0" g="0" b="0"/>
+            <a:schemeClr val="dk1"/>
           </a:fillRef>
           <a:effectRef idx="0">
-            <a:scrgbClr r="0" g="0" b="0"/>
+            <a:schemeClr val="dk1"/>
           </a:effectRef>
           <a:fontRef idx="minor">
             <a:schemeClr val="tx1"/>
           </a:fontRef>
         </p:style>
       </p:cxnSp>
+      <p:sp>
+        <p:nvSpPr>
+          <p:cNvPr id="65" name="TextBox 64">
+            <a:extLst>
+              <a:ext uri="{FF2B5EF4-FFF2-40B4-BE49-F238E27FC236}">
+                <a16:creationId xmlns:a16="http://schemas.microsoft.com/office/drawing/2014/main" id="{C95E5380-ECBF-4A70-B2B1-2A9B3277E738}"/>
+              </a:ext>
+            </a:extLst>
+          </p:cNvPr>
+          <p:cNvSpPr txBox="1"/>
+          <p:nvPr/>
+        </p:nvSpPr>
+        <p:spPr>
+          <a:xfrm>
+            <a:off x="2426191" y="5215561"/>
+            <a:ext cx="615874" cy="276999"/>
+          </a:xfrm>
+          <a:prstGeom prst="rect">
+            <a:avLst/>
+          </a:prstGeom>
+          <a:noFill/>
+        </p:spPr>
+        <p:txBody>
+          <a:bodyPr wrap="none" rtlCol="0">
+            <a:spAutoFit/>
+          </a:bodyPr>
+          <a:lstStyle/>
+          <a:p>
+            <a:r>
+              <a:rPr lang="en-US" sz="1200" dirty="0">
+                <a:latin typeface="Georgia" panose="02040502050405020303" pitchFamily="18" charset="0"/>
+              </a:rPr>
+              <a:t>Result</a:t>
+            </a:r>
+          </a:p>
+        </p:txBody>
+      </p:sp>
       <p:cxnSp>
         <p:nvCxnSpPr>
-          <p:cNvPr id="27" name="Straight Connector 26">
-            <a:extLst>
-              <a:ext uri="{FF2B5EF4-FFF2-40B4-BE49-F238E27FC236}">
-                <a16:creationId xmlns:a16="http://schemas.microsoft.com/office/drawing/2014/main" id="{969FB2FF-FA42-4C20-8466-B2BA1E996FFF}"/>
+          <p:cNvPr id="66" name="Straight Arrow Connector 65">
+            <a:extLst>
+              <a:ext uri="{FF2B5EF4-FFF2-40B4-BE49-F238E27FC236}">
+                <a16:creationId xmlns:a16="http://schemas.microsoft.com/office/drawing/2014/main" id="{14C24EB1-013B-49BF-A298-F4BEE5B7B0D3}"/>
               </a:ext>
             </a:extLst>
           </p:cNvPr>
           <p:cNvCxnSpPr>
             <a:cxnSpLocks/>
-            <a:endCxn id="24" idx="0"/>
           </p:cNvCxnSpPr>
           <p:nvPr/>
         </p:nvCxnSpPr>
         <p:spPr>
           <a:xfrm flipH="1">
-            <a:off x="10275200" y="1114021"/>
-            <a:ext cx="2" cy="1755018"/>
-          </a:xfrm>
-          <a:prstGeom prst="line">
-            <a:avLst/>
-          </a:prstGeom>
-          <a:ln w="9525" cap="flat" cmpd="sng" algn="ctr">
-            <a:solidFill>
-              <a:schemeClr val="dk1"/>
-            </a:solidFill>
-            <a:prstDash val="dash"/>
-            <a:round/>
-            <a:headEnd type="none" w="med" len="med"/>
-            <a:tailEnd type="none" w="med" len="med"/>
+            <a:off x="2177100" y="3475257"/>
+            <a:ext cx="2317315" cy="0"/>
+          </a:xfrm>
+          <a:prstGeom prst="straightConnector1">
+            <a:avLst/>
+          </a:prstGeom>
+          <a:ln>
+            <a:prstDash val="lgDash"/>
+            <a:tailEnd type="triangle"/>
           </a:ln>
         </p:spPr>
         <p:style>
-          <a:lnRef idx="0">
-            <a:scrgbClr r="0" g="0" b="0"/>
+          <a:lnRef idx="1">
+            <a:schemeClr val="dk1"/>
           </a:lnRef>
           <a:fillRef idx="0">
-            <a:scrgbClr r="0" g="0" b="0"/>
+            <a:schemeClr val="dk1"/>
           </a:fillRef>
           <a:effectRef idx="0">
-            <a:scrgbClr r="0" g="0" b="0"/>
+            <a:schemeClr val="dk1"/>
           </a:effectRef>
           <a:fontRef idx="minor">
             <a:schemeClr val="tx1"/>
           </a:fontRef>
         </p:style>
       </p:cxnSp>
-      <p:cxnSp>
-        <p:nvCxnSpPr>
-          <p:cNvPr id="28" name="Straight Connector 27">
-            <a:extLst>
-              <a:ext uri="{FF2B5EF4-FFF2-40B4-BE49-F238E27FC236}">
-                <a16:creationId xmlns:a16="http://schemas.microsoft.com/office/drawing/2014/main" id="{8F7B3924-8ADE-4E24-8F52-EF9F171CA264}"/>
-              </a:ext>
-            </a:extLst>
-          </p:cNvPr>
-          <p:cNvCxnSpPr>
-            <a:cxnSpLocks/>
-            <a:stCxn id="24" idx="2"/>
-          </p:cNvCxnSpPr>
-          <p:nvPr/>
-        </p:nvCxnSpPr>
-        <p:spPr>
-          <a:xfrm>
-            <a:off x="10275200" y="5029098"/>
-            <a:ext cx="0" cy="1292874"/>
-          </a:xfrm>
-          <a:prstGeom prst="line">
-            <a:avLst/>
-          </a:prstGeom>
-          <a:ln w="9525" cap="flat" cmpd="sng" algn="ctr">
-            <a:solidFill>
-              <a:schemeClr val="dk1"/>
-            </a:solidFill>
-            <a:prstDash val="dash"/>
-            <a:round/>
-            <a:headEnd type="none" w="med" len="med"/>
-            <a:tailEnd type="none" w="med" len="med"/>
-          </a:ln>
-        </p:spPr>
-        <p:style>
-          <a:lnRef idx="0">
-            <a:scrgbClr r="0" g="0" b="0"/>
-          </a:lnRef>
-          <a:fillRef idx="0">
-            <a:scrgbClr r="0" g="0" b="0"/>
-          </a:fillRef>
-          <a:effectRef idx="0">
-            <a:scrgbClr r="0" g="0" b="0"/>
-          </a:effectRef>
-          <a:fontRef idx="minor">
-            <a:schemeClr val="tx1"/>
-          </a:fontRef>
-        </p:style>
-      </p:cxnSp>
-      <p:sp>
-        <p:nvSpPr>
-          <p:cNvPr id="40" name="TextBox 39">
-            <a:extLst>
-              <a:ext uri="{FF2B5EF4-FFF2-40B4-BE49-F238E27FC236}">
-                <a16:creationId xmlns:a16="http://schemas.microsoft.com/office/drawing/2014/main" id="{E756C5C5-2CCA-4C2F-ADF1-5F88000B3F91}"/>
+      <p:sp>
+        <p:nvSpPr>
+          <p:cNvPr id="67" name="TextBox 66">
+            <a:extLst>
+              <a:ext uri="{FF2B5EF4-FFF2-40B4-BE49-F238E27FC236}">
+                <a16:creationId xmlns:a16="http://schemas.microsoft.com/office/drawing/2014/main" id="{DFA7D401-2E1E-4117-B994-71FC5A3C8CC7}"/>
               </a:ext>
             </a:extLst>
           </p:cNvPr>
@@ -13997,8 +14627,8 @@
         </p:nvSpPr>
         <p:spPr>
           <a:xfrm>
-            <a:off x="6983995" y="845660"/>
-            <a:ext cx="957313" cy="307777"/>
+            <a:off x="6194226" y="3801591"/>
+            <a:ext cx="1233030" cy="307777"/>
           </a:xfrm>
           <a:prstGeom prst="rect">
             <a:avLst/>
@@ -14012,20 +14642,20 @@
           <a:lstStyle/>
           <a:p>
             <a:r>
-              <a:rPr lang="en-US" sz="1400" u="sng" dirty="0">
+              <a:rPr lang="en-US" sz="1400" dirty="0">
                 <a:latin typeface="Georgia" panose="02040502050405020303" pitchFamily="18" charset="0"/>
               </a:rPr>
-              <a:t>Customer</a:t>
+              <a:t>&lt;&lt;destroy&gt;&gt;</a:t>
             </a:r>
           </a:p>
         </p:txBody>
       </p:sp>
       <p:cxnSp>
         <p:nvCxnSpPr>
-          <p:cNvPr id="43" name="Straight Connector 42">
-            <a:extLst>
-              <a:ext uri="{FF2B5EF4-FFF2-40B4-BE49-F238E27FC236}">
-                <a16:creationId xmlns:a16="http://schemas.microsoft.com/office/drawing/2014/main" id="{045ACB1A-D336-4433-8197-36942DDA8816}"/>
+          <p:cNvPr id="68" name="Straight Arrow Connector 67">
+            <a:extLst>
+              <a:ext uri="{FF2B5EF4-FFF2-40B4-BE49-F238E27FC236}">
+                <a16:creationId xmlns:a16="http://schemas.microsoft.com/office/drawing/2014/main" id="{F276646D-4CA0-40D6-9F13-B51B0DA941AE}"/>
               </a:ext>
             </a:extLst>
           </p:cNvPr>
@@ -14035,118 +14665,15 @@
           <p:nvPr/>
         </p:nvCxnSpPr>
         <p:spPr>
-          <a:xfrm>
-            <a:off x="4629396" y="1043153"/>
-            <a:ext cx="0" cy="240527"/>
-          </a:xfrm>
-          <a:prstGeom prst="line">
-            <a:avLst/>
-          </a:prstGeom>
-          <a:ln w="9525" cap="flat" cmpd="sng" algn="ctr">
-            <a:solidFill>
-              <a:schemeClr val="dk1"/>
-            </a:solidFill>
-            <a:prstDash val="dash"/>
-            <a:round/>
-            <a:headEnd type="none" w="med" len="med"/>
-            <a:tailEnd type="none" w="med" len="med"/>
-          </a:ln>
-        </p:spPr>
-        <p:style>
-          <a:lnRef idx="0">
-            <a:scrgbClr r="0" g="0" b="0"/>
-          </a:lnRef>
-          <a:fillRef idx="0">
-            <a:scrgbClr r="0" g="0" b="0"/>
-          </a:fillRef>
-          <a:effectRef idx="0">
-            <a:scrgbClr r="0" g="0" b="0"/>
-          </a:effectRef>
-          <a:fontRef idx="minor">
-            <a:schemeClr val="tx1"/>
-          </a:fontRef>
-        </p:style>
-      </p:cxnSp>
-      <p:sp>
-        <p:nvSpPr>
-          <p:cNvPr id="46" name="TextBox 45">
-            <a:extLst>
-              <a:ext uri="{FF2B5EF4-FFF2-40B4-BE49-F238E27FC236}">
-                <a16:creationId xmlns:a16="http://schemas.microsoft.com/office/drawing/2014/main" id="{C8E3622D-B120-462A-A74E-93D1A1FF6AAC}"/>
-              </a:ext>
-            </a:extLst>
-          </p:cNvPr>
-          <p:cNvSpPr txBox="1"/>
-          <p:nvPr/>
-        </p:nvSpPr>
-        <p:spPr>
-          <a:xfrm>
-            <a:off x="2137282" y="2344073"/>
-            <a:ext cx="2249334" cy="276999"/>
-          </a:xfrm>
-          <a:prstGeom prst="rect">
-            <a:avLst/>
-          </a:prstGeom>
-          <a:noFill/>
-        </p:spPr>
-        <p:txBody>
-          <a:bodyPr wrap="none" rtlCol="0">
-            <a:spAutoFit/>
-          </a:bodyPr>
-          <a:lstStyle/>
-          <a:p>
-            <a:r>
-              <a:rPr lang="en-US" sz="1200" dirty="0" err="1">
-                <a:latin typeface="Georgia" panose="02040502050405020303" pitchFamily="18" charset="0"/>
-              </a:rPr>
-              <a:t>removeCustomer</a:t>
-            </a:r>
-            <a:r>
-              <a:rPr lang="en-US" sz="1200" dirty="0">
-                <a:latin typeface="Georgia" panose="02040502050405020303" pitchFamily="18" charset="0"/>
-              </a:rPr>
-              <a:t>(</a:t>
-            </a:r>
-            <a:r>
-              <a:rPr lang="en-US" sz="1200" dirty="0" err="1">
-                <a:latin typeface="Georgia" panose="02040502050405020303" pitchFamily="18" charset="0"/>
-              </a:rPr>
-              <a:t>customerId</a:t>
-            </a:r>
-            <a:r>
-              <a:rPr lang="en-US" sz="1200" dirty="0">
-                <a:latin typeface="Georgia" panose="02040502050405020303" pitchFamily="18" charset="0"/>
-              </a:rPr>
-              <a:t>)</a:t>
-            </a:r>
-          </a:p>
-        </p:txBody>
-      </p:sp>
-      <p:cxnSp>
-        <p:nvCxnSpPr>
-          <p:cNvPr id="47" name="Straight Arrow Connector 46">
-            <a:extLst>
-              <a:ext uri="{FF2B5EF4-FFF2-40B4-BE49-F238E27FC236}">
-                <a16:creationId xmlns:a16="http://schemas.microsoft.com/office/drawing/2014/main" id="{11EB37F8-D52F-4BBF-941A-3BE8A4825B06}"/>
-              </a:ext>
-            </a:extLst>
-          </p:cNvPr>
-          <p:cNvCxnSpPr>
-            <a:cxnSpLocks/>
-          </p:cNvCxnSpPr>
-          <p:nvPr/>
-        </p:nvCxnSpPr>
-        <p:spPr>
-          <a:xfrm>
-            <a:off x="2170386" y="2649439"/>
-            <a:ext cx="2324029" cy="0"/>
+          <a:xfrm flipH="1" flipV="1">
+            <a:off x="6204104" y="4135364"/>
+            <a:ext cx="1213274" cy="15639"/>
           </a:xfrm>
           <a:prstGeom prst="straightConnector1">
             <a:avLst/>
           </a:prstGeom>
           <a:ln>
-            <a:headEnd type="none" w="med" len="med"/>
-            <a:tailEnd type="arrow" w="med" len="med"/>
+            <a:tailEnd type="triangle"/>
           </a:ln>
         </p:spPr>
         <p:style>

--- a/Sequence charts/Sequence Charts.pptx
+++ b/Sequence charts/Sequence Charts.pptx
@@ -272,7 +272,7 @@
           <a:p>
             <a:fld id="{1C1F3817-498B-459A-928B-153134D14AF2}" type="datetimeFigureOut">
               <a:rPr lang="en-US" smtClean="0"/>
-              <a:t>2/25/2018</a:t>
+              <a:t>2/27/2018</a:t>
             </a:fld>
             <a:endParaRPr lang="en-US"/>
           </a:p>
@@ -470,7 +470,7 @@
           <a:p>
             <a:fld id="{1C1F3817-498B-459A-928B-153134D14AF2}" type="datetimeFigureOut">
               <a:rPr lang="en-US" smtClean="0"/>
-              <a:t>2/25/2018</a:t>
+              <a:t>2/27/2018</a:t>
             </a:fld>
             <a:endParaRPr lang="en-US"/>
           </a:p>
@@ -678,7 +678,7 @@
           <a:p>
             <a:fld id="{1C1F3817-498B-459A-928B-153134D14AF2}" type="datetimeFigureOut">
               <a:rPr lang="en-US" smtClean="0"/>
-              <a:t>2/25/2018</a:t>
+              <a:t>2/27/2018</a:t>
             </a:fld>
             <a:endParaRPr lang="en-US"/>
           </a:p>
@@ -876,7 +876,7 @@
           <a:p>
             <a:fld id="{1C1F3817-498B-459A-928B-153134D14AF2}" type="datetimeFigureOut">
               <a:rPr lang="en-US" smtClean="0"/>
-              <a:t>2/25/2018</a:t>
+              <a:t>2/27/2018</a:t>
             </a:fld>
             <a:endParaRPr lang="en-US"/>
           </a:p>
@@ -1151,7 +1151,7 @@
           <a:p>
             <a:fld id="{1C1F3817-498B-459A-928B-153134D14AF2}" type="datetimeFigureOut">
               <a:rPr lang="en-US" smtClean="0"/>
-              <a:t>2/25/2018</a:t>
+              <a:t>2/27/2018</a:t>
             </a:fld>
             <a:endParaRPr lang="en-US"/>
           </a:p>
@@ -1416,7 +1416,7 @@
           <a:p>
             <a:fld id="{1C1F3817-498B-459A-928B-153134D14AF2}" type="datetimeFigureOut">
               <a:rPr lang="en-US" smtClean="0"/>
-              <a:t>2/25/2018</a:t>
+              <a:t>2/27/2018</a:t>
             </a:fld>
             <a:endParaRPr lang="en-US"/>
           </a:p>
@@ -1828,7 +1828,7 @@
           <a:p>
             <a:fld id="{1C1F3817-498B-459A-928B-153134D14AF2}" type="datetimeFigureOut">
               <a:rPr lang="en-US" smtClean="0"/>
-              <a:t>2/25/2018</a:t>
+              <a:t>2/27/2018</a:t>
             </a:fld>
             <a:endParaRPr lang="en-US"/>
           </a:p>
@@ -1969,7 +1969,7 @@
           <a:p>
             <a:fld id="{1C1F3817-498B-459A-928B-153134D14AF2}" type="datetimeFigureOut">
               <a:rPr lang="en-US" smtClean="0"/>
-              <a:t>2/25/2018</a:t>
+              <a:t>2/27/2018</a:t>
             </a:fld>
             <a:endParaRPr lang="en-US"/>
           </a:p>
@@ -2082,7 +2082,7 @@
           <a:p>
             <a:fld id="{1C1F3817-498B-459A-928B-153134D14AF2}" type="datetimeFigureOut">
               <a:rPr lang="en-US" smtClean="0"/>
-              <a:t>2/25/2018</a:t>
+              <a:t>2/27/2018</a:t>
             </a:fld>
             <a:endParaRPr lang="en-US"/>
           </a:p>
@@ -2393,7 +2393,7 @@
           <a:p>
             <a:fld id="{1C1F3817-498B-459A-928B-153134D14AF2}" type="datetimeFigureOut">
               <a:rPr lang="en-US" smtClean="0"/>
-              <a:t>2/25/2018</a:t>
+              <a:t>2/27/2018</a:t>
             </a:fld>
             <a:endParaRPr lang="en-US"/>
           </a:p>
@@ -2681,7 +2681,7 @@
           <a:p>
             <a:fld id="{1C1F3817-498B-459A-928B-153134D14AF2}" type="datetimeFigureOut">
               <a:rPr lang="en-US" smtClean="0"/>
-              <a:t>2/25/2018</a:t>
+              <a:t>2/27/2018</a:t>
             </a:fld>
             <a:endParaRPr lang="en-US"/>
           </a:p>
@@ -2922,7 +2922,7 @@
           <a:p>
             <a:fld id="{1C1F3817-498B-459A-928B-153134D14AF2}" type="datetimeFigureOut">
               <a:rPr lang="en-US" smtClean="0"/>
-              <a:t>2/25/2018</a:t>
+              <a:t>2/27/2018</a:t>
             </a:fld>
             <a:endParaRPr lang="en-US"/>
           </a:p>
@@ -3800,97 +3800,6 @@
           </a:p>
         </p:txBody>
       </p:sp>
-      <p:sp>
-        <p:nvSpPr>
-          <p:cNvPr id="6" name="Rectangle 5">
-            <a:extLst>
-              <a:ext uri="{FF2B5EF4-FFF2-40B4-BE49-F238E27FC236}">
-                <a16:creationId xmlns:a16="http://schemas.microsoft.com/office/drawing/2014/main" id="{5993E7F0-A172-4838-883D-6CEFEA31C010}"/>
-              </a:ext>
-            </a:extLst>
-          </p:cNvPr>
-          <p:cNvSpPr/>
-          <p:nvPr/>
-        </p:nvSpPr>
-        <p:spPr>
-          <a:xfrm>
-            <a:off x="2001329" y="1114021"/>
-            <a:ext cx="169057" cy="4913656"/>
-          </a:xfrm>
-          <a:prstGeom prst="rect">
-            <a:avLst/>
-          </a:prstGeom>
-          <a:solidFill>
-            <a:schemeClr val="bg2"/>
-          </a:solidFill>
-          <a:ln>
-            <a:solidFill>
-              <a:schemeClr val="tx1"/>
-            </a:solidFill>
-          </a:ln>
-        </p:spPr>
-        <p:style>
-          <a:lnRef idx="2">
-            <a:schemeClr val="accent1">
-              <a:shade val="50000"/>
-            </a:schemeClr>
-          </a:lnRef>
-          <a:fillRef idx="1">
-            <a:schemeClr val="accent1"/>
-          </a:fillRef>
-          <a:effectRef idx="0">
-            <a:schemeClr val="accent1"/>
-          </a:effectRef>
-          <a:fontRef idx="minor">
-            <a:schemeClr val="lt1"/>
-          </a:fontRef>
-        </p:style>
-        <p:txBody>
-          <a:bodyPr rtlCol="0" anchor="ctr"/>
-          <a:lstStyle/>
-          <a:p>
-            <a:pPr algn="ctr"/>
-            <a:endParaRPr lang="en-US"/>
-          </a:p>
-        </p:txBody>
-      </p:sp>
-      <p:sp>
-        <p:nvSpPr>
-          <p:cNvPr id="7" name="TextBox 6">
-            <a:extLst>
-              <a:ext uri="{FF2B5EF4-FFF2-40B4-BE49-F238E27FC236}">
-                <a16:creationId xmlns:a16="http://schemas.microsoft.com/office/drawing/2014/main" id="{8D400405-8429-45D0-A6D6-38BE802C9D65}"/>
-              </a:ext>
-            </a:extLst>
-          </p:cNvPr>
-          <p:cNvSpPr txBox="1"/>
-          <p:nvPr/>
-        </p:nvSpPr>
-        <p:spPr>
-          <a:xfrm>
-            <a:off x="1389993" y="783735"/>
-            <a:ext cx="1391728" cy="307777"/>
-          </a:xfrm>
-          <a:prstGeom prst="rect">
-            <a:avLst/>
-          </a:prstGeom>
-          <a:noFill/>
-        </p:spPr>
-        <p:txBody>
-          <a:bodyPr wrap="none" rtlCol="0">
-            <a:spAutoFit/>
-          </a:bodyPr>
-          <a:lstStyle/>
-          <a:p>
-            <a:r>
-              <a:rPr lang="en-US" sz="1400" u="sng" dirty="0">
-                <a:latin typeface="Georgia" panose="02040502050405020303" pitchFamily="18" charset="0"/>
-              </a:rPr>
-              <a:t>Command GUI</a:t>
-            </a:r>
-          </a:p>
-        </p:txBody>
-      </p:sp>
       <p:pic>
         <p:nvPicPr>
           <p:cNvPr id="9" name="Graphic 8" descr="User">
@@ -3969,10 +3878,10 @@
       </p:sp>
       <p:cxnSp>
         <p:nvCxnSpPr>
-          <p:cNvPr id="13" name="Straight Arrow Connector 12">
-            <a:extLst>
-              <a:ext uri="{FF2B5EF4-FFF2-40B4-BE49-F238E27FC236}">
-                <a16:creationId xmlns:a16="http://schemas.microsoft.com/office/drawing/2014/main" id="{C92A00A1-D5F3-47EB-A5AB-07025FE787B1}"/>
+          <p:cNvPr id="20" name="Straight Connector 19">
+            <a:extLst>
+              <a:ext uri="{FF2B5EF4-FFF2-40B4-BE49-F238E27FC236}">
+                <a16:creationId xmlns:a16="http://schemas.microsoft.com/office/drawing/2014/main" id="{093D5B23-CD8E-4B7F-9953-8B4E721B9BC0}"/>
               </a:ext>
             </a:extLst>
           </p:cNvPr>
@@ -3983,20 +3892,20 @@
         </p:nvCxnSpPr>
         <p:spPr>
           <a:xfrm>
-            <a:off x="940676" y="1334813"/>
-            <a:ext cx="1060653" cy="0"/>
-          </a:xfrm>
-          <a:prstGeom prst="straightConnector1">
+            <a:off x="3925614" y="5505876"/>
+            <a:ext cx="0" cy="816096"/>
+          </a:xfrm>
+          <a:prstGeom prst="line">
             <a:avLst/>
           </a:prstGeom>
           <a:ln w="9525" cap="flat" cmpd="sng" algn="ctr">
             <a:solidFill>
               <a:schemeClr val="dk1"/>
             </a:solidFill>
-            <a:prstDash val="solid"/>
+            <a:prstDash val="dash"/>
             <a:round/>
             <a:headEnd type="none" w="med" len="med"/>
-            <a:tailEnd type="arrow" w="med" len="med"/>
+            <a:tailEnd type="none" w="med" len="med"/>
           </a:ln>
         </p:spPr>
         <p:style>
@@ -4014,189 +3923,36 @@
           </a:fontRef>
         </p:style>
       </p:cxnSp>
-      <p:sp>
-        <p:nvSpPr>
-          <p:cNvPr id="16" name="Rectangle 15">
-            <a:extLst>
-              <a:ext uri="{FF2B5EF4-FFF2-40B4-BE49-F238E27FC236}">
-                <a16:creationId xmlns:a16="http://schemas.microsoft.com/office/drawing/2014/main" id="{0285C4BD-12F1-4D93-81B0-4B81C5DE0ACF}"/>
-              </a:ext>
-            </a:extLst>
-          </p:cNvPr>
-          <p:cNvSpPr/>
-          <p:nvPr/>
-        </p:nvSpPr>
-        <p:spPr>
-          <a:xfrm>
-            <a:off x="3851150" y="1114021"/>
-            <a:ext cx="169057" cy="4391855"/>
-          </a:xfrm>
-          <a:prstGeom prst="rect">
-            <a:avLst/>
-          </a:prstGeom>
-          <a:solidFill>
-            <a:schemeClr val="bg2"/>
-          </a:solidFill>
-          <a:ln>
-            <a:solidFill>
-              <a:schemeClr val="tx1"/>
-            </a:solidFill>
-          </a:ln>
-        </p:spPr>
-        <p:style>
-          <a:lnRef idx="2">
-            <a:schemeClr val="accent1">
-              <a:shade val="50000"/>
-            </a:schemeClr>
-          </a:lnRef>
-          <a:fillRef idx="1">
-            <a:schemeClr val="accent1"/>
-          </a:fillRef>
-          <a:effectRef idx="0">
-            <a:schemeClr val="accent1"/>
-          </a:effectRef>
-          <a:fontRef idx="minor">
-            <a:schemeClr val="lt1"/>
-          </a:fontRef>
-        </p:style>
-        <p:txBody>
-          <a:bodyPr rtlCol="0" anchor="ctr"/>
-          <a:lstStyle/>
-          <a:p>
-            <a:pPr algn="ctr"/>
-            <a:endParaRPr lang="en-US"/>
-          </a:p>
-        </p:txBody>
-      </p:sp>
-      <p:sp>
-        <p:nvSpPr>
-          <p:cNvPr id="17" name="TextBox 16">
-            <a:extLst>
-              <a:ext uri="{FF2B5EF4-FFF2-40B4-BE49-F238E27FC236}">
-                <a16:creationId xmlns:a16="http://schemas.microsoft.com/office/drawing/2014/main" id="{5F14A1DD-3841-44CD-81BB-FC50BB190866}"/>
-              </a:ext>
-            </a:extLst>
-          </p:cNvPr>
-          <p:cNvSpPr txBox="1"/>
-          <p:nvPr/>
-        </p:nvSpPr>
-        <p:spPr>
-          <a:xfrm>
-            <a:off x="3536369" y="780958"/>
-            <a:ext cx="798617" cy="307777"/>
-          </a:xfrm>
-          <a:prstGeom prst="rect">
-            <a:avLst/>
-          </a:prstGeom>
-          <a:noFill/>
-        </p:spPr>
-        <p:txBody>
-          <a:bodyPr wrap="none" rtlCol="0">
-            <a:spAutoFit/>
-          </a:bodyPr>
-          <a:lstStyle/>
-          <a:p>
-            <a:r>
-              <a:rPr lang="en-US" sz="1400" u="sng" dirty="0">
-                <a:latin typeface="Georgia" panose="02040502050405020303" pitchFamily="18" charset="0"/>
-              </a:rPr>
-              <a:t>Theater</a:t>
-            </a:r>
-          </a:p>
-        </p:txBody>
-      </p:sp>
-      <p:cxnSp>
-        <p:nvCxnSpPr>
-          <p:cNvPr id="19" name="Straight Connector 18">
-            <a:extLst>
-              <a:ext uri="{FF2B5EF4-FFF2-40B4-BE49-F238E27FC236}">
-                <a16:creationId xmlns:a16="http://schemas.microsoft.com/office/drawing/2014/main" id="{3145678D-8CB4-4933-BC4C-B105C5495678}"/>
-              </a:ext>
-            </a:extLst>
-          </p:cNvPr>
-          <p:cNvCxnSpPr/>
-          <p:nvPr/>
-        </p:nvCxnSpPr>
-        <p:spPr>
-          <a:xfrm>
-            <a:off x="2065283" y="6027677"/>
-            <a:ext cx="0" cy="294295"/>
-          </a:xfrm>
-          <a:prstGeom prst="line">
-            <a:avLst/>
-          </a:prstGeom>
-          <a:ln w="9525" cap="flat" cmpd="sng" algn="ctr">
-            <a:solidFill>
-              <a:schemeClr val="dk1"/>
-            </a:solidFill>
-            <a:prstDash val="dash"/>
-            <a:round/>
-            <a:headEnd type="none" w="med" len="med"/>
-            <a:tailEnd type="none" w="med" len="med"/>
-          </a:ln>
-        </p:spPr>
-        <p:style>
-          <a:lnRef idx="0">
-            <a:scrgbClr r="0" g="0" b="0"/>
-          </a:lnRef>
-          <a:fillRef idx="0">
-            <a:scrgbClr r="0" g="0" b="0"/>
-          </a:fillRef>
-          <a:effectRef idx="0">
-            <a:scrgbClr r="0" g="0" b="0"/>
-          </a:effectRef>
-          <a:fontRef idx="minor">
-            <a:schemeClr val="tx1"/>
-          </a:fontRef>
-        </p:style>
-      </p:cxnSp>
-      <p:cxnSp>
-        <p:nvCxnSpPr>
-          <p:cNvPr id="20" name="Straight Connector 19">
-            <a:extLst>
-              <a:ext uri="{FF2B5EF4-FFF2-40B4-BE49-F238E27FC236}">
-                <a16:creationId xmlns:a16="http://schemas.microsoft.com/office/drawing/2014/main" id="{093D5B23-CD8E-4B7F-9953-8B4E721B9BC0}"/>
-              </a:ext>
-            </a:extLst>
-          </p:cNvPr>
-          <p:cNvCxnSpPr>
-            <a:cxnSpLocks/>
-          </p:cNvCxnSpPr>
-          <p:nvPr/>
-        </p:nvCxnSpPr>
-        <p:spPr>
-          <a:xfrm>
-            <a:off x="3925614" y="5505876"/>
-            <a:ext cx="0" cy="816096"/>
-          </a:xfrm>
-          <a:prstGeom prst="line">
-            <a:avLst/>
-          </a:prstGeom>
-          <a:ln w="9525" cap="flat" cmpd="sng" algn="ctr">
-            <a:solidFill>
-              <a:schemeClr val="dk1"/>
-            </a:solidFill>
-            <a:prstDash val="dash"/>
-            <a:round/>
-            <a:headEnd type="none" w="med" len="med"/>
-            <a:tailEnd type="none" w="med" len="med"/>
-          </a:ln>
-        </p:spPr>
-        <p:style>
-          <a:lnRef idx="0">
-            <a:scrgbClr r="0" g="0" b="0"/>
-          </a:lnRef>
-          <a:fillRef idx="0">
-            <a:scrgbClr r="0" g="0" b="0"/>
-          </a:fillRef>
-          <a:effectRef idx="0">
-            <a:scrgbClr r="0" g="0" b="0"/>
-          </a:effectRef>
-          <a:fontRef idx="minor">
-            <a:schemeClr val="tx1"/>
-          </a:fontRef>
-        </p:style>
-      </p:cxnSp>
+      <p:pic>
+        <p:nvPicPr>
+          <p:cNvPr id="14" name="Picture 13">
+            <a:extLst>
+              <a:ext uri="{FF2B5EF4-FFF2-40B4-BE49-F238E27FC236}">
+                <a16:creationId xmlns:a16="http://schemas.microsoft.com/office/drawing/2014/main" id="{B1882029-DF71-4407-A56F-B3D355A51444}"/>
+              </a:ext>
+            </a:extLst>
+          </p:cNvPr>
+          <p:cNvPicPr>
+            <a:picLocks noChangeAspect="1"/>
+          </p:cNvPicPr>
+          <p:nvPr/>
+        </p:nvPicPr>
+        <p:blipFill>
+          <a:blip r:embed="rId4"/>
+          <a:stretch>
+            <a:fillRect/>
+          </a:stretch>
+        </p:blipFill>
+        <p:spPr>
+          <a:xfrm>
+            <a:off x="2138603" y="1524215"/>
+            <a:ext cx="7706012" cy="4718713"/>
+          </a:xfrm>
+          <a:prstGeom prst="rect">
+            <a:avLst/>
+          </a:prstGeom>
+        </p:spPr>
+      </p:pic>
     </p:spTree>
     <p:extLst>
       <p:ext uri="{BB962C8B-B14F-4D97-AF65-F5344CB8AC3E}">
@@ -4276,140 +4032,12 @@
           </a:p>
         </p:txBody>
       </p:sp>
-      <p:sp>
-        <p:nvSpPr>
-          <p:cNvPr id="5" name="TextBox 4">
-            <a:extLst>
-              <a:ext uri="{FF2B5EF4-FFF2-40B4-BE49-F238E27FC236}">
-                <a16:creationId xmlns:a16="http://schemas.microsoft.com/office/drawing/2014/main" id="{EED46A86-C106-4596-9342-011EAB247CB0}"/>
-              </a:ext>
-            </a:extLst>
-          </p:cNvPr>
-          <p:cNvSpPr txBox="1"/>
-          <p:nvPr/>
-        </p:nvSpPr>
-        <p:spPr>
-          <a:xfrm>
-            <a:off x="4698124" y="216196"/>
-            <a:ext cx="3751348" cy="369332"/>
-          </a:xfrm>
-          <a:prstGeom prst="rect">
-            <a:avLst/>
-          </a:prstGeom>
-          <a:noFill/>
-        </p:spPr>
-        <p:txBody>
-          <a:bodyPr wrap="none" rtlCol="0">
-            <a:spAutoFit/>
-          </a:bodyPr>
-          <a:lstStyle/>
-          <a:p>
-            <a:r>
-              <a:rPr lang="en-US" b="1" dirty="0">
-                <a:latin typeface="Georgia" panose="02040502050405020303" pitchFamily="18" charset="0"/>
-              </a:rPr>
-              <a:t>List Shows Sequence Diagram</a:t>
-            </a:r>
-          </a:p>
-        </p:txBody>
-      </p:sp>
-      <p:sp>
-        <p:nvSpPr>
-          <p:cNvPr id="6" name="Rectangle 5">
-            <a:extLst>
-              <a:ext uri="{FF2B5EF4-FFF2-40B4-BE49-F238E27FC236}">
-                <a16:creationId xmlns:a16="http://schemas.microsoft.com/office/drawing/2014/main" id="{5993E7F0-A172-4838-883D-6CEFEA31C010}"/>
-              </a:ext>
-            </a:extLst>
-          </p:cNvPr>
-          <p:cNvSpPr/>
-          <p:nvPr/>
-        </p:nvSpPr>
-        <p:spPr>
-          <a:xfrm>
-            <a:off x="2001329" y="1114021"/>
-            <a:ext cx="169057" cy="4913656"/>
-          </a:xfrm>
-          <a:prstGeom prst="rect">
-            <a:avLst/>
-          </a:prstGeom>
-          <a:solidFill>
-            <a:schemeClr val="bg2"/>
-          </a:solidFill>
-          <a:ln>
-            <a:solidFill>
-              <a:schemeClr val="tx1"/>
-            </a:solidFill>
-          </a:ln>
-        </p:spPr>
-        <p:style>
-          <a:lnRef idx="2">
-            <a:schemeClr val="accent1">
-              <a:shade val="50000"/>
-            </a:schemeClr>
-          </a:lnRef>
-          <a:fillRef idx="1">
-            <a:schemeClr val="accent1"/>
-          </a:fillRef>
-          <a:effectRef idx="0">
-            <a:schemeClr val="accent1"/>
-          </a:effectRef>
-          <a:fontRef idx="minor">
-            <a:schemeClr val="lt1"/>
-          </a:fontRef>
-        </p:style>
-        <p:txBody>
-          <a:bodyPr rtlCol="0" anchor="ctr"/>
-          <a:lstStyle/>
-          <a:p>
-            <a:pPr algn="ctr"/>
-            <a:endParaRPr lang="en-US"/>
-          </a:p>
-        </p:txBody>
-      </p:sp>
-      <p:sp>
-        <p:nvSpPr>
-          <p:cNvPr id="7" name="TextBox 6">
-            <a:extLst>
-              <a:ext uri="{FF2B5EF4-FFF2-40B4-BE49-F238E27FC236}">
-                <a16:creationId xmlns:a16="http://schemas.microsoft.com/office/drawing/2014/main" id="{8D400405-8429-45D0-A6D6-38BE802C9D65}"/>
-              </a:ext>
-            </a:extLst>
-          </p:cNvPr>
-          <p:cNvSpPr txBox="1"/>
-          <p:nvPr/>
-        </p:nvSpPr>
-        <p:spPr>
-          <a:xfrm>
-            <a:off x="1389993" y="783735"/>
-            <a:ext cx="1391728" cy="307777"/>
-          </a:xfrm>
-          <a:prstGeom prst="rect">
-            <a:avLst/>
-          </a:prstGeom>
-          <a:noFill/>
-        </p:spPr>
-        <p:txBody>
-          <a:bodyPr wrap="none" rtlCol="0">
-            <a:spAutoFit/>
-          </a:bodyPr>
-          <a:lstStyle/>
-          <a:p>
-            <a:r>
-              <a:rPr lang="en-US" sz="1400" u="sng" dirty="0">
-                <a:latin typeface="Georgia" panose="02040502050405020303" pitchFamily="18" charset="0"/>
-              </a:rPr>
-              <a:t>Command GUI</a:t>
-            </a:r>
-          </a:p>
-        </p:txBody>
-      </p:sp>
       <p:pic>
         <p:nvPicPr>
-          <p:cNvPr id="9" name="Graphic 8" descr="User">
-            <a:extLst>
-              <a:ext uri="{FF2B5EF4-FFF2-40B4-BE49-F238E27FC236}">
-                <a16:creationId xmlns:a16="http://schemas.microsoft.com/office/drawing/2014/main" id="{8CBF6EE1-F802-4256-A0A6-A52931E0F7B8}"/>
+          <p:cNvPr id="3" name="Picture 2">
+            <a:extLst>
+              <a:ext uri="{FF2B5EF4-FFF2-40B4-BE49-F238E27FC236}">
+                <a16:creationId xmlns:a16="http://schemas.microsoft.com/office/drawing/2014/main" id="{5A55EE46-589E-46AE-A2C0-9C01D447812D}"/>
               </a:ext>
             </a:extLst>
           </p:cNvPr>
@@ -4423,9 +4051,6 @@
             <a:extLst>
               <a:ext uri="{28A0092B-C50C-407E-A947-70E740481C1C}">
                 <a14:useLocalDpi xmlns:a14="http://schemas.microsoft.com/office/drawing/2010/main" val="0"/>
-              </a:ext>
-              <a:ext uri="{96DAC541-7B7A-43D3-8B79-37D633B846F1}">
-                <asvg:svgBlip xmlns:asvg="http://schemas.microsoft.com/office/drawing/2016/SVG/main" r:embed="rId3"/>
               </a:ext>
             </a:extLst>
           </a:blip>
@@ -4435,6 +4060,82 @@
         </p:blipFill>
         <p:spPr>
           <a:xfrm>
+            <a:off x="1268960" y="2266828"/>
+            <a:ext cx="10239376" cy="3233487"/>
+          </a:xfrm>
+          <a:prstGeom prst="rect">
+            <a:avLst/>
+          </a:prstGeom>
+        </p:spPr>
+      </p:pic>
+      <p:sp>
+        <p:nvSpPr>
+          <p:cNvPr id="5" name="TextBox 4">
+            <a:extLst>
+              <a:ext uri="{FF2B5EF4-FFF2-40B4-BE49-F238E27FC236}">
+                <a16:creationId xmlns:a16="http://schemas.microsoft.com/office/drawing/2014/main" id="{EED46A86-C106-4596-9342-011EAB247CB0}"/>
+              </a:ext>
+            </a:extLst>
+          </p:cNvPr>
+          <p:cNvSpPr txBox="1"/>
+          <p:nvPr/>
+        </p:nvSpPr>
+        <p:spPr>
+          <a:xfrm>
+            <a:off x="4698124" y="216196"/>
+            <a:ext cx="3751348" cy="369332"/>
+          </a:xfrm>
+          <a:prstGeom prst="rect">
+            <a:avLst/>
+          </a:prstGeom>
+          <a:noFill/>
+        </p:spPr>
+        <p:txBody>
+          <a:bodyPr wrap="none" rtlCol="0">
+            <a:spAutoFit/>
+          </a:bodyPr>
+          <a:lstStyle/>
+          <a:p>
+            <a:r>
+              <a:rPr lang="en-US" b="1" dirty="0">
+                <a:latin typeface="Georgia" panose="02040502050405020303" pitchFamily="18" charset="0"/>
+              </a:rPr>
+              <a:t>List Shows Sequence Diagram</a:t>
+            </a:r>
+          </a:p>
+        </p:txBody>
+      </p:sp>
+      <p:pic>
+        <p:nvPicPr>
+          <p:cNvPr id="9" name="Graphic 8" descr="User">
+            <a:extLst>
+              <a:ext uri="{FF2B5EF4-FFF2-40B4-BE49-F238E27FC236}">
+                <a16:creationId xmlns:a16="http://schemas.microsoft.com/office/drawing/2014/main" id="{8CBF6EE1-F802-4256-A0A6-A52931E0F7B8}"/>
+              </a:ext>
+            </a:extLst>
+          </p:cNvPr>
+          <p:cNvPicPr>
+            <a:picLocks noChangeAspect="1"/>
+          </p:cNvPicPr>
+          <p:nvPr/>
+        </p:nvPicPr>
+        <p:blipFill>
+          <a:blip r:embed="rId3">
+            <a:extLst>
+              <a:ext uri="{28A0092B-C50C-407E-A947-70E740481C1C}">
+                <a14:useLocalDpi xmlns:a14="http://schemas.microsoft.com/office/drawing/2010/main" val="0"/>
+              </a:ext>
+              <a:ext uri="{96DAC541-7B7A-43D3-8B79-37D633B846F1}">
+                <asvg:svgBlip xmlns:asvg="http://schemas.microsoft.com/office/drawing/2016/SVG/main" r:embed="rId4"/>
+              </a:ext>
+            </a:extLst>
+          </a:blip>
+          <a:stretch>
+            <a:fillRect/>
+          </a:stretch>
+        </p:blipFill>
+        <p:spPr>
+          <a:xfrm>
             <a:off x="619666" y="3265941"/>
             <a:ext cx="914400" cy="914400"/>
           </a:xfrm>
@@ -4480,236 +4181,6 @@
           </a:p>
         </p:txBody>
       </p:sp>
-      <p:cxnSp>
-        <p:nvCxnSpPr>
-          <p:cNvPr id="13" name="Straight Arrow Connector 12">
-            <a:extLst>
-              <a:ext uri="{FF2B5EF4-FFF2-40B4-BE49-F238E27FC236}">
-                <a16:creationId xmlns:a16="http://schemas.microsoft.com/office/drawing/2014/main" id="{C92A00A1-D5F3-47EB-A5AB-07025FE787B1}"/>
-              </a:ext>
-            </a:extLst>
-          </p:cNvPr>
-          <p:cNvCxnSpPr>
-            <a:cxnSpLocks/>
-          </p:cNvCxnSpPr>
-          <p:nvPr/>
-        </p:nvCxnSpPr>
-        <p:spPr>
-          <a:xfrm>
-            <a:off x="940676" y="1334813"/>
-            <a:ext cx="1060653" cy="0"/>
-          </a:xfrm>
-          <a:prstGeom prst="straightConnector1">
-            <a:avLst/>
-          </a:prstGeom>
-          <a:ln w="9525" cap="flat" cmpd="sng" algn="ctr">
-            <a:solidFill>
-              <a:schemeClr val="dk1"/>
-            </a:solidFill>
-            <a:prstDash val="solid"/>
-            <a:round/>
-            <a:headEnd type="none" w="med" len="med"/>
-            <a:tailEnd type="arrow" w="med" len="med"/>
-          </a:ln>
-        </p:spPr>
-        <p:style>
-          <a:lnRef idx="0">
-            <a:scrgbClr r="0" g="0" b="0"/>
-          </a:lnRef>
-          <a:fillRef idx="0">
-            <a:scrgbClr r="0" g="0" b="0"/>
-          </a:fillRef>
-          <a:effectRef idx="0">
-            <a:scrgbClr r="0" g="0" b="0"/>
-          </a:effectRef>
-          <a:fontRef idx="minor">
-            <a:schemeClr val="tx1"/>
-          </a:fontRef>
-        </p:style>
-      </p:cxnSp>
-      <p:sp>
-        <p:nvSpPr>
-          <p:cNvPr id="16" name="Rectangle 15">
-            <a:extLst>
-              <a:ext uri="{FF2B5EF4-FFF2-40B4-BE49-F238E27FC236}">
-                <a16:creationId xmlns:a16="http://schemas.microsoft.com/office/drawing/2014/main" id="{0285C4BD-12F1-4D93-81B0-4B81C5DE0ACF}"/>
-              </a:ext>
-            </a:extLst>
-          </p:cNvPr>
-          <p:cNvSpPr/>
-          <p:nvPr/>
-        </p:nvSpPr>
-        <p:spPr>
-          <a:xfrm>
-            <a:off x="3851150" y="1114021"/>
-            <a:ext cx="169057" cy="4391855"/>
-          </a:xfrm>
-          <a:prstGeom prst="rect">
-            <a:avLst/>
-          </a:prstGeom>
-          <a:solidFill>
-            <a:schemeClr val="bg2"/>
-          </a:solidFill>
-          <a:ln>
-            <a:solidFill>
-              <a:schemeClr val="tx1"/>
-            </a:solidFill>
-          </a:ln>
-        </p:spPr>
-        <p:style>
-          <a:lnRef idx="2">
-            <a:schemeClr val="accent1">
-              <a:shade val="50000"/>
-            </a:schemeClr>
-          </a:lnRef>
-          <a:fillRef idx="1">
-            <a:schemeClr val="accent1"/>
-          </a:fillRef>
-          <a:effectRef idx="0">
-            <a:schemeClr val="accent1"/>
-          </a:effectRef>
-          <a:fontRef idx="minor">
-            <a:schemeClr val="lt1"/>
-          </a:fontRef>
-        </p:style>
-        <p:txBody>
-          <a:bodyPr rtlCol="0" anchor="ctr"/>
-          <a:lstStyle/>
-          <a:p>
-            <a:pPr algn="ctr"/>
-            <a:endParaRPr lang="en-US"/>
-          </a:p>
-        </p:txBody>
-      </p:sp>
-      <p:sp>
-        <p:nvSpPr>
-          <p:cNvPr id="17" name="TextBox 16">
-            <a:extLst>
-              <a:ext uri="{FF2B5EF4-FFF2-40B4-BE49-F238E27FC236}">
-                <a16:creationId xmlns:a16="http://schemas.microsoft.com/office/drawing/2014/main" id="{5F14A1DD-3841-44CD-81BB-FC50BB190866}"/>
-              </a:ext>
-            </a:extLst>
-          </p:cNvPr>
-          <p:cNvSpPr txBox="1"/>
-          <p:nvPr/>
-        </p:nvSpPr>
-        <p:spPr>
-          <a:xfrm>
-            <a:off x="3536369" y="780958"/>
-            <a:ext cx="798617" cy="307777"/>
-          </a:xfrm>
-          <a:prstGeom prst="rect">
-            <a:avLst/>
-          </a:prstGeom>
-          <a:noFill/>
-        </p:spPr>
-        <p:txBody>
-          <a:bodyPr wrap="none" rtlCol="0">
-            <a:spAutoFit/>
-          </a:bodyPr>
-          <a:lstStyle/>
-          <a:p>
-            <a:r>
-              <a:rPr lang="en-US" sz="1400" u="sng" dirty="0">
-                <a:latin typeface="Georgia" panose="02040502050405020303" pitchFamily="18" charset="0"/>
-              </a:rPr>
-              <a:t>Theater</a:t>
-            </a:r>
-          </a:p>
-        </p:txBody>
-      </p:sp>
-      <p:cxnSp>
-        <p:nvCxnSpPr>
-          <p:cNvPr id="19" name="Straight Connector 18">
-            <a:extLst>
-              <a:ext uri="{FF2B5EF4-FFF2-40B4-BE49-F238E27FC236}">
-                <a16:creationId xmlns:a16="http://schemas.microsoft.com/office/drawing/2014/main" id="{3145678D-8CB4-4933-BC4C-B105C5495678}"/>
-              </a:ext>
-            </a:extLst>
-          </p:cNvPr>
-          <p:cNvCxnSpPr/>
-          <p:nvPr/>
-        </p:nvCxnSpPr>
-        <p:spPr>
-          <a:xfrm>
-            <a:off x="2065283" y="6027677"/>
-            <a:ext cx="0" cy="294295"/>
-          </a:xfrm>
-          <a:prstGeom prst="line">
-            <a:avLst/>
-          </a:prstGeom>
-          <a:ln w="9525" cap="flat" cmpd="sng" algn="ctr">
-            <a:solidFill>
-              <a:schemeClr val="dk1"/>
-            </a:solidFill>
-            <a:prstDash val="dash"/>
-            <a:round/>
-            <a:headEnd type="none" w="med" len="med"/>
-            <a:tailEnd type="none" w="med" len="med"/>
-          </a:ln>
-        </p:spPr>
-        <p:style>
-          <a:lnRef idx="0">
-            <a:scrgbClr r="0" g="0" b="0"/>
-          </a:lnRef>
-          <a:fillRef idx="0">
-            <a:scrgbClr r="0" g="0" b="0"/>
-          </a:fillRef>
-          <a:effectRef idx="0">
-            <a:scrgbClr r="0" g="0" b="0"/>
-          </a:effectRef>
-          <a:fontRef idx="minor">
-            <a:schemeClr val="tx1"/>
-          </a:fontRef>
-        </p:style>
-      </p:cxnSp>
-      <p:cxnSp>
-        <p:nvCxnSpPr>
-          <p:cNvPr id="20" name="Straight Connector 19">
-            <a:extLst>
-              <a:ext uri="{FF2B5EF4-FFF2-40B4-BE49-F238E27FC236}">
-                <a16:creationId xmlns:a16="http://schemas.microsoft.com/office/drawing/2014/main" id="{093D5B23-CD8E-4B7F-9953-8B4E721B9BC0}"/>
-              </a:ext>
-            </a:extLst>
-          </p:cNvPr>
-          <p:cNvCxnSpPr>
-            <a:cxnSpLocks/>
-          </p:cNvCxnSpPr>
-          <p:nvPr/>
-        </p:nvCxnSpPr>
-        <p:spPr>
-          <a:xfrm>
-            <a:off x="3925614" y="5505876"/>
-            <a:ext cx="0" cy="816096"/>
-          </a:xfrm>
-          <a:prstGeom prst="line">
-            <a:avLst/>
-          </a:prstGeom>
-          <a:ln w="9525" cap="flat" cmpd="sng" algn="ctr">
-            <a:solidFill>
-              <a:schemeClr val="dk1"/>
-            </a:solidFill>
-            <a:prstDash val="dash"/>
-            <a:round/>
-            <a:headEnd type="none" w="med" len="med"/>
-            <a:tailEnd type="none" w="med" len="med"/>
-          </a:ln>
-        </p:spPr>
-        <p:style>
-          <a:lnRef idx="0">
-            <a:scrgbClr r="0" g="0" b="0"/>
-          </a:lnRef>
-          <a:fillRef idx="0">
-            <a:scrgbClr r="0" g="0" b="0"/>
-          </a:fillRef>
-          <a:effectRef idx="0">
-            <a:scrgbClr r="0" g="0" b="0"/>
-          </a:effectRef>
-          <a:fontRef idx="minor">
-            <a:schemeClr val="tx1"/>
-          </a:fontRef>
-        </p:style>
-      </p:cxnSp>
     </p:spTree>
     <p:extLst>
       <p:ext uri="{BB962C8B-B14F-4D97-AF65-F5344CB8AC3E}">
@@ -4789,140 +4260,12 @@
           </a:p>
         </p:txBody>
       </p:sp>
-      <p:sp>
-        <p:nvSpPr>
-          <p:cNvPr id="5" name="TextBox 4">
-            <a:extLst>
-              <a:ext uri="{FF2B5EF4-FFF2-40B4-BE49-F238E27FC236}">
-                <a16:creationId xmlns:a16="http://schemas.microsoft.com/office/drawing/2014/main" id="{EED46A86-C106-4596-9342-011EAB247CB0}"/>
-              </a:ext>
-            </a:extLst>
-          </p:cNvPr>
-          <p:cNvSpPr txBox="1"/>
-          <p:nvPr/>
-        </p:nvSpPr>
-        <p:spPr>
-          <a:xfrm>
-            <a:off x="4698124" y="216196"/>
-            <a:ext cx="3728906" cy="369332"/>
-          </a:xfrm>
-          <a:prstGeom prst="rect">
-            <a:avLst/>
-          </a:prstGeom>
-          <a:noFill/>
-        </p:spPr>
-        <p:txBody>
-          <a:bodyPr wrap="none" rtlCol="0">
-            <a:spAutoFit/>
-          </a:bodyPr>
-          <a:lstStyle/>
-          <a:p>
-            <a:r>
-              <a:rPr lang="en-US" b="1" dirty="0">
-                <a:latin typeface="Georgia" panose="02040502050405020303" pitchFamily="18" charset="0"/>
-              </a:rPr>
-              <a:t>Store Data Sequence Diagram</a:t>
-            </a:r>
-          </a:p>
-        </p:txBody>
-      </p:sp>
-      <p:sp>
-        <p:nvSpPr>
-          <p:cNvPr id="6" name="Rectangle 5">
-            <a:extLst>
-              <a:ext uri="{FF2B5EF4-FFF2-40B4-BE49-F238E27FC236}">
-                <a16:creationId xmlns:a16="http://schemas.microsoft.com/office/drawing/2014/main" id="{5993E7F0-A172-4838-883D-6CEFEA31C010}"/>
-              </a:ext>
-            </a:extLst>
-          </p:cNvPr>
-          <p:cNvSpPr/>
-          <p:nvPr/>
-        </p:nvSpPr>
-        <p:spPr>
-          <a:xfrm>
-            <a:off x="2001329" y="1114021"/>
-            <a:ext cx="169057" cy="4913656"/>
-          </a:xfrm>
-          <a:prstGeom prst="rect">
-            <a:avLst/>
-          </a:prstGeom>
-          <a:solidFill>
-            <a:schemeClr val="bg2"/>
-          </a:solidFill>
-          <a:ln>
-            <a:solidFill>
-              <a:schemeClr val="tx1"/>
-            </a:solidFill>
-          </a:ln>
-        </p:spPr>
-        <p:style>
-          <a:lnRef idx="2">
-            <a:schemeClr val="accent1">
-              <a:shade val="50000"/>
-            </a:schemeClr>
-          </a:lnRef>
-          <a:fillRef idx="1">
-            <a:schemeClr val="accent1"/>
-          </a:fillRef>
-          <a:effectRef idx="0">
-            <a:schemeClr val="accent1"/>
-          </a:effectRef>
-          <a:fontRef idx="minor">
-            <a:schemeClr val="lt1"/>
-          </a:fontRef>
-        </p:style>
-        <p:txBody>
-          <a:bodyPr rtlCol="0" anchor="ctr"/>
-          <a:lstStyle/>
-          <a:p>
-            <a:pPr algn="ctr"/>
-            <a:endParaRPr lang="en-US"/>
-          </a:p>
-        </p:txBody>
-      </p:sp>
-      <p:sp>
-        <p:nvSpPr>
-          <p:cNvPr id="7" name="TextBox 6">
-            <a:extLst>
-              <a:ext uri="{FF2B5EF4-FFF2-40B4-BE49-F238E27FC236}">
-                <a16:creationId xmlns:a16="http://schemas.microsoft.com/office/drawing/2014/main" id="{8D400405-8429-45D0-A6D6-38BE802C9D65}"/>
-              </a:ext>
-            </a:extLst>
-          </p:cNvPr>
-          <p:cNvSpPr txBox="1"/>
-          <p:nvPr/>
-        </p:nvSpPr>
-        <p:spPr>
-          <a:xfrm>
-            <a:off x="1389993" y="783735"/>
-            <a:ext cx="1391728" cy="307777"/>
-          </a:xfrm>
-          <a:prstGeom prst="rect">
-            <a:avLst/>
-          </a:prstGeom>
-          <a:noFill/>
-        </p:spPr>
-        <p:txBody>
-          <a:bodyPr wrap="none" rtlCol="0">
-            <a:spAutoFit/>
-          </a:bodyPr>
-          <a:lstStyle/>
-          <a:p>
-            <a:r>
-              <a:rPr lang="en-US" sz="1400" u="sng" dirty="0">
-                <a:latin typeface="Georgia" panose="02040502050405020303" pitchFamily="18" charset="0"/>
-              </a:rPr>
-              <a:t>Command GUI</a:t>
-            </a:r>
-          </a:p>
-        </p:txBody>
-      </p:sp>
       <p:pic>
         <p:nvPicPr>
-          <p:cNvPr id="9" name="Graphic 8" descr="User">
-            <a:extLst>
-              <a:ext uri="{FF2B5EF4-FFF2-40B4-BE49-F238E27FC236}">
-                <a16:creationId xmlns:a16="http://schemas.microsoft.com/office/drawing/2014/main" id="{8CBF6EE1-F802-4256-A0A6-A52931E0F7B8}"/>
+          <p:cNvPr id="11" name="Picture 10">
+            <a:extLst>
+              <a:ext uri="{FF2B5EF4-FFF2-40B4-BE49-F238E27FC236}">
+                <a16:creationId xmlns:a16="http://schemas.microsoft.com/office/drawing/2014/main" id="{7B6EEECC-5749-4459-9064-06D02319CCD6}"/>
               </a:ext>
             </a:extLst>
           </p:cNvPr>
@@ -4936,9 +4279,6 @@
             <a:extLst>
               <a:ext uri="{28A0092B-C50C-407E-A947-70E740481C1C}">
                 <a14:useLocalDpi xmlns:a14="http://schemas.microsoft.com/office/drawing/2010/main" val="0"/>
-              </a:ext>
-              <a:ext uri="{96DAC541-7B7A-43D3-8B79-37D633B846F1}">
-                <asvg:svgBlip xmlns:asvg="http://schemas.microsoft.com/office/drawing/2016/SVG/main" r:embed="rId3"/>
               </a:ext>
             </a:extLst>
           </a:blip>
@@ -4948,14 +4288,51 @@
         </p:blipFill>
         <p:spPr>
           <a:xfrm>
-            <a:off x="619666" y="3265941"/>
-            <a:ext cx="914400" cy="914400"/>
+            <a:off x="1260074" y="2561592"/>
+            <a:ext cx="10158991" cy="2323097"/>
           </a:xfrm>
           <a:prstGeom prst="rect">
             <a:avLst/>
           </a:prstGeom>
         </p:spPr>
       </p:pic>
+      <p:sp>
+        <p:nvSpPr>
+          <p:cNvPr id="5" name="TextBox 4">
+            <a:extLst>
+              <a:ext uri="{FF2B5EF4-FFF2-40B4-BE49-F238E27FC236}">
+                <a16:creationId xmlns:a16="http://schemas.microsoft.com/office/drawing/2014/main" id="{EED46A86-C106-4596-9342-011EAB247CB0}"/>
+              </a:ext>
+            </a:extLst>
+          </p:cNvPr>
+          <p:cNvSpPr txBox="1"/>
+          <p:nvPr/>
+        </p:nvSpPr>
+        <p:spPr>
+          <a:xfrm>
+            <a:off x="4698124" y="216196"/>
+            <a:ext cx="3728906" cy="369332"/>
+          </a:xfrm>
+          <a:prstGeom prst="rect">
+            <a:avLst/>
+          </a:prstGeom>
+          <a:noFill/>
+        </p:spPr>
+        <p:txBody>
+          <a:bodyPr wrap="none" rtlCol="0">
+            <a:spAutoFit/>
+          </a:bodyPr>
+          <a:lstStyle/>
+          <a:p>
+            <a:r>
+              <a:rPr lang="en-US" b="1" dirty="0">
+                <a:latin typeface="Georgia" panose="02040502050405020303" pitchFamily="18" charset="0"/>
+              </a:rPr>
+              <a:t>Store Data Sequence Diagram</a:t>
+            </a:r>
+          </a:p>
+        </p:txBody>
+      </p:sp>
       <p:sp>
         <p:nvSpPr>
           <p:cNvPr id="10" name="TextBox 9">
@@ -4993,236 +4370,45 @@
           </a:p>
         </p:txBody>
       </p:sp>
-      <p:cxnSp>
-        <p:nvCxnSpPr>
-          <p:cNvPr id="13" name="Straight Arrow Connector 12">
-            <a:extLst>
-              <a:ext uri="{FF2B5EF4-FFF2-40B4-BE49-F238E27FC236}">
-                <a16:creationId xmlns:a16="http://schemas.microsoft.com/office/drawing/2014/main" id="{C92A00A1-D5F3-47EB-A5AB-07025FE787B1}"/>
-              </a:ext>
-            </a:extLst>
-          </p:cNvPr>
-          <p:cNvCxnSpPr>
-            <a:cxnSpLocks/>
-          </p:cNvCxnSpPr>
-          <p:nvPr/>
-        </p:nvCxnSpPr>
-        <p:spPr>
-          <a:xfrm>
-            <a:off x="940676" y="1334813"/>
-            <a:ext cx="1060653" cy="0"/>
-          </a:xfrm>
-          <a:prstGeom prst="straightConnector1">
-            <a:avLst/>
-          </a:prstGeom>
-          <a:ln w="9525" cap="flat" cmpd="sng" algn="ctr">
-            <a:solidFill>
-              <a:schemeClr val="dk1"/>
-            </a:solidFill>
-            <a:prstDash val="solid"/>
-            <a:round/>
-            <a:headEnd type="none" w="med" len="med"/>
-            <a:tailEnd type="arrow" w="med" len="med"/>
-          </a:ln>
-        </p:spPr>
-        <p:style>
-          <a:lnRef idx="0">
-            <a:scrgbClr r="0" g="0" b="0"/>
-          </a:lnRef>
-          <a:fillRef idx="0">
-            <a:scrgbClr r="0" g="0" b="0"/>
-          </a:fillRef>
-          <a:effectRef idx="0">
-            <a:scrgbClr r="0" g="0" b="0"/>
-          </a:effectRef>
-          <a:fontRef idx="minor">
-            <a:schemeClr val="tx1"/>
-          </a:fontRef>
-        </p:style>
-      </p:cxnSp>
-      <p:sp>
-        <p:nvSpPr>
-          <p:cNvPr id="16" name="Rectangle 15">
-            <a:extLst>
-              <a:ext uri="{FF2B5EF4-FFF2-40B4-BE49-F238E27FC236}">
-                <a16:creationId xmlns:a16="http://schemas.microsoft.com/office/drawing/2014/main" id="{0285C4BD-12F1-4D93-81B0-4B81C5DE0ACF}"/>
-              </a:ext>
-            </a:extLst>
-          </p:cNvPr>
-          <p:cNvSpPr/>
-          <p:nvPr/>
-        </p:nvSpPr>
-        <p:spPr>
-          <a:xfrm>
-            <a:off x="3851150" y="1114021"/>
-            <a:ext cx="169057" cy="4391855"/>
-          </a:xfrm>
-          <a:prstGeom prst="rect">
-            <a:avLst/>
-          </a:prstGeom>
-          <a:solidFill>
-            <a:schemeClr val="bg2"/>
-          </a:solidFill>
-          <a:ln>
-            <a:solidFill>
-              <a:schemeClr val="tx1"/>
-            </a:solidFill>
-          </a:ln>
-        </p:spPr>
-        <p:style>
-          <a:lnRef idx="2">
-            <a:schemeClr val="accent1">
-              <a:shade val="50000"/>
-            </a:schemeClr>
-          </a:lnRef>
-          <a:fillRef idx="1">
-            <a:schemeClr val="accent1"/>
-          </a:fillRef>
-          <a:effectRef idx="0">
-            <a:schemeClr val="accent1"/>
-          </a:effectRef>
-          <a:fontRef idx="minor">
-            <a:schemeClr val="lt1"/>
-          </a:fontRef>
-        </p:style>
-        <p:txBody>
-          <a:bodyPr rtlCol="0" anchor="ctr"/>
-          <a:lstStyle/>
-          <a:p>
-            <a:pPr algn="ctr"/>
-            <a:endParaRPr lang="en-US"/>
-          </a:p>
-        </p:txBody>
-      </p:sp>
-      <p:sp>
-        <p:nvSpPr>
-          <p:cNvPr id="17" name="TextBox 16">
-            <a:extLst>
-              <a:ext uri="{FF2B5EF4-FFF2-40B4-BE49-F238E27FC236}">
-                <a16:creationId xmlns:a16="http://schemas.microsoft.com/office/drawing/2014/main" id="{5F14A1DD-3841-44CD-81BB-FC50BB190866}"/>
-              </a:ext>
-            </a:extLst>
-          </p:cNvPr>
-          <p:cNvSpPr txBox="1"/>
-          <p:nvPr/>
-        </p:nvSpPr>
-        <p:spPr>
-          <a:xfrm>
-            <a:off x="3536369" y="780958"/>
-            <a:ext cx="798617" cy="307777"/>
-          </a:xfrm>
-          <a:prstGeom prst="rect">
-            <a:avLst/>
-          </a:prstGeom>
-          <a:noFill/>
-        </p:spPr>
-        <p:txBody>
-          <a:bodyPr wrap="none" rtlCol="0">
-            <a:spAutoFit/>
-          </a:bodyPr>
-          <a:lstStyle/>
-          <a:p>
-            <a:r>
-              <a:rPr lang="en-US" sz="1400" u="sng" dirty="0">
-                <a:latin typeface="Georgia" panose="02040502050405020303" pitchFamily="18" charset="0"/>
-              </a:rPr>
-              <a:t>Theater</a:t>
-            </a:r>
-          </a:p>
-        </p:txBody>
-      </p:sp>
-      <p:cxnSp>
-        <p:nvCxnSpPr>
-          <p:cNvPr id="19" name="Straight Connector 18">
-            <a:extLst>
-              <a:ext uri="{FF2B5EF4-FFF2-40B4-BE49-F238E27FC236}">
-                <a16:creationId xmlns:a16="http://schemas.microsoft.com/office/drawing/2014/main" id="{3145678D-8CB4-4933-BC4C-B105C5495678}"/>
-              </a:ext>
-            </a:extLst>
-          </p:cNvPr>
-          <p:cNvCxnSpPr/>
-          <p:nvPr/>
-        </p:nvCxnSpPr>
-        <p:spPr>
-          <a:xfrm>
-            <a:off x="2065283" y="6027677"/>
-            <a:ext cx="0" cy="294295"/>
-          </a:xfrm>
-          <a:prstGeom prst="line">
-            <a:avLst/>
-          </a:prstGeom>
-          <a:ln w="9525" cap="flat" cmpd="sng" algn="ctr">
-            <a:solidFill>
-              <a:schemeClr val="dk1"/>
-            </a:solidFill>
-            <a:prstDash val="dash"/>
-            <a:round/>
-            <a:headEnd type="none" w="med" len="med"/>
-            <a:tailEnd type="none" w="med" len="med"/>
-          </a:ln>
-        </p:spPr>
-        <p:style>
-          <a:lnRef idx="0">
-            <a:scrgbClr r="0" g="0" b="0"/>
-          </a:lnRef>
-          <a:fillRef idx="0">
-            <a:scrgbClr r="0" g="0" b="0"/>
-          </a:fillRef>
-          <a:effectRef idx="0">
-            <a:scrgbClr r="0" g="0" b="0"/>
-          </a:effectRef>
-          <a:fontRef idx="minor">
-            <a:schemeClr val="tx1"/>
-          </a:fontRef>
-        </p:style>
-      </p:cxnSp>
-      <p:cxnSp>
-        <p:nvCxnSpPr>
-          <p:cNvPr id="20" name="Straight Connector 19">
-            <a:extLst>
-              <a:ext uri="{FF2B5EF4-FFF2-40B4-BE49-F238E27FC236}">
-                <a16:creationId xmlns:a16="http://schemas.microsoft.com/office/drawing/2014/main" id="{093D5B23-CD8E-4B7F-9953-8B4E721B9BC0}"/>
-              </a:ext>
-            </a:extLst>
-          </p:cNvPr>
-          <p:cNvCxnSpPr>
-            <a:cxnSpLocks/>
-          </p:cNvCxnSpPr>
-          <p:nvPr/>
-        </p:nvCxnSpPr>
-        <p:spPr>
-          <a:xfrm>
-            <a:off x="3925614" y="5505876"/>
-            <a:ext cx="0" cy="816096"/>
-          </a:xfrm>
-          <a:prstGeom prst="line">
-            <a:avLst/>
-          </a:prstGeom>
-          <a:ln w="9525" cap="flat" cmpd="sng" algn="ctr">
-            <a:solidFill>
-              <a:schemeClr val="dk1"/>
-            </a:solidFill>
-            <a:prstDash val="dash"/>
-            <a:round/>
-            <a:headEnd type="none" w="med" len="med"/>
-            <a:tailEnd type="none" w="med" len="med"/>
-          </a:ln>
-        </p:spPr>
-        <p:style>
-          <a:lnRef idx="0">
-            <a:scrgbClr r="0" g="0" b="0"/>
-          </a:lnRef>
-          <a:fillRef idx="0">
-            <a:scrgbClr r="0" g="0" b="0"/>
-          </a:fillRef>
-          <a:effectRef idx="0">
-            <a:scrgbClr r="0" g="0" b="0"/>
-          </a:effectRef>
-          <a:fontRef idx="minor">
-            <a:schemeClr val="tx1"/>
-          </a:fontRef>
-        </p:style>
-      </p:cxnSp>
+      <p:pic>
+        <p:nvPicPr>
+          <p:cNvPr id="9" name="Graphic 8" descr="User">
+            <a:extLst>
+              <a:ext uri="{FF2B5EF4-FFF2-40B4-BE49-F238E27FC236}">
+                <a16:creationId xmlns:a16="http://schemas.microsoft.com/office/drawing/2014/main" id="{8CBF6EE1-F802-4256-A0A6-A52931E0F7B8}"/>
+              </a:ext>
+            </a:extLst>
+          </p:cNvPr>
+          <p:cNvPicPr>
+            <a:picLocks noChangeAspect="1"/>
+          </p:cNvPicPr>
+          <p:nvPr/>
+        </p:nvPicPr>
+        <p:blipFill>
+          <a:blip r:embed="rId3">
+            <a:extLst>
+              <a:ext uri="{28A0092B-C50C-407E-A947-70E740481C1C}">
+                <a14:useLocalDpi xmlns:a14="http://schemas.microsoft.com/office/drawing/2010/main" val="0"/>
+              </a:ext>
+              <a:ext uri="{96DAC541-7B7A-43D3-8B79-37D633B846F1}">
+                <asvg:svgBlip xmlns:asvg="http://schemas.microsoft.com/office/drawing/2016/SVG/main" r:embed="rId4"/>
+              </a:ext>
+            </a:extLst>
+          </a:blip>
+          <a:stretch>
+            <a:fillRect/>
+          </a:stretch>
+        </p:blipFill>
+        <p:spPr>
+          <a:xfrm>
+            <a:off x="619666" y="3265941"/>
+            <a:ext cx="914400" cy="914400"/>
+          </a:xfrm>
+          <a:prstGeom prst="rect">
+            <a:avLst/>
+          </a:prstGeom>
+        </p:spPr>
+      </p:pic>
     </p:spTree>
     <p:extLst>
       <p:ext uri="{BB962C8B-B14F-4D97-AF65-F5344CB8AC3E}">
@@ -5339,97 +4525,6 @@
           </a:p>
         </p:txBody>
       </p:sp>
-      <p:sp>
-        <p:nvSpPr>
-          <p:cNvPr id="6" name="Rectangle 5">
-            <a:extLst>
-              <a:ext uri="{FF2B5EF4-FFF2-40B4-BE49-F238E27FC236}">
-                <a16:creationId xmlns:a16="http://schemas.microsoft.com/office/drawing/2014/main" id="{5993E7F0-A172-4838-883D-6CEFEA31C010}"/>
-              </a:ext>
-            </a:extLst>
-          </p:cNvPr>
-          <p:cNvSpPr/>
-          <p:nvPr/>
-        </p:nvSpPr>
-        <p:spPr>
-          <a:xfrm>
-            <a:off x="2001329" y="1114021"/>
-            <a:ext cx="169057" cy="4913656"/>
-          </a:xfrm>
-          <a:prstGeom prst="rect">
-            <a:avLst/>
-          </a:prstGeom>
-          <a:solidFill>
-            <a:schemeClr val="bg2"/>
-          </a:solidFill>
-          <a:ln>
-            <a:solidFill>
-              <a:schemeClr val="tx1"/>
-            </a:solidFill>
-          </a:ln>
-        </p:spPr>
-        <p:style>
-          <a:lnRef idx="2">
-            <a:schemeClr val="accent1">
-              <a:shade val="50000"/>
-            </a:schemeClr>
-          </a:lnRef>
-          <a:fillRef idx="1">
-            <a:schemeClr val="accent1"/>
-          </a:fillRef>
-          <a:effectRef idx="0">
-            <a:schemeClr val="accent1"/>
-          </a:effectRef>
-          <a:fontRef idx="minor">
-            <a:schemeClr val="lt1"/>
-          </a:fontRef>
-        </p:style>
-        <p:txBody>
-          <a:bodyPr rtlCol="0" anchor="ctr"/>
-          <a:lstStyle/>
-          <a:p>
-            <a:pPr algn="ctr"/>
-            <a:endParaRPr lang="en-US"/>
-          </a:p>
-        </p:txBody>
-      </p:sp>
-      <p:sp>
-        <p:nvSpPr>
-          <p:cNvPr id="7" name="TextBox 6">
-            <a:extLst>
-              <a:ext uri="{FF2B5EF4-FFF2-40B4-BE49-F238E27FC236}">
-                <a16:creationId xmlns:a16="http://schemas.microsoft.com/office/drawing/2014/main" id="{8D400405-8429-45D0-A6D6-38BE802C9D65}"/>
-              </a:ext>
-            </a:extLst>
-          </p:cNvPr>
-          <p:cNvSpPr txBox="1"/>
-          <p:nvPr/>
-        </p:nvSpPr>
-        <p:spPr>
-          <a:xfrm>
-            <a:off x="1389993" y="783735"/>
-            <a:ext cx="1391728" cy="307777"/>
-          </a:xfrm>
-          <a:prstGeom prst="rect">
-            <a:avLst/>
-          </a:prstGeom>
-          <a:noFill/>
-        </p:spPr>
-        <p:txBody>
-          <a:bodyPr wrap="none" rtlCol="0">
-            <a:spAutoFit/>
-          </a:bodyPr>
-          <a:lstStyle/>
-          <a:p>
-            <a:r>
-              <a:rPr lang="en-US" sz="1400" u="sng" dirty="0">
-                <a:latin typeface="Georgia" panose="02040502050405020303" pitchFamily="18" charset="0"/>
-              </a:rPr>
-              <a:t>Command GUI</a:t>
-            </a:r>
-          </a:p>
-        </p:txBody>
-      </p:sp>
       <p:pic>
         <p:nvPicPr>
           <p:cNvPr id="9" name="Graphic 8" descr="User">
@@ -5506,236 +4601,42 @@
           </a:p>
         </p:txBody>
       </p:sp>
-      <p:cxnSp>
-        <p:nvCxnSpPr>
-          <p:cNvPr id="13" name="Straight Arrow Connector 12">
-            <a:extLst>
-              <a:ext uri="{FF2B5EF4-FFF2-40B4-BE49-F238E27FC236}">
-                <a16:creationId xmlns:a16="http://schemas.microsoft.com/office/drawing/2014/main" id="{C92A00A1-D5F3-47EB-A5AB-07025FE787B1}"/>
-              </a:ext>
-            </a:extLst>
-          </p:cNvPr>
-          <p:cNvCxnSpPr>
-            <a:cxnSpLocks/>
-          </p:cNvCxnSpPr>
-          <p:nvPr/>
-        </p:nvCxnSpPr>
-        <p:spPr>
-          <a:xfrm>
-            <a:off x="940676" y="1334813"/>
-            <a:ext cx="1060653" cy="0"/>
-          </a:xfrm>
-          <a:prstGeom prst="straightConnector1">
-            <a:avLst/>
-          </a:prstGeom>
-          <a:ln w="9525" cap="flat" cmpd="sng" algn="ctr">
-            <a:solidFill>
-              <a:schemeClr val="dk1"/>
-            </a:solidFill>
-            <a:prstDash val="solid"/>
-            <a:round/>
-            <a:headEnd type="none" w="med" len="med"/>
-            <a:tailEnd type="arrow" w="med" len="med"/>
-          </a:ln>
-        </p:spPr>
-        <p:style>
-          <a:lnRef idx="0">
-            <a:scrgbClr r="0" g="0" b="0"/>
-          </a:lnRef>
-          <a:fillRef idx="0">
-            <a:scrgbClr r="0" g="0" b="0"/>
-          </a:fillRef>
-          <a:effectRef idx="0">
-            <a:scrgbClr r="0" g="0" b="0"/>
-          </a:effectRef>
-          <a:fontRef idx="minor">
-            <a:schemeClr val="tx1"/>
-          </a:fontRef>
-        </p:style>
-      </p:cxnSp>
-      <p:sp>
-        <p:nvSpPr>
-          <p:cNvPr id="16" name="Rectangle 15">
-            <a:extLst>
-              <a:ext uri="{FF2B5EF4-FFF2-40B4-BE49-F238E27FC236}">
-                <a16:creationId xmlns:a16="http://schemas.microsoft.com/office/drawing/2014/main" id="{0285C4BD-12F1-4D93-81B0-4B81C5DE0ACF}"/>
-              </a:ext>
-            </a:extLst>
-          </p:cNvPr>
-          <p:cNvSpPr/>
-          <p:nvPr/>
-        </p:nvSpPr>
-        <p:spPr>
-          <a:xfrm>
-            <a:off x="3851150" y="1114021"/>
-            <a:ext cx="169057" cy="4391855"/>
-          </a:xfrm>
-          <a:prstGeom prst="rect">
-            <a:avLst/>
-          </a:prstGeom>
-          <a:solidFill>
-            <a:schemeClr val="bg2"/>
-          </a:solidFill>
-          <a:ln>
-            <a:solidFill>
-              <a:schemeClr val="tx1"/>
-            </a:solidFill>
-          </a:ln>
-        </p:spPr>
-        <p:style>
-          <a:lnRef idx="2">
-            <a:schemeClr val="accent1">
-              <a:shade val="50000"/>
-            </a:schemeClr>
-          </a:lnRef>
-          <a:fillRef idx="1">
-            <a:schemeClr val="accent1"/>
-          </a:fillRef>
-          <a:effectRef idx="0">
-            <a:schemeClr val="accent1"/>
-          </a:effectRef>
-          <a:fontRef idx="minor">
-            <a:schemeClr val="lt1"/>
-          </a:fontRef>
-        </p:style>
-        <p:txBody>
-          <a:bodyPr rtlCol="0" anchor="ctr"/>
-          <a:lstStyle/>
-          <a:p>
-            <a:pPr algn="ctr"/>
-            <a:endParaRPr lang="en-US"/>
-          </a:p>
-        </p:txBody>
-      </p:sp>
-      <p:sp>
-        <p:nvSpPr>
-          <p:cNvPr id="17" name="TextBox 16">
-            <a:extLst>
-              <a:ext uri="{FF2B5EF4-FFF2-40B4-BE49-F238E27FC236}">
-                <a16:creationId xmlns:a16="http://schemas.microsoft.com/office/drawing/2014/main" id="{5F14A1DD-3841-44CD-81BB-FC50BB190866}"/>
-              </a:ext>
-            </a:extLst>
-          </p:cNvPr>
-          <p:cNvSpPr txBox="1"/>
-          <p:nvPr/>
-        </p:nvSpPr>
-        <p:spPr>
-          <a:xfrm>
-            <a:off x="3536369" y="780958"/>
-            <a:ext cx="798617" cy="307777"/>
-          </a:xfrm>
-          <a:prstGeom prst="rect">
-            <a:avLst/>
-          </a:prstGeom>
-          <a:noFill/>
-        </p:spPr>
-        <p:txBody>
-          <a:bodyPr wrap="none" rtlCol="0">
-            <a:spAutoFit/>
-          </a:bodyPr>
-          <a:lstStyle/>
-          <a:p>
-            <a:r>
-              <a:rPr lang="en-US" sz="1400" u="sng" dirty="0">
-                <a:latin typeface="Georgia" panose="02040502050405020303" pitchFamily="18" charset="0"/>
-              </a:rPr>
-              <a:t>Theater</a:t>
-            </a:r>
-          </a:p>
-        </p:txBody>
-      </p:sp>
-      <p:cxnSp>
-        <p:nvCxnSpPr>
-          <p:cNvPr id="19" name="Straight Connector 18">
-            <a:extLst>
-              <a:ext uri="{FF2B5EF4-FFF2-40B4-BE49-F238E27FC236}">
-                <a16:creationId xmlns:a16="http://schemas.microsoft.com/office/drawing/2014/main" id="{3145678D-8CB4-4933-BC4C-B105C5495678}"/>
-              </a:ext>
-            </a:extLst>
-          </p:cNvPr>
-          <p:cNvCxnSpPr/>
-          <p:nvPr/>
-        </p:nvCxnSpPr>
-        <p:spPr>
-          <a:xfrm>
-            <a:off x="2065283" y="6027677"/>
-            <a:ext cx="0" cy="294295"/>
-          </a:xfrm>
-          <a:prstGeom prst="line">
-            <a:avLst/>
-          </a:prstGeom>
-          <a:ln w="9525" cap="flat" cmpd="sng" algn="ctr">
-            <a:solidFill>
-              <a:schemeClr val="dk1"/>
-            </a:solidFill>
-            <a:prstDash val="dash"/>
-            <a:round/>
-            <a:headEnd type="none" w="med" len="med"/>
-            <a:tailEnd type="none" w="med" len="med"/>
-          </a:ln>
-        </p:spPr>
-        <p:style>
-          <a:lnRef idx="0">
-            <a:scrgbClr r="0" g="0" b="0"/>
-          </a:lnRef>
-          <a:fillRef idx="0">
-            <a:scrgbClr r="0" g="0" b="0"/>
-          </a:fillRef>
-          <a:effectRef idx="0">
-            <a:scrgbClr r="0" g="0" b="0"/>
-          </a:effectRef>
-          <a:fontRef idx="minor">
-            <a:schemeClr val="tx1"/>
-          </a:fontRef>
-        </p:style>
-      </p:cxnSp>
-      <p:cxnSp>
-        <p:nvCxnSpPr>
-          <p:cNvPr id="20" name="Straight Connector 19">
-            <a:extLst>
-              <a:ext uri="{FF2B5EF4-FFF2-40B4-BE49-F238E27FC236}">
-                <a16:creationId xmlns:a16="http://schemas.microsoft.com/office/drawing/2014/main" id="{093D5B23-CD8E-4B7F-9953-8B4E721B9BC0}"/>
-              </a:ext>
-            </a:extLst>
-          </p:cNvPr>
-          <p:cNvCxnSpPr>
-            <a:cxnSpLocks/>
-          </p:cNvCxnSpPr>
-          <p:nvPr/>
-        </p:nvCxnSpPr>
-        <p:spPr>
-          <a:xfrm>
-            <a:off x="3925614" y="5505876"/>
-            <a:ext cx="0" cy="816096"/>
-          </a:xfrm>
-          <a:prstGeom prst="line">
-            <a:avLst/>
-          </a:prstGeom>
-          <a:ln w="9525" cap="flat" cmpd="sng" algn="ctr">
-            <a:solidFill>
-              <a:schemeClr val="dk1"/>
-            </a:solidFill>
-            <a:prstDash val="dash"/>
-            <a:round/>
-            <a:headEnd type="none" w="med" len="med"/>
-            <a:tailEnd type="none" w="med" len="med"/>
-          </a:ln>
-        </p:spPr>
-        <p:style>
-          <a:lnRef idx="0">
-            <a:scrgbClr r="0" g="0" b="0"/>
-          </a:lnRef>
-          <a:fillRef idx="0">
-            <a:scrgbClr r="0" g="0" b="0"/>
-          </a:fillRef>
-          <a:effectRef idx="0">
-            <a:scrgbClr r="0" g="0" b="0"/>
-          </a:effectRef>
-          <a:fontRef idx="minor">
-            <a:schemeClr val="tx1"/>
-          </a:fontRef>
-        </p:style>
-      </p:cxnSp>
+      <p:pic>
+        <p:nvPicPr>
+          <p:cNvPr id="8" name="Picture 7">
+            <a:extLst>
+              <a:ext uri="{FF2B5EF4-FFF2-40B4-BE49-F238E27FC236}">
+                <a16:creationId xmlns:a16="http://schemas.microsoft.com/office/drawing/2014/main" id="{C926CD13-5E2F-4173-9131-7A1399E6EDEA}"/>
+              </a:ext>
+            </a:extLst>
+          </p:cNvPr>
+          <p:cNvPicPr>
+            <a:picLocks noChangeAspect="1"/>
+          </p:cNvPicPr>
+          <p:nvPr/>
+        </p:nvPicPr>
+        <p:blipFill>
+          <a:blip r:embed="rId4">
+            <a:extLst>
+              <a:ext uri="{28A0092B-C50C-407E-A947-70E740481C1C}">
+                <a14:useLocalDpi xmlns:a14="http://schemas.microsoft.com/office/drawing/2010/main" val="0"/>
+              </a:ext>
+            </a:extLst>
+          </a:blip>
+          <a:stretch>
+            <a:fillRect/>
+          </a:stretch>
+        </p:blipFill>
+        <p:spPr>
+          <a:xfrm>
+            <a:off x="1560786" y="2703276"/>
+            <a:ext cx="9525000" cy="2190750"/>
+          </a:xfrm>
+          <a:prstGeom prst="rect">
+            <a:avLst/>
+          </a:prstGeom>
+        </p:spPr>
+      </p:pic>
     </p:spTree>
     <p:extLst>
       <p:ext uri="{BB962C8B-B14F-4D97-AF65-F5344CB8AC3E}">
@@ -5815,140 +4716,12 @@
           </a:p>
         </p:txBody>
       </p:sp>
-      <p:sp>
-        <p:nvSpPr>
-          <p:cNvPr id="5" name="TextBox 4">
-            <a:extLst>
-              <a:ext uri="{FF2B5EF4-FFF2-40B4-BE49-F238E27FC236}">
-                <a16:creationId xmlns:a16="http://schemas.microsoft.com/office/drawing/2014/main" id="{EED46A86-C106-4596-9342-011EAB247CB0}"/>
-              </a:ext>
-            </a:extLst>
-          </p:cNvPr>
-          <p:cNvSpPr txBox="1"/>
-          <p:nvPr/>
-        </p:nvSpPr>
-        <p:spPr>
-          <a:xfrm>
-            <a:off x="4698124" y="216196"/>
-            <a:ext cx="3044423" cy="369332"/>
-          </a:xfrm>
-          <a:prstGeom prst="rect">
-            <a:avLst/>
-          </a:prstGeom>
-          <a:noFill/>
-        </p:spPr>
-        <p:txBody>
-          <a:bodyPr wrap="none" rtlCol="0">
-            <a:spAutoFit/>
-          </a:bodyPr>
-          <a:lstStyle/>
-          <a:p>
-            <a:r>
-              <a:rPr lang="en-US" b="1" dirty="0">
-                <a:latin typeface="Georgia" panose="02040502050405020303" pitchFamily="18" charset="0"/>
-              </a:rPr>
-              <a:t>Help Sequence Diagram</a:t>
-            </a:r>
-          </a:p>
-        </p:txBody>
-      </p:sp>
-      <p:sp>
-        <p:nvSpPr>
-          <p:cNvPr id="6" name="Rectangle 5">
-            <a:extLst>
-              <a:ext uri="{FF2B5EF4-FFF2-40B4-BE49-F238E27FC236}">
-                <a16:creationId xmlns:a16="http://schemas.microsoft.com/office/drawing/2014/main" id="{5993E7F0-A172-4838-883D-6CEFEA31C010}"/>
-              </a:ext>
-            </a:extLst>
-          </p:cNvPr>
-          <p:cNvSpPr/>
-          <p:nvPr/>
-        </p:nvSpPr>
-        <p:spPr>
-          <a:xfrm>
-            <a:off x="2001329" y="1114021"/>
-            <a:ext cx="169057" cy="4913656"/>
-          </a:xfrm>
-          <a:prstGeom prst="rect">
-            <a:avLst/>
-          </a:prstGeom>
-          <a:solidFill>
-            <a:schemeClr val="bg2"/>
-          </a:solidFill>
-          <a:ln>
-            <a:solidFill>
-              <a:schemeClr val="tx1"/>
-            </a:solidFill>
-          </a:ln>
-        </p:spPr>
-        <p:style>
-          <a:lnRef idx="2">
-            <a:schemeClr val="accent1">
-              <a:shade val="50000"/>
-            </a:schemeClr>
-          </a:lnRef>
-          <a:fillRef idx="1">
-            <a:schemeClr val="accent1"/>
-          </a:fillRef>
-          <a:effectRef idx="0">
-            <a:schemeClr val="accent1"/>
-          </a:effectRef>
-          <a:fontRef idx="minor">
-            <a:schemeClr val="lt1"/>
-          </a:fontRef>
-        </p:style>
-        <p:txBody>
-          <a:bodyPr rtlCol="0" anchor="ctr"/>
-          <a:lstStyle/>
-          <a:p>
-            <a:pPr algn="ctr"/>
-            <a:endParaRPr lang="en-US"/>
-          </a:p>
-        </p:txBody>
-      </p:sp>
-      <p:sp>
-        <p:nvSpPr>
-          <p:cNvPr id="7" name="TextBox 6">
-            <a:extLst>
-              <a:ext uri="{FF2B5EF4-FFF2-40B4-BE49-F238E27FC236}">
-                <a16:creationId xmlns:a16="http://schemas.microsoft.com/office/drawing/2014/main" id="{8D400405-8429-45D0-A6D6-38BE802C9D65}"/>
-              </a:ext>
-            </a:extLst>
-          </p:cNvPr>
-          <p:cNvSpPr txBox="1"/>
-          <p:nvPr/>
-        </p:nvSpPr>
-        <p:spPr>
-          <a:xfrm>
-            <a:off x="1389993" y="783735"/>
-            <a:ext cx="1391728" cy="307777"/>
-          </a:xfrm>
-          <a:prstGeom prst="rect">
-            <a:avLst/>
-          </a:prstGeom>
-          <a:noFill/>
-        </p:spPr>
-        <p:txBody>
-          <a:bodyPr wrap="none" rtlCol="0">
-            <a:spAutoFit/>
-          </a:bodyPr>
-          <a:lstStyle/>
-          <a:p>
-            <a:r>
-              <a:rPr lang="en-US" sz="1400" u="sng" dirty="0">
-                <a:latin typeface="Georgia" panose="02040502050405020303" pitchFamily="18" charset="0"/>
-              </a:rPr>
-              <a:t>Command GUI</a:t>
-            </a:r>
-          </a:p>
-        </p:txBody>
-      </p:sp>
       <p:pic>
         <p:nvPicPr>
-          <p:cNvPr id="9" name="Graphic 8" descr="User">
-            <a:extLst>
-              <a:ext uri="{FF2B5EF4-FFF2-40B4-BE49-F238E27FC236}">
-                <a16:creationId xmlns:a16="http://schemas.microsoft.com/office/drawing/2014/main" id="{8CBF6EE1-F802-4256-A0A6-A52931E0F7B8}"/>
+          <p:cNvPr id="3" name="Picture 2">
+            <a:extLst>
+              <a:ext uri="{FF2B5EF4-FFF2-40B4-BE49-F238E27FC236}">
+                <a16:creationId xmlns:a16="http://schemas.microsoft.com/office/drawing/2014/main" id="{5109E759-60ED-4425-BD9A-229A18D4AC55}"/>
               </a:ext>
             </a:extLst>
           </p:cNvPr>
@@ -5962,9 +4735,6 @@
             <a:extLst>
               <a:ext uri="{28A0092B-C50C-407E-A947-70E740481C1C}">
                 <a14:useLocalDpi xmlns:a14="http://schemas.microsoft.com/office/drawing/2010/main" val="0"/>
-              </a:ext>
-              <a:ext uri="{96DAC541-7B7A-43D3-8B79-37D633B846F1}">
-                <asvg:svgBlip xmlns:asvg="http://schemas.microsoft.com/office/drawing/2016/SVG/main" r:embed="rId3"/>
               </a:ext>
             </a:extLst>
           </a:blip>
@@ -5974,6 +4744,82 @@
         </p:blipFill>
         <p:spPr>
           <a:xfrm>
+            <a:off x="1674395" y="2097875"/>
+            <a:ext cx="8843210" cy="3474118"/>
+          </a:xfrm>
+          <a:prstGeom prst="rect">
+            <a:avLst/>
+          </a:prstGeom>
+        </p:spPr>
+      </p:pic>
+      <p:sp>
+        <p:nvSpPr>
+          <p:cNvPr id="5" name="TextBox 4">
+            <a:extLst>
+              <a:ext uri="{FF2B5EF4-FFF2-40B4-BE49-F238E27FC236}">
+                <a16:creationId xmlns:a16="http://schemas.microsoft.com/office/drawing/2014/main" id="{EED46A86-C106-4596-9342-011EAB247CB0}"/>
+              </a:ext>
+            </a:extLst>
+          </p:cNvPr>
+          <p:cNvSpPr txBox="1"/>
+          <p:nvPr/>
+        </p:nvSpPr>
+        <p:spPr>
+          <a:xfrm>
+            <a:off x="4698124" y="216196"/>
+            <a:ext cx="3044423" cy="369332"/>
+          </a:xfrm>
+          <a:prstGeom prst="rect">
+            <a:avLst/>
+          </a:prstGeom>
+          <a:noFill/>
+        </p:spPr>
+        <p:txBody>
+          <a:bodyPr wrap="none" rtlCol="0">
+            <a:spAutoFit/>
+          </a:bodyPr>
+          <a:lstStyle/>
+          <a:p>
+            <a:r>
+              <a:rPr lang="en-US" b="1" dirty="0">
+                <a:latin typeface="Georgia" panose="02040502050405020303" pitchFamily="18" charset="0"/>
+              </a:rPr>
+              <a:t>Help Sequence Diagram</a:t>
+            </a:r>
+          </a:p>
+        </p:txBody>
+      </p:sp>
+      <p:pic>
+        <p:nvPicPr>
+          <p:cNvPr id="9" name="Graphic 8" descr="User">
+            <a:extLst>
+              <a:ext uri="{FF2B5EF4-FFF2-40B4-BE49-F238E27FC236}">
+                <a16:creationId xmlns:a16="http://schemas.microsoft.com/office/drawing/2014/main" id="{8CBF6EE1-F802-4256-A0A6-A52931E0F7B8}"/>
+              </a:ext>
+            </a:extLst>
+          </p:cNvPr>
+          <p:cNvPicPr>
+            <a:picLocks noChangeAspect="1"/>
+          </p:cNvPicPr>
+          <p:nvPr/>
+        </p:nvPicPr>
+        <p:blipFill>
+          <a:blip r:embed="rId3">
+            <a:extLst>
+              <a:ext uri="{28A0092B-C50C-407E-A947-70E740481C1C}">
+                <a14:useLocalDpi xmlns:a14="http://schemas.microsoft.com/office/drawing/2010/main" val="0"/>
+              </a:ext>
+              <a:ext uri="{96DAC541-7B7A-43D3-8B79-37D633B846F1}">
+                <asvg:svgBlip xmlns:asvg="http://schemas.microsoft.com/office/drawing/2016/SVG/main" r:embed="rId4"/>
+              </a:ext>
+            </a:extLst>
+          </a:blip>
+          <a:stretch>
+            <a:fillRect/>
+          </a:stretch>
+        </p:blipFill>
+        <p:spPr>
+          <a:xfrm>
             <a:off x="619666" y="3265941"/>
             <a:ext cx="914400" cy="914400"/>
           </a:xfrm>
@@ -6019,236 +4865,6 @@
           </a:p>
         </p:txBody>
       </p:sp>
-      <p:cxnSp>
-        <p:nvCxnSpPr>
-          <p:cNvPr id="13" name="Straight Arrow Connector 12">
-            <a:extLst>
-              <a:ext uri="{FF2B5EF4-FFF2-40B4-BE49-F238E27FC236}">
-                <a16:creationId xmlns:a16="http://schemas.microsoft.com/office/drawing/2014/main" id="{C92A00A1-D5F3-47EB-A5AB-07025FE787B1}"/>
-              </a:ext>
-            </a:extLst>
-          </p:cNvPr>
-          <p:cNvCxnSpPr>
-            <a:cxnSpLocks/>
-          </p:cNvCxnSpPr>
-          <p:nvPr/>
-        </p:nvCxnSpPr>
-        <p:spPr>
-          <a:xfrm>
-            <a:off x="940676" y="1334813"/>
-            <a:ext cx="1060653" cy="0"/>
-          </a:xfrm>
-          <a:prstGeom prst="straightConnector1">
-            <a:avLst/>
-          </a:prstGeom>
-          <a:ln w="9525" cap="flat" cmpd="sng" algn="ctr">
-            <a:solidFill>
-              <a:schemeClr val="dk1"/>
-            </a:solidFill>
-            <a:prstDash val="solid"/>
-            <a:round/>
-            <a:headEnd type="none" w="med" len="med"/>
-            <a:tailEnd type="arrow" w="med" len="med"/>
-          </a:ln>
-        </p:spPr>
-        <p:style>
-          <a:lnRef idx="0">
-            <a:scrgbClr r="0" g="0" b="0"/>
-          </a:lnRef>
-          <a:fillRef idx="0">
-            <a:scrgbClr r="0" g="0" b="0"/>
-          </a:fillRef>
-          <a:effectRef idx="0">
-            <a:scrgbClr r="0" g="0" b="0"/>
-          </a:effectRef>
-          <a:fontRef idx="minor">
-            <a:schemeClr val="tx1"/>
-          </a:fontRef>
-        </p:style>
-      </p:cxnSp>
-      <p:sp>
-        <p:nvSpPr>
-          <p:cNvPr id="16" name="Rectangle 15">
-            <a:extLst>
-              <a:ext uri="{FF2B5EF4-FFF2-40B4-BE49-F238E27FC236}">
-                <a16:creationId xmlns:a16="http://schemas.microsoft.com/office/drawing/2014/main" id="{0285C4BD-12F1-4D93-81B0-4B81C5DE0ACF}"/>
-              </a:ext>
-            </a:extLst>
-          </p:cNvPr>
-          <p:cNvSpPr/>
-          <p:nvPr/>
-        </p:nvSpPr>
-        <p:spPr>
-          <a:xfrm>
-            <a:off x="3851150" y="1114021"/>
-            <a:ext cx="169057" cy="4391855"/>
-          </a:xfrm>
-          <a:prstGeom prst="rect">
-            <a:avLst/>
-          </a:prstGeom>
-          <a:solidFill>
-            <a:schemeClr val="bg2"/>
-          </a:solidFill>
-          <a:ln>
-            <a:solidFill>
-              <a:schemeClr val="tx1"/>
-            </a:solidFill>
-          </a:ln>
-        </p:spPr>
-        <p:style>
-          <a:lnRef idx="2">
-            <a:schemeClr val="accent1">
-              <a:shade val="50000"/>
-            </a:schemeClr>
-          </a:lnRef>
-          <a:fillRef idx="1">
-            <a:schemeClr val="accent1"/>
-          </a:fillRef>
-          <a:effectRef idx="0">
-            <a:schemeClr val="accent1"/>
-          </a:effectRef>
-          <a:fontRef idx="minor">
-            <a:schemeClr val="lt1"/>
-          </a:fontRef>
-        </p:style>
-        <p:txBody>
-          <a:bodyPr rtlCol="0" anchor="ctr"/>
-          <a:lstStyle/>
-          <a:p>
-            <a:pPr algn="ctr"/>
-            <a:endParaRPr lang="en-US"/>
-          </a:p>
-        </p:txBody>
-      </p:sp>
-      <p:sp>
-        <p:nvSpPr>
-          <p:cNvPr id="17" name="TextBox 16">
-            <a:extLst>
-              <a:ext uri="{FF2B5EF4-FFF2-40B4-BE49-F238E27FC236}">
-                <a16:creationId xmlns:a16="http://schemas.microsoft.com/office/drawing/2014/main" id="{5F14A1DD-3841-44CD-81BB-FC50BB190866}"/>
-              </a:ext>
-            </a:extLst>
-          </p:cNvPr>
-          <p:cNvSpPr txBox="1"/>
-          <p:nvPr/>
-        </p:nvSpPr>
-        <p:spPr>
-          <a:xfrm>
-            <a:off x="3536369" y="780958"/>
-            <a:ext cx="798617" cy="307777"/>
-          </a:xfrm>
-          <a:prstGeom prst="rect">
-            <a:avLst/>
-          </a:prstGeom>
-          <a:noFill/>
-        </p:spPr>
-        <p:txBody>
-          <a:bodyPr wrap="none" rtlCol="0">
-            <a:spAutoFit/>
-          </a:bodyPr>
-          <a:lstStyle/>
-          <a:p>
-            <a:r>
-              <a:rPr lang="en-US" sz="1400" u="sng" dirty="0">
-                <a:latin typeface="Georgia" panose="02040502050405020303" pitchFamily="18" charset="0"/>
-              </a:rPr>
-              <a:t>Theater</a:t>
-            </a:r>
-          </a:p>
-        </p:txBody>
-      </p:sp>
-      <p:cxnSp>
-        <p:nvCxnSpPr>
-          <p:cNvPr id="19" name="Straight Connector 18">
-            <a:extLst>
-              <a:ext uri="{FF2B5EF4-FFF2-40B4-BE49-F238E27FC236}">
-                <a16:creationId xmlns:a16="http://schemas.microsoft.com/office/drawing/2014/main" id="{3145678D-8CB4-4933-BC4C-B105C5495678}"/>
-              </a:ext>
-            </a:extLst>
-          </p:cNvPr>
-          <p:cNvCxnSpPr/>
-          <p:nvPr/>
-        </p:nvCxnSpPr>
-        <p:spPr>
-          <a:xfrm>
-            <a:off x="2065283" y="6027677"/>
-            <a:ext cx="0" cy="294295"/>
-          </a:xfrm>
-          <a:prstGeom prst="line">
-            <a:avLst/>
-          </a:prstGeom>
-          <a:ln w="9525" cap="flat" cmpd="sng" algn="ctr">
-            <a:solidFill>
-              <a:schemeClr val="dk1"/>
-            </a:solidFill>
-            <a:prstDash val="dash"/>
-            <a:round/>
-            <a:headEnd type="none" w="med" len="med"/>
-            <a:tailEnd type="none" w="med" len="med"/>
-          </a:ln>
-        </p:spPr>
-        <p:style>
-          <a:lnRef idx="0">
-            <a:scrgbClr r="0" g="0" b="0"/>
-          </a:lnRef>
-          <a:fillRef idx="0">
-            <a:scrgbClr r="0" g="0" b="0"/>
-          </a:fillRef>
-          <a:effectRef idx="0">
-            <a:scrgbClr r="0" g="0" b="0"/>
-          </a:effectRef>
-          <a:fontRef idx="minor">
-            <a:schemeClr val="tx1"/>
-          </a:fontRef>
-        </p:style>
-      </p:cxnSp>
-      <p:cxnSp>
-        <p:nvCxnSpPr>
-          <p:cNvPr id="20" name="Straight Connector 19">
-            <a:extLst>
-              <a:ext uri="{FF2B5EF4-FFF2-40B4-BE49-F238E27FC236}">
-                <a16:creationId xmlns:a16="http://schemas.microsoft.com/office/drawing/2014/main" id="{093D5B23-CD8E-4B7F-9953-8B4E721B9BC0}"/>
-              </a:ext>
-            </a:extLst>
-          </p:cNvPr>
-          <p:cNvCxnSpPr>
-            <a:cxnSpLocks/>
-          </p:cNvCxnSpPr>
-          <p:nvPr/>
-        </p:nvCxnSpPr>
-        <p:spPr>
-          <a:xfrm>
-            <a:off x="3925614" y="5505876"/>
-            <a:ext cx="0" cy="816096"/>
-          </a:xfrm>
-          <a:prstGeom prst="line">
-            <a:avLst/>
-          </a:prstGeom>
-          <a:ln w="9525" cap="flat" cmpd="sng" algn="ctr">
-            <a:solidFill>
-              <a:schemeClr val="dk1"/>
-            </a:solidFill>
-            <a:prstDash val="dash"/>
-            <a:round/>
-            <a:headEnd type="none" w="med" len="med"/>
-            <a:tailEnd type="none" w="med" len="med"/>
-          </a:ln>
-        </p:spPr>
-        <p:style>
-          <a:lnRef idx="0">
-            <a:scrgbClr r="0" g="0" b="0"/>
-          </a:lnRef>
-          <a:fillRef idx="0">
-            <a:scrgbClr r="0" g="0" b="0"/>
-          </a:fillRef>
-          <a:effectRef idx="0">
-            <a:scrgbClr r="0" g="0" b="0"/>
-          </a:effectRef>
-          <a:fontRef idx="minor">
-            <a:schemeClr val="tx1"/>
-          </a:fontRef>
-        </p:style>
-      </p:cxnSp>
     </p:spTree>
     <p:extLst>
       <p:ext uri="{BB962C8B-B14F-4D97-AF65-F5344CB8AC3E}">
@@ -7126,15 +5742,7 @@
             </a:pPr>
             <a:r>
               <a:rPr lang="en-US" sz="1200" dirty="0"/>
-              <a:t>Asks </a:t>
-            </a:r>
-            <a:r>
-              <a:rPr lang="en-US" sz="1200"/>
-              <a:t>for client’s </a:t>
-            </a:r>
-            <a:r>
-              <a:rPr lang="en-US" sz="1200" dirty="0"/>
-              <a:t>name</a:t>
+              <a:t>Asks for client’s name</a:t>
             </a:r>
           </a:p>
           <a:p>
@@ -7145,15 +5753,7 @@
             </a:pPr>
             <a:r>
               <a:rPr lang="en-US" sz="1200" dirty="0"/>
-              <a:t>       </a:t>
-            </a:r>
-            <a:r>
-              <a:rPr lang="en-US" sz="1200"/>
-              <a:t>Enters client’s </a:t>
-            </a:r>
-            <a:r>
-              <a:rPr lang="en-US" sz="1200" dirty="0"/>
-              <a:t>name</a:t>
+              <a:t>       Enters client’s name</a:t>
             </a:r>
           </a:p>
           <a:p>
@@ -7164,15 +5764,7 @@
             </a:pPr>
             <a:r>
               <a:rPr lang="en-US" sz="1200" dirty="0"/>
-              <a:t>Asks </a:t>
-            </a:r>
-            <a:r>
-              <a:rPr lang="en-US" sz="1200"/>
-              <a:t>for client’s </a:t>
-            </a:r>
-            <a:r>
-              <a:rPr lang="en-US" sz="1200" dirty="0"/>
-              <a:t>address</a:t>
+              <a:t>Asks for client’s address</a:t>
             </a:r>
           </a:p>
           <a:p>
@@ -7183,15 +5775,7 @@
             </a:pPr>
             <a:r>
               <a:rPr lang="en-US" sz="1200" dirty="0"/>
-              <a:t>      </a:t>
-            </a:r>
-            <a:r>
-              <a:rPr lang="en-US" sz="1200"/>
-              <a:t>Enters client’s </a:t>
-            </a:r>
-            <a:r>
-              <a:rPr lang="en-US" sz="1200" dirty="0"/>
-              <a:t>address</a:t>
+              <a:t>      Enters client’s address</a:t>
             </a:r>
           </a:p>
           <a:p>
@@ -7202,15 +5786,7 @@
             </a:pPr>
             <a:r>
               <a:rPr lang="en-US" sz="1200" dirty="0"/>
-              <a:t>Asks </a:t>
-            </a:r>
-            <a:r>
-              <a:rPr lang="en-US" sz="1200"/>
-              <a:t>for client’s </a:t>
-            </a:r>
-            <a:r>
-              <a:rPr lang="en-US" sz="1200" dirty="0"/>
-              <a:t>phone number</a:t>
+              <a:t>Asks for client’s phone number</a:t>
             </a:r>
           </a:p>
           <a:p>
@@ -7221,15 +5797,7 @@
             </a:pPr>
             <a:r>
               <a:rPr lang="en-US" sz="1200" dirty="0"/>
-              <a:t>     </a:t>
-            </a:r>
-            <a:r>
-              <a:rPr lang="en-US" sz="1200"/>
-              <a:t>Enters clients </a:t>
-            </a:r>
-            <a:r>
-              <a:rPr lang="en-US" sz="1200" dirty="0"/>
-              <a:t>phone number</a:t>
+              <a:t>     Enters clients phone number</a:t>
             </a:r>
           </a:p>
         </p:txBody>
@@ -7344,7 +5912,7 @@
         </p:nvCxnSpPr>
         <p:spPr>
           <a:xfrm flipH="1">
-            <a:off x="1227724" y="1757779"/>
+            <a:off x="1203697" y="1767304"/>
             <a:ext cx="2127061" cy="0"/>
           </a:xfrm>
           <a:prstGeom prst="straightConnector1">
@@ -14508,7 +13076,7 @@
         </p:nvSpPr>
         <p:spPr>
           <a:xfrm>
-            <a:off x="3851150" y="1114021"/>
+            <a:off x="3841085" y="1114021"/>
             <a:ext cx="169057" cy="4391855"/>
           </a:xfrm>
           <a:prstGeom prst="rect">
@@ -14793,97 +13361,6 @@
           </a:p>
         </p:txBody>
       </p:sp>
-      <p:sp>
-        <p:nvSpPr>
-          <p:cNvPr id="6" name="Rectangle 5">
-            <a:extLst>
-              <a:ext uri="{FF2B5EF4-FFF2-40B4-BE49-F238E27FC236}">
-                <a16:creationId xmlns:a16="http://schemas.microsoft.com/office/drawing/2014/main" id="{5993E7F0-A172-4838-883D-6CEFEA31C010}"/>
-              </a:ext>
-            </a:extLst>
-          </p:cNvPr>
-          <p:cNvSpPr/>
-          <p:nvPr/>
-        </p:nvSpPr>
-        <p:spPr>
-          <a:xfrm>
-            <a:off x="2001329" y="1114021"/>
-            <a:ext cx="169057" cy="4913656"/>
-          </a:xfrm>
-          <a:prstGeom prst="rect">
-            <a:avLst/>
-          </a:prstGeom>
-          <a:solidFill>
-            <a:schemeClr val="bg2"/>
-          </a:solidFill>
-          <a:ln>
-            <a:solidFill>
-              <a:schemeClr val="tx1"/>
-            </a:solidFill>
-          </a:ln>
-        </p:spPr>
-        <p:style>
-          <a:lnRef idx="2">
-            <a:schemeClr val="accent1">
-              <a:shade val="50000"/>
-            </a:schemeClr>
-          </a:lnRef>
-          <a:fillRef idx="1">
-            <a:schemeClr val="accent1"/>
-          </a:fillRef>
-          <a:effectRef idx="0">
-            <a:schemeClr val="accent1"/>
-          </a:effectRef>
-          <a:fontRef idx="minor">
-            <a:schemeClr val="lt1"/>
-          </a:fontRef>
-        </p:style>
-        <p:txBody>
-          <a:bodyPr rtlCol="0" anchor="ctr"/>
-          <a:lstStyle/>
-          <a:p>
-            <a:pPr algn="ctr"/>
-            <a:endParaRPr lang="en-US"/>
-          </a:p>
-        </p:txBody>
-      </p:sp>
-      <p:sp>
-        <p:nvSpPr>
-          <p:cNvPr id="7" name="TextBox 6">
-            <a:extLst>
-              <a:ext uri="{FF2B5EF4-FFF2-40B4-BE49-F238E27FC236}">
-                <a16:creationId xmlns:a16="http://schemas.microsoft.com/office/drawing/2014/main" id="{8D400405-8429-45D0-A6D6-38BE802C9D65}"/>
-              </a:ext>
-            </a:extLst>
-          </p:cNvPr>
-          <p:cNvSpPr txBox="1"/>
-          <p:nvPr/>
-        </p:nvSpPr>
-        <p:spPr>
-          <a:xfrm>
-            <a:off x="1389993" y="783735"/>
-            <a:ext cx="1391728" cy="307777"/>
-          </a:xfrm>
-          <a:prstGeom prst="rect">
-            <a:avLst/>
-          </a:prstGeom>
-          <a:noFill/>
-        </p:spPr>
-        <p:txBody>
-          <a:bodyPr wrap="none" rtlCol="0">
-            <a:spAutoFit/>
-          </a:bodyPr>
-          <a:lstStyle/>
-          <a:p>
-            <a:r>
-              <a:rPr lang="en-US" sz="1400" u="sng" dirty="0">
-                <a:latin typeface="Georgia" panose="02040502050405020303" pitchFamily="18" charset="0"/>
-              </a:rPr>
-              <a:t>Command GUI</a:t>
-            </a:r>
-          </a:p>
-        </p:txBody>
-      </p:sp>
       <p:pic>
         <p:nvPicPr>
           <p:cNvPr id="9" name="Graphic 8" descr="User">
@@ -14960,236 +13437,6 @@
           </a:p>
         </p:txBody>
       </p:sp>
-      <p:cxnSp>
-        <p:nvCxnSpPr>
-          <p:cNvPr id="13" name="Straight Arrow Connector 12">
-            <a:extLst>
-              <a:ext uri="{FF2B5EF4-FFF2-40B4-BE49-F238E27FC236}">
-                <a16:creationId xmlns:a16="http://schemas.microsoft.com/office/drawing/2014/main" id="{C92A00A1-D5F3-47EB-A5AB-07025FE787B1}"/>
-              </a:ext>
-            </a:extLst>
-          </p:cNvPr>
-          <p:cNvCxnSpPr>
-            <a:cxnSpLocks/>
-          </p:cNvCxnSpPr>
-          <p:nvPr/>
-        </p:nvCxnSpPr>
-        <p:spPr>
-          <a:xfrm>
-            <a:off x="940676" y="1334813"/>
-            <a:ext cx="1060653" cy="0"/>
-          </a:xfrm>
-          <a:prstGeom prst="straightConnector1">
-            <a:avLst/>
-          </a:prstGeom>
-          <a:ln w="9525" cap="flat" cmpd="sng" algn="ctr">
-            <a:solidFill>
-              <a:schemeClr val="dk1"/>
-            </a:solidFill>
-            <a:prstDash val="solid"/>
-            <a:round/>
-            <a:headEnd type="none" w="med" len="med"/>
-            <a:tailEnd type="arrow" w="med" len="med"/>
-          </a:ln>
-        </p:spPr>
-        <p:style>
-          <a:lnRef idx="0">
-            <a:scrgbClr r="0" g="0" b="0"/>
-          </a:lnRef>
-          <a:fillRef idx="0">
-            <a:scrgbClr r="0" g="0" b="0"/>
-          </a:fillRef>
-          <a:effectRef idx="0">
-            <a:scrgbClr r="0" g="0" b="0"/>
-          </a:effectRef>
-          <a:fontRef idx="minor">
-            <a:schemeClr val="tx1"/>
-          </a:fontRef>
-        </p:style>
-      </p:cxnSp>
-      <p:sp>
-        <p:nvSpPr>
-          <p:cNvPr id="16" name="Rectangle 15">
-            <a:extLst>
-              <a:ext uri="{FF2B5EF4-FFF2-40B4-BE49-F238E27FC236}">
-                <a16:creationId xmlns:a16="http://schemas.microsoft.com/office/drawing/2014/main" id="{0285C4BD-12F1-4D93-81B0-4B81C5DE0ACF}"/>
-              </a:ext>
-            </a:extLst>
-          </p:cNvPr>
-          <p:cNvSpPr/>
-          <p:nvPr/>
-        </p:nvSpPr>
-        <p:spPr>
-          <a:xfrm>
-            <a:off x="3851150" y="1114021"/>
-            <a:ext cx="169057" cy="4391855"/>
-          </a:xfrm>
-          <a:prstGeom prst="rect">
-            <a:avLst/>
-          </a:prstGeom>
-          <a:solidFill>
-            <a:schemeClr val="bg2"/>
-          </a:solidFill>
-          <a:ln>
-            <a:solidFill>
-              <a:schemeClr val="tx1"/>
-            </a:solidFill>
-          </a:ln>
-        </p:spPr>
-        <p:style>
-          <a:lnRef idx="2">
-            <a:schemeClr val="accent1">
-              <a:shade val="50000"/>
-            </a:schemeClr>
-          </a:lnRef>
-          <a:fillRef idx="1">
-            <a:schemeClr val="accent1"/>
-          </a:fillRef>
-          <a:effectRef idx="0">
-            <a:schemeClr val="accent1"/>
-          </a:effectRef>
-          <a:fontRef idx="minor">
-            <a:schemeClr val="lt1"/>
-          </a:fontRef>
-        </p:style>
-        <p:txBody>
-          <a:bodyPr rtlCol="0" anchor="ctr"/>
-          <a:lstStyle/>
-          <a:p>
-            <a:pPr algn="ctr"/>
-            <a:endParaRPr lang="en-US"/>
-          </a:p>
-        </p:txBody>
-      </p:sp>
-      <p:sp>
-        <p:nvSpPr>
-          <p:cNvPr id="17" name="TextBox 16">
-            <a:extLst>
-              <a:ext uri="{FF2B5EF4-FFF2-40B4-BE49-F238E27FC236}">
-                <a16:creationId xmlns:a16="http://schemas.microsoft.com/office/drawing/2014/main" id="{5F14A1DD-3841-44CD-81BB-FC50BB190866}"/>
-              </a:ext>
-            </a:extLst>
-          </p:cNvPr>
-          <p:cNvSpPr txBox="1"/>
-          <p:nvPr/>
-        </p:nvSpPr>
-        <p:spPr>
-          <a:xfrm>
-            <a:off x="3536369" y="780958"/>
-            <a:ext cx="798617" cy="307777"/>
-          </a:xfrm>
-          <a:prstGeom prst="rect">
-            <a:avLst/>
-          </a:prstGeom>
-          <a:noFill/>
-        </p:spPr>
-        <p:txBody>
-          <a:bodyPr wrap="none" rtlCol="0">
-            <a:spAutoFit/>
-          </a:bodyPr>
-          <a:lstStyle/>
-          <a:p>
-            <a:r>
-              <a:rPr lang="en-US" sz="1400" u="sng" dirty="0">
-                <a:latin typeface="Georgia" panose="02040502050405020303" pitchFamily="18" charset="0"/>
-              </a:rPr>
-              <a:t>Theater</a:t>
-            </a:r>
-          </a:p>
-        </p:txBody>
-      </p:sp>
-      <p:cxnSp>
-        <p:nvCxnSpPr>
-          <p:cNvPr id="19" name="Straight Connector 18">
-            <a:extLst>
-              <a:ext uri="{FF2B5EF4-FFF2-40B4-BE49-F238E27FC236}">
-                <a16:creationId xmlns:a16="http://schemas.microsoft.com/office/drawing/2014/main" id="{3145678D-8CB4-4933-BC4C-B105C5495678}"/>
-              </a:ext>
-            </a:extLst>
-          </p:cNvPr>
-          <p:cNvCxnSpPr/>
-          <p:nvPr/>
-        </p:nvCxnSpPr>
-        <p:spPr>
-          <a:xfrm>
-            <a:off x="2065283" y="6027677"/>
-            <a:ext cx="0" cy="294295"/>
-          </a:xfrm>
-          <a:prstGeom prst="line">
-            <a:avLst/>
-          </a:prstGeom>
-          <a:ln w="9525" cap="flat" cmpd="sng" algn="ctr">
-            <a:solidFill>
-              <a:schemeClr val="dk1"/>
-            </a:solidFill>
-            <a:prstDash val="dash"/>
-            <a:round/>
-            <a:headEnd type="none" w="med" len="med"/>
-            <a:tailEnd type="none" w="med" len="med"/>
-          </a:ln>
-        </p:spPr>
-        <p:style>
-          <a:lnRef idx="0">
-            <a:scrgbClr r="0" g="0" b="0"/>
-          </a:lnRef>
-          <a:fillRef idx="0">
-            <a:scrgbClr r="0" g="0" b="0"/>
-          </a:fillRef>
-          <a:effectRef idx="0">
-            <a:scrgbClr r="0" g="0" b="0"/>
-          </a:effectRef>
-          <a:fontRef idx="minor">
-            <a:schemeClr val="tx1"/>
-          </a:fontRef>
-        </p:style>
-      </p:cxnSp>
-      <p:cxnSp>
-        <p:nvCxnSpPr>
-          <p:cNvPr id="20" name="Straight Connector 19">
-            <a:extLst>
-              <a:ext uri="{FF2B5EF4-FFF2-40B4-BE49-F238E27FC236}">
-                <a16:creationId xmlns:a16="http://schemas.microsoft.com/office/drawing/2014/main" id="{093D5B23-CD8E-4B7F-9953-8B4E721B9BC0}"/>
-              </a:ext>
-            </a:extLst>
-          </p:cNvPr>
-          <p:cNvCxnSpPr>
-            <a:cxnSpLocks/>
-          </p:cNvCxnSpPr>
-          <p:nvPr/>
-        </p:nvCxnSpPr>
-        <p:spPr>
-          <a:xfrm>
-            <a:off x="3925614" y="5505876"/>
-            <a:ext cx="0" cy="816096"/>
-          </a:xfrm>
-          <a:prstGeom prst="line">
-            <a:avLst/>
-          </a:prstGeom>
-          <a:ln w="9525" cap="flat" cmpd="sng" algn="ctr">
-            <a:solidFill>
-              <a:schemeClr val="dk1"/>
-            </a:solidFill>
-            <a:prstDash val="dash"/>
-            <a:round/>
-            <a:headEnd type="none" w="med" len="med"/>
-            <a:tailEnd type="none" w="med" len="med"/>
-          </a:ln>
-        </p:spPr>
-        <p:style>
-          <a:lnRef idx="0">
-            <a:scrgbClr r="0" g="0" b="0"/>
-          </a:lnRef>
-          <a:fillRef idx="0">
-            <a:scrgbClr r="0" g="0" b="0"/>
-          </a:fillRef>
-          <a:effectRef idx="0">
-            <a:scrgbClr r="0" g="0" b="0"/>
-          </a:effectRef>
-          <a:fontRef idx="minor">
-            <a:schemeClr val="tx1"/>
-          </a:fontRef>
-        </p:style>
-      </p:cxnSp>
     </p:spTree>
     <p:extLst>
       <p:ext uri="{BB962C8B-B14F-4D97-AF65-F5344CB8AC3E}">
@@ -15306,97 +13553,6 @@
           </a:p>
         </p:txBody>
       </p:sp>
-      <p:sp>
-        <p:nvSpPr>
-          <p:cNvPr id="6" name="Rectangle 5">
-            <a:extLst>
-              <a:ext uri="{FF2B5EF4-FFF2-40B4-BE49-F238E27FC236}">
-                <a16:creationId xmlns:a16="http://schemas.microsoft.com/office/drawing/2014/main" id="{5993E7F0-A172-4838-883D-6CEFEA31C010}"/>
-              </a:ext>
-            </a:extLst>
-          </p:cNvPr>
-          <p:cNvSpPr/>
-          <p:nvPr/>
-        </p:nvSpPr>
-        <p:spPr>
-          <a:xfrm>
-            <a:off x="2001329" y="1114021"/>
-            <a:ext cx="169057" cy="4913656"/>
-          </a:xfrm>
-          <a:prstGeom prst="rect">
-            <a:avLst/>
-          </a:prstGeom>
-          <a:solidFill>
-            <a:schemeClr val="bg2"/>
-          </a:solidFill>
-          <a:ln>
-            <a:solidFill>
-              <a:schemeClr val="tx1"/>
-            </a:solidFill>
-          </a:ln>
-        </p:spPr>
-        <p:style>
-          <a:lnRef idx="2">
-            <a:schemeClr val="accent1">
-              <a:shade val="50000"/>
-            </a:schemeClr>
-          </a:lnRef>
-          <a:fillRef idx="1">
-            <a:schemeClr val="accent1"/>
-          </a:fillRef>
-          <a:effectRef idx="0">
-            <a:schemeClr val="accent1"/>
-          </a:effectRef>
-          <a:fontRef idx="minor">
-            <a:schemeClr val="lt1"/>
-          </a:fontRef>
-        </p:style>
-        <p:txBody>
-          <a:bodyPr rtlCol="0" anchor="ctr"/>
-          <a:lstStyle/>
-          <a:p>
-            <a:pPr algn="ctr"/>
-            <a:endParaRPr lang="en-US"/>
-          </a:p>
-        </p:txBody>
-      </p:sp>
-      <p:sp>
-        <p:nvSpPr>
-          <p:cNvPr id="7" name="TextBox 6">
-            <a:extLst>
-              <a:ext uri="{FF2B5EF4-FFF2-40B4-BE49-F238E27FC236}">
-                <a16:creationId xmlns:a16="http://schemas.microsoft.com/office/drawing/2014/main" id="{8D400405-8429-45D0-A6D6-38BE802C9D65}"/>
-              </a:ext>
-            </a:extLst>
-          </p:cNvPr>
-          <p:cNvSpPr txBox="1"/>
-          <p:nvPr/>
-        </p:nvSpPr>
-        <p:spPr>
-          <a:xfrm>
-            <a:off x="1389993" y="783735"/>
-            <a:ext cx="1391728" cy="307777"/>
-          </a:xfrm>
-          <a:prstGeom prst="rect">
-            <a:avLst/>
-          </a:prstGeom>
-          <a:noFill/>
-        </p:spPr>
-        <p:txBody>
-          <a:bodyPr wrap="none" rtlCol="0">
-            <a:spAutoFit/>
-          </a:bodyPr>
-          <a:lstStyle/>
-          <a:p>
-            <a:r>
-              <a:rPr lang="en-US" sz="1400" u="sng" dirty="0">
-                <a:latin typeface="Georgia" panose="02040502050405020303" pitchFamily="18" charset="0"/>
-              </a:rPr>
-              <a:t>Command GUI</a:t>
-            </a:r>
-          </a:p>
-        </p:txBody>
-      </p:sp>
       <p:pic>
         <p:nvPicPr>
           <p:cNvPr id="9" name="Graphic 8" descr="User">
@@ -15473,236 +13629,42 @@
           </a:p>
         </p:txBody>
       </p:sp>
-      <p:cxnSp>
-        <p:nvCxnSpPr>
-          <p:cNvPr id="13" name="Straight Arrow Connector 12">
-            <a:extLst>
-              <a:ext uri="{FF2B5EF4-FFF2-40B4-BE49-F238E27FC236}">
-                <a16:creationId xmlns:a16="http://schemas.microsoft.com/office/drawing/2014/main" id="{C92A00A1-D5F3-47EB-A5AB-07025FE787B1}"/>
-              </a:ext>
-            </a:extLst>
-          </p:cNvPr>
-          <p:cNvCxnSpPr>
-            <a:cxnSpLocks/>
-          </p:cNvCxnSpPr>
-          <p:nvPr/>
-        </p:nvCxnSpPr>
-        <p:spPr>
-          <a:xfrm>
-            <a:off x="940676" y="1334813"/>
-            <a:ext cx="1060653" cy="0"/>
-          </a:xfrm>
-          <a:prstGeom prst="straightConnector1">
-            <a:avLst/>
-          </a:prstGeom>
-          <a:ln w="9525" cap="flat" cmpd="sng" algn="ctr">
-            <a:solidFill>
-              <a:schemeClr val="dk1"/>
-            </a:solidFill>
-            <a:prstDash val="solid"/>
-            <a:round/>
-            <a:headEnd type="none" w="med" len="med"/>
-            <a:tailEnd type="arrow" w="med" len="med"/>
-          </a:ln>
-        </p:spPr>
-        <p:style>
-          <a:lnRef idx="0">
-            <a:scrgbClr r="0" g="0" b="0"/>
-          </a:lnRef>
-          <a:fillRef idx="0">
-            <a:scrgbClr r="0" g="0" b="0"/>
-          </a:fillRef>
-          <a:effectRef idx="0">
-            <a:scrgbClr r="0" g="0" b="0"/>
-          </a:effectRef>
-          <a:fontRef idx="minor">
-            <a:schemeClr val="tx1"/>
-          </a:fontRef>
-        </p:style>
-      </p:cxnSp>
-      <p:sp>
-        <p:nvSpPr>
-          <p:cNvPr id="16" name="Rectangle 15">
-            <a:extLst>
-              <a:ext uri="{FF2B5EF4-FFF2-40B4-BE49-F238E27FC236}">
-                <a16:creationId xmlns:a16="http://schemas.microsoft.com/office/drawing/2014/main" id="{0285C4BD-12F1-4D93-81B0-4B81C5DE0ACF}"/>
-              </a:ext>
-            </a:extLst>
-          </p:cNvPr>
-          <p:cNvSpPr/>
-          <p:nvPr/>
-        </p:nvSpPr>
-        <p:spPr>
-          <a:xfrm>
-            <a:off x="3851150" y="1114021"/>
-            <a:ext cx="169057" cy="4391855"/>
-          </a:xfrm>
-          <a:prstGeom prst="rect">
-            <a:avLst/>
-          </a:prstGeom>
-          <a:solidFill>
-            <a:schemeClr val="bg2"/>
-          </a:solidFill>
-          <a:ln>
-            <a:solidFill>
-              <a:schemeClr val="tx1"/>
-            </a:solidFill>
-          </a:ln>
-        </p:spPr>
-        <p:style>
-          <a:lnRef idx="2">
-            <a:schemeClr val="accent1">
-              <a:shade val="50000"/>
-            </a:schemeClr>
-          </a:lnRef>
-          <a:fillRef idx="1">
-            <a:schemeClr val="accent1"/>
-          </a:fillRef>
-          <a:effectRef idx="0">
-            <a:schemeClr val="accent1"/>
-          </a:effectRef>
-          <a:fontRef idx="minor">
-            <a:schemeClr val="lt1"/>
-          </a:fontRef>
-        </p:style>
-        <p:txBody>
-          <a:bodyPr rtlCol="0" anchor="ctr"/>
-          <a:lstStyle/>
-          <a:p>
-            <a:pPr algn="ctr"/>
-            <a:endParaRPr lang="en-US"/>
-          </a:p>
-        </p:txBody>
-      </p:sp>
-      <p:sp>
-        <p:nvSpPr>
-          <p:cNvPr id="17" name="TextBox 16">
-            <a:extLst>
-              <a:ext uri="{FF2B5EF4-FFF2-40B4-BE49-F238E27FC236}">
-                <a16:creationId xmlns:a16="http://schemas.microsoft.com/office/drawing/2014/main" id="{5F14A1DD-3841-44CD-81BB-FC50BB190866}"/>
-              </a:ext>
-            </a:extLst>
-          </p:cNvPr>
-          <p:cNvSpPr txBox="1"/>
-          <p:nvPr/>
-        </p:nvSpPr>
-        <p:spPr>
-          <a:xfrm>
-            <a:off x="3536369" y="780958"/>
-            <a:ext cx="798617" cy="307777"/>
-          </a:xfrm>
-          <a:prstGeom prst="rect">
-            <a:avLst/>
-          </a:prstGeom>
-          <a:noFill/>
-        </p:spPr>
-        <p:txBody>
-          <a:bodyPr wrap="none" rtlCol="0">
-            <a:spAutoFit/>
-          </a:bodyPr>
-          <a:lstStyle/>
-          <a:p>
-            <a:r>
-              <a:rPr lang="en-US" sz="1400" u="sng" dirty="0">
-                <a:latin typeface="Georgia" panose="02040502050405020303" pitchFamily="18" charset="0"/>
-              </a:rPr>
-              <a:t>Theater</a:t>
-            </a:r>
-          </a:p>
-        </p:txBody>
-      </p:sp>
-      <p:cxnSp>
-        <p:nvCxnSpPr>
-          <p:cNvPr id="19" name="Straight Connector 18">
-            <a:extLst>
-              <a:ext uri="{FF2B5EF4-FFF2-40B4-BE49-F238E27FC236}">
-                <a16:creationId xmlns:a16="http://schemas.microsoft.com/office/drawing/2014/main" id="{3145678D-8CB4-4933-BC4C-B105C5495678}"/>
-              </a:ext>
-            </a:extLst>
-          </p:cNvPr>
-          <p:cNvCxnSpPr/>
-          <p:nvPr/>
-        </p:nvCxnSpPr>
-        <p:spPr>
-          <a:xfrm>
-            <a:off x="2065283" y="6027677"/>
-            <a:ext cx="0" cy="294295"/>
-          </a:xfrm>
-          <a:prstGeom prst="line">
-            <a:avLst/>
-          </a:prstGeom>
-          <a:ln w="9525" cap="flat" cmpd="sng" algn="ctr">
-            <a:solidFill>
-              <a:schemeClr val="dk1"/>
-            </a:solidFill>
-            <a:prstDash val="dash"/>
-            <a:round/>
-            <a:headEnd type="none" w="med" len="med"/>
-            <a:tailEnd type="none" w="med" len="med"/>
-          </a:ln>
-        </p:spPr>
-        <p:style>
-          <a:lnRef idx="0">
-            <a:scrgbClr r="0" g="0" b="0"/>
-          </a:lnRef>
-          <a:fillRef idx="0">
-            <a:scrgbClr r="0" g="0" b="0"/>
-          </a:fillRef>
-          <a:effectRef idx="0">
-            <a:scrgbClr r="0" g="0" b="0"/>
-          </a:effectRef>
-          <a:fontRef idx="minor">
-            <a:schemeClr val="tx1"/>
-          </a:fontRef>
-        </p:style>
-      </p:cxnSp>
-      <p:cxnSp>
-        <p:nvCxnSpPr>
-          <p:cNvPr id="20" name="Straight Connector 19">
-            <a:extLst>
-              <a:ext uri="{FF2B5EF4-FFF2-40B4-BE49-F238E27FC236}">
-                <a16:creationId xmlns:a16="http://schemas.microsoft.com/office/drawing/2014/main" id="{093D5B23-CD8E-4B7F-9953-8B4E721B9BC0}"/>
-              </a:ext>
-            </a:extLst>
-          </p:cNvPr>
-          <p:cNvCxnSpPr>
-            <a:cxnSpLocks/>
-          </p:cNvCxnSpPr>
-          <p:nvPr/>
-        </p:nvCxnSpPr>
-        <p:spPr>
-          <a:xfrm>
-            <a:off x="3925614" y="5505876"/>
-            <a:ext cx="0" cy="816096"/>
-          </a:xfrm>
-          <a:prstGeom prst="line">
-            <a:avLst/>
-          </a:prstGeom>
-          <a:ln w="9525" cap="flat" cmpd="sng" algn="ctr">
-            <a:solidFill>
-              <a:schemeClr val="dk1"/>
-            </a:solidFill>
-            <a:prstDash val="dash"/>
-            <a:round/>
-            <a:headEnd type="none" w="med" len="med"/>
-            <a:tailEnd type="none" w="med" len="med"/>
-          </a:ln>
-        </p:spPr>
-        <p:style>
-          <a:lnRef idx="0">
-            <a:scrgbClr r="0" g="0" b="0"/>
-          </a:lnRef>
-          <a:fillRef idx="0">
-            <a:scrgbClr r="0" g="0" b="0"/>
-          </a:fillRef>
-          <a:effectRef idx="0">
-            <a:scrgbClr r="0" g="0" b="0"/>
-          </a:effectRef>
-          <a:fontRef idx="minor">
-            <a:schemeClr val="tx1"/>
-          </a:fontRef>
-        </p:style>
-      </p:cxnSp>
+      <p:pic>
+        <p:nvPicPr>
+          <p:cNvPr id="3" name="Picture 2">
+            <a:extLst>
+              <a:ext uri="{FF2B5EF4-FFF2-40B4-BE49-F238E27FC236}">
+                <a16:creationId xmlns:a16="http://schemas.microsoft.com/office/drawing/2014/main" id="{21FBB20B-5C25-4CC1-AA1D-1E04D2D10CC0}"/>
+              </a:ext>
+            </a:extLst>
+          </p:cNvPr>
+          <p:cNvPicPr>
+            <a:picLocks noChangeAspect="1"/>
+          </p:cNvPicPr>
+          <p:nvPr/>
+        </p:nvPicPr>
+        <p:blipFill>
+          <a:blip r:embed="rId4">
+            <a:extLst>
+              <a:ext uri="{28A0092B-C50C-407E-A947-70E740481C1C}">
+                <a14:useLocalDpi xmlns:a14="http://schemas.microsoft.com/office/drawing/2010/main" val="0"/>
+              </a:ext>
+            </a:extLst>
+          </a:blip>
+          <a:stretch>
+            <a:fillRect/>
+          </a:stretch>
+        </p:blipFill>
+        <p:spPr>
+          <a:xfrm>
+            <a:off x="1586840" y="2294391"/>
+            <a:ext cx="9906000" cy="2857500"/>
+          </a:xfrm>
+          <a:prstGeom prst="rect">
+            <a:avLst/>
+          </a:prstGeom>
+        </p:spPr>
+      </p:pic>
     </p:spTree>
     <p:extLst>
       <p:ext uri="{BB962C8B-B14F-4D97-AF65-F5344CB8AC3E}">
